--- a/trunk/doc/Voogle.pptx
+++ b/trunk/doc/Voogle.pptx
@@ -5,16 +5,18 @@
     <p:sldMasterId id="2147483876" r:id="rId1"/>
   </p:sldMasterIdLst>
   <p:notesMasterIdLst>
-    <p:notesMasterId r:id="rId6"/>
+    <p:notesMasterId r:id="rId8"/>
   </p:notesMasterIdLst>
   <p:handoutMasterIdLst>
-    <p:handoutMasterId r:id="rId7"/>
+    <p:handoutMasterId r:id="rId9"/>
   </p:handoutMasterIdLst>
   <p:sldIdLst>
     <p:sldId id="256" r:id="rId2"/>
     <p:sldId id="257" r:id="rId3"/>
     <p:sldId id="258" r:id="rId4"/>
     <p:sldId id="263" r:id="rId5"/>
+    <p:sldId id="264" r:id="rId6"/>
+    <p:sldId id="265" r:id="rId7"/>
   </p:sldIdLst>
   <p:sldSz cx="9144000" cy="6858000" type="screen4x3"/>
   <p:notesSz cx="6858000" cy="9144000"/>
@@ -114,6 +116,2495 @@
     </a:lvl9pPr>
   </p:defaultTextStyle>
 </p:presentation>
+</file>
+
+<file path=ppt/diagrams/colors1.xml><?xml version="1.0" encoding="utf-8"?>
+<dgm:colorsDef xmlns:dgm="http://schemas.openxmlformats.org/drawingml/2006/diagram" xmlns:a="http://schemas.openxmlformats.org/drawingml/2006/main" uniqueId="urn:microsoft.com/office/officeart/2005/8/colors/accent3_2">
+  <dgm:title val=""/>
+  <dgm:desc val=""/>
+  <dgm:catLst>
+    <dgm:cat type="accent3" pri="11200"/>
+  </dgm:catLst>
+  <dgm:styleLbl name="node0">
+    <dgm:fillClrLst meth="repeat">
+      <a:schemeClr val="accent3"/>
+    </dgm:fillClrLst>
+    <dgm:linClrLst meth="repeat">
+      <a:schemeClr val="lt1"/>
+    </dgm:linClrLst>
+    <dgm:effectClrLst/>
+    <dgm:txLinClrLst/>
+    <dgm:txFillClrLst/>
+    <dgm:txEffectClrLst/>
+  </dgm:styleLbl>
+  <dgm:styleLbl name="node1">
+    <dgm:fillClrLst meth="repeat">
+      <a:schemeClr val="accent3"/>
+    </dgm:fillClrLst>
+    <dgm:linClrLst meth="repeat">
+      <a:schemeClr val="lt1"/>
+    </dgm:linClrLst>
+    <dgm:effectClrLst/>
+    <dgm:txLinClrLst/>
+    <dgm:txFillClrLst/>
+    <dgm:txEffectClrLst/>
+  </dgm:styleLbl>
+  <dgm:styleLbl name="alignNode1">
+    <dgm:fillClrLst meth="repeat">
+      <a:schemeClr val="accent3"/>
+    </dgm:fillClrLst>
+    <dgm:linClrLst meth="repeat">
+      <a:schemeClr val="accent3"/>
+    </dgm:linClrLst>
+    <dgm:effectClrLst/>
+    <dgm:txLinClrLst/>
+    <dgm:txFillClrLst/>
+    <dgm:txEffectClrLst/>
+  </dgm:styleLbl>
+  <dgm:styleLbl name="lnNode1">
+    <dgm:fillClrLst meth="repeat">
+      <a:schemeClr val="accent3"/>
+    </dgm:fillClrLst>
+    <dgm:linClrLst meth="repeat">
+      <a:schemeClr val="lt1"/>
+    </dgm:linClrLst>
+    <dgm:effectClrLst/>
+    <dgm:txLinClrLst/>
+    <dgm:txFillClrLst/>
+    <dgm:txEffectClrLst/>
+  </dgm:styleLbl>
+  <dgm:styleLbl name="vennNode1">
+    <dgm:fillClrLst meth="repeat">
+      <a:schemeClr val="accent3">
+        <a:alpha val="50000"/>
+      </a:schemeClr>
+    </dgm:fillClrLst>
+    <dgm:linClrLst meth="repeat">
+      <a:schemeClr val="lt1"/>
+    </dgm:linClrLst>
+    <dgm:effectClrLst/>
+    <dgm:txLinClrLst/>
+    <dgm:txFillClrLst/>
+    <dgm:txEffectClrLst/>
+  </dgm:styleLbl>
+  <dgm:styleLbl name="node2">
+    <dgm:fillClrLst meth="repeat">
+      <a:schemeClr val="accent3"/>
+    </dgm:fillClrLst>
+    <dgm:linClrLst meth="repeat">
+      <a:schemeClr val="lt1"/>
+    </dgm:linClrLst>
+    <dgm:effectClrLst/>
+    <dgm:txLinClrLst/>
+    <dgm:txFillClrLst/>
+    <dgm:txEffectClrLst/>
+  </dgm:styleLbl>
+  <dgm:styleLbl name="node3">
+    <dgm:fillClrLst meth="repeat">
+      <a:schemeClr val="accent3"/>
+    </dgm:fillClrLst>
+    <dgm:linClrLst meth="repeat">
+      <a:schemeClr val="lt1"/>
+    </dgm:linClrLst>
+    <dgm:effectClrLst/>
+    <dgm:txLinClrLst/>
+    <dgm:txFillClrLst/>
+    <dgm:txEffectClrLst/>
+  </dgm:styleLbl>
+  <dgm:styleLbl name="node4">
+    <dgm:fillClrLst meth="repeat">
+      <a:schemeClr val="accent3"/>
+    </dgm:fillClrLst>
+    <dgm:linClrLst meth="repeat">
+      <a:schemeClr val="lt1"/>
+    </dgm:linClrLst>
+    <dgm:effectClrLst/>
+    <dgm:txLinClrLst/>
+    <dgm:txFillClrLst/>
+    <dgm:txEffectClrLst/>
+  </dgm:styleLbl>
+  <dgm:styleLbl name="fgImgPlace1">
+    <dgm:fillClrLst meth="repeat">
+      <a:schemeClr val="accent3">
+        <a:tint val="50000"/>
+      </a:schemeClr>
+    </dgm:fillClrLst>
+    <dgm:linClrLst meth="repeat">
+      <a:schemeClr val="lt1"/>
+    </dgm:linClrLst>
+    <dgm:effectClrLst/>
+    <dgm:txLinClrLst/>
+    <dgm:txFillClrLst meth="repeat">
+      <a:schemeClr val="lt1"/>
+    </dgm:txFillClrLst>
+    <dgm:txEffectClrLst/>
+  </dgm:styleLbl>
+  <dgm:styleLbl name="alignImgPlace1">
+    <dgm:fillClrLst meth="repeat">
+      <a:schemeClr val="accent3">
+        <a:tint val="50000"/>
+      </a:schemeClr>
+    </dgm:fillClrLst>
+    <dgm:linClrLst meth="repeat">
+      <a:schemeClr val="lt1"/>
+    </dgm:linClrLst>
+    <dgm:effectClrLst/>
+    <dgm:txLinClrLst/>
+    <dgm:txFillClrLst meth="repeat">
+      <a:schemeClr val="lt1"/>
+    </dgm:txFillClrLst>
+    <dgm:txEffectClrLst/>
+  </dgm:styleLbl>
+  <dgm:styleLbl name="bgImgPlace1">
+    <dgm:fillClrLst meth="repeat">
+      <a:schemeClr val="accent3">
+        <a:tint val="50000"/>
+      </a:schemeClr>
+    </dgm:fillClrLst>
+    <dgm:linClrLst meth="repeat">
+      <a:schemeClr val="lt1"/>
+    </dgm:linClrLst>
+    <dgm:effectClrLst/>
+    <dgm:txLinClrLst/>
+    <dgm:txFillClrLst meth="repeat">
+      <a:schemeClr val="lt1"/>
+    </dgm:txFillClrLst>
+    <dgm:txEffectClrLst/>
+  </dgm:styleLbl>
+  <dgm:styleLbl name="sibTrans2D1">
+    <dgm:fillClrLst meth="repeat">
+      <a:schemeClr val="accent3">
+        <a:tint val="60000"/>
+      </a:schemeClr>
+    </dgm:fillClrLst>
+    <dgm:linClrLst meth="repeat">
+      <a:schemeClr val="accent3">
+        <a:tint val="60000"/>
+      </a:schemeClr>
+    </dgm:linClrLst>
+    <dgm:effectClrLst/>
+    <dgm:txLinClrLst/>
+    <dgm:txFillClrLst/>
+    <dgm:txEffectClrLst/>
+  </dgm:styleLbl>
+  <dgm:styleLbl name="fgSibTrans2D1">
+    <dgm:fillClrLst meth="repeat">
+      <a:schemeClr val="accent3">
+        <a:tint val="60000"/>
+      </a:schemeClr>
+    </dgm:fillClrLst>
+    <dgm:linClrLst meth="repeat">
+      <a:schemeClr val="accent3">
+        <a:tint val="60000"/>
+      </a:schemeClr>
+    </dgm:linClrLst>
+    <dgm:effectClrLst/>
+    <dgm:txLinClrLst/>
+    <dgm:txFillClrLst/>
+    <dgm:txEffectClrLst/>
+  </dgm:styleLbl>
+  <dgm:styleLbl name="bgSibTrans2D1">
+    <dgm:fillClrLst meth="repeat">
+      <a:schemeClr val="accent3">
+        <a:tint val="60000"/>
+      </a:schemeClr>
+    </dgm:fillClrLst>
+    <dgm:linClrLst meth="repeat">
+      <a:schemeClr val="accent3">
+        <a:tint val="60000"/>
+      </a:schemeClr>
+    </dgm:linClrLst>
+    <dgm:effectClrLst/>
+    <dgm:txLinClrLst/>
+    <dgm:txFillClrLst/>
+    <dgm:txEffectClrLst/>
+  </dgm:styleLbl>
+  <dgm:styleLbl name="sibTrans1D1">
+    <dgm:fillClrLst meth="repeat">
+      <a:schemeClr val="accent3"/>
+    </dgm:fillClrLst>
+    <dgm:linClrLst meth="repeat">
+      <a:schemeClr val="accent3"/>
+    </dgm:linClrLst>
+    <dgm:effectClrLst/>
+    <dgm:txLinClrLst/>
+    <dgm:txFillClrLst meth="repeat">
+      <a:schemeClr val="tx1"/>
+    </dgm:txFillClrLst>
+    <dgm:txEffectClrLst/>
+  </dgm:styleLbl>
+  <dgm:styleLbl name="callout">
+    <dgm:fillClrLst meth="repeat">
+      <a:schemeClr val="accent3"/>
+    </dgm:fillClrLst>
+    <dgm:linClrLst meth="repeat">
+      <a:schemeClr val="accent3">
+        <a:tint val="50000"/>
+      </a:schemeClr>
+    </dgm:linClrLst>
+    <dgm:effectClrLst/>
+    <dgm:txLinClrLst/>
+    <dgm:txFillClrLst meth="repeat">
+      <a:schemeClr val="tx1"/>
+    </dgm:txFillClrLst>
+    <dgm:txEffectClrLst/>
+  </dgm:styleLbl>
+  <dgm:styleLbl name="asst0">
+    <dgm:fillClrLst meth="repeat">
+      <a:schemeClr val="accent3"/>
+    </dgm:fillClrLst>
+    <dgm:linClrLst meth="repeat">
+      <a:schemeClr val="lt1"/>
+    </dgm:linClrLst>
+    <dgm:effectClrLst/>
+    <dgm:txLinClrLst/>
+    <dgm:txFillClrLst/>
+    <dgm:txEffectClrLst/>
+  </dgm:styleLbl>
+  <dgm:styleLbl name="asst1">
+    <dgm:fillClrLst meth="repeat">
+      <a:schemeClr val="accent3"/>
+    </dgm:fillClrLst>
+    <dgm:linClrLst meth="repeat">
+      <a:schemeClr val="lt1"/>
+    </dgm:linClrLst>
+    <dgm:effectClrLst/>
+    <dgm:txLinClrLst/>
+    <dgm:txFillClrLst/>
+    <dgm:txEffectClrLst/>
+  </dgm:styleLbl>
+  <dgm:styleLbl name="asst2">
+    <dgm:fillClrLst meth="repeat">
+      <a:schemeClr val="accent3"/>
+    </dgm:fillClrLst>
+    <dgm:linClrLst meth="repeat">
+      <a:schemeClr val="lt1"/>
+    </dgm:linClrLst>
+    <dgm:effectClrLst/>
+    <dgm:txLinClrLst/>
+    <dgm:txFillClrLst/>
+    <dgm:txEffectClrLst/>
+  </dgm:styleLbl>
+  <dgm:styleLbl name="asst3">
+    <dgm:fillClrLst meth="repeat">
+      <a:schemeClr val="accent3"/>
+    </dgm:fillClrLst>
+    <dgm:linClrLst meth="repeat">
+      <a:schemeClr val="lt1"/>
+    </dgm:linClrLst>
+    <dgm:effectClrLst/>
+    <dgm:txLinClrLst/>
+    <dgm:txFillClrLst/>
+    <dgm:txEffectClrLst/>
+  </dgm:styleLbl>
+  <dgm:styleLbl name="asst4">
+    <dgm:fillClrLst meth="repeat">
+      <a:schemeClr val="accent3"/>
+    </dgm:fillClrLst>
+    <dgm:linClrLst meth="repeat">
+      <a:schemeClr val="lt1"/>
+    </dgm:linClrLst>
+    <dgm:effectClrLst/>
+    <dgm:txLinClrLst/>
+    <dgm:txFillClrLst/>
+    <dgm:txEffectClrLst/>
+  </dgm:styleLbl>
+  <dgm:styleLbl name="parChTrans2D1">
+    <dgm:fillClrLst meth="repeat">
+      <a:schemeClr val="accent3">
+        <a:tint val="60000"/>
+      </a:schemeClr>
+    </dgm:fillClrLst>
+    <dgm:linClrLst meth="repeat">
+      <a:schemeClr val="accent3">
+        <a:tint val="60000"/>
+      </a:schemeClr>
+    </dgm:linClrLst>
+    <dgm:effectClrLst/>
+    <dgm:txLinClrLst/>
+    <dgm:txFillClrLst meth="repeat">
+      <a:schemeClr val="lt1"/>
+    </dgm:txFillClrLst>
+    <dgm:txEffectClrLst/>
+  </dgm:styleLbl>
+  <dgm:styleLbl name="parChTrans2D2">
+    <dgm:fillClrLst meth="repeat">
+      <a:schemeClr val="accent3"/>
+    </dgm:fillClrLst>
+    <dgm:linClrLst meth="repeat">
+      <a:schemeClr val="accent3"/>
+    </dgm:linClrLst>
+    <dgm:effectClrLst/>
+    <dgm:txLinClrLst/>
+    <dgm:txFillClrLst meth="repeat">
+      <a:schemeClr val="lt1"/>
+    </dgm:txFillClrLst>
+    <dgm:txEffectClrLst/>
+  </dgm:styleLbl>
+  <dgm:styleLbl name="parChTrans2D3">
+    <dgm:fillClrLst meth="repeat">
+      <a:schemeClr val="accent3"/>
+    </dgm:fillClrLst>
+    <dgm:linClrLst meth="repeat">
+      <a:schemeClr val="accent3"/>
+    </dgm:linClrLst>
+    <dgm:effectClrLst/>
+    <dgm:txLinClrLst/>
+    <dgm:txFillClrLst meth="repeat">
+      <a:schemeClr val="lt1"/>
+    </dgm:txFillClrLst>
+    <dgm:txEffectClrLst/>
+  </dgm:styleLbl>
+  <dgm:styleLbl name="parChTrans2D4">
+    <dgm:fillClrLst meth="repeat">
+      <a:schemeClr val="accent3"/>
+    </dgm:fillClrLst>
+    <dgm:linClrLst meth="repeat">
+      <a:schemeClr val="accent3"/>
+    </dgm:linClrLst>
+    <dgm:effectClrLst/>
+    <dgm:txLinClrLst/>
+    <dgm:txFillClrLst meth="repeat">
+      <a:schemeClr val="lt1"/>
+    </dgm:txFillClrLst>
+    <dgm:txEffectClrLst/>
+  </dgm:styleLbl>
+  <dgm:styleLbl name="parChTrans1D1">
+    <dgm:fillClrLst meth="repeat">
+      <a:schemeClr val="accent3"/>
+    </dgm:fillClrLst>
+    <dgm:linClrLst meth="repeat">
+      <a:schemeClr val="accent3">
+        <a:shade val="60000"/>
+      </a:schemeClr>
+    </dgm:linClrLst>
+    <dgm:effectClrLst/>
+    <dgm:txLinClrLst/>
+    <dgm:txFillClrLst meth="repeat">
+      <a:schemeClr val="tx1"/>
+    </dgm:txFillClrLst>
+    <dgm:txEffectClrLst/>
+  </dgm:styleLbl>
+  <dgm:styleLbl name="parChTrans1D2">
+    <dgm:fillClrLst meth="repeat">
+      <a:schemeClr val="accent3"/>
+    </dgm:fillClrLst>
+    <dgm:linClrLst meth="repeat">
+      <a:schemeClr val="accent3">
+        <a:shade val="60000"/>
+      </a:schemeClr>
+    </dgm:linClrLst>
+    <dgm:effectClrLst/>
+    <dgm:txLinClrLst/>
+    <dgm:txFillClrLst meth="repeat">
+      <a:schemeClr val="tx1"/>
+    </dgm:txFillClrLst>
+    <dgm:txEffectClrLst/>
+  </dgm:styleLbl>
+  <dgm:styleLbl name="parChTrans1D3">
+    <dgm:fillClrLst meth="repeat">
+      <a:schemeClr val="accent3"/>
+    </dgm:fillClrLst>
+    <dgm:linClrLst meth="repeat">
+      <a:schemeClr val="accent3">
+        <a:shade val="80000"/>
+      </a:schemeClr>
+    </dgm:linClrLst>
+    <dgm:effectClrLst/>
+    <dgm:txLinClrLst/>
+    <dgm:txFillClrLst meth="repeat">
+      <a:schemeClr val="tx1"/>
+    </dgm:txFillClrLst>
+    <dgm:txEffectClrLst/>
+  </dgm:styleLbl>
+  <dgm:styleLbl name="parChTrans1D4">
+    <dgm:fillClrLst meth="repeat">
+      <a:schemeClr val="accent3"/>
+    </dgm:fillClrLst>
+    <dgm:linClrLst meth="repeat">
+      <a:schemeClr val="accent3">
+        <a:shade val="80000"/>
+      </a:schemeClr>
+    </dgm:linClrLst>
+    <dgm:effectClrLst/>
+    <dgm:txLinClrLst/>
+    <dgm:txFillClrLst meth="repeat">
+      <a:schemeClr val="tx1"/>
+    </dgm:txFillClrLst>
+    <dgm:txEffectClrLst/>
+  </dgm:styleLbl>
+  <dgm:styleLbl name="fgAcc1">
+    <dgm:fillClrLst meth="repeat">
+      <a:schemeClr val="lt1">
+        <a:alpha val="90000"/>
+      </a:schemeClr>
+    </dgm:fillClrLst>
+    <dgm:linClrLst meth="repeat">
+      <a:schemeClr val="accent3"/>
+    </dgm:linClrLst>
+    <dgm:effectClrLst/>
+    <dgm:txLinClrLst/>
+    <dgm:txFillClrLst meth="repeat">
+      <a:schemeClr val="dk1"/>
+    </dgm:txFillClrLst>
+    <dgm:txEffectClrLst/>
+  </dgm:styleLbl>
+  <dgm:styleLbl name="conFgAcc1">
+    <dgm:fillClrLst meth="repeat">
+      <a:schemeClr val="lt1">
+        <a:alpha val="90000"/>
+      </a:schemeClr>
+    </dgm:fillClrLst>
+    <dgm:linClrLst meth="repeat">
+      <a:schemeClr val="accent3"/>
+    </dgm:linClrLst>
+    <dgm:effectClrLst/>
+    <dgm:txLinClrLst/>
+    <dgm:txFillClrLst meth="repeat">
+      <a:schemeClr val="dk1"/>
+    </dgm:txFillClrLst>
+    <dgm:txEffectClrLst/>
+  </dgm:styleLbl>
+  <dgm:styleLbl name="alignAcc1">
+    <dgm:fillClrLst meth="repeat">
+      <a:schemeClr val="lt1">
+        <a:alpha val="90000"/>
+      </a:schemeClr>
+    </dgm:fillClrLst>
+    <dgm:linClrLst meth="repeat">
+      <a:schemeClr val="accent3"/>
+    </dgm:linClrLst>
+    <dgm:effectClrLst/>
+    <dgm:txLinClrLst/>
+    <dgm:txFillClrLst meth="repeat">
+      <a:schemeClr val="dk1"/>
+    </dgm:txFillClrLst>
+    <dgm:txEffectClrLst/>
+  </dgm:styleLbl>
+  <dgm:styleLbl name="trAlignAcc1">
+    <dgm:fillClrLst meth="repeat">
+      <a:schemeClr val="lt1">
+        <a:alpha val="40000"/>
+      </a:schemeClr>
+    </dgm:fillClrLst>
+    <dgm:linClrLst meth="repeat">
+      <a:schemeClr val="accent3"/>
+    </dgm:linClrLst>
+    <dgm:effectClrLst/>
+    <dgm:txLinClrLst/>
+    <dgm:txFillClrLst meth="repeat">
+      <a:schemeClr val="dk1"/>
+    </dgm:txFillClrLst>
+    <dgm:txEffectClrLst/>
+  </dgm:styleLbl>
+  <dgm:styleLbl name="bgAcc1">
+    <dgm:fillClrLst meth="repeat">
+      <a:schemeClr val="lt1">
+        <a:alpha val="90000"/>
+      </a:schemeClr>
+    </dgm:fillClrLst>
+    <dgm:linClrLst meth="repeat">
+      <a:schemeClr val="accent3"/>
+    </dgm:linClrLst>
+    <dgm:effectClrLst/>
+    <dgm:txLinClrLst/>
+    <dgm:txFillClrLst meth="repeat">
+      <a:schemeClr val="dk1"/>
+    </dgm:txFillClrLst>
+    <dgm:txEffectClrLst/>
+  </dgm:styleLbl>
+  <dgm:styleLbl name="solidFgAcc1">
+    <dgm:fillClrLst meth="repeat">
+      <a:schemeClr val="lt1"/>
+    </dgm:fillClrLst>
+    <dgm:linClrLst meth="repeat">
+      <a:schemeClr val="accent3"/>
+    </dgm:linClrLst>
+    <dgm:effectClrLst/>
+    <dgm:txLinClrLst/>
+    <dgm:txFillClrLst meth="repeat">
+      <a:schemeClr val="dk1"/>
+    </dgm:txFillClrLst>
+    <dgm:txEffectClrLst/>
+  </dgm:styleLbl>
+  <dgm:styleLbl name="solidAlignAcc1">
+    <dgm:fillClrLst meth="repeat">
+      <a:schemeClr val="lt1"/>
+    </dgm:fillClrLst>
+    <dgm:linClrLst meth="repeat">
+      <a:schemeClr val="accent3"/>
+    </dgm:linClrLst>
+    <dgm:effectClrLst/>
+    <dgm:txLinClrLst/>
+    <dgm:txFillClrLst meth="repeat">
+      <a:schemeClr val="dk1"/>
+    </dgm:txFillClrLst>
+    <dgm:txEffectClrLst/>
+  </dgm:styleLbl>
+  <dgm:styleLbl name="solidBgAcc1">
+    <dgm:fillClrLst meth="repeat">
+      <a:schemeClr val="lt1"/>
+    </dgm:fillClrLst>
+    <dgm:linClrLst meth="repeat">
+      <a:schemeClr val="accent3"/>
+    </dgm:linClrLst>
+    <dgm:effectClrLst/>
+    <dgm:txLinClrLst/>
+    <dgm:txFillClrLst meth="repeat">
+      <a:schemeClr val="dk1"/>
+    </dgm:txFillClrLst>
+    <dgm:txEffectClrLst/>
+  </dgm:styleLbl>
+  <dgm:styleLbl name="fgAccFollowNode1">
+    <dgm:fillClrLst meth="repeat">
+      <a:schemeClr val="accent3">
+        <a:alpha val="90000"/>
+        <a:tint val="40000"/>
+      </a:schemeClr>
+    </dgm:fillClrLst>
+    <dgm:linClrLst meth="repeat">
+      <a:schemeClr val="accent3">
+        <a:alpha val="90000"/>
+        <a:tint val="40000"/>
+      </a:schemeClr>
+    </dgm:linClrLst>
+    <dgm:effectClrLst/>
+    <dgm:txLinClrLst/>
+    <dgm:txFillClrLst meth="repeat">
+      <a:schemeClr val="dk1"/>
+    </dgm:txFillClrLst>
+    <dgm:txEffectClrLst/>
+  </dgm:styleLbl>
+  <dgm:styleLbl name="alignAccFollowNode1">
+    <dgm:fillClrLst meth="repeat">
+      <a:schemeClr val="accent3">
+        <a:alpha val="90000"/>
+        <a:tint val="40000"/>
+      </a:schemeClr>
+    </dgm:fillClrLst>
+    <dgm:linClrLst meth="repeat">
+      <a:schemeClr val="accent3">
+        <a:alpha val="90000"/>
+        <a:tint val="40000"/>
+      </a:schemeClr>
+    </dgm:linClrLst>
+    <dgm:effectClrLst/>
+    <dgm:txLinClrLst/>
+    <dgm:txFillClrLst meth="repeat">
+      <a:schemeClr val="dk1"/>
+    </dgm:txFillClrLst>
+    <dgm:txEffectClrLst/>
+  </dgm:styleLbl>
+  <dgm:styleLbl name="bgAccFollowNode1">
+    <dgm:fillClrLst meth="repeat">
+      <a:schemeClr val="accent3">
+        <a:alpha val="90000"/>
+        <a:tint val="40000"/>
+      </a:schemeClr>
+    </dgm:fillClrLst>
+    <dgm:linClrLst meth="repeat">
+      <a:schemeClr val="accent3">
+        <a:alpha val="90000"/>
+        <a:tint val="40000"/>
+      </a:schemeClr>
+    </dgm:linClrLst>
+    <dgm:effectClrLst/>
+    <dgm:txLinClrLst/>
+    <dgm:txFillClrLst meth="repeat">
+      <a:schemeClr val="dk1"/>
+    </dgm:txFillClrLst>
+    <dgm:txEffectClrLst/>
+  </dgm:styleLbl>
+  <dgm:styleLbl name="fgAcc0">
+    <dgm:fillClrLst meth="repeat">
+      <a:schemeClr val="lt1">
+        <a:alpha val="90000"/>
+      </a:schemeClr>
+    </dgm:fillClrLst>
+    <dgm:linClrLst meth="repeat">
+      <a:schemeClr val="accent3"/>
+    </dgm:linClrLst>
+    <dgm:effectClrLst/>
+    <dgm:txLinClrLst/>
+    <dgm:txFillClrLst meth="repeat">
+      <a:schemeClr val="dk1"/>
+    </dgm:txFillClrLst>
+    <dgm:txEffectClrLst/>
+  </dgm:styleLbl>
+  <dgm:styleLbl name="fgAcc2">
+    <dgm:fillClrLst meth="repeat">
+      <a:schemeClr val="lt1">
+        <a:alpha val="90000"/>
+      </a:schemeClr>
+    </dgm:fillClrLst>
+    <dgm:linClrLst meth="repeat">
+      <a:schemeClr val="accent3"/>
+    </dgm:linClrLst>
+    <dgm:effectClrLst/>
+    <dgm:txLinClrLst/>
+    <dgm:txFillClrLst meth="repeat">
+      <a:schemeClr val="dk1"/>
+    </dgm:txFillClrLst>
+    <dgm:txEffectClrLst/>
+  </dgm:styleLbl>
+  <dgm:styleLbl name="fgAcc3">
+    <dgm:fillClrLst meth="repeat">
+      <a:schemeClr val="lt1">
+        <a:alpha val="90000"/>
+      </a:schemeClr>
+    </dgm:fillClrLst>
+    <dgm:linClrLst meth="repeat">
+      <a:schemeClr val="accent3"/>
+    </dgm:linClrLst>
+    <dgm:effectClrLst/>
+    <dgm:txLinClrLst/>
+    <dgm:txFillClrLst meth="repeat">
+      <a:schemeClr val="dk1"/>
+    </dgm:txFillClrLst>
+    <dgm:txEffectClrLst/>
+  </dgm:styleLbl>
+  <dgm:styleLbl name="fgAcc4">
+    <dgm:fillClrLst meth="repeat">
+      <a:schemeClr val="lt1">
+        <a:alpha val="90000"/>
+      </a:schemeClr>
+    </dgm:fillClrLst>
+    <dgm:linClrLst meth="repeat">
+      <a:schemeClr val="accent3"/>
+    </dgm:linClrLst>
+    <dgm:effectClrLst/>
+    <dgm:txLinClrLst/>
+    <dgm:txFillClrLst meth="repeat">
+      <a:schemeClr val="dk1"/>
+    </dgm:txFillClrLst>
+    <dgm:txEffectClrLst/>
+  </dgm:styleLbl>
+  <dgm:styleLbl name="bgShp">
+    <dgm:fillClrLst meth="repeat">
+      <a:schemeClr val="accent3">
+        <a:tint val="40000"/>
+      </a:schemeClr>
+    </dgm:fillClrLst>
+    <dgm:linClrLst meth="repeat">
+      <a:schemeClr val="accent3"/>
+    </dgm:linClrLst>
+    <dgm:effectClrLst/>
+    <dgm:txLinClrLst/>
+    <dgm:txFillClrLst meth="repeat">
+      <a:schemeClr val="dk1"/>
+    </dgm:txFillClrLst>
+    <dgm:txEffectClrLst/>
+  </dgm:styleLbl>
+  <dgm:styleLbl name="dkBgShp">
+    <dgm:fillClrLst meth="repeat">
+      <a:schemeClr val="accent3">
+        <a:shade val="80000"/>
+      </a:schemeClr>
+    </dgm:fillClrLst>
+    <dgm:linClrLst meth="repeat">
+      <a:schemeClr val="accent3"/>
+    </dgm:linClrLst>
+    <dgm:effectClrLst/>
+    <dgm:txLinClrLst/>
+    <dgm:txFillClrLst meth="repeat">
+      <a:schemeClr val="lt1"/>
+    </dgm:txFillClrLst>
+    <dgm:txEffectClrLst/>
+  </dgm:styleLbl>
+  <dgm:styleLbl name="trBgShp">
+    <dgm:fillClrLst meth="repeat">
+      <a:schemeClr val="accent3">
+        <a:tint val="50000"/>
+        <a:alpha val="40000"/>
+      </a:schemeClr>
+    </dgm:fillClrLst>
+    <dgm:linClrLst meth="repeat">
+      <a:schemeClr val="accent3"/>
+    </dgm:linClrLst>
+    <dgm:effectClrLst/>
+    <dgm:txLinClrLst/>
+    <dgm:txFillClrLst meth="repeat">
+      <a:schemeClr val="lt1"/>
+    </dgm:txFillClrLst>
+    <dgm:txEffectClrLst/>
+  </dgm:styleLbl>
+  <dgm:styleLbl name="fgShp">
+    <dgm:fillClrLst meth="repeat">
+      <a:schemeClr val="accent3">
+        <a:tint val="60000"/>
+      </a:schemeClr>
+    </dgm:fillClrLst>
+    <dgm:linClrLst meth="repeat">
+      <a:schemeClr val="lt1"/>
+    </dgm:linClrLst>
+    <dgm:effectClrLst/>
+    <dgm:txLinClrLst/>
+    <dgm:txFillClrLst meth="repeat">
+      <a:schemeClr val="dk1"/>
+    </dgm:txFillClrLst>
+    <dgm:txEffectClrLst/>
+  </dgm:styleLbl>
+  <dgm:styleLbl name="revTx">
+    <dgm:fillClrLst meth="repeat">
+      <a:schemeClr val="lt1">
+        <a:alpha val="0"/>
+      </a:schemeClr>
+    </dgm:fillClrLst>
+    <dgm:linClrLst meth="repeat">
+      <a:schemeClr val="dk1">
+        <a:alpha val="0"/>
+      </a:schemeClr>
+    </dgm:linClrLst>
+    <dgm:effectClrLst/>
+    <dgm:txLinClrLst/>
+    <dgm:txFillClrLst meth="repeat">
+      <a:schemeClr val="tx1"/>
+    </dgm:txFillClrLst>
+    <dgm:txEffectClrLst/>
+  </dgm:styleLbl>
+</dgm:colorsDef>
+</file>
+
+<file path=ppt/diagrams/data1.xml><?xml version="1.0" encoding="utf-8"?>
+<dgm:dataModel xmlns:dgm="http://schemas.openxmlformats.org/drawingml/2006/diagram" xmlns:a="http://schemas.openxmlformats.org/drawingml/2006/main">
+  <dgm:ptLst>
+    <dgm:pt modelId="{CF8A61A7-24F3-4324-99F8-4E33D3BE195D}" type="doc">
+      <dgm:prSet loTypeId="urn:microsoft.com/office/officeart/2005/8/layout/chevron2" loCatId="process" qsTypeId="urn:microsoft.com/office/officeart/2005/8/quickstyle/3d1" qsCatId="3D" csTypeId="urn:microsoft.com/office/officeart/2005/8/colors/accent3_2" csCatId="accent3" phldr="1"/>
+      <dgm:spPr/>
+    </dgm:pt>
+    <dgm:pt modelId="{A11485FD-59B3-4E6F-B3F9-D696DCE63914}">
+      <dgm:prSet phldrT="[Texte]"/>
+      <dgm:spPr/>
+      <dgm:t>
+        <a:bodyPr/>
+        <a:lstStyle/>
+        <a:p>
+          <a:r>
+            <a:rPr lang="fr-FR" dirty="0"/>
+            <a:t>Perception</a:t>
+          </a:r>
+        </a:p>
+      </dgm:t>
+    </dgm:pt>
+    <dgm:pt modelId="{80013BFE-3037-4EF4-AE99-E7C66BB556EF}" type="parTrans" cxnId="{DBDACF28-9DAA-4D92-BCCA-9084DAEE29DB}">
+      <dgm:prSet/>
+      <dgm:spPr/>
+      <dgm:t>
+        <a:bodyPr/>
+        <a:lstStyle/>
+        <a:p>
+          <a:endParaRPr lang="fr-FR"/>
+        </a:p>
+      </dgm:t>
+    </dgm:pt>
+    <dgm:pt modelId="{9B51CD47-2CCC-450D-8E56-98A8C02F1218}" type="sibTrans" cxnId="{DBDACF28-9DAA-4D92-BCCA-9084DAEE29DB}">
+      <dgm:prSet/>
+      <dgm:spPr/>
+      <dgm:t>
+        <a:bodyPr/>
+        <a:lstStyle/>
+        <a:p>
+          <a:endParaRPr lang="fr-FR"/>
+        </a:p>
+      </dgm:t>
+    </dgm:pt>
+    <dgm:pt modelId="{70901D83-C1FF-4154-8344-853D7F9283A3}">
+      <dgm:prSet phldrT="[Texte]"/>
+      <dgm:spPr/>
+      <dgm:t>
+        <a:bodyPr/>
+        <a:lstStyle/>
+        <a:p>
+          <a:r>
+            <a:rPr lang="fr-FR" smtClean="0"/>
+            <a:t>Rélexion</a:t>
+          </a:r>
+          <a:endParaRPr lang="fr-FR" dirty="0"/>
+        </a:p>
+      </dgm:t>
+    </dgm:pt>
+    <dgm:pt modelId="{9CD4C0F7-EA10-4940-8F6B-FE558A74F8D0}" type="parTrans" cxnId="{9B418E0B-E4A7-4721-875C-892739674851}">
+      <dgm:prSet/>
+      <dgm:spPr/>
+      <dgm:t>
+        <a:bodyPr/>
+        <a:lstStyle/>
+        <a:p>
+          <a:endParaRPr lang="fr-FR"/>
+        </a:p>
+      </dgm:t>
+    </dgm:pt>
+    <dgm:pt modelId="{ED434FD2-8E99-4786-AE73-7D4E369A795F}" type="sibTrans" cxnId="{9B418E0B-E4A7-4721-875C-892739674851}">
+      <dgm:prSet/>
+      <dgm:spPr/>
+      <dgm:t>
+        <a:bodyPr/>
+        <a:lstStyle/>
+        <a:p>
+          <a:endParaRPr lang="fr-FR"/>
+        </a:p>
+      </dgm:t>
+    </dgm:pt>
+    <dgm:pt modelId="{F3D14ECF-82A6-4674-B224-0A48F8A5A2AB}">
+      <dgm:prSet phldrT="[Texte]"/>
+      <dgm:spPr/>
+      <dgm:t>
+        <a:bodyPr/>
+        <a:lstStyle/>
+        <a:p>
+          <a:r>
+            <a:rPr lang="fr-FR"/>
+            <a:t>Action</a:t>
+          </a:r>
+        </a:p>
+      </dgm:t>
+    </dgm:pt>
+    <dgm:pt modelId="{08E921F9-16FE-4CB2-8A30-E24020E40B87}" type="parTrans" cxnId="{2C8B6183-FB37-423C-832B-00263B83A394}">
+      <dgm:prSet/>
+      <dgm:spPr/>
+      <dgm:t>
+        <a:bodyPr/>
+        <a:lstStyle/>
+        <a:p>
+          <a:endParaRPr lang="fr-FR"/>
+        </a:p>
+      </dgm:t>
+    </dgm:pt>
+    <dgm:pt modelId="{F04B34E1-E2BE-4BF4-99E2-86DB1B38D805}" type="sibTrans" cxnId="{2C8B6183-FB37-423C-832B-00263B83A394}">
+      <dgm:prSet/>
+      <dgm:spPr/>
+      <dgm:t>
+        <a:bodyPr/>
+        <a:lstStyle/>
+        <a:p>
+          <a:endParaRPr lang="fr-FR"/>
+        </a:p>
+      </dgm:t>
+    </dgm:pt>
+    <dgm:pt modelId="{AA3FAB94-D34B-4395-9875-313F7463E8E8}">
+      <dgm:prSet/>
+      <dgm:spPr/>
+      <dgm:t>
+        <a:bodyPr/>
+        <a:lstStyle/>
+        <a:p>
+          <a:r>
+            <a:rPr lang="fr-FR" dirty="0" smtClean="0"/>
+            <a:t>Récolte des informations sur le nœud</a:t>
+          </a:r>
+          <a:endParaRPr lang="fr-FR" dirty="0"/>
+        </a:p>
+      </dgm:t>
+    </dgm:pt>
+    <dgm:pt modelId="{47F2E7B9-5AF7-490F-A9E0-CB35EF126FFC}" type="parTrans" cxnId="{89D8A361-E229-4265-9D1A-43E4CEBA4EB6}">
+      <dgm:prSet/>
+      <dgm:spPr/>
+    </dgm:pt>
+    <dgm:pt modelId="{8976E50B-B417-489B-B7E2-F8E490FE67CB}" type="sibTrans" cxnId="{89D8A361-E229-4265-9D1A-43E4CEBA4EB6}">
+      <dgm:prSet/>
+      <dgm:spPr/>
+    </dgm:pt>
+    <dgm:pt modelId="{FF7F3AE8-C510-4B06-AE5B-DF65AB70CFD3}">
+      <dgm:prSet/>
+      <dgm:spPr/>
+      <dgm:t>
+        <a:bodyPr/>
+        <a:lstStyle/>
+        <a:p>
+          <a:r>
+            <a:rPr lang="fr-FR" dirty="0" smtClean="0"/>
+            <a:t>Echange de données avec les threads présents sur le </a:t>
+          </a:r>
+          <a:r>
+            <a:rPr lang="fr-FR" dirty="0" err="1" smtClean="0"/>
+            <a:t>noeud</a:t>
+          </a:r>
+          <a:endParaRPr lang="fr-FR" dirty="0"/>
+        </a:p>
+      </dgm:t>
+    </dgm:pt>
+    <dgm:pt modelId="{1143BE81-9C62-4792-896E-E71C413F96A8}" type="parTrans" cxnId="{B63B1C17-70F9-42E7-9D38-30FA56FA894A}">
+      <dgm:prSet/>
+      <dgm:spPr/>
+    </dgm:pt>
+    <dgm:pt modelId="{CCCCEF59-EA25-4694-88CE-685CCC451ED7}" type="sibTrans" cxnId="{B63B1C17-70F9-42E7-9D38-30FA56FA894A}">
+      <dgm:prSet/>
+      <dgm:spPr/>
+    </dgm:pt>
+    <dgm:pt modelId="{BDFB417B-0841-4420-8C1B-7DB228B31E70}">
+      <dgm:prSet/>
+      <dgm:spPr/>
+      <dgm:t>
+        <a:bodyPr/>
+        <a:lstStyle/>
+        <a:p>
+          <a:r>
+            <a:rPr lang="fr-FR" dirty="0" smtClean="0"/>
+            <a:t>Choix d’une stratégie en fonction des informations</a:t>
+          </a:r>
+          <a:endParaRPr lang="fr-FR" dirty="0"/>
+        </a:p>
+      </dgm:t>
+    </dgm:pt>
+    <dgm:pt modelId="{039EA8AF-E470-41C3-A7E3-B70DF11A03C4}" type="parTrans" cxnId="{1D4D3D87-5CEA-466A-A09B-EA3E45537B5F}">
+      <dgm:prSet/>
+      <dgm:spPr/>
+    </dgm:pt>
+    <dgm:pt modelId="{B054FD20-C0A1-4E12-8BC2-F5093F2F1427}" type="sibTrans" cxnId="{1D4D3D87-5CEA-466A-A09B-EA3E45537B5F}">
+      <dgm:prSet/>
+      <dgm:spPr/>
+    </dgm:pt>
+    <dgm:pt modelId="{AC9BC6A7-7112-4E6A-AF06-2BD4E10E537E}">
+      <dgm:prSet/>
+      <dgm:spPr/>
+      <dgm:t>
+        <a:bodyPr/>
+        <a:lstStyle/>
+        <a:p>
+          <a:r>
+            <a:rPr lang="fr-FR" dirty="0" smtClean="0"/>
+            <a:t>Application des actions déterminés par la stratégie</a:t>
+          </a:r>
+          <a:endParaRPr lang="fr-FR" dirty="0"/>
+        </a:p>
+      </dgm:t>
+    </dgm:pt>
+    <dgm:pt modelId="{A89165DA-3DEF-4989-8644-77F0B843EFAC}" type="parTrans" cxnId="{2CF61B1D-F9FA-466A-826E-6450A3AF4F89}">
+      <dgm:prSet/>
+      <dgm:spPr/>
+    </dgm:pt>
+    <dgm:pt modelId="{E38F36B4-C1DD-4A18-B631-EC389D449064}" type="sibTrans" cxnId="{2CF61B1D-F9FA-466A-826E-6450A3AF4F89}">
+      <dgm:prSet/>
+      <dgm:spPr/>
+    </dgm:pt>
+    <dgm:pt modelId="{E9CD9121-7AA2-48FF-BC68-347ECD5BF9C7}" type="pres">
+      <dgm:prSet presAssocID="{CF8A61A7-24F3-4324-99F8-4E33D3BE195D}" presName="linearFlow" presStyleCnt="0">
+        <dgm:presLayoutVars>
+          <dgm:dir/>
+          <dgm:animLvl val="lvl"/>
+          <dgm:resizeHandles val="exact"/>
+        </dgm:presLayoutVars>
+      </dgm:prSet>
+      <dgm:spPr/>
+    </dgm:pt>
+    <dgm:pt modelId="{700B6E31-D3A2-4566-911B-E22B8D829989}" type="pres">
+      <dgm:prSet presAssocID="{A11485FD-59B3-4E6F-B3F9-D696DCE63914}" presName="composite" presStyleCnt="0"/>
+      <dgm:spPr/>
+    </dgm:pt>
+    <dgm:pt modelId="{EF13F261-294A-4D62-8335-AEE1CDE9AB07}" type="pres">
+      <dgm:prSet presAssocID="{A11485FD-59B3-4E6F-B3F9-D696DCE63914}" presName="parentText" presStyleLbl="alignNode1" presStyleIdx="0" presStyleCnt="3">
+        <dgm:presLayoutVars>
+          <dgm:chMax val="1"/>
+          <dgm:bulletEnabled val="1"/>
+        </dgm:presLayoutVars>
+      </dgm:prSet>
+      <dgm:spPr/>
+      <dgm:t>
+        <a:bodyPr/>
+        <a:lstStyle/>
+        <a:p>
+          <a:endParaRPr lang="fr-FR"/>
+        </a:p>
+      </dgm:t>
+    </dgm:pt>
+    <dgm:pt modelId="{D100FAA0-0AF3-4637-B631-80648C525695}" type="pres">
+      <dgm:prSet presAssocID="{A11485FD-59B3-4E6F-B3F9-D696DCE63914}" presName="descendantText" presStyleLbl="alignAcc1" presStyleIdx="0" presStyleCnt="3">
+        <dgm:presLayoutVars>
+          <dgm:bulletEnabled val="1"/>
+        </dgm:presLayoutVars>
+      </dgm:prSet>
+      <dgm:spPr/>
+      <dgm:t>
+        <a:bodyPr/>
+        <a:lstStyle/>
+        <a:p>
+          <a:endParaRPr lang="fr-FR"/>
+        </a:p>
+      </dgm:t>
+    </dgm:pt>
+    <dgm:pt modelId="{D7B8F9D6-0418-4A77-9916-DBF069C22D93}" type="pres">
+      <dgm:prSet presAssocID="{9B51CD47-2CCC-450D-8E56-98A8C02F1218}" presName="sp" presStyleCnt="0"/>
+      <dgm:spPr/>
+    </dgm:pt>
+    <dgm:pt modelId="{3B4B9C0B-7592-4478-9C40-9677EE4FA814}" type="pres">
+      <dgm:prSet presAssocID="{70901D83-C1FF-4154-8344-853D7F9283A3}" presName="composite" presStyleCnt="0"/>
+      <dgm:spPr/>
+    </dgm:pt>
+    <dgm:pt modelId="{460CFFF8-A773-4730-AA52-C3B72BBF5B35}" type="pres">
+      <dgm:prSet presAssocID="{70901D83-C1FF-4154-8344-853D7F9283A3}" presName="parentText" presStyleLbl="alignNode1" presStyleIdx="1" presStyleCnt="3">
+        <dgm:presLayoutVars>
+          <dgm:chMax val="1"/>
+          <dgm:bulletEnabled val="1"/>
+        </dgm:presLayoutVars>
+      </dgm:prSet>
+      <dgm:spPr/>
+      <dgm:t>
+        <a:bodyPr/>
+        <a:lstStyle/>
+        <a:p>
+          <a:endParaRPr lang="fr-FR"/>
+        </a:p>
+      </dgm:t>
+    </dgm:pt>
+    <dgm:pt modelId="{AD3B2B6D-2C2C-4F9D-9BAB-6C9727104E3F}" type="pres">
+      <dgm:prSet presAssocID="{70901D83-C1FF-4154-8344-853D7F9283A3}" presName="descendantText" presStyleLbl="alignAcc1" presStyleIdx="1" presStyleCnt="3">
+        <dgm:presLayoutVars>
+          <dgm:bulletEnabled val="1"/>
+        </dgm:presLayoutVars>
+      </dgm:prSet>
+      <dgm:spPr/>
+      <dgm:t>
+        <a:bodyPr/>
+        <a:lstStyle/>
+        <a:p>
+          <a:endParaRPr lang="fr-FR"/>
+        </a:p>
+      </dgm:t>
+    </dgm:pt>
+    <dgm:pt modelId="{A9F9E878-4349-419C-9E1D-E55660939EE4}" type="pres">
+      <dgm:prSet presAssocID="{ED434FD2-8E99-4786-AE73-7D4E369A795F}" presName="sp" presStyleCnt="0"/>
+      <dgm:spPr/>
+    </dgm:pt>
+    <dgm:pt modelId="{8FD49181-255F-4440-8BD3-7B669B526E2F}" type="pres">
+      <dgm:prSet presAssocID="{F3D14ECF-82A6-4674-B224-0A48F8A5A2AB}" presName="composite" presStyleCnt="0"/>
+      <dgm:spPr/>
+    </dgm:pt>
+    <dgm:pt modelId="{451CEE3E-F5C6-477E-B84D-85661A143015}" type="pres">
+      <dgm:prSet presAssocID="{F3D14ECF-82A6-4674-B224-0A48F8A5A2AB}" presName="parentText" presStyleLbl="alignNode1" presStyleIdx="2" presStyleCnt="3">
+        <dgm:presLayoutVars>
+          <dgm:chMax val="1"/>
+          <dgm:bulletEnabled val="1"/>
+        </dgm:presLayoutVars>
+      </dgm:prSet>
+      <dgm:spPr/>
+      <dgm:t>
+        <a:bodyPr/>
+        <a:lstStyle/>
+        <a:p>
+          <a:endParaRPr lang="fr-FR"/>
+        </a:p>
+      </dgm:t>
+    </dgm:pt>
+    <dgm:pt modelId="{A8FF90F5-6DB4-499D-A047-C389F7FDC61D}" type="pres">
+      <dgm:prSet presAssocID="{F3D14ECF-82A6-4674-B224-0A48F8A5A2AB}" presName="descendantText" presStyleLbl="alignAcc1" presStyleIdx="2" presStyleCnt="3">
+        <dgm:presLayoutVars>
+          <dgm:bulletEnabled val="1"/>
+        </dgm:presLayoutVars>
+      </dgm:prSet>
+      <dgm:spPr/>
+      <dgm:t>
+        <a:bodyPr/>
+        <a:lstStyle/>
+        <a:p>
+          <a:endParaRPr lang="fr-FR"/>
+        </a:p>
+      </dgm:t>
+    </dgm:pt>
+  </dgm:ptLst>
+  <dgm:cxnLst>
+    <dgm:cxn modelId="{5A5F7E3B-CAA0-43F7-ABCB-391E706EAC83}" type="presOf" srcId="{FF7F3AE8-C510-4B06-AE5B-DF65AB70CFD3}" destId="{D100FAA0-0AF3-4637-B631-80648C525695}" srcOrd="0" destOrd="1" presId="urn:microsoft.com/office/officeart/2005/8/layout/chevron2"/>
+    <dgm:cxn modelId="{2C8B6183-FB37-423C-832B-00263B83A394}" srcId="{CF8A61A7-24F3-4324-99F8-4E33D3BE195D}" destId="{F3D14ECF-82A6-4674-B224-0A48F8A5A2AB}" srcOrd="2" destOrd="0" parTransId="{08E921F9-16FE-4CB2-8A30-E24020E40B87}" sibTransId="{F04B34E1-E2BE-4BF4-99E2-86DB1B38D805}"/>
+    <dgm:cxn modelId="{655B291D-9130-41E1-A89C-CF1091D2674C}" type="presOf" srcId="{AC9BC6A7-7112-4E6A-AF06-2BD4E10E537E}" destId="{A8FF90F5-6DB4-499D-A047-C389F7FDC61D}" srcOrd="0" destOrd="0" presId="urn:microsoft.com/office/officeart/2005/8/layout/chevron2"/>
+    <dgm:cxn modelId="{94674B9F-8987-4112-902B-1EC5079B38C3}" type="presOf" srcId="{BDFB417B-0841-4420-8C1B-7DB228B31E70}" destId="{AD3B2B6D-2C2C-4F9D-9BAB-6C9727104E3F}" srcOrd="0" destOrd="0" presId="urn:microsoft.com/office/officeart/2005/8/layout/chevron2"/>
+    <dgm:cxn modelId="{473A48E0-F22E-4A63-97B1-AFD4133951B6}" type="presOf" srcId="{F3D14ECF-82A6-4674-B224-0A48F8A5A2AB}" destId="{451CEE3E-F5C6-477E-B84D-85661A143015}" srcOrd="0" destOrd="0" presId="urn:microsoft.com/office/officeart/2005/8/layout/chevron2"/>
+    <dgm:cxn modelId="{6D005431-BAC1-4D40-A5F7-CE586E232D07}" type="presOf" srcId="{70901D83-C1FF-4154-8344-853D7F9283A3}" destId="{460CFFF8-A773-4730-AA52-C3B72BBF5B35}" srcOrd="0" destOrd="0" presId="urn:microsoft.com/office/officeart/2005/8/layout/chevron2"/>
+    <dgm:cxn modelId="{1D4D3D87-5CEA-466A-A09B-EA3E45537B5F}" srcId="{70901D83-C1FF-4154-8344-853D7F9283A3}" destId="{BDFB417B-0841-4420-8C1B-7DB228B31E70}" srcOrd="0" destOrd="0" parTransId="{039EA8AF-E470-41C3-A7E3-B70DF11A03C4}" sibTransId="{B054FD20-C0A1-4E12-8BC2-F5093F2F1427}"/>
+    <dgm:cxn modelId="{B63B1C17-70F9-42E7-9D38-30FA56FA894A}" srcId="{A11485FD-59B3-4E6F-B3F9-D696DCE63914}" destId="{FF7F3AE8-C510-4B06-AE5B-DF65AB70CFD3}" srcOrd="1" destOrd="0" parTransId="{1143BE81-9C62-4792-896E-E71C413F96A8}" sibTransId="{CCCCEF59-EA25-4694-88CE-685CCC451ED7}"/>
+    <dgm:cxn modelId="{89D8A361-E229-4265-9D1A-43E4CEBA4EB6}" srcId="{A11485FD-59B3-4E6F-B3F9-D696DCE63914}" destId="{AA3FAB94-D34B-4395-9875-313F7463E8E8}" srcOrd="0" destOrd="0" parTransId="{47F2E7B9-5AF7-490F-A9E0-CB35EF126FFC}" sibTransId="{8976E50B-B417-489B-B7E2-F8E490FE67CB}"/>
+    <dgm:cxn modelId="{2CF61B1D-F9FA-466A-826E-6450A3AF4F89}" srcId="{F3D14ECF-82A6-4674-B224-0A48F8A5A2AB}" destId="{AC9BC6A7-7112-4E6A-AF06-2BD4E10E537E}" srcOrd="0" destOrd="0" parTransId="{A89165DA-3DEF-4989-8644-77F0B843EFAC}" sibTransId="{E38F36B4-C1DD-4A18-B631-EC389D449064}"/>
+    <dgm:cxn modelId="{DBDACF28-9DAA-4D92-BCCA-9084DAEE29DB}" srcId="{CF8A61A7-24F3-4324-99F8-4E33D3BE195D}" destId="{A11485FD-59B3-4E6F-B3F9-D696DCE63914}" srcOrd="0" destOrd="0" parTransId="{80013BFE-3037-4EF4-AE99-E7C66BB556EF}" sibTransId="{9B51CD47-2CCC-450D-8E56-98A8C02F1218}"/>
+    <dgm:cxn modelId="{DD4397D8-436E-4006-8CE9-028A8538EAA9}" type="presOf" srcId="{A11485FD-59B3-4E6F-B3F9-D696DCE63914}" destId="{EF13F261-294A-4D62-8335-AEE1CDE9AB07}" srcOrd="0" destOrd="0" presId="urn:microsoft.com/office/officeart/2005/8/layout/chevron2"/>
+    <dgm:cxn modelId="{8C9D82E3-1F06-471A-8BB0-2F51879B03AB}" type="presOf" srcId="{CF8A61A7-24F3-4324-99F8-4E33D3BE195D}" destId="{E9CD9121-7AA2-48FF-BC68-347ECD5BF9C7}" srcOrd="0" destOrd="0" presId="urn:microsoft.com/office/officeart/2005/8/layout/chevron2"/>
+    <dgm:cxn modelId="{295E062F-30CB-4EC3-ABFE-9CFC57A078DB}" type="presOf" srcId="{AA3FAB94-D34B-4395-9875-313F7463E8E8}" destId="{D100FAA0-0AF3-4637-B631-80648C525695}" srcOrd="0" destOrd="0" presId="urn:microsoft.com/office/officeart/2005/8/layout/chevron2"/>
+    <dgm:cxn modelId="{9B418E0B-E4A7-4721-875C-892739674851}" srcId="{CF8A61A7-24F3-4324-99F8-4E33D3BE195D}" destId="{70901D83-C1FF-4154-8344-853D7F9283A3}" srcOrd="1" destOrd="0" parTransId="{9CD4C0F7-EA10-4940-8F6B-FE558A74F8D0}" sibTransId="{ED434FD2-8E99-4786-AE73-7D4E369A795F}"/>
+    <dgm:cxn modelId="{2CFD68D5-F25D-4F6C-82EE-8AE95207C353}" type="presParOf" srcId="{E9CD9121-7AA2-48FF-BC68-347ECD5BF9C7}" destId="{700B6E31-D3A2-4566-911B-E22B8D829989}" srcOrd="0" destOrd="0" presId="urn:microsoft.com/office/officeart/2005/8/layout/chevron2"/>
+    <dgm:cxn modelId="{19306025-9A58-4A2A-B8F6-C3D8CAE3B8FB}" type="presParOf" srcId="{700B6E31-D3A2-4566-911B-E22B8D829989}" destId="{EF13F261-294A-4D62-8335-AEE1CDE9AB07}" srcOrd="0" destOrd="0" presId="urn:microsoft.com/office/officeart/2005/8/layout/chevron2"/>
+    <dgm:cxn modelId="{FA60CFB0-5177-44D2-B1B4-50B0461A484C}" type="presParOf" srcId="{700B6E31-D3A2-4566-911B-E22B8D829989}" destId="{D100FAA0-0AF3-4637-B631-80648C525695}" srcOrd="1" destOrd="0" presId="urn:microsoft.com/office/officeart/2005/8/layout/chevron2"/>
+    <dgm:cxn modelId="{D1435B4B-060C-47DE-A871-3E87A4D8C5E8}" type="presParOf" srcId="{E9CD9121-7AA2-48FF-BC68-347ECD5BF9C7}" destId="{D7B8F9D6-0418-4A77-9916-DBF069C22D93}" srcOrd="1" destOrd="0" presId="urn:microsoft.com/office/officeart/2005/8/layout/chevron2"/>
+    <dgm:cxn modelId="{D226FE3B-C8B8-4594-BB81-7FBA2AD57EA8}" type="presParOf" srcId="{E9CD9121-7AA2-48FF-BC68-347ECD5BF9C7}" destId="{3B4B9C0B-7592-4478-9C40-9677EE4FA814}" srcOrd="2" destOrd="0" presId="urn:microsoft.com/office/officeart/2005/8/layout/chevron2"/>
+    <dgm:cxn modelId="{389F7F7E-54EA-4F00-84FF-38D22FD10B18}" type="presParOf" srcId="{3B4B9C0B-7592-4478-9C40-9677EE4FA814}" destId="{460CFFF8-A773-4730-AA52-C3B72BBF5B35}" srcOrd="0" destOrd="0" presId="urn:microsoft.com/office/officeart/2005/8/layout/chevron2"/>
+    <dgm:cxn modelId="{1AA8A236-07D7-4D61-A70E-4144C17657FF}" type="presParOf" srcId="{3B4B9C0B-7592-4478-9C40-9677EE4FA814}" destId="{AD3B2B6D-2C2C-4F9D-9BAB-6C9727104E3F}" srcOrd="1" destOrd="0" presId="urn:microsoft.com/office/officeart/2005/8/layout/chevron2"/>
+    <dgm:cxn modelId="{7B45D559-3D26-481C-8088-5DA38AE5B1F5}" type="presParOf" srcId="{E9CD9121-7AA2-48FF-BC68-347ECD5BF9C7}" destId="{A9F9E878-4349-419C-9E1D-E55660939EE4}" srcOrd="3" destOrd="0" presId="urn:microsoft.com/office/officeart/2005/8/layout/chevron2"/>
+    <dgm:cxn modelId="{9839F2EF-A928-48E8-818E-71E37B2F30F4}" type="presParOf" srcId="{E9CD9121-7AA2-48FF-BC68-347ECD5BF9C7}" destId="{8FD49181-255F-4440-8BD3-7B669B526E2F}" srcOrd="4" destOrd="0" presId="urn:microsoft.com/office/officeart/2005/8/layout/chevron2"/>
+    <dgm:cxn modelId="{A6D1CA7A-9465-49E5-A822-2C4D2392BBAD}" type="presParOf" srcId="{8FD49181-255F-4440-8BD3-7B669B526E2F}" destId="{451CEE3E-F5C6-477E-B84D-85661A143015}" srcOrd="0" destOrd="0" presId="urn:microsoft.com/office/officeart/2005/8/layout/chevron2"/>
+    <dgm:cxn modelId="{EC7642C6-A40F-4227-A58C-89A6F4C3E577}" type="presParOf" srcId="{8FD49181-255F-4440-8BD3-7B669B526E2F}" destId="{A8FF90F5-6DB4-499D-A047-C389F7FDC61D}" srcOrd="1" destOrd="0" presId="urn:microsoft.com/office/officeart/2005/8/layout/chevron2"/>
+  </dgm:cxnLst>
+  <dgm:bg/>
+  <dgm:whole/>
+</dgm:dataModel>
+</file>
+
+<file path=ppt/diagrams/layout1.xml><?xml version="1.0" encoding="utf-8"?>
+<dgm:layoutDef xmlns:dgm="http://schemas.openxmlformats.org/drawingml/2006/diagram" xmlns:a="http://schemas.openxmlformats.org/drawingml/2006/main" uniqueId="urn:microsoft.com/office/officeart/2005/8/layout/chevron2">
+  <dgm:title val=""/>
+  <dgm:desc val=""/>
+  <dgm:catLst>
+    <dgm:cat type="process" pri="12000"/>
+    <dgm:cat type="list" pri="16000"/>
+    <dgm:cat type="convert" pri="11000"/>
+  </dgm:catLst>
+  <dgm:sampData>
+    <dgm:dataModel>
+      <dgm:ptLst>
+        <dgm:pt modelId="0" type="doc"/>
+        <dgm:pt modelId="1">
+          <dgm:prSet phldr="1"/>
+        </dgm:pt>
+        <dgm:pt modelId="11">
+          <dgm:prSet phldr="1"/>
+        </dgm:pt>
+        <dgm:pt modelId="12">
+          <dgm:prSet phldr="1"/>
+        </dgm:pt>
+        <dgm:pt modelId="2">
+          <dgm:prSet phldr="1"/>
+        </dgm:pt>
+        <dgm:pt modelId="21">
+          <dgm:prSet phldr="1"/>
+        </dgm:pt>
+        <dgm:pt modelId="22">
+          <dgm:prSet phldr="1"/>
+        </dgm:pt>
+        <dgm:pt modelId="3">
+          <dgm:prSet phldr="1"/>
+        </dgm:pt>
+        <dgm:pt modelId="31">
+          <dgm:prSet phldr="1"/>
+        </dgm:pt>
+        <dgm:pt modelId="32">
+          <dgm:prSet phldr="1"/>
+        </dgm:pt>
+      </dgm:ptLst>
+      <dgm:cxnLst>
+        <dgm:cxn modelId="4" srcId="0" destId="1" srcOrd="0" destOrd="0"/>
+        <dgm:cxn modelId="5" srcId="0" destId="2" srcOrd="1" destOrd="0"/>
+        <dgm:cxn modelId="6" srcId="0" destId="3" srcOrd="2" destOrd="0"/>
+        <dgm:cxn modelId="13" srcId="1" destId="11" srcOrd="0" destOrd="0"/>
+        <dgm:cxn modelId="14" srcId="1" destId="12" srcOrd="1" destOrd="0"/>
+        <dgm:cxn modelId="23" srcId="2" destId="21" srcOrd="0" destOrd="0"/>
+        <dgm:cxn modelId="24" srcId="2" destId="22" srcOrd="1" destOrd="0"/>
+        <dgm:cxn modelId="33" srcId="3" destId="31" srcOrd="0" destOrd="0"/>
+        <dgm:cxn modelId="34" srcId="3" destId="32" srcOrd="1" destOrd="0"/>
+      </dgm:cxnLst>
+      <dgm:bg/>
+      <dgm:whole/>
+    </dgm:dataModel>
+  </dgm:sampData>
+  <dgm:styleData>
+    <dgm:dataModel>
+      <dgm:ptLst>
+        <dgm:pt modelId="0" type="doc"/>
+        <dgm:pt modelId="1"/>
+      </dgm:ptLst>
+      <dgm:cxnLst>
+        <dgm:cxn modelId="4" srcId="0" destId="1" srcOrd="0" destOrd="0"/>
+      </dgm:cxnLst>
+      <dgm:bg/>
+      <dgm:whole/>
+    </dgm:dataModel>
+  </dgm:styleData>
+  <dgm:clrData>
+    <dgm:dataModel>
+      <dgm:ptLst>
+        <dgm:pt modelId="0" type="doc"/>
+        <dgm:pt modelId="1"/>
+        <dgm:pt modelId="11"/>
+        <dgm:pt modelId="2"/>
+        <dgm:pt modelId="21"/>
+        <dgm:pt modelId="3"/>
+        <dgm:pt modelId="31"/>
+        <dgm:pt modelId="4"/>
+        <dgm:pt modelId="41"/>
+      </dgm:ptLst>
+      <dgm:cxnLst>
+        <dgm:cxn modelId="5" srcId="0" destId="1" srcOrd="0" destOrd="0"/>
+        <dgm:cxn modelId="6" srcId="0" destId="2" srcOrd="1" destOrd="0"/>
+        <dgm:cxn modelId="7" srcId="0" destId="3" srcOrd="2" destOrd="0"/>
+        <dgm:cxn modelId="8" srcId="0" destId="4" srcOrd="3" destOrd="0"/>
+        <dgm:cxn modelId="13" srcId="1" destId="11" srcOrd="0" destOrd="0"/>
+        <dgm:cxn modelId="23" srcId="2" destId="21" srcOrd="0" destOrd="0"/>
+        <dgm:cxn modelId="33" srcId="3" destId="31" srcOrd="0" destOrd="0"/>
+        <dgm:cxn modelId="43" srcId="4" destId="41" srcOrd="0" destOrd="0"/>
+      </dgm:cxnLst>
+      <dgm:bg/>
+      <dgm:whole/>
+    </dgm:dataModel>
+  </dgm:clrData>
+  <dgm:layoutNode name="linearFlow">
+    <dgm:varLst>
+      <dgm:dir/>
+      <dgm:animLvl val="lvl"/>
+      <dgm:resizeHandles val="exact"/>
+    </dgm:varLst>
+    <dgm:alg type="lin">
+      <dgm:param type="linDir" val="fromT"/>
+      <dgm:param type="nodeHorzAlign" val="l"/>
+    </dgm:alg>
+    <dgm:shape xmlns:r="http://schemas.openxmlformats.org/officeDocument/2006/relationships" r:blip="">
+      <dgm:adjLst/>
+    </dgm:shape>
+    <dgm:presOf/>
+    <dgm:constrLst>
+      <dgm:constr type="h" for="ch" forName="composite" refType="h"/>
+      <dgm:constr type="w" for="ch" forName="composite" refType="w"/>
+      <dgm:constr type="h" for="des" forName="parentText" op="equ"/>
+      <dgm:constr type="h" for="ch" forName="sp" val="-14.88"/>
+      <dgm:constr type="h" for="ch" forName="sp" refType="w" refFor="des" refForName="parentText" op="gte" fact="-0.3"/>
+      <dgm:constr type="primFontSz" for="des" forName="parentText" op="equ" val="65"/>
+      <dgm:constr type="primFontSz" for="des" forName="descendantText" op="equ" val="65"/>
+    </dgm:constrLst>
+    <dgm:ruleLst/>
+    <dgm:forEach name="Name0" axis="ch" ptType="node">
+      <dgm:layoutNode name="composite">
+        <dgm:alg type="composite"/>
+        <dgm:shape xmlns:r="http://schemas.openxmlformats.org/officeDocument/2006/relationships" r:blip="">
+          <dgm:adjLst/>
+        </dgm:shape>
+        <dgm:presOf/>
+        <dgm:choose name="Name1">
+          <dgm:if name="Name2" func="var" arg="dir" op="equ" val="norm">
+            <dgm:constrLst>
+              <dgm:constr type="t" for="ch" forName="parentText"/>
+              <dgm:constr type="l" for="ch" forName="parentText"/>
+              <dgm:constr type="w" for="ch" forName="parentText" refType="w" fact="0.4"/>
+              <dgm:constr type="h" for="ch" forName="parentText" refType="h"/>
+              <dgm:constr type="w" for="ch" forName="parentText" refType="w" op="lte" fact="0.5"/>
+              <dgm:constr type="w" for="ch" forName="parentText" refType="h" refFor="ch" refForName="parentText" op="lte" fact="0.7"/>
+              <dgm:constr type="h" for="ch" forName="parentText" refType="w" refFor="ch" refForName="parentText" op="lte" fact="3"/>
+              <dgm:constr type="l" for="ch" forName="descendantText" refType="w" refFor="ch" refForName="parentText"/>
+              <dgm:constr type="w" for="ch" forName="descendantText" refType="w"/>
+              <dgm:constr type="wOff" for="ch" forName="descendantText" refType="w" refFor="ch" refForName="parentText" fact="-1"/>
+              <dgm:constr type="t" for="ch" forName="descendantText"/>
+              <dgm:constr type="b" for="ch" forName="descendantText" refType="h" refFor="ch" refForName="parentText"/>
+              <dgm:constr type="bOff" for="ch" forName="descendantText" refType="w" refFor="ch" refForName="parentText" fact="-0.5"/>
+            </dgm:constrLst>
+          </dgm:if>
+          <dgm:else name="Name3">
+            <dgm:constrLst>
+              <dgm:constr type="t" for="ch" forName="parentText"/>
+              <dgm:constr type="r" for="ch" forName="parentText" refType="w"/>
+              <dgm:constr type="w" for="ch" forName="parentText" refType="w" fact="0.4"/>
+              <dgm:constr type="h" for="ch" forName="parentText" refType="h"/>
+              <dgm:constr type="w" for="ch" forName="parentText" refType="w" op="lte" fact="0.5"/>
+              <dgm:constr type="w" for="ch" forName="parentText" refType="h" refFor="ch" refForName="parentText" op="lte" fact="0.7"/>
+              <dgm:constr type="h" for="ch" forName="parentText" refType="w" refFor="ch" refForName="parentText" op="lte" fact="3"/>
+              <dgm:constr type="l" for="ch" forName="descendantText"/>
+              <dgm:constr type="w" for="ch" forName="descendantText" refType="w"/>
+              <dgm:constr type="wOff" for="ch" forName="descendantText" refType="w" refFor="ch" refForName="parentText" fact="-1"/>
+              <dgm:constr type="t" for="ch" forName="descendantText"/>
+              <dgm:constr type="b" for="ch" forName="descendantText" refType="h" refFor="ch" refForName="parentText"/>
+              <dgm:constr type="bOff" for="ch" forName="descendantText" refType="w" refFor="ch" refForName="parentText" fact="-0.5"/>
+            </dgm:constrLst>
+          </dgm:else>
+        </dgm:choose>
+        <dgm:ruleLst/>
+        <dgm:layoutNode name="parentText" styleLbl="alignNode1">
+          <dgm:varLst>
+            <dgm:chMax val="1"/>
+            <dgm:bulletEnabled val="1"/>
+          </dgm:varLst>
+          <dgm:alg type="tx"/>
+          <dgm:shape xmlns:r="http://schemas.openxmlformats.org/officeDocument/2006/relationships" rot="90" type="chevron" r:blip="">
+            <dgm:adjLst/>
+          </dgm:shape>
+          <dgm:presOf axis="self" ptType="node"/>
+          <dgm:constrLst>
+            <dgm:constr type="lMarg" refType="primFontSz" fact="0.05"/>
+            <dgm:constr type="rMarg" refType="primFontSz" fact="0.05"/>
+            <dgm:constr type="tMarg" refType="primFontSz" fact="0.05"/>
+            <dgm:constr type="bMarg" refType="primFontSz" fact="0.05"/>
+          </dgm:constrLst>
+          <dgm:ruleLst>
+            <dgm:rule type="h" val="100" fact="NaN" max="NaN"/>
+            <dgm:rule type="primFontSz" val="24" fact="NaN" max="NaN"/>
+            <dgm:rule type="h" val="110" fact="NaN" max="NaN"/>
+            <dgm:rule type="primFontSz" val="18" fact="NaN" max="NaN"/>
+            <dgm:rule type="h" val="INF" fact="NaN" max="NaN"/>
+            <dgm:rule type="primFontSz" val="5" fact="NaN" max="NaN"/>
+          </dgm:ruleLst>
+        </dgm:layoutNode>
+        <dgm:layoutNode name="descendantText" styleLbl="alignAcc1">
+          <dgm:varLst>
+            <dgm:bulletEnabled val="1"/>
+          </dgm:varLst>
+          <dgm:choose name="Name4">
+            <dgm:if name="Name5" func="var" arg="dir" op="equ" val="norm">
+              <dgm:alg type="tx">
+                <dgm:param type="stBulletLvl" val="1"/>
+                <dgm:param type="txAnchorVertCh" val="mid"/>
+              </dgm:alg>
+              <dgm:shape xmlns:r="http://schemas.openxmlformats.org/officeDocument/2006/relationships" rot="90" type="round2SameRect" r:blip="">
+                <dgm:adjLst/>
+              </dgm:shape>
+            </dgm:if>
+            <dgm:else name="Name6">
+              <dgm:alg type="tx">
+                <dgm:param type="stBulletLvl" val="1"/>
+                <dgm:param type="txAnchorVertCh" val="mid"/>
+              </dgm:alg>
+              <dgm:shape xmlns:r="http://schemas.openxmlformats.org/officeDocument/2006/relationships" rot="-90" type="round2SameRect" r:blip="">
+                <dgm:adjLst/>
+              </dgm:shape>
+            </dgm:else>
+          </dgm:choose>
+          <dgm:presOf axis="des" ptType="node"/>
+          <dgm:choose name="Name7">
+            <dgm:if name="Name8" func="var" arg="dir" op="equ" val="norm">
+              <dgm:constrLst>
+                <dgm:constr type="secFontSz" refType="primFontSz"/>
+                <dgm:constr type="tMarg" refType="primFontSz" fact="0.05"/>
+                <dgm:constr type="bMarg" refType="primFontSz" fact="0.05"/>
+                <dgm:constr type="rMarg" refType="primFontSz" fact="0.05"/>
+              </dgm:constrLst>
+            </dgm:if>
+            <dgm:else name="Name9">
+              <dgm:constrLst>
+                <dgm:constr type="secFontSz" refType="primFontSz"/>
+                <dgm:constr type="tMarg" refType="primFontSz" fact="0.05"/>
+                <dgm:constr type="bMarg" refType="primFontSz" fact="0.05"/>
+                <dgm:constr type="lMarg" refType="primFontSz" fact="0.05"/>
+              </dgm:constrLst>
+            </dgm:else>
+          </dgm:choose>
+          <dgm:ruleLst>
+            <dgm:rule type="primFontSz" val="5" fact="NaN" max="NaN"/>
+          </dgm:ruleLst>
+        </dgm:layoutNode>
+      </dgm:layoutNode>
+      <dgm:forEach name="Name10" axis="followSib" ptType="sibTrans" cnt="1">
+        <dgm:layoutNode name="sp">
+          <dgm:alg type="sp"/>
+          <dgm:shape xmlns:r="http://schemas.openxmlformats.org/officeDocument/2006/relationships" r:blip="">
+            <dgm:adjLst/>
+          </dgm:shape>
+          <dgm:presOf axis="self"/>
+          <dgm:constrLst>
+            <dgm:constr type="w" val="1"/>
+            <dgm:constr type="h" val="37.5"/>
+          </dgm:constrLst>
+          <dgm:ruleLst/>
+        </dgm:layoutNode>
+      </dgm:forEach>
+    </dgm:forEach>
+  </dgm:layoutNode>
+</dgm:layoutDef>
+</file>
+
+<file path=ppt/diagrams/quickStyle1.xml><?xml version="1.0" encoding="utf-8"?>
+<dgm:styleDef xmlns:dgm="http://schemas.openxmlformats.org/drawingml/2006/diagram" xmlns:a="http://schemas.openxmlformats.org/drawingml/2006/main" uniqueId="urn:microsoft.com/office/officeart/2005/8/quickstyle/3d1">
+  <dgm:title val=""/>
+  <dgm:desc val=""/>
+  <dgm:catLst>
+    <dgm:cat type="3D" pri="11100"/>
+  </dgm:catLst>
+  <dgm:scene3d>
+    <a:camera prst="orthographicFront"/>
+    <a:lightRig rig="threePt" dir="t"/>
+  </dgm:scene3d>
+  <dgm:styleLbl name="node0">
+    <dgm:scene3d>
+      <a:camera prst="orthographicFront"/>
+      <a:lightRig rig="flat" dir="t"/>
+    </dgm:scene3d>
+    <dgm:sp3d prstMaterial="plastic">
+      <a:bevelT w="120900" h="88900"/>
+      <a:bevelB w="88900" h="31750" prst="angle"/>
+    </dgm:sp3d>
+    <dgm:txPr/>
+    <dgm:style>
+      <a:lnRef idx="0">
+        <a:scrgbClr r="0" g="0" b="0"/>
+      </a:lnRef>
+      <a:fillRef idx="3">
+        <a:scrgbClr r="0" g="0" b="0"/>
+      </a:fillRef>
+      <a:effectRef idx="2">
+        <a:scrgbClr r="0" g="0" b="0"/>
+      </a:effectRef>
+      <a:fontRef idx="minor">
+        <a:schemeClr val="lt1"/>
+      </a:fontRef>
+    </dgm:style>
+  </dgm:styleLbl>
+  <dgm:styleLbl name="lnNode1">
+    <dgm:scene3d>
+      <a:camera prst="orthographicFront"/>
+      <a:lightRig rig="flat" dir="t"/>
+    </dgm:scene3d>
+    <dgm:sp3d prstMaterial="plastic">
+      <a:bevelT w="120900" h="88900"/>
+      <a:bevelB w="88900" h="31750" prst="angle"/>
+    </dgm:sp3d>
+    <dgm:txPr/>
+    <dgm:style>
+      <a:lnRef idx="0">
+        <a:scrgbClr r="0" g="0" b="0"/>
+      </a:lnRef>
+      <a:fillRef idx="3">
+        <a:scrgbClr r="0" g="0" b="0"/>
+      </a:fillRef>
+      <a:effectRef idx="1">
+        <a:scrgbClr r="0" g="0" b="0"/>
+      </a:effectRef>
+      <a:fontRef idx="minor">
+        <a:schemeClr val="lt1"/>
+      </a:fontRef>
+    </dgm:style>
+  </dgm:styleLbl>
+  <dgm:styleLbl name="vennNode1">
+    <dgm:scene3d>
+      <a:camera prst="orthographicFront"/>
+      <a:lightRig rig="flat" dir="t"/>
+    </dgm:scene3d>
+    <dgm:sp3d prstMaterial="plastic">
+      <a:bevelT w="120900" h="88900"/>
+      <a:bevelB w="88900" h="31750" prst="angle"/>
+    </dgm:sp3d>
+    <dgm:txPr/>
+    <dgm:style>
+      <a:lnRef idx="0">
+        <a:scrgbClr r="0" g="0" b="0"/>
+      </a:lnRef>
+      <a:fillRef idx="1">
+        <a:scrgbClr r="0" g="0" b="0"/>
+      </a:fillRef>
+      <a:effectRef idx="1">
+        <a:scrgbClr r="0" g="0" b="0"/>
+      </a:effectRef>
+      <a:fontRef idx="minor">
+        <a:schemeClr val="tx1"/>
+      </a:fontRef>
+    </dgm:style>
+  </dgm:styleLbl>
+  <dgm:styleLbl name="alignNode1">
+    <dgm:scene3d>
+      <a:camera prst="orthographicFront"/>
+      <a:lightRig rig="flat" dir="t"/>
+    </dgm:scene3d>
+    <dgm:sp3d prstMaterial="plastic">
+      <a:bevelT w="120900" h="88900"/>
+      <a:bevelB w="88900" h="31750" prst="angle"/>
+    </dgm:sp3d>
+    <dgm:txPr/>
+    <dgm:style>
+      <a:lnRef idx="1">
+        <a:scrgbClr r="0" g="0" b="0"/>
+      </a:lnRef>
+      <a:fillRef idx="3">
+        <a:scrgbClr r="0" g="0" b="0"/>
+      </a:fillRef>
+      <a:effectRef idx="2">
+        <a:scrgbClr r="0" g="0" b="0"/>
+      </a:effectRef>
+      <a:fontRef idx="minor">
+        <a:schemeClr val="lt1"/>
+      </a:fontRef>
+    </dgm:style>
+  </dgm:styleLbl>
+  <dgm:styleLbl name="node1">
+    <dgm:scene3d>
+      <a:camera prst="orthographicFront"/>
+      <a:lightRig rig="flat" dir="t"/>
+    </dgm:scene3d>
+    <dgm:sp3d prstMaterial="plastic">
+      <a:bevelT w="120900" h="88900"/>
+      <a:bevelB w="88900" h="31750" prst="angle"/>
+    </dgm:sp3d>
+    <dgm:txPr/>
+    <dgm:style>
+      <a:lnRef idx="0">
+        <a:scrgbClr r="0" g="0" b="0"/>
+      </a:lnRef>
+      <a:fillRef idx="3">
+        <a:scrgbClr r="0" g="0" b="0"/>
+      </a:fillRef>
+      <a:effectRef idx="2">
+        <a:scrgbClr r="0" g="0" b="0"/>
+      </a:effectRef>
+      <a:fontRef idx="minor">
+        <a:schemeClr val="lt1"/>
+      </a:fontRef>
+    </dgm:style>
+  </dgm:styleLbl>
+  <dgm:styleLbl name="node2">
+    <dgm:scene3d>
+      <a:camera prst="orthographicFront"/>
+      <a:lightRig rig="flat" dir="t"/>
+    </dgm:scene3d>
+    <dgm:sp3d prstMaterial="plastic">
+      <a:bevelT w="120900" h="88900"/>
+      <a:bevelB w="88900" h="31750" prst="angle"/>
+    </dgm:sp3d>
+    <dgm:txPr/>
+    <dgm:style>
+      <a:lnRef idx="0">
+        <a:scrgbClr r="0" g="0" b="0"/>
+      </a:lnRef>
+      <a:fillRef idx="3">
+        <a:scrgbClr r="0" g="0" b="0"/>
+      </a:fillRef>
+      <a:effectRef idx="1">
+        <a:scrgbClr r="0" g="0" b="0"/>
+      </a:effectRef>
+      <a:fontRef idx="minor">
+        <a:schemeClr val="lt1"/>
+      </a:fontRef>
+    </dgm:style>
+  </dgm:styleLbl>
+  <dgm:styleLbl name="node3">
+    <dgm:scene3d>
+      <a:camera prst="orthographicFront"/>
+      <a:lightRig rig="flat" dir="t"/>
+    </dgm:scene3d>
+    <dgm:sp3d prstMaterial="plastic">
+      <a:bevelT w="120900" h="88900"/>
+      <a:bevelB w="88900" h="31750" prst="angle"/>
+    </dgm:sp3d>
+    <dgm:txPr/>
+    <dgm:style>
+      <a:lnRef idx="0">
+        <a:scrgbClr r="0" g="0" b="0"/>
+      </a:lnRef>
+      <a:fillRef idx="3">
+        <a:scrgbClr r="0" g="0" b="0"/>
+      </a:fillRef>
+      <a:effectRef idx="1">
+        <a:scrgbClr r="0" g="0" b="0"/>
+      </a:effectRef>
+      <a:fontRef idx="minor">
+        <a:schemeClr val="lt1"/>
+      </a:fontRef>
+    </dgm:style>
+  </dgm:styleLbl>
+  <dgm:styleLbl name="node4">
+    <dgm:scene3d>
+      <a:camera prst="orthographicFront"/>
+      <a:lightRig rig="flat" dir="t"/>
+    </dgm:scene3d>
+    <dgm:sp3d prstMaterial="plastic">
+      <a:bevelT w="120900" h="88900"/>
+      <a:bevelB w="88900" h="31750" prst="angle"/>
+    </dgm:sp3d>
+    <dgm:txPr/>
+    <dgm:style>
+      <a:lnRef idx="0">
+        <a:scrgbClr r="0" g="0" b="0"/>
+      </a:lnRef>
+      <a:fillRef idx="3">
+        <a:scrgbClr r="0" g="0" b="0"/>
+      </a:fillRef>
+      <a:effectRef idx="1">
+        <a:scrgbClr r="0" g="0" b="0"/>
+      </a:effectRef>
+      <a:fontRef idx="minor">
+        <a:schemeClr val="lt1"/>
+      </a:fontRef>
+    </dgm:style>
+  </dgm:styleLbl>
+  <dgm:styleLbl name="fgImgPlace1">
+    <dgm:scene3d>
+      <a:camera prst="orthographicFront"/>
+      <a:lightRig rig="flat" dir="t"/>
+    </dgm:scene3d>
+    <dgm:sp3d z="127000" prstMaterial="plastic">
+      <a:bevelT w="88900" h="88900"/>
+      <a:bevelB w="88900" h="31750" prst="angle"/>
+    </dgm:sp3d>
+    <dgm:txPr/>
+    <dgm:style>
+      <a:lnRef idx="0">
+        <a:scrgbClr r="0" g="0" b="0"/>
+      </a:lnRef>
+      <a:fillRef idx="3">
+        <a:scrgbClr r="0" g="0" b="0"/>
+      </a:fillRef>
+      <a:effectRef idx="2">
+        <a:scrgbClr r="0" g="0" b="0"/>
+      </a:effectRef>
+      <a:fontRef idx="minor"/>
+    </dgm:style>
+  </dgm:styleLbl>
+  <dgm:styleLbl name="alignImgPlace1">
+    <dgm:scene3d>
+      <a:camera prst="orthographicFront"/>
+      <a:lightRig rig="flat" dir="t"/>
+    </dgm:scene3d>
+    <dgm:sp3d prstMaterial="plastic">
+      <a:bevelT w="88900" h="88900"/>
+      <a:bevelB w="88900" h="31750" prst="angle"/>
+    </dgm:sp3d>
+    <dgm:txPr/>
+    <dgm:style>
+      <a:lnRef idx="0">
+        <a:scrgbClr r="0" g="0" b="0"/>
+      </a:lnRef>
+      <a:fillRef idx="3">
+        <a:scrgbClr r="0" g="0" b="0"/>
+      </a:fillRef>
+      <a:effectRef idx="2">
+        <a:scrgbClr r="0" g="0" b="0"/>
+      </a:effectRef>
+      <a:fontRef idx="minor"/>
+    </dgm:style>
+  </dgm:styleLbl>
+  <dgm:styleLbl name="bgImgPlace1">
+    <dgm:scene3d>
+      <a:camera prst="orthographicFront"/>
+      <a:lightRig rig="flat" dir="t"/>
+    </dgm:scene3d>
+    <dgm:sp3d z="-190500" prstMaterial="plastic">
+      <a:bevelT w="88900" h="88900"/>
+      <a:bevelB w="88900" h="31750" prst="angle"/>
+    </dgm:sp3d>
+    <dgm:txPr/>
+    <dgm:style>
+      <a:lnRef idx="0">
+        <a:scrgbClr r="0" g="0" b="0"/>
+      </a:lnRef>
+      <a:fillRef idx="3">
+        <a:scrgbClr r="0" g="0" b="0"/>
+      </a:fillRef>
+      <a:effectRef idx="2">
+        <a:scrgbClr r="0" g="0" b="0"/>
+      </a:effectRef>
+      <a:fontRef idx="minor"/>
+    </dgm:style>
+  </dgm:styleLbl>
+  <dgm:styleLbl name="sibTrans2D1">
+    <dgm:scene3d>
+      <a:camera prst="orthographicFront"/>
+      <a:lightRig rig="flat" dir="t"/>
+    </dgm:scene3d>
+    <dgm:sp3d z="-80000" prstMaterial="plastic">
+      <a:bevelT w="50800" h="50800"/>
+      <a:bevelB w="25400" h="25400" prst="angle"/>
+    </dgm:sp3d>
+    <dgm:txPr/>
+    <dgm:style>
+      <a:lnRef idx="0">
+        <a:scrgbClr r="0" g="0" b="0"/>
+      </a:lnRef>
+      <a:fillRef idx="3">
+        <a:scrgbClr r="0" g="0" b="0"/>
+      </a:fillRef>
+      <a:effectRef idx="2">
+        <a:scrgbClr r="0" g="0" b="0"/>
+      </a:effectRef>
+      <a:fontRef idx="minor">
+        <a:schemeClr val="lt1"/>
+      </a:fontRef>
+    </dgm:style>
+  </dgm:styleLbl>
+  <dgm:styleLbl name="fgSibTrans2D1">
+    <dgm:scene3d>
+      <a:camera prst="orthographicFront"/>
+      <a:lightRig rig="flat" dir="t"/>
+    </dgm:scene3d>
+    <dgm:sp3d z="127000" prstMaterial="plastic">
+      <a:bevelT w="50800" h="50800"/>
+      <a:bevelB w="25400" h="25400" prst="angle"/>
+    </dgm:sp3d>
+    <dgm:txPr/>
+    <dgm:style>
+      <a:lnRef idx="0">
+        <a:scrgbClr r="0" g="0" b="0"/>
+      </a:lnRef>
+      <a:fillRef idx="3">
+        <a:scrgbClr r="0" g="0" b="0"/>
+      </a:fillRef>
+      <a:effectRef idx="2">
+        <a:scrgbClr r="0" g="0" b="0"/>
+      </a:effectRef>
+      <a:fontRef idx="minor">
+        <a:schemeClr val="lt1"/>
+      </a:fontRef>
+    </dgm:style>
+  </dgm:styleLbl>
+  <dgm:styleLbl name="bgSibTrans2D1">
+    <dgm:scene3d>
+      <a:camera prst="orthographicFront"/>
+      <a:lightRig rig="flat" dir="t"/>
+    </dgm:scene3d>
+    <dgm:sp3d z="-190500" prstMaterial="plastic">
+      <a:bevelT w="50800" h="50800"/>
+      <a:bevelB w="25400" h="25400" prst="angle"/>
+    </dgm:sp3d>
+    <dgm:txPr/>
+    <dgm:style>
+      <a:lnRef idx="0">
+        <a:scrgbClr r="0" g="0" b="0"/>
+      </a:lnRef>
+      <a:fillRef idx="3">
+        <a:scrgbClr r="0" g="0" b="0"/>
+      </a:fillRef>
+      <a:effectRef idx="2">
+        <a:scrgbClr r="0" g="0" b="0"/>
+      </a:effectRef>
+      <a:fontRef idx="minor">
+        <a:schemeClr val="lt1"/>
+      </a:fontRef>
+    </dgm:style>
+  </dgm:styleLbl>
+  <dgm:styleLbl name="sibTrans1D1">
+    <dgm:scene3d>
+      <a:camera prst="orthographicFront"/>
+      <a:lightRig rig="flat" dir="t"/>
+    </dgm:scene3d>
+    <dgm:sp3d z="-40000" prstMaterial="matte"/>
+    <dgm:txPr/>
+    <dgm:style>
+      <a:lnRef idx="1">
+        <a:scrgbClr r="0" g="0" b="0"/>
+      </a:lnRef>
+      <a:fillRef idx="0">
+        <a:scrgbClr r="0" g="0" b="0"/>
+      </a:fillRef>
+      <a:effectRef idx="0">
+        <a:scrgbClr r="0" g="0" b="0"/>
+      </a:effectRef>
+      <a:fontRef idx="minor"/>
+    </dgm:style>
+  </dgm:styleLbl>
+  <dgm:styleLbl name="callout">
+    <dgm:scene3d>
+      <a:camera prst="orthographicFront"/>
+      <a:lightRig rig="threePt" dir="t"/>
+    </dgm:scene3d>
+    <dgm:sp3d z="127000" prstMaterial="matte"/>
+    <dgm:txPr/>
+    <dgm:style>
+      <a:lnRef idx="2">
+        <a:scrgbClr r="0" g="0" b="0"/>
+      </a:lnRef>
+      <a:fillRef idx="1">
+        <a:scrgbClr r="0" g="0" b="0"/>
+      </a:fillRef>
+      <a:effectRef idx="0">
+        <a:scrgbClr r="0" g="0" b="0"/>
+      </a:effectRef>
+      <a:fontRef idx="minor"/>
+    </dgm:style>
+  </dgm:styleLbl>
+  <dgm:styleLbl name="asst0">
+    <dgm:scene3d>
+      <a:camera prst="orthographicFront"/>
+      <a:lightRig rig="flat" dir="t"/>
+    </dgm:scene3d>
+    <dgm:sp3d prstMaterial="plastic">
+      <a:bevelT w="120900" h="88900"/>
+      <a:bevelB w="88900" h="31750" prst="angle"/>
+    </dgm:sp3d>
+    <dgm:txPr/>
+    <dgm:style>
+      <a:lnRef idx="0">
+        <a:scrgbClr r="0" g="0" b="0"/>
+      </a:lnRef>
+      <a:fillRef idx="3">
+        <a:scrgbClr r="0" g="0" b="0"/>
+      </a:fillRef>
+      <a:effectRef idx="1">
+        <a:scrgbClr r="0" g="0" b="0"/>
+      </a:effectRef>
+      <a:fontRef idx="minor">
+        <a:schemeClr val="lt1"/>
+      </a:fontRef>
+    </dgm:style>
+  </dgm:styleLbl>
+  <dgm:styleLbl name="asst1">
+    <dgm:scene3d>
+      <a:camera prst="orthographicFront"/>
+      <a:lightRig rig="flat" dir="t"/>
+    </dgm:scene3d>
+    <dgm:sp3d prstMaterial="plastic">
+      <a:bevelT w="120900" h="88900"/>
+      <a:bevelB w="88900" h="31750" prst="angle"/>
+    </dgm:sp3d>
+    <dgm:txPr/>
+    <dgm:style>
+      <a:lnRef idx="0">
+        <a:scrgbClr r="0" g="0" b="0"/>
+      </a:lnRef>
+      <a:fillRef idx="3">
+        <a:scrgbClr r="0" g="0" b="0"/>
+      </a:fillRef>
+      <a:effectRef idx="1">
+        <a:scrgbClr r="0" g="0" b="0"/>
+      </a:effectRef>
+      <a:fontRef idx="minor">
+        <a:schemeClr val="lt1"/>
+      </a:fontRef>
+    </dgm:style>
+  </dgm:styleLbl>
+  <dgm:styleLbl name="asst2">
+    <dgm:scene3d>
+      <a:camera prst="orthographicFront"/>
+      <a:lightRig rig="flat" dir="t"/>
+    </dgm:scene3d>
+    <dgm:sp3d prstMaterial="plastic">
+      <a:bevelT w="120900" h="88900"/>
+      <a:bevelB w="88900" h="31750" prst="angle"/>
+    </dgm:sp3d>
+    <dgm:txPr/>
+    <dgm:style>
+      <a:lnRef idx="0">
+        <a:scrgbClr r="0" g="0" b="0"/>
+      </a:lnRef>
+      <a:fillRef idx="3">
+        <a:scrgbClr r="0" g="0" b="0"/>
+      </a:fillRef>
+      <a:effectRef idx="1">
+        <a:scrgbClr r="0" g="0" b="0"/>
+      </a:effectRef>
+      <a:fontRef idx="minor">
+        <a:schemeClr val="lt1"/>
+      </a:fontRef>
+    </dgm:style>
+  </dgm:styleLbl>
+  <dgm:styleLbl name="asst3">
+    <dgm:scene3d>
+      <a:camera prst="orthographicFront"/>
+      <a:lightRig rig="flat" dir="t"/>
+    </dgm:scene3d>
+    <dgm:sp3d prstMaterial="plastic">
+      <a:bevelT w="120900" h="88900"/>
+      <a:bevelB w="88900" h="31750" prst="angle"/>
+    </dgm:sp3d>
+    <dgm:txPr/>
+    <dgm:style>
+      <a:lnRef idx="0">
+        <a:scrgbClr r="0" g="0" b="0"/>
+      </a:lnRef>
+      <a:fillRef idx="3">
+        <a:scrgbClr r="0" g="0" b="0"/>
+      </a:fillRef>
+      <a:effectRef idx="1">
+        <a:scrgbClr r="0" g="0" b="0"/>
+      </a:effectRef>
+      <a:fontRef idx="minor">
+        <a:schemeClr val="lt1"/>
+      </a:fontRef>
+    </dgm:style>
+  </dgm:styleLbl>
+  <dgm:styleLbl name="parChTrans2D1">
+    <dgm:scene3d>
+      <a:camera prst="orthographicFront"/>
+      <a:lightRig rig="flat" dir="t"/>
+    </dgm:scene3d>
+    <dgm:sp3d z="-100000" prstMaterial="plastic">
+      <a:bevelT w="120900" h="88900"/>
+      <a:bevelB w="88900" h="31750" prst="angle"/>
+    </dgm:sp3d>
+    <dgm:txPr/>
+    <dgm:style>
+      <a:lnRef idx="0">
+        <a:scrgbClr r="0" g="0" b="0"/>
+      </a:lnRef>
+      <a:fillRef idx="3">
+        <a:scrgbClr r="0" g="0" b="0"/>
+      </a:fillRef>
+      <a:effectRef idx="1">
+        <a:scrgbClr r="0" g="0" b="0"/>
+      </a:effectRef>
+      <a:fontRef idx="minor">
+        <a:schemeClr val="lt1"/>
+      </a:fontRef>
+    </dgm:style>
+  </dgm:styleLbl>
+  <dgm:styleLbl name="parChTrans2D2">
+    <dgm:scene3d>
+      <a:camera prst="orthographicFront"/>
+      <a:lightRig rig="flat" dir="t"/>
+    </dgm:scene3d>
+    <dgm:sp3d z="-60000" prstMaterial="plastic">
+      <a:bevelT w="120900" h="88900"/>
+      <a:bevelB w="88900" h="31750" prst="angle"/>
+    </dgm:sp3d>
+    <dgm:txPr/>
+    <dgm:style>
+      <a:lnRef idx="0">
+        <a:scrgbClr r="0" g="0" b="0"/>
+      </a:lnRef>
+      <a:fillRef idx="3">
+        <a:scrgbClr r="0" g="0" b="0"/>
+      </a:fillRef>
+      <a:effectRef idx="1">
+        <a:scrgbClr r="0" g="0" b="0"/>
+      </a:effectRef>
+      <a:fontRef idx="minor">
+        <a:schemeClr val="lt1"/>
+      </a:fontRef>
+    </dgm:style>
+  </dgm:styleLbl>
+  <dgm:styleLbl name="parChTrans2D3">
+    <dgm:scene3d>
+      <a:camera prst="orthographicFront"/>
+      <a:lightRig rig="flat" dir="t"/>
+    </dgm:scene3d>
+    <dgm:sp3d z="-60000" prstMaterial="plastic">
+      <a:bevelT w="120900" h="88900"/>
+      <a:bevelB w="88900" h="31750" prst="angle"/>
+    </dgm:sp3d>
+    <dgm:txPr/>
+    <dgm:style>
+      <a:lnRef idx="0">
+        <a:scrgbClr r="0" g="0" b="0"/>
+      </a:lnRef>
+      <a:fillRef idx="3">
+        <a:scrgbClr r="0" g="0" b="0"/>
+      </a:fillRef>
+      <a:effectRef idx="1">
+        <a:scrgbClr r="0" g="0" b="0"/>
+      </a:effectRef>
+      <a:fontRef idx="minor">
+        <a:schemeClr val="lt1"/>
+      </a:fontRef>
+    </dgm:style>
+  </dgm:styleLbl>
+  <dgm:styleLbl name="parChTrans2D4">
+    <dgm:scene3d>
+      <a:camera prst="orthographicFront"/>
+      <a:lightRig rig="flat" dir="t"/>
+    </dgm:scene3d>
+    <dgm:sp3d z="-60000" prstMaterial="plastic">
+      <a:bevelT w="120900" h="88900"/>
+      <a:bevelB w="88900" h="31750" prst="angle"/>
+    </dgm:sp3d>
+    <dgm:txPr/>
+    <dgm:style>
+      <a:lnRef idx="0">
+        <a:scrgbClr r="0" g="0" b="0"/>
+      </a:lnRef>
+      <a:fillRef idx="3">
+        <a:scrgbClr r="0" g="0" b="0"/>
+      </a:fillRef>
+      <a:effectRef idx="1">
+        <a:scrgbClr r="0" g="0" b="0"/>
+      </a:effectRef>
+      <a:fontRef idx="minor">
+        <a:schemeClr val="lt1"/>
+      </a:fontRef>
+    </dgm:style>
+  </dgm:styleLbl>
+  <dgm:styleLbl name="parChTrans1D1">
+    <dgm:scene3d>
+      <a:camera prst="orthographicFront"/>
+      <a:lightRig rig="flat" dir="t"/>
+    </dgm:scene3d>
+    <dgm:sp3d prstMaterial="matte"/>
+    <dgm:txPr/>
+    <dgm:style>
+      <a:lnRef idx="2">
+        <a:scrgbClr r="0" g="0" b="0"/>
+      </a:lnRef>
+      <a:fillRef idx="0">
+        <a:scrgbClr r="0" g="0" b="0"/>
+      </a:fillRef>
+      <a:effectRef idx="0">
+        <a:scrgbClr r="0" g="0" b="0"/>
+      </a:effectRef>
+      <a:fontRef idx="minor"/>
+    </dgm:style>
+  </dgm:styleLbl>
+  <dgm:styleLbl name="parChTrans1D2">
+    <dgm:scene3d>
+      <a:camera prst="orthographicFront"/>
+      <a:lightRig rig="flat" dir="t"/>
+    </dgm:scene3d>
+    <dgm:sp3d prstMaterial="matte"/>
+    <dgm:txPr/>
+    <dgm:style>
+      <a:lnRef idx="2">
+        <a:scrgbClr r="0" g="0" b="0"/>
+      </a:lnRef>
+      <a:fillRef idx="0">
+        <a:scrgbClr r="0" g="0" b="0"/>
+      </a:fillRef>
+      <a:effectRef idx="0">
+        <a:scrgbClr r="0" g="0" b="0"/>
+      </a:effectRef>
+      <a:fontRef idx="minor"/>
+    </dgm:style>
+  </dgm:styleLbl>
+  <dgm:styleLbl name="parChTrans1D3">
+    <dgm:scene3d>
+      <a:camera prst="orthographicFront"/>
+      <a:lightRig rig="flat" dir="t"/>
+    </dgm:scene3d>
+    <dgm:sp3d prstMaterial="matte"/>
+    <dgm:txPr/>
+    <dgm:style>
+      <a:lnRef idx="2">
+        <a:scrgbClr r="0" g="0" b="0"/>
+      </a:lnRef>
+      <a:fillRef idx="0">
+        <a:scrgbClr r="0" g="0" b="0"/>
+      </a:fillRef>
+      <a:effectRef idx="0">
+        <a:scrgbClr r="0" g="0" b="0"/>
+      </a:effectRef>
+      <a:fontRef idx="minor"/>
+    </dgm:style>
+  </dgm:styleLbl>
+  <dgm:styleLbl name="parChTrans1D4">
+    <dgm:scene3d>
+      <a:camera prst="orthographicFront"/>
+      <a:lightRig rig="flat" dir="t"/>
+    </dgm:scene3d>
+    <dgm:sp3d prstMaterial="matte"/>
+    <dgm:txPr/>
+    <dgm:style>
+      <a:lnRef idx="2">
+        <a:scrgbClr r="0" g="0" b="0"/>
+      </a:lnRef>
+      <a:fillRef idx="0">
+        <a:scrgbClr r="0" g="0" b="0"/>
+      </a:fillRef>
+      <a:effectRef idx="0">
+        <a:scrgbClr r="0" g="0" b="0"/>
+      </a:effectRef>
+      <a:fontRef idx="minor"/>
+    </dgm:style>
+  </dgm:styleLbl>
+  <dgm:styleLbl name="fgAcc1">
+    <dgm:scene3d>
+      <a:camera prst="orthographicFront"/>
+      <a:lightRig rig="flat" dir="t"/>
+    </dgm:scene3d>
+    <dgm:sp3d z="190500" extrusionH="12700" prstMaterial="plastic">
+      <a:bevelT w="50800" h="50800"/>
+    </dgm:sp3d>
+    <dgm:txPr/>
+    <dgm:style>
+      <a:lnRef idx="1">
+        <a:scrgbClr r="0" g="0" b="0"/>
+      </a:lnRef>
+      <a:fillRef idx="1">
+        <a:scrgbClr r="0" g="0" b="0"/>
+      </a:fillRef>
+      <a:effectRef idx="2">
+        <a:scrgbClr r="0" g="0" b="0"/>
+      </a:effectRef>
+      <a:fontRef idx="minor"/>
+    </dgm:style>
+  </dgm:styleLbl>
+  <dgm:styleLbl name="conFgAcc1">
+    <dgm:scene3d>
+      <a:camera prst="orthographicFront"/>
+      <a:lightRig rig="flat" dir="t"/>
+    </dgm:scene3d>
+    <dgm:sp3d z="190500" extrusionH="12700" prstMaterial="plastic">
+      <a:bevelT w="50800" h="50800"/>
+    </dgm:sp3d>
+    <dgm:txPr/>
+    <dgm:style>
+      <a:lnRef idx="1">
+        <a:scrgbClr r="0" g="0" b="0"/>
+      </a:lnRef>
+      <a:fillRef idx="1">
+        <a:scrgbClr r="0" g="0" b="0"/>
+      </a:fillRef>
+      <a:effectRef idx="2">
+        <a:scrgbClr r="0" g="0" b="0"/>
+      </a:effectRef>
+      <a:fontRef idx="minor"/>
+    </dgm:style>
+  </dgm:styleLbl>
+  <dgm:styleLbl name="alignAcc1">
+    <dgm:scene3d>
+      <a:camera prst="orthographicFront"/>
+      <a:lightRig rig="flat" dir="t"/>
+    </dgm:scene3d>
+    <dgm:sp3d extrusionH="12700" prstMaterial="plastic">
+      <a:bevelT w="50800" h="50800"/>
+    </dgm:sp3d>
+    <dgm:txPr/>
+    <dgm:style>
+      <a:lnRef idx="1">
+        <a:scrgbClr r="0" g="0" b="0"/>
+      </a:lnRef>
+      <a:fillRef idx="1">
+        <a:scrgbClr r="0" g="0" b="0"/>
+      </a:fillRef>
+      <a:effectRef idx="2">
+        <a:scrgbClr r="0" g="0" b="0"/>
+      </a:effectRef>
+      <a:fontRef idx="minor"/>
+    </dgm:style>
+  </dgm:styleLbl>
+  <dgm:styleLbl name="trAlignAcc1">
+    <dgm:scene3d>
+      <a:camera prst="orthographicFront"/>
+      <a:lightRig rig="flat" dir="t"/>
+    </dgm:scene3d>
+    <dgm:sp3d extrusionH="12700" prstMaterial="plastic">
+      <a:bevelT w="50800" h="50800"/>
+    </dgm:sp3d>
+    <dgm:txPr/>
+    <dgm:style>
+      <a:lnRef idx="1">
+        <a:scrgbClr r="0" g="0" b="0"/>
+      </a:lnRef>
+      <a:fillRef idx="1">
+        <a:scrgbClr r="0" g="0" b="0"/>
+      </a:fillRef>
+      <a:effectRef idx="2">
+        <a:scrgbClr r="0" g="0" b="0"/>
+      </a:effectRef>
+      <a:fontRef idx="minor"/>
+    </dgm:style>
+  </dgm:styleLbl>
+  <dgm:styleLbl name="bgAcc1">
+    <dgm:scene3d>
+      <a:camera prst="orthographicFront"/>
+      <a:lightRig rig="flat" dir="t"/>
+    </dgm:scene3d>
+    <dgm:sp3d z="-190500" extrusionH="12700" prstMaterial="plastic">
+      <a:bevelT w="50800" h="50800"/>
+    </dgm:sp3d>
+    <dgm:txPr/>
+    <dgm:style>
+      <a:lnRef idx="1">
+        <a:scrgbClr r="0" g="0" b="0"/>
+      </a:lnRef>
+      <a:fillRef idx="1">
+        <a:scrgbClr r="0" g="0" b="0"/>
+      </a:fillRef>
+      <a:effectRef idx="2">
+        <a:scrgbClr r="0" g="0" b="0"/>
+      </a:effectRef>
+      <a:fontRef idx="minor"/>
+    </dgm:style>
+  </dgm:styleLbl>
+  <dgm:styleLbl name="solidFgAcc1">
+    <dgm:scene3d>
+      <a:camera prst="orthographicFront"/>
+      <a:lightRig rig="flat" dir="t"/>
+    </dgm:scene3d>
+    <dgm:sp3d z="190500" extrusionH="12700" prstMaterial="plastic">
+      <a:bevelT w="50800" h="50800"/>
+    </dgm:sp3d>
+    <dgm:txPr/>
+    <dgm:style>
+      <a:lnRef idx="1">
+        <a:scrgbClr r="0" g="0" b="0"/>
+      </a:lnRef>
+      <a:fillRef idx="1">
+        <a:scrgbClr r="0" g="0" b="0"/>
+      </a:fillRef>
+      <a:effectRef idx="2">
+        <a:scrgbClr r="0" g="0" b="0"/>
+      </a:effectRef>
+      <a:fontRef idx="minor"/>
+    </dgm:style>
+  </dgm:styleLbl>
+  <dgm:styleLbl name="solidAlignAcc1">
+    <dgm:scene3d>
+      <a:camera prst="orthographicFront"/>
+      <a:lightRig rig="flat" dir="t"/>
+    </dgm:scene3d>
+    <dgm:sp3d extrusionH="12700" prstMaterial="plastic">
+      <a:bevelT w="50800" h="50800"/>
+    </dgm:sp3d>
+    <dgm:txPr/>
+    <dgm:style>
+      <a:lnRef idx="1">
+        <a:scrgbClr r="0" g="0" b="0"/>
+      </a:lnRef>
+      <a:fillRef idx="1">
+        <a:scrgbClr r="0" g="0" b="0"/>
+      </a:fillRef>
+      <a:effectRef idx="2">
+        <a:scrgbClr r="0" g="0" b="0"/>
+      </a:effectRef>
+      <a:fontRef idx="minor"/>
+    </dgm:style>
+  </dgm:styleLbl>
+  <dgm:styleLbl name="solidBgAcc1">
+    <dgm:scene3d>
+      <a:camera prst="orthographicFront"/>
+      <a:lightRig rig="flat" dir="t"/>
+    </dgm:scene3d>
+    <dgm:sp3d z="-190500" extrusionH="12700" prstMaterial="plastic">
+      <a:bevelT w="50800" h="50800"/>
+    </dgm:sp3d>
+    <dgm:txPr/>
+    <dgm:style>
+      <a:lnRef idx="1">
+        <a:scrgbClr r="0" g="0" b="0"/>
+      </a:lnRef>
+      <a:fillRef idx="1">
+        <a:scrgbClr r="0" g="0" b="0"/>
+      </a:fillRef>
+      <a:effectRef idx="2">
+        <a:scrgbClr r="0" g="0" b="0"/>
+      </a:effectRef>
+      <a:fontRef idx="minor"/>
+    </dgm:style>
+  </dgm:styleLbl>
+  <dgm:styleLbl name="fgAccFollowNode1">
+    <dgm:scene3d>
+      <a:camera prst="orthographicFront"/>
+      <a:lightRig rig="flat" dir="t"/>
+    </dgm:scene3d>
+    <dgm:sp3d z="190500" extrusionH="12700" prstMaterial="plastic">
+      <a:bevelT w="50800" h="50800"/>
+    </dgm:sp3d>
+    <dgm:txPr/>
+    <dgm:style>
+      <a:lnRef idx="1">
+        <a:scrgbClr r="0" g="0" b="0"/>
+      </a:lnRef>
+      <a:fillRef idx="1">
+        <a:scrgbClr r="0" g="0" b="0"/>
+      </a:fillRef>
+      <a:effectRef idx="2">
+        <a:scrgbClr r="0" g="0" b="0"/>
+      </a:effectRef>
+      <a:fontRef idx="minor"/>
+    </dgm:style>
+  </dgm:styleLbl>
+  <dgm:styleLbl name="alignAccFollowNode1">
+    <dgm:scene3d>
+      <a:camera prst="orthographicFront"/>
+      <a:lightRig rig="flat" dir="t"/>
+    </dgm:scene3d>
+    <dgm:sp3d extrusionH="12700" prstMaterial="plastic">
+      <a:bevelT w="50800" h="50800"/>
+    </dgm:sp3d>
+    <dgm:txPr/>
+    <dgm:style>
+      <a:lnRef idx="1">
+        <a:scrgbClr r="0" g="0" b="0"/>
+      </a:lnRef>
+      <a:fillRef idx="1">
+        <a:scrgbClr r="0" g="0" b="0"/>
+      </a:fillRef>
+      <a:effectRef idx="2">
+        <a:scrgbClr r="0" g="0" b="0"/>
+      </a:effectRef>
+      <a:fontRef idx="minor"/>
+    </dgm:style>
+  </dgm:styleLbl>
+  <dgm:styleLbl name="bgAccFollowNode1">
+    <dgm:scene3d>
+      <a:camera prst="orthographicFront"/>
+      <a:lightRig rig="flat" dir="t"/>
+    </dgm:scene3d>
+    <dgm:sp3d z="-190500" extrusionH="12700" prstMaterial="plastic">
+      <a:bevelT w="50800" h="50800"/>
+    </dgm:sp3d>
+    <dgm:txPr/>
+    <dgm:style>
+      <a:lnRef idx="1">
+        <a:scrgbClr r="0" g="0" b="0"/>
+      </a:lnRef>
+      <a:fillRef idx="1">
+        <a:scrgbClr r="0" g="0" b="0"/>
+      </a:fillRef>
+      <a:effectRef idx="2">
+        <a:scrgbClr r="0" g="0" b="0"/>
+      </a:effectRef>
+      <a:fontRef idx="minor"/>
+    </dgm:style>
+  </dgm:styleLbl>
+  <dgm:styleLbl name="fgAcc0">
+    <dgm:scene3d>
+      <a:camera prst="orthographicFront"/>
+      <a:lightRig rig="flat" dir="t"/>
+    </dgm:scene3d>
+    <dgm:sp3d z="190500" extrusionH="12700" prstMaterial="plastic">
+      <a:bevelT w="50800" h="50800"/>
+    </dgm:sp3d>
+    <dgm:txPr/>
+    <dgm:style>
+      <a:lnRef idx="1">
+        <a:scrgbClr r="0" g="0" b="0"/>
+      </a:lnRef>
+      <a:fillRef idx="1">
+        <a:scrgbClr r="0" g="0" b="0"/>
+      </a:fillRef>
+      <a:effectRef idx="2">
+        <a:scrgbClr r="0" g="0" b="0"/>
+      </a:effectRef>
+      <a:fontRef idx="minor"/>
+    </dgm:style>
+  </dgm:styleLbl>
+  <dgm:styleLbl name="fgAcc2">
+    <dgm:scene3d>
+      <a:camera prst="orthographicFront"/>
+      <a:lightRig rig="flat" dir="t"/>
+    </dgm:scene3d>
+    <dgm:sp3d z="190500" extrusionH="12700" prstMaterial="plastic">
+      <a:bevelT w="50800" h="50800"/>
+    </dgm:sp3d>
+    <dgm:txPr/>
+    <dgm:style>
+      <a:lnRef idx="1">
+        <a:scrgbClr r="0" g="0" b="0"/>
+      </a:lnRef>
+      <a:fillRef idx="1">
+        <a:scrgbClr r="0" g="0" b="0"/>
+      </a:fillRef>
+      <a:effectRef idx="2">
+        <a:scrgbClr r="0" g="0" b="0"/>
+      </a:effectRef>
+      <a:fontRef idx="minor"/>
+    </dgm:style>
+  </dgm:styleLbl>
+  <dgm:styleLbl name="fgAcc3">
+    <dgm:scene3d>
+      <a:camera prst="orthographicFront"/>
+      <a:lightRig rig="flat" dir="t"/>
+    </dgm:scene3d>
+    <dgm:sp3d z="190500" extrusionH="12700" prstMaterial="plastic">
+      <a:bevelT w="50800" h="50800"/>
+    </dgm:sp3d>
+    <dgm:txPr/>
+    <dgm:style>
+      <a:lnRef idx="1">
+        <a:scrgbClr r="0" g="0" b="0"/>
+      </a:lnRef>
+      <a:fillRef idx="1">
+        <a:scrgbClr r="0" g="0" b="0"/>
+      </a:fillRef>
+      <a:effectRef idx="2">
+        <a:scrgbClr r="0" g="0" b="0"/>
+      </a:effectRef>
+      <a:fontRef idx="minor"/>
+    </dgm:style>
+  </dgm:styleLbl>
+  <dgm:styleLbl name="fgAcc4">
+    <dgm:scene3d>
+      <a:camera prst="orthographicFront"/>
+      <a:lightRig rig="flat" dir="t"/>
+    </dgm:scene3d>
+    <dgm:sp3d z="190500" extrusionH="12700" prstMaterial="plastic">
+      <a:bevelT w="50800" h="50800"/>
+    </dgm:sp3d>
+    <dgm:txPr/>
+    <dgm:style>
+      <a:lnRef idx="1">
+        <a:scrgbClr r="0" g="0" b="0"/>
+      </a:lnRef>
+      <a:fillRef idx="1">
+        <a:scrgbClr r="0" g="0" b="0"/>
+      </a:fillRef>
+      <a:effectRef idx="2">
+        <a:scrgbClr r="0" g="0" b="0"/>
+      </a:effectRef>
+      <a:fontRef idx="minor"/>
+    </dgm:style>
+  </dgm:styleLbl>
+  <dgm:styleLbl name="bgShp">
+    <dgm:scene3d>
+      <a:camera prst="orthographicFront"/>
+      <a:lightRig rig="flat" dir="t"/>
+    </dgm:scene3d>
+    <dgm:sp3d z="-190500" extrusionH="12700" prstMaterial="plastic">
+      <a:bevelT w="50800" h="50800"/>
+    </dgm:sp3d>
+    <dgm:txPr/>
+    <dgm:style>
+      <a:lnRef idx="0">
+        <a:scrgbClr r="0" g="0" b="0"/>
+      </a:lnRef>
+      <a:fillRef idx="3">
+        <a:scrgbClr r="0" g="0" b="0"/>
+      </a:fillRef>
+      <a:effectRef idx="0">
+        <a:scrgbClr r="0" g="0" b="0"/>
+      </a:effectRef>
+      <a:fontRef idx="minor"/>
+    </dgm:style>
+  </dgm:styleLbl>
+  <dgm:styleLbl name="dkBgShp">
+    <dgm:scene3d>
+      <a:camera prst="orthographicFront"/>
+      <a:lightRig rig="flat" dir="t"/>
+    </dgm:scene3d>
+    <dgm:sp3d z="-190500" extrusionH="12700" prstMaterial="plastic">
+      <a:bevelT w="50800" h="50800"/>
+    </dgm:sp3d>
+    <dgm:txPr/>
+    <dgm:style>
+      <a:lnRef idx="0">
+        <a:scrgbClr r="0" g="0" b="0"/>
+      </a:lnRef>
+      <a:fillRef idx="2">
+        <a:scrgbClr r="0" g="0" b="0"/>
+      </a:fillRef>
+      <a:effectRef idx="0">
+        <a:scrgbClr r="0" g="0" b="0"/>
+      </a:effectRef>
+      <a:fontRef idx="minor"/>
+    </dgm:style>
+  </dgm:styleLbl>
+  <dgm:styleLbl name="trBgShp">
+    <dgm:scene3d>
+      <a:camera prst="orthographicFront"/>
+      <a:lightRig rig="flat" dir="t"/>
+    </dgm:scene3d>
+    <dgm:sp3d z="-190500" extrusionH="12700" prstMaterial="matte"/>
+    <dgm:txPr/>
+    <dgm:style>
+      <a:lnRef idx="0">
+        <a:scrgbClr r="0" g="0" b="0"/>
+      </a:lnRef>
+      <a:fillRef idx="1">
+        <a:scrgbClr r="0" g="0" b="0"/>
+      </a:fillRef>
+      <a:effectRef idx="0">
+        <a:scrgbClr r="0" g="0" b="0"/>
+      </a:effectRef>
+      <a:fontRef idx="minor"/>
+    </dgm:style>
+  </dgm:styleLbl>
+  <dgm:styleLbl name="fgShp">
+    <dgm:scene3d>
+      <a:camera prst="orthographicFront"/>
+      <a:lightRig rig="flat" dir="t"/>
+    </dgm:scene3d>
+    <dgm:sp3d z="190500" prstMaterial="plastic">
+      <a:bevelT w="120900" h="88900"/>
+      <a:bevelB w="88900" h="31750" prst="angle"/>
+    </dgm:sp3d>
+    <dgm:txPr/>
+    <dgm:style>
+      <a:lnRef idx="0">
+        <a:scrgbClr r="0" g="0" b="0"/>
+      </a:lnRef>
+      <a:fillRef idx="1">
+        <a:scrgbClr r="0" g="0" b="0"/>
+      </a:fillRef>
+      <a:effectRef idx="3">
+        <a:scrgbClr r="0" g="0" b="0"/>
+      </a:effectRef>
+      <a:fontRef idx="minor">
+        <a:schemeClr val="lt1"/>
+      </a:fontRef>
+    </dgm:style>
+  </dgm:styleLbl>
+  <dgm:styleLbl name="revTx">
+    <dgm:scene3d>
+      <a:camera prst="orthographicFront"/>
+      <a:lightRig rig="threePt" dir="t"/>
+    </dgm:scene3d>
+    <dgm:sp3d/>
+    <dgm:txPr/>
+    <dgm:style>
+      <a:lnRef idx="0">
+        <a:scrgbClr r="0" g="0" b="0"/>
+      </a:lnRef>
+      <a:fillRef idx="0">
+        <a:scrgbClr r="0" g="0" b="0"/>
+      </a:fillRef>
+      <a:effectRef idx="0">
+        <a:scrgbClr r="0" g="0" b="0"/>
+      </a:effectRef>
+      <a:fontRef idx="minor"/>
+    </dgm:style>
+  </dgm:styleLbl>
+</dgm:styleDef>
 </file>
 
 <file path=ppt/handoutMasters/handoutMaster1.xml><?xml version="1.0" encoding="utf-8"?>
@@ -4467,13 +6958,8 @@
           <a:p>
             <a:r>
               <a:rPr lang="fr-FR" dirty="0" smtClean="0"/>
-              <a:t>Projet de </a:t>
+              <a:t>Projet de Système Répartis</a:t>
             </a:r>
-            <a:r>
-              <a:rPr lang="fr-FR" dirty="0" smtClean="0"/>
-              <a:t>Système Répartis</a:t>
-            </a:r>
-            <a:endParaRPr lang="fr-FR" dirty="0" smtClean="0"/>
           </a:p>
           <a:p>
             <a:endParaRPr lang="fr-FR" dirty="0"/>
@@ -5015,6 +7501,1238 @@
                                           <p:spTgt spid="3">
                                             <p:txEl>
                                               <p:pRg st="0" end="0"/>
+                                            </p:txEl>
+                                          </p:spTgt>
+                                        </p:tgtEl>
+                                      </p:cBhvr>
+                                    </p:animEffect>
+                                  </p:childTnLst>
+                                </p:cTn>
+                              </p:par>
+                            </p:childTnLst>
+                          </p:cTn>
+                        </p:par>
+                      </p:childTnLst>
+                    </p:cTn>
+                  </p:par>
+                </p:childTnLst>
+              </p:cTn>
+              <p:prevCondLst>
+                <p:cond evt="onPrev" delay="0">
+                  <p:tgtEl>
+                    <p:sldTgt/>
+                  </p:tgtEl>
+                </p:cond>
+              </p:prevCondLst>
+              <p:nextCondLst>
+                <p:cond evt="onNext" delay="0">
+                  <p:tgtEl>
+                    <p:sldTgt/>
+                  </p:tgtEl>
+                </p:cond>
+              </p:nextCondLst>
+            </p:seq>
+          </p:childTnLst>
+        </p:cTn>
+      </p:par>
+    </p:tnLst>
+  </p:timing>
+</p:sld>
+</file>
+
+<file path=ppt/slides/slide5.xml><?xml version="1.0" encoding="utf-8"?>
+<p:sld xmlns:a="http://schemas.openxmlformats.org/drawingml/2006/main" xmlns:r="http://schemas.openxmlformats.org/officeDocument/2006/relationships" xmlns:p="http://schemas.openxmlformats.org/presentationml/2006/main">
+  <p:cSld>
+    <p:spTree>
+      <p:nvGrpSpPr>
+        <p:cNvPr id="1" name=""/>
+        <p:cNvGrpSpPr/>
+        <p:nvPr/>
+      </p:nvGrpSpPr>
+      <p:grpSpPr>
+        <a:xfrm>
+          <a:off x="0" y="0"/>
+          <a:ext cx="0" cy="0"/>
+          <a:chOff x="0" y="0"/>
+          <a:chExt cx="0" cy="0"/>
+        </a:xfrm>
+      </p:grpSpPr>
+      <p:sp>
+        <p:nvSpPr>
+          <p:cNvPr id="2" name="Titre 1"/>
+          <p:cNvSpPr>
+            <a:spLocks noGrp="1"/>
+          </p:cNvSpPr>
+          <p:nvPr>
+            <p:ph type="title"/>
+          </p:nvPr>
+        </p:nvSpPr>
+        <p:spPr/>
+        <p:txBody>
+          <a:bodyPr/>
+          <a:lstStyle/>
+          <a:p>
+            <a:r>
+              <a:rPr lang="fr-FR" b="1" dirty="0" smtClean="0">
+                <a:ln w="1905"/>
+                <a:gradFill>
+                  <a:gsLst>
+                    <a:gs pos="0">
+                      <a:schemeClr val="accent6">
+                        <a:shade val="20000"/>
+                        <a:satMod val="200000"/>
+                      </a:schemeClr>
+                    </a:gs>
+                    <a:gs pos="78000">
+                      <a:schemeClr val="accent6">
+                        <a:tint val="90000"/>
+                        <a:shade val="89000"/>
+                        <a:satMod val="220000"/>
+                      </a:schemeClr>
+                    </a:gs>
+                    <a:gs pos="100000">
+                      <a:schemeClr val="accent6">
+                        <a:tint val="12000"/>
+                        <a:satMod val="255000"/>
+                      </a:schemeClr>
+                    </a:gs>
+                  </a:gsLst>
+                  <a:lin ang="5400000"/>
+                </a:gradFill>
+                <a:effectLst>
+                  <a:innerShdw blurRad="69850" dist="43180" dir="5400000">
+                    <a:srgbClr val="000000">
+                      <a:alpha val="65000"/>
+                    </a:srgbClr>
+                  </a:innerShdw>
+                  <a:reflection blurRad="6350" stA="55000" endA="300" endPos="45500" dir="5400000" sy="-100000" algn="bl" rotWithShape="0"/>
+                </a:effectLst>
+              </a:rPr>
+              <a:t>I.A des </a:t>
+            </a:r>
+            <a:r>
+              <a:rPr lang="fr-FR" b="1" dirty="0" err="1" smtClean="0">
+                <a:ln w="1905"/>
+                <a:gradFill>
+                  <a:gsLst>
+                    <a:gs pos="0">
+                      <a:schemeClr val="accent6">
+                        <a:shade val="20000"/>
+                        <a:satMod val="200000"/>
+                      </a:schemeClr>
+                    </a:gs>
+                    <a:gs pos="78000">
+                      <a:schemeClr val="accent6">
+                        <a:tint val="90000"/>
+                        <a:shade val="89000"/>
+                        <a:satMod val="220000"/>
+                      </a:schemeClr>
+                    </a:gs>
+                    <a:gs pos="100000">
+                      <a:schemeClr val="accent6">
+                        <a:tint val="12000"/>
+                        <a:satMod val="255000"/>
+                      </a:schemeClr>
+                    </a:gs>
+                  </a:gsLst>
+                  <a:lin ang="5400000"/>
+                </a:gradFill>
+                <a:effectLst>
+                  <a:innerShdw blurRad="69850" dist="43180" dir="5400000">
+                    <a:srgbClr val="000000">
+                      <a:alpha val="65000"/>
+                    </a:srgbClr>
+                  </a:innerShdw>
+                  <a:reflection blurRad="6350" stA="55000" endA="300" endPos="45500" dir="5400000" sy="-100000" algn="bl" rotWithShape="0"/>
+                </a:effectLst>
+              </a:rPr>
+              <a:t>warriors</a:t>
+            </a:r>
+            <a:r>
+              <a:rPr lang="fr-FR" b="1" dirty="0" smtClean="0">
+                <a:ln w="1905"/>
+                <a:gradFill>
+                  <a:gsLst>
+                    <a:gs pos="0">
+                      <a:schemeClr val="accent6">
+                        <a:shade val="20000"/>
+                        <a:satMod val="200000"/>
+                      </a:schemeClr>
+                    </a:gs>
+                    <a:gs pos="78000">
+                      <a:schemeClr val="accent6">
+                        <a:tint val="90000"/>
+                        <a:shade val="89000"/>
+                        <a:satMod val="220000"/>
+                      </a:schemeClr>
+                    </a:gs>
+                    <a:gs pos="100000">
+                      <a:schemeClr val="accent6">
+                        <a:tint val="12000"/>
+                        <a:satMod val="255000"/>
+                      </a:schemeClr>
+                    </a:gs>
+                  </a:gsLst>
+                  <a:lin ang="5400000"/>
+                </a:gradFill>
+                <a:effectLst>
+                  <a:innerShdw blurRad="69850" dist="43180" dir="5400000">
+                    <a:srgbClr val="000000">
+                      <a:alpha val="65000"/>
+                    </a:srgbClr>
+                  </a:innerShdw>
+                  <a:reflection blurRad="6350" stA="55000" endA="300" endPos="45500" dir="5400000" sy="-100000" algn="bl" rotWithShape="0"/>
+                </a:effectLst>
+              </a:rPr>
+              <a:t> </a:t>
+            </a:r>
+            <a:endParaRPr lang="fr-FR" b="1" dirty="0">
+              <a:ln w="1905"/>
+              <a:gradFill>
+                <a:gsLst>
+                  <a:gs pos="0">
+                    <a:schemeClr val="accent6">
+                      <a:shade val="20000"/>
+                      <a:satMod val="200000"/>
+                    </a:schemeClr>
+                  </a:gs>
+                  <a:gs pos="78000">
+                    <a:schemeClr val="accent6">
+                      <a:tint val="90000"/>
+                      <a:shade val="89000"/>
+                      <a:satMod val="220000"/>
+                    </a:schemeClr>
+                  </a:gs>
+                  <a:gs pos="100000">
+                    <a:schemeClr val="accent6">
+                      <a:tint val="12000"/>
+                      <a:satMod val="255000"/>
+                    </a:schemeClr>
+                  </a:gs>
+                </a:gsLst>
+                <a:lin ang="5400000"/>
+              </a:gradFill>
+              <a:effectLst>
+                <a:innerShdw blurRad="69850" dist="43180" dir="5400000">
+                  <a:srgbClr val="000000">
+                    <a:alpha val="65000"/>
+                  </a:srgbClr>
+                </a:innerShdw>
+                <a:reflection blurRad="6350" stA="55000" endA="300" endPos="45500" dir="5400000" sy="-100000" algn="bl" rotWithShape="0"/>
+              </a:effectLst>
+            </a:endParaRPr>
+          </a:p>
+        </p:txBody>
+      </p:sp>
+      <p:graphicFrame>
+        <p:nvGraphicFramePr>
+          <p:cNvPr id="7" name="Espace réservé du contenu 6"/>
+          <p:cNvGraphicFramePr>
+            <a:graphicFrameLocks noGrp="1"/>
+          </p:cNvGraphicFramePr>
+          <p:nvPr>
+            <p:ph idx="1"/>
+          </p:nvPr>
+        </p:nvGraphicFramePr>
+        <p:xfrm>
+          <a:off x="457200" y="1935163"/>
+          <a:ext cx="8229600" cy="4389437"/>
+        </p:xfrm>
+        <a:graphic>
+          <a:graphicData uri="http://schemas.openxmlformats.org/drawingml/2006/diagram">
+            <dgm:relIds xmlns:dgm="http://schemas.openxmlformats.org/drawingml/2006/diagram" xmlns:r="http://schemas.openxmlformats.org/officeDocument/2006/relationships" r:dm="rId2" r:lo="rId3" r:qs="rId4" r:cs="rId5"/>
+          </a:graphicData>
+        </a:graphic>
+      </p:graphicFrame>
+    </p:spTree>
+  </p:cSld>
+  <p:clrMapOvr>
+    <a:masterClrMapping/>
+  </p:clrMapOvr>
+  <p:transition>
+    <p:fade/>
+  </p:transition>
+  <p:timing>
+    <p:tnLst>
+      <p:par>
+        <p:cTn id="1" dur="indefinite" restart="never" nodeType="tmRoot">
+          <p:childTnLst>
+            <p:seq concurrent="1" nextAc="seek">
+              <p:cTn id="2" dur="indefinite" nodeType="mainSeq">
+                <p:childTnLst>
+                  <p:par>
+                    <p:cTn id="3" fill="hold">
+                      <p:stCondLst>
+                        <p:cond delay="indefinite"/>
+                      </p:stCondLst>
+                      <p:childTnLst>
+                        <p:par>
+                          <p:cTn id="4" fill="hold">
+                            <p:stCondLst>
+                              <p:cond delay="0"/>
+                            </p:stCondLst>
+                            <p:childTnLst>
+                              <p:par>
+                                <p:cTn id="5" presetID="10" presetClass="entr" presetSubtype="0" fill="hold" grpId="0" nodeType="clickEffect">
+                                  <p:stCondLst>
+                                    <p:cond delay="0"/>
+                                  </p:stCondLst>
+                                  <p:childTnLst>
+                                    <p:set>
+                                      <p:cBhvr>
+                                        <p:cTn id="6" dur="1" fill="hold">
+                                          <p:stCondLst>
+                                            <p:cond delay="0"/>
+                                          </p:stCondLst>
+                                        </p:cTn>
+                                        <p:tgtEl>
+                                          <p:spTgt spid="7">
+                                            <p:graphicEl>
+                                              <a:dgm id="{EF13F261-294A-4D62-8335-AEE1CDE9AB07}"/>
+                                            </p:graphicEl>
+                                          </p:spTgt>
+                                        </p:tgtEl>
+                                        <p:attrNameLst>
+                                          <p:attrName>style.visibility</p:attrName>
+                                        </p:attrNameLst>
+                                      </p:cBhvr>
+                                      <p:to>
+                                        <p:strVal val="visible"/>
+                                      </p:to>
+                                    </p:set>
+                                    <p:animEffect transition="in" filter="fade">
+                                      <p:cBhvr>
+                                        <p:cTn id="7" dur="2000"/>
+                                        <p:tgtEl>
+                                          <p:spTgt spid="7">
+                                            <p:graphicEl>
+                                              <a:dgm id="{EF13F261-294A-4D62-8335-AEE1CDE9AB07}"/>
+                                            </p:graphicEl>
+                                          </p:spTgt>
+                                        </p:tgtEl>
+                                      </p:cBhvr>
+                                    </p:animEffect>
+                                  </p:childTnLst>
+                                </p:cTn>
+                              </p:par>
+                            </p:childTnLst>
+                          </p:cTn>
+                        </p:par>
+                      </p:childTnLst>
+                    </p:cTn>
+                  </p:par>
+                  <p:par>
+                    <p:cTn id="8" fill="hold">
+                      <p:stCondLst>
+                        <p:cond delay="indefinite"/>
+                      </p:stCondLst>
+                      <p:childTnLst>
+                        <p:par>
+                          <p:cTn id="9" fill="hold">
+                            <p:stCondLst>
+                              <p:cond delay="0"/>
+                            </p:stCondLst>
+                            <p:childTnLst>
+                              <p:par>
+                                <p:cTn id="10" presetID="10" presetClass="entr" presetSubtype="0" fill="hold" grpId="0" nodeType="clickEffect">
+                                  <p:stCondLst>
+                                    <p:cond delay="0"/>
+                                  </p:stCondLst>
+                                  <p:childTnLst>
+                                    <p:set>
+                                      <p:cBhvr>
+                                        <p:cTn id="11" dur="1" fill="hold">
+                                          <p:stCondLst>
+                                            <p:cond delay="0"/>
+                                          </p:stCondLst>
+                                        </p:cTn>
+                                        <p:tgtEl>
+                                          <p:spTgt spid="7">
+                                            <p:graphicEl>
+                                              <a:dgm id="{460CFFF8-A773-4730-AA52-C3B72BBF5B35}"/>
+                                            </p:graphicEl>
+                                          </p:spTgt>
+                                        </p:tgtEl>
+                                        <p:attrNameLst>
+                                          <p:attrName>style.visibility</p:attrName>
+                                        </p:attrNameLst>
+                                      </p:cBhvr>
+                                      <p:to>
+                                        <p:strVal val="visible"/>
+                                      </p:to>
+                                    </p:set>
+                                    <p:animEffect transition="in" filter="fade">
+                                      <p:cBhvr>
+                                        <p:cTn id="12" dur="2000"/>
+                                        <p:tgtEl>
+                                          <p:spTgt spid="7">
+                                            <p:graphicEl>
+                                              <a:dgm id="{460CFFF8-A773-4730-AA52-C3B72BBF5B35}"/>
+                                            </p:graphicEl>
+                                          </p:spTgt>
+                                        </p:tgtEl>
+                                      </p:cBhvr>
+                                    </p:animEffect>
+                                  </p:childTnLst>
+                                </p:cTn>
+                              </p:par>
+                            </p:childTnLst>
+                          </p:cTn>
+                        </p:par>
+                      </p:childTnLst>
+                    </p:cTn>
+                  </p:par>
+                  <p:par>
+                    <p:cTn id="13" fill="hold">
+                      <p:stCondLst>
+                        <p:cond delay="indefinite"/>
+                      </p:stCondLst>
+                      <p:childTnLst>
+                        <p:par>
+                          <p:cTn id="14" fill="hold">
+                            <p:stCondLst>
+                              <p:cond delay="0"/>
+                            </p:stCondLst>
+                            <p:childTnLst>
+                              <p:par>
+                                <p:cTn id="15" presetID="10" presetClass="entr" presetSubtype="0" fill="hold" grpId="0" nodeType="clickEffect">
+                                  <p:stCondLst>
+                                    <p:cond delay="0"/>
+                                  </p:stCondLst>
+                                  <p:childTnLst>
+                                    <p:set>
+                                      <p:cBhvr>
+                                        <p:cTn id="16" dur="1" fill="hold">
+                                          <p:stCondLst>
+                                            <p:cond delay="0"/>
+                                          </p:stCondLst>
+                                        </p:cTn>
+                                        <p:tgtEl>
+                                          <p:spTgt spid="7">
+                                            <p:graphicEl>
+                                              <a:dgm id="{451CEE3E-F5C6-477E-B84D-85661A143015}"/>
+                                            </p:graphicEl>
+                                          </p:spTgt>
+                                        </p:tgtEl>
+                                        <p:attrNameLst>
+                                          <p:attrName>style.visibility</p:attrName>
+                                        </p:attrNameLst>
+                                      </p:cBhvr>
+                                      <p:to>
+                                        <p:strVal val="visible"/>
+                                      </p:to>
+                                    </p:set>
+                                    <p:animEffect transition="in" filter="fade">
+                                      <p:cBhvr>
+                                        <p:cTn id="17" dur="2000"/>
+                                        <p:tgtEl>
+                                          <p:spTgt spid="7">
+                                            <p:graphicEl>
+                                              <a:dgm id="{451CEE3E-F5C6-477E-B84D-85661A143015}"/>
+                                            </p:graphicEl>
+                                          </p:spTgt>
+                                        </p:tgtEl>
+                                      </p:cBhvr>
+                                    </p:animEffect>
+                                  </p:childTnLst>
+                                </p:cTn>
+                              </p:par>
+                            </p:childTnLst>
+                          </p:cTn>
+                        </p:par>
+                      </p:childTnLst>
+                    </p:cTn>
+                  </p:par>
+                  <p:par>
+                    <p:cTn id="18" fill="hold">
+                      <p:stCondLst>
+                        <p:cond delay="indefinite"/>
+                      </p:stCondLst>
+                      <p:childTnLst>
+                        <p:par>
+                          <p:cTn id="19" fill="hold">
+                            <p:stCondLst>
+                              <p:cond delay="0"/>
+                            </p:stCondLst>
+                            <p:childTnLst>
+                              <p:par>
+                                <p:cTn id="20" presetID="10" presetClass="entr" presetSubtype="0" fill="hold" grpId="0" nodeType="clickEffect">
+                                  <p:stCondLst>
+                                    <p:cond delay="0"/>
+                                  </p:stCondLst>
+                                  <p:childTnLst>
+                                    <p:set>
+                                      <p:cBhvr>
+                                        <p:cTn id="21" dur="1" fill="hold">
+                                          <p:stCondLst>
+                                            <p:cond delay="0"/>
+                                          </p:stCondLst>
+                                        </p:cTn>
+                                        <p:tgtEl>
+                                          <p:spTgt spid="7">
+                                            <p:graphicEl>
+                                              <a:dgm id="{D100FAA0-0AF3-4637-B631-80648C525695}"/>
+                                            </p:graphicEl>
+                                          </p:spTgt>
+                                        </p:tgtEl>
+                                        <p:attrNameLst>
+                                          <p:attrName>style.visibility</p:attrName>
+                                        </p:attrNameLst>
+                                      </p:cBhvr>
+                                      <p:to>
+                                        <p:strVal val="visible"/>
+                                      </p:to>
+                                    </p:set>
+                                    <p:animEffect transition="in" filter="fade">
+                                      <p:cBhvr>
+                                        <p:cTn id="22" dur="2000"/>
+                                        <p:tgtEl>
+                                          <p:spTgt spid="7">
+                                            <p:graphicEl>
+                                              <a:dgm id="{D100FAA0-0AF3-4637-B631-80648C525695}"/>
+                                            </p:graphicEl>
+                                          </p:spTgt>
+                                        </p:tgtEl>
+                                      </p:cBhvr>
+                                    </p:animEffect>
+                                  </p:childTnLst>
+                                </p:cTn>
+                              </p:par>
+                            </p:childTnLst>
+                          </p:cTn>
+                        </p:par>
+                      </p:childTnLst>
+                    </p:cTn>
+                  </p:par>
+                  <p:par>
+                    <p:cTn id="23" fill="hold">
+                      <p:stCondLst>
+                        <p:cond delay="indefinite"/>
+                      </p:stCondLst>
+                      <p:childTnLst>
+                        <p:par>
+                          <p:cTn id="24" fill="hold">
+                            <p:stCondLst>
+                              <p:cond delay="0"/>
+                            </p:stCondLst>
+                            <p:childTnLst>
+                              <p:par>
+                                <p:cTn id="25" presetID="10" presetClass="entr" presetSubtype="0" fill="hold" grpId="0" nodeType="clickEffect">
+                                  <p:stCondLst>
+                                    <p:cond delay="0"/>
+                                  </p:stCondLst>
+                                  <p:childTnLst>
+                                    <p:set>
+                                      <p:cBhvr>
+                                        <p:cTn id="26" dur="1" fill="hold">
+                                          <p:stCondLst>
+                                            <p:cond delay="0"/>
+                                          </p:stCondLst>
+                                        </p:cTn>
+                                        <p:tgtEl>
+                                          <p:spTgt spid="7">
+                                            <p:graphicEl>
+                                              <a:dgm id="{AD3B2B6D-2C2C-4F9D-9BAB-6C9727104E3F}"/>
+                                            </p:graphicEl>
+                                          </p:spTgt>
+                                        </p:tgtEl>
+                                        <p:attrNameLst>
+                                          <p:attrName>style.visibility</p:attrName>
+                                        </p:attrNameLst>
+                                      </p:cBhvr>
+                                      <p:to>
+                                        <p:strVal val="visible"/>
+                                      </p:to>
+                                    </p:set>
+                                    <p:animEffect transition="in" filter="fade">
+                                      <p:cBhvr>
+                                        <p:cTn id="27" dur="2000"/>
+                                        <p:tgtEl>
+                                          <p:spTgt spid="7">
+                                            <p:graphicEl>
+                                              <a:dgm id="{AD3B2B6D-2C2C-4F9D-9BAB-6C9727104E3F}"/>
+                                            </p:graphicEl>
+                                          </p:spTgt>
+                                        </p:tgtEl>
+                                      </p:cBhvr>
+                                    </p:animEffect>
+                                  </p:childTnLst>
+                                </p:cTn>
+                              </p:par>
+                            </p:childTnLst>
+                          </p:cTn>
+                        </p:par>
+                      </p:childTnLst>
+                    </p:cTn>
+                  </p:par>
+                  <p:par>
+                    <p:cTn id="28" fill="hold">
+                      <p:stCondLst>
+                        <p:cond delay="indefinite"/>
+                      </p:stCondLst>
+                      <p:childTnLst>
+                        <p:par>
+                          <p:cTn id="29" fill="hold">
+                            <p:stCondLst>
+                              <p:cond delay="0"/>
+                            </p:stCondLst>
+                            <p:childTnLst>
+                              <p:par>
+                                <p:cTn id="30" presetID="10" presetClass="entr" presetSubtype="0" fill="hold" grpId="0" nodeType="clickEffect">
+                                  <p:stCondLst>
+                                    <p:cond delay="0"/>
+                                  </p:stCondLst>
+                                  <p:childTnLst>
+                                    <p:set>
+                                      <p:cBhvr>
+                                        <p:cTn id="31" dur="1" fill="hold">
+                                          <p:stCondLst>
+                                            <p:cond delay="0"/>
+                                          </p:stCondLst>
+                                        </p:cTn>
+                                        <p:tgtEl>
+                                          <p:spTgt spid="7">
+                                            <p:graphicEl>
+                                              <a:dgm id="{A8FF90F5-6DB4-499D-A047-C389F7FDC61D}"/>
+                                            </p:graphicEl>
+                                          </p:spTgt>
+                                        </p:tgtEl>
+                                        <p:attrNameLst>
+                                          <p:attrName>style.visibility</p:attrName>
+                                        </p:attrNameLst>
+                                      </p:cBhvr>
+                                      <p:to>
+                                        <p:strVal val="visible"/>
+                                      </p:to>
+                                    </p:set>
+                                    <p:animEffect transition="in" filter="fade">
+                                      <p:cBhvr>
+                                        <p:cTn id="32" dur="2000"/>
+                                        <p:tgtEl>
+                                          <p:spTgt spid="7">
+                                            <p:graphicEl>
+                                              <a:dgm id="{A8FF90F5-6DB4-499D-A047-C389F7FDC61D}"/>
+                                            </p:graphicEl>
+                                          </p:spTgt>
+                                        </p:tgtEl>
+                                      </p:cBhvr>
+                                    </p:animEffect>
+                                  </p:childTnLst>
+                                </p:cTn>
+                              </p:par>
+                            </p:childTnLst>
+                          </p:cTn>
+                        </p:par>
+                      </p:childTnLst>
+                    </p:cTn>
+                  </p:par>
+                </p:childTnLst>
+              </p:cTn>
+              <p:prevCondLst>
+                <p:cond evt="onPrev" delay="0">
+                  <p:tgtEl>
+                    <p:sldTgt/>
+                  </p:tgtEl>
+                </p:cond>
+              </p:prevCondLst>
+              <p:nextCondLst>
+                <p:cond evt="onNext" delay="0">
+                  <p:tgtEl>
+                    <p:sldTgt/>
+                  </p:tgtEl>
+                </p:cond>
+              </p:nextCondLst>
+            </p:seq>
+          </p:childTnLst>
+        </p:cTn>
+      </p:par>
+    </p:tnLst>
+    <p:bldLst>
+      <p:bldGraphic spid="7" grpId="0">
+        <p:bldSub>
+          <a:bldDgm bld="lvlOne"/>
+        </p:bldSub>
+      </p:bldGraphic>
+    </p:bldLst>
+  </p:timing>
+</p:sld>
+</file>
+
+<file path=ppt/slides/slide6.xml><?xml version="1.0" encoding="utf-8"?>
+<p:sld xmlns:a="http://schemas.openxmlformats.org/drawingml/2006/main" xmlns:r="http://schemas.openxmlformats.org/officeDocument/2006/relationships" xmlns:p="http://schemas.openxmlformats.org/presentationml/2006/main">
+  <p:cSld>
+    <p:spTree>
+      <p:nvGrpSpPr>
+        <p:cNvPr id="1" name=""/>
+        <p:cNvGrpSpPr/>
+        <p:nvPr/>
+      </p:nvGrpSpPr>
+      <p:grpSpPr>
+        <a:xfrm>
+          <a:off x="0" y="0"/>
+          <a:ext cx="0" cy="0"/>
+          <a:chOff x="0" y="0"/>
+          <a:chExt cx="0" cy="0"/>
+        </a:xfrm>
+      </p:grpSpPr>
+      <p:sp>
+        <p:nvSpPr>
+          <p:cNvPr id="2" name="Titre 1"/>
+          <p:cNvSpPr>
+            <a:spLocks noGrp="1"/>
+          </p:cNvSpPr>
+          <p:nvPr>
+            <p:ph type="title"/>
+          </p:nvPr>
+        </p:nvSpPr>
+        <p:spPr/>
+        <p:txBody>
+          <a:bodyPr/>
+          <a:lstStyle/>
+          <a:p>
+            <a:r>
+              <a:rPr lang="fr-FR" b="1" dirty="0" smtClean="0">
+                <a:ln w="1905"/>
+                <a:gradFill>
+                  <a:gsLst>
+                    <a:gs pos="0">
+                      <a:schemeClr val="accent6">
+                        <a:shade val="20000"/>
+                        <a:satMod val="200000"/>
+                      </a:schemeClr>
+                    </a:gs>
+                    <a:gs pos="78000">
+                      <a:schemeClr val="accent6">
+                        <a:tint val="90000"/>
+                        <a:shade val="89000"/>
+                        <a:satMod val="220000"/>
+                      </a:schemeClr>
+                    </a:gs>
+                    <a:gs pos="100000">
+                      <a:schemeClr val="accent6">
+                        <a:tint val="12000"/>
+                        <a:satMod val="255000"/>
+                      </a:schemeClr>
+                    </a:gs>
+                  </a:gsLst>
+                  <a:lin ang="5400000"/>
+                </a:gradFill>
+                <a:effectLst>
+                  <a:innerShdw blurRad="69850" dist="43180" dir="5400000">
+                    <a:srgbClr val="000000">
+                      <a:alpha val="65000"/>
+                    </a:srgbClr>
+                  </a:innerShdw>
+                  <a:reflection blurRad="6350" stA="55000" endA="300" endPos="45500" dir="5400000" sy="-100000" algn="bl" rotWithShape="0"/>
+                </a:effectLst>
+              </a:rPr>
+              <a:t>Choix de la stratégie </a:t>
+            </a:r>
+            <a:endParaRPr lang="fr-FR" b="1" dirty="0">
+              <a:ln w="1905"/>
+              <a:gradFill>
+                <a:gsLst>
+                  <a:gs pos="0">
+                    <a:schemeClr val="accent6">
+                      <a:shade val="20000"/>
+                      <a:satMod val="200000"/>
+                    </a:schemeClr>
+                  </a:gs>
+                  <a:gs pos="78000">
+                    <a:schemeClr val="accent6">
+                      <a:tint val="90000"/>
+                      <a:shade val="89000"/>
+                      <a:satMod val="220000"/>
+                    </a:schemeClr>
+                  </a:gs>
+                  <a:gs pos="100000">
+                    <a:schemeClr val="accent6">
+                      <a:tint val="12000"/>
+                      <a:satMod val="255000"/>
+                    </a:schemeClr>
+                  </a:gs>
+                </a:gsLst>
+                <a:lin ang="5400000"/>
+              </a:gradFill>
+              <a:effectLst>
+                <a:innerShdw blurRad="69850" dist="43180" dir="5400000">
+                  <a:srgbClr val="000000">
+                    <a:alpha val="65000"/>
+                  </a:srgbClr>
+                </a:innerShdw>
+                <a:reflection blurRad="6350" stA="55000" endA="300" endPos="45500" dir="5400000" sy="-100000" algn="bl" rotWithShape="0"/>
+              </a:effectLst>
+            </a:endParaRPr>
+          </a:p>
+        </p:txBody>
+      </p:sp>
+      <p:sp>
+        <p:nvSpPr>
+          <p:cNvPr id="3" name="Espace réservé du contenu 2"/>
+          <p:cNvSpPr>
+            <a:spLocks noGrp="1"/>
+          </p:cNvSpPr>
+          <p:nvPr>
+            <p:ph idx="1"/>
+          </p:nvPr>
+        </p:nvSpPr>
+        <p:spPr/>
+        <p:txBody>
+          <a:bodyPr/>
+          <a:lstStyle/>
+          <a:p>
+            <a:pPr>
+              <a:buNone/>
+            </a:pPr>
+            <a:r>
+              <a:rPr lang="fr-FR" dirty="0" smtClean="0"/>
+              <a:t>Il existe 4 stratégies différentes:</a:t>
+            </a:r>
+          </a:p>
+          <a:p>
+            <a:pPr lvl="0"/>
+            <a:r>
+              <a:rPr lang="fr-FR" dirty="0" smtClean="0"/>
+              <a:t>Stratégie </a:t>
+            </a:r>
+            <a:r>
+              <a:rPr lang="fr-FR" dirty="0" smtClean="0"/>
+              <a:t>indéterminée : choix du nœud cible aléatoire.</a:t>
+            </a:r>
+            <a:endParaRPr lang="fr-FR" dirty="0" smtClean="0"/>
+          </a:p>
+          <a:p>
+            <a:pPr lvl="0"/>
+            <a:r>
+              <a:rPr lang="fr-FR" dirty="0" smtClean="0"/>
+              <a:t>Stratégie </a:t>
+            </a:r>
+            <a:r>
+              <a:rPr lang="fr-FR" dirty="0" smtClean="0"/>
+              <a:t>Exploratrice : choisie les nœuds jamais parcourus grâce à la carte.</a:t>
+            </a:r>
+            <a:endParaRPr lang="fr-FR" dirty="0" smtClean="0"/>
+          </a:p>
+          <a:p>
+            <a:pPr lvl="0"/>
+            <a:r>
+              <a:rPr lang="fr-FR" dirty="0" smtClean="0"/>
+              <a:t>Stratégie </a:t>
+            </a:r>
+            <a:r>
+              <a:rPr lang="fr-FR" dirty="0" smtClean="0"/>
+              <a:t>Offensive : choisie les nœuds possédant un coefficient de risque assez élevé.</a:t>
+            </a:r>
+            <a:endParaRPr lang="fr-FR" dirty="0" smtClean="0"/>
+          </a:p>
+          <a:p>
+            <a:pPr lvl="0"/>
+            <a:r>
+              <a:rPr lang="fr-FR" dirty="0" smtClean="0"/>
+              <a:t>Stratégie </a:t>
+            </a:r>
+            <a:r>
+              <a:rPr lang="fr-FR" dirty="0" smtClean="0"/>
+              <a:t>Défensive: défend la base et les nœuds alentours</a:t>
+            </a:r>
+            <a:endParaRPr lang="fr-FR" dirty="0" smtClean="0"/>
+          </a:p>
+          <a:p>
+            <a:pPr>
+              <a:buNone/>
+            </a:pPr>
+            <a:r>
+              <a:rPr lang="fr-FR" dirty="0" smtClean="0"/>
+              <a:t>Utilisation de </a:t>
+            </a:r>
+            <a:r>
+              <a:rPr lang="fr-FR" b="1" dirty="0" smtClean="0"/>
+              <a:t>Dijkstra</a:t>
+            </a:r>
+            <a:r>
+              <a:rPr lang="fr-FR" dirty="0" smtClean="0"/>
+              <a:t> pour le calcul des </a:t>
+            </a:r>
+            <a:r>
+              <a:rPr lang="fr-FR" b="1" dirty="0" smtClean="0"/>
+              <a:t>chemins</a:t>
+            </a:r>
+            <a:r>
+              <a:rPr lang="fr-FR" dirty="0" smtClean="0"/>
+              <a:t>!</a:t>
+            </a:r>
+            <a:endParaRPr lang="fr-FR" dirty="0"/>
+          </a:p>
+        </p:txBody>
+      </p:sp>
+    </p:spTree>
+  </p:cSld>
+  <p:clrMapOvr>
+    <a:masterClrMapping/>
+  </p:clrMapOvr>
+  <p:transition>
+    <p:fade/>
+  </p:transition>
+  <p:timing>
+    <p:tnLst>
+      <p:par>
+        <p:cTn id="1" dur="indefinite" restart="never" nodeType="tmRoot">
+          <p:childTnLst>
+            <p:seq concurrent="1" nextAc="seek">
+              <p:cTn id="2" dur="indefinite" nodeType="mainSeq">
+                <p:childTnLst>
+                  <p:par>
+                    <p:cTn id="3" fill="hold">
+                      <p:stCondLst>
+                        <p:cond delay="indefinite"/>
+                      </p:stCondLst>
+                      <p:childTnLst>
+                        <p:par>
+                          <p:cTn id="4" fill="hold">
+                            <p:stCondLst>
+                              <p:cond delay="0"/>
+                            </p:stCondLst>
+                            <p:childTnLst>
+                              <p:par>
+                                <p:cTn id="5" presetID="10" presetClass="entr" presetSubtype="0" fill="hold" nodeType="clickEffect">
+                                  <p:stCondLst>
+                                    <p:cond delay="0"/>
+                                  </p:stCondLst>
+                                  <p:childTnLst>
+                                    <p:set>
+                                      <p:cBhvr>
+                                        <p:cTn id="6" dur="1" fill="hold">
+                                          <p:stCondLst>
+                                            <p:cond delay="0"/>
+                                          </p:stCondLst>
+                                        </p:cTn>
+                                        <p:tgtEl>
+                                          <p:spTgt spid="3">
+                                            <p:txEl>
+                                              <p:pRg st="0" end="0"/>
+                                            </p:txEl>
+                                          </p:spTgt>
+                                        </p:tgtEl>
+                                        <p:attrNameLst>
+                                          <p:attrName>style.visibility</p:attrName>
+                                        </p:attrNameLst>
+                                      </p:cBhvr>
+                                      <p:to>
+                                        <p:strVal val="visible"/>
+                                      </p:to>
+                                    </p:set>
+                                    <p:animEffect transition="in" filter="fade">
+                                      <p:cBhvr>
+                                        <p:cTn id="7" dur="2000"/>
+                                        <p:tgtEl>
+                                          <p:spTgt spid="3">
+                                            <p:txEl>
+                                              <p:pRg st="0" end="0"/>
+                                            </p:txEl>
+                                          </p:spTgt>
+                                        </p:tgtEl>
+                                      </p:cBhvr>
+                                    </p:animEffect>
+                                  </p:childTnLst>
+                                </p:cTn>
+                              </p:par>
+                            </p:childTnLst>
+                          </p:cTn>
+                        </p:par>
+                      </p:childTnLst>
+                    </p:cTn>
+                  </p:par>
+                  <p:par>
+                    <p:cTn id="8" fill="hold">
+                      <p:stCondLst>
+                        <p:cond delay="indefinite"/>
+                      </p:stCondLst>
+                      <p:childTnLst>
+                        <p:par>
+                          <p:cTn id="9" fill="hold">
+                            <p:stCondLst>
+                              <p:cond delay="0"/>
+                            </p:stCondLst>
+                            <p:childTnLst>
+                              <p:par>
+                                <p:cTn id="10" presetID="10" presetClass="entr" presetSubtype="0" fill="hold" nodeType="clickEffect">
+                                  <p:stCondLst>
+                                    <p:cond delay="0"/>
+                                  </p:stCondLst>
+                                  <p:childTnLst>
+                                    <p:set>
+                                      <p:cBhvr>
+                                        <p:cTn id="11" dur="1" fill="hold">
+                                          <p:stCondLst>
+                                            <p:cond delay="0"/>
+                                          </p:stCondLst>
+                                        </p:cTn>
+                                        <p:tgtEl>
+                                          <p:spTgt spid="3">
+                                            <p:txEl>
+                                              <p:pRg st="1" end="1"/>
+                                            </p:txEl>
+                                          </p:spTgt>
+                                        </p:tgtEl>
+                                        <p:attrNameLst>
+                                          <p:attrName>style.visibility</p:attrName>
+                                        </p:attrNameLst>
+                                      </p:cBhvr>
+                                      <p:to>
+                                        <p:strVal val="visible"/>
+                                      </p:to>
+                                    </p:set>
+                                    <p:animEffect transition="in" filter="fade">
+                                      <p:cBhvr>
+                                        <p:cTn id="12" dur="2000"/>
+                                        <p:tgtEl>
+                                          <p:spTgt spid="3">
+                                            <p:txEl>
+                                              <p:pRg st="1" end="1"/>
+                                            </p:txEl>
+                                          </p:spTgt>
+                                        </p:tgtEl>
+                                      </p:cBhvr>
+                                    </p:animEffect>
+                                  </p:childTnLst>
+                                </p:cTn>
+                              </p:par>
+                            </p:childTnLst>
+                          </p:cTn>
+                        </p:par>
+                      </p:childTnLst>
+                    </p:cTn>
+                  </p:par>
+                  <p:par>
+                    <p:cTn id="13" fill="hold">
+                      <p:stCondLst>
+                        <p:cond delay="indefinite"/>
+                      </p:stCondLst>
+                      <p:childTnLst>
+                        <p:par>
+                          <p:cTn id="14" fill="hold">
+                            <p:stCondLst>
+                              <p:cond delay="0"/>
+                            </p:stCondLst>
+                            <p:childTnLst>
+                              <p:par>
+                                <p:cTn id="15" presetID="10" presetClass="entr" presetSubtype="0" fill="hold" nodeType="clickEffect">
+                                  <p:stCondLst>
+                                    <p:cond delay="0"/>
+                                  </p:stCondLst>
+                                  <p:childTnLst>
+                                    <p:set>
+                                      <p:cBhvr>
+                                        <p:cTn id="16" dur="1" fill="hold">
+                                          <p:stCondLst>
+                                            <p:cond delay="0"/>
+                                          </p:stCondLst>
+                                        </p:cTn>
+                                        <p:tgtEl>
+                                          <p:spTgt spid="3">
+                                            <p:txEl>
+                                              <p:pRg st="2" end="2"/>
+                                            </p:txEl>
+                                          </p:spTgt>
+                                        </p:tgtEl>
+                                        <p:attrNameLst>
+                                          <p:attrName>style.visibility</p:attrName>
+                                        </p:attrNameLst>
+                                      </p:cBhvr>
+                                      <p:to>
+                                        <p:strVal val="visible"/>
+                                      </p:to>
+                                    </p:set>
+                                    <p:animEffect transition="in" filter="fade">
+                                      <p:cBhvr>
+                                        <p:cTn id="17" dur="2000"/>
+                                        <p:tgtEl>
+                                          <p:spTgt spid="3">
+                                            <p:txEl>
+                                              <p:pRg st="2" end="2"/>
+                                            </p:txEl>
+                                          </p:spTgt>
+                                        </p:tgtEl>
+                                      </p:cBhvr>
+                                    </p:animEffect>
+                                  </p:childTnLst>
+                                </p:cTn>
+                              </p:par>
+                            </p:childTnLst>
+                          </p:cTn>
+                        </p:par>
+                      </p:childTnLst>
+                    </p:cTn>
+                  </p:par>
+                  <p:par>
+                    <p:cTn id="18" fill="hold">
+                      <p:stCondLst>
+                        <p:cond delay="indefinite"/>
+                      </p:stCondLst>
+                      <p:childTnLst>
+                        <p:par>
+                          <p:cTn id="19" fill="hold">
+                            <p:stCondLst>
+                              <p:cond delay="0"/>
+                            </p:stCondLst>
+                            <p:childTnLst>
+                              <p:par>
+                                <p:cTn id="20" presetID="10" presetClass="entr" presetSubtype="0" fill="hold" nodeType="clickEffect">
+                                  <p:stCondLst>
+                                    <p:cond delay="0"/>
+                                  </p:stCondLst>
+                                  <p:childTnLst>
+                                    <p:set>
+                                      <p:cBhvr>
+                                        <p:cTn id="21" dur="1" fill="hold">
+                                          <p:stCondLst>
+                                            <p:cond delay="0"/>
+                                          </p:stCondLst>
+                                        </p:cTn>
+                                        <p:tgtEl>
+                                          <p:spTgt spid="3">
+                                            <p:txEl>
+                                              <p:pRg st="3" end="3"/>
+                                            </p:txEl>
+                                          </p:spTgt>
+                                        </p:tgtEl>
+                                        <p:attrNameLst>
+                                          <p:attrName>style.visibility</p:attrName>
+                                        </p:attrNameLst>
+                                      </p:cBhvr>
+                                      <p:to>
+                                        <p:strVal val="visible"/>
+                                      </p:to>
+                                    </p:set>
+                                    <p:animEffect transition="in" filter="fade">
+                                      <p:cBhvr>
+                                        <p:cTn id="22" dur="2000"/>
+                                        <p:tgtEl>
+                                          <p:spTgt spid="3">
+                                            <p:txEl>
+                                              <p:pRg st="3" end="3"/>
+                                            </p:txEl>
+                                          </p:spTgt>
+                                        </p:tgtEl>
+                                      </p:cBhvr>
+                                    </p:animEffect>
+                                  </p:childTnLst>
+                                </p:cTn>
+                              </p:par>
+                            </p:childTnLst>
+                          </p:cTn>
+                        </p:par>
+                      </p:childTnLst>
+                    </p:cTn>
+                  </p:par>
+                  <p:par>
+                    <p:cTn id="23" fill="hold">
+                      <p:stCondLst>
+                        <p:cond delay="indefinite"/>
+                      </p:stCondLst>
+                      <p:childTnLst>
+                        <p:par>
+                          <p:cTn id="24" fill="hold">
+                            <p:stCondLst>
+                              <p:cond delay="0"/>
+                            </p:stCondLst>
+                            <p:childTnLst>
+                              <p:par>
+                                <p:cTn id="25" presetID="10" presetClass="entr" presetSubtype="0" fill="hold" nodeType="clickEffect">
+                                  <p:stCondLst>
+                                    <p:cond delay="0"/>
+                                  </p:stCondLst>
+                                  <p:childTnLst>
+                                    <p:set>
+                                      <p:cBhvr>
+                                        <p:cTn id="26" dur="1" fill="hold">
+                                          <p:stCondLst>
+                                            <p:cond delay="0"/>
+                                          </p:stCondLst>
+                                        </p:cTn>
+                                        <p:tgtEl>
+                                          <p:spTgt spid="3">
+                                            <p:txEl>
+                                              <p:pRg st="4" end="4"/>
+                                            </p:txEl>
+                                          </p:spTgt>
+                                        </p:tgtEl>
+                                        <p:attrNameLst>
+                                          <p:attrName>style.visibility</p:attrName>
+                                        </p:attrNameLst>
+                                      </p:cBhvr>
+                                      <p:to>
+                                        <p:strVal val="visible"/>
+                                      </p:to>
+                                    </p:set>
+                                    <p:animEffect transition="in" filter="fade">
+                                      <p:cBhvr>
+                                        <p:cTn id="27" dur="2000"/>
+                                        <p:tgtEl>
+                                          <p:spTgt spid="3">
+                                            <p:txEl>
+                                              <p:pRg st="4" end="4"/>
+                                            </p:txEl>
+                                          </p:spTgt>
+                                        </p:tgtEl>
+                                      </p:cBhvr>
+                                    </p:animEffect>
+                                  </p:childTnLst>
+                                </p:cTn>
+                              </p:par>
+                            </p:childTnLst>
+                          </p:cTn>
+                        </p:par>
+                      </p:childTnLst>
+                    </p:cTn>
+                  </p:par>
+                  <p:par>
+                    <p:cTn id="28" fill="hold">
+                      <p:stCondLst>
+                        <p:cond delay="indefinite"/>
+                      </p:stCondLst>
+                      <p:childTnLst>
+                        <p:par>
+                          <p:cTn id="29" fill="hold">
+                            <p:stCondLst>
+                              <p:cond delay="0"/>
+                            </p:stCondLst>
+                            <p:childTnLst>
+                              <p:par>
+                                <p:cTn id="30" presetID="10" presetClass="entr" presetSubtype="0" fill="hold" nodeType="clickEffect">
+                                  <p:stCondLst>
+                                    <p:cond delay="0"/>
+                                  </p:stCondLst>
+                                  <p:childTnLst>
+                                    <p:set>
+                                      <p:cBhvr>
+                                        <p:cTn id="31" dur="1" fill="hold">
+                                          <p:stCondLst>
+                                            <p:cond delay="0"/>
+                                          </p:stCondLst>
+                                        </p:cTn>
+                                        <p:tgtEl>
+                                          <p:spTgt spid="3">
+                                            <p:txEl>
+                                              <p:pRg st="5" end="5"/>
+                                            </p:txEl>
+                                          </p:spTgt>
+                                        </p:tgtEl>
+                                        <p:attrNameLst>
+                                          <p:attrName>style.visibility</p:attrName>
+                                        </p:attrNameLst>
+                                      </p:cBhvr>
+                                      <p:to>
+                                        <p:strVal val="visible"/>
+                                      </p:to>
+                                    </p:set>
+                                    <p:animEffect transition="in" filter="fade">
+                                      <p:cBhvr>
+                                        <p:cTn id="32" dur="2000"/>
+                                        <p:tgtEl>
+                                          <p:spTgt spid="3">
+                                            <p:txEl>
+                                              <p:pRg st="5" end="5"/>
                                             </p:txEl>
                                           </p:spTgt>
                                         </p:tgtEl>

--- a/trunk/doc/Voogle.pptx
+++ b/trunk/doc/Voogle.pptx
@@ -5,18 +5,32 @@
     <p:sldMasterId id="2147483876" r:id="rId1"/>
   </p:sldMasterIdLst>
   <p:notesMasterIdLst>
-    <p:notesMasterId r:id="rId8"/>
+    <p:notesMasterId r:id="rId22"/>
   </p:notesMasterIdLst>
   <p:handoutMasterIdLst>
-    <p:handoutMasterId r:id="rId9"/>
+    <p:handoutMasterId r:id="rId23"/>
   </p:handoutMasterIdLst>
   <p:sldIdLst>
     <p:sldId id="256" r:id="rId2"/>
     <p:sldId id="257" r:id="rId3"/>
     <p:sldId id="258" r:id="rId4"/>
     <p:sldId id="263" r:id="rId5"/>
-    <p:sldId id="264" r:id="rId6"/>
-    <p:sldId id="265" r:id="rId7"/>
+    <p:sldId id="268" r:id="rId6"/>
+    <p:sldId id="269" r:id="rId7"/>
+    <p:sldId id="270" r:id="rId8"/>
+    <p:sldId id="271" r:id="rId9"/>
+    <p:sldId id="273" r:id="rId10"/>
+    <p:sldId id="274" r:id="rId11"/>
+    <p:sldId id="275" r:id="rId12"/>
+    <p:sldId id="277" r:id="rId13"/>
+    <p:sldId id="279" r:id="rId14"/>
+    <p:sldId id="280" r:id="rId15"/>
+    <p:sldId id="281" r:id="rId16"/>
+    <p:sldId id="283" r:id="rId17"/>
+    <p:sldId id="282" r:id="rId18"/>
+    <p:sldId id="284" r:id="rId19"/>
+    <p:sldId id="264" r:id="rId20"/>
+    <p:sldId id="265" r:id="rId21"/>
   </p:sldIdLst>
   <p:sldSz cx="9144000" cy="6858000" type="screen4x3"/>
   <p:notesSz cx="6858000" cy="9144000"/>
@@ -2690,7 +2704,7 @@
             <a:fld id="{8368E45D-4868-47FB-8073-428F8E26CB8C}" type="datetimeFigureOut">
               <a:rPr lang="fr-FR" smtClean="0"/>
               <a:pPr/>
-              <a:t>19/05/2008</a:t>
+              <a:t>21/05/2008</a:t>
             </a:fld>
             <a:endParaRPr lang="fr-FR"/>
           </a:p>
@@ -2852,7 +2866,7 @@
             <a:fld id="{58FA4FC7-A211-4ECF-A5D7-933E1F1C3FE8}" type="datetimeFigureOut">
               <a:rPr lang="fr-FR" smtClean="0"/>
               <a:pPr/>
-              <a:t>19/05/2008</a:t>
+              <a:t>21/05/2008</a:t>
             </a:fld>
             <a:endParaRPr lang="fr-FR"/>
           </a:p>
@@ -3292,7 +3306,7 @@
             <a:fld id="{CF3B9824-1762-477C-8032-79148FFA70E9}" type="datetimeFigureOut">
               <a:rPr lang="fr-FR" smtClean="0"/>
               <a:pPr/>
-              <a:t>19/05/2008</a:t>
+              <a:t>21/05/2008</a:t>
             </a:fld>
             <a:endParaRPr lang="fr-FR"/>
           </a:p>
@@ -3462,7 +3476,7 @@
             <a:fld id="{CF3B9824-1762-477C-8032-79148FFA70E9}" type="datetimeFigureOut">
               <a:rPr lang="fr-FR" smtClean="0"/>
               <a:pPr/>
-              <a:t>19/05/2008</a:t>
+              <a:t>21/05/2008</a:t>
             </a:fld>
             <a:endParaRPr lang="fr-FR"/>
           </a:p>
@@ -3642,7 +3656,7 @@
             <a:fld id="{CF3B9824-1762-477C-8032-79148FFA70E9}" type="datetimeFigureOut">
               <a:rPr lang="fr-FR" smtClean="0"/>
               <a:pPr/>
-              <a:t>19/05/2008</a:t>
+              <a:t>21/05/2008</a:t>
             </a:fld>
             <a:endParaRPr lang="fr-FR"/>
           </a:p>
@@ -3812,7 +3826,7 @@
             <a:fld id="{CF3B9824-1762-477C-8032-79148FFA70E9}" type="datetimeFigureOut">
               <a:rPr lang="fr-FR" smtClean="0"/>
               <a:pPr/>
-              <a:t>19/05/2008</a:t>
+              <a:t>21/05/2008</a:t>
             </a:fld>
             <a:endParaRPr lang="fr-FR"/>
           </a:p>
@@ -4059,7 +4073,7 @@
             <a:fld id="{CF3B9824-1762-477C-8032-79148FFA70E9}" type="datetimeFigureOut">
               <a:rPr lang="fr-FR" smtClean="0"/>
               <a:pPr/>
-              <a:t>19/05/2008</a:t>
+              <a:t>21/05/2008</a:t>
             </a:fld>
             <a:endParaRPr lang="fr-FR"/>
           </a:p>
@@ -4328,7 +4342,7 @@
             <a:fld id="{CF3B9824-1762-477C-8032-79148FFA70E9}" type="datetimeFigureOut">
               <a:rPr lang="fr-FR" smtClean="0"/>
               <a:pPr/>
-              <a:t>19/05/2008</a:t>
+              <a:t>21/05/2008</a:t>
             </a:fld>
             <a:endParaRPr lang="fr-FR"/>
           </a:p>
@@ -4711,7 +4725,7 @@
             <a:fld id="{CF3B9824-1762-477C-8032-79148FFA70E9}" type="datetimeFigureOut">
               <a:rPr lang="fr-FR" smtClean="0"/>
               <a:pPr/>
-              <a:t>19/05/2008</a:t>
+              <a:t>21/05/2008</a:t>
             </a:fld>
             <a:endParaRPr lang="fr-FR"/>
           </a:p>
@@ -4866,7 +4880,7 @@
             <a:fld id="{CF3B9824-1762-477C-8032-79148FFA70E9}" type="datetimeFigureOut">
               <a:rPr lang="fr-FR" smtClean="0"/>
               <a:pPr/>
-              <a:t>19/05/2008</a:t>
+              <a:t>21/05/2008</a:t>
             </a:fld>
             <a:endParaRPr lang="fr-FR"/>
           </a:p>
@@ -4961,7 +4975,7 @@
             <a:fld id="{CF3B9824-1762-477C-8032-79148FFA70E9}" type="datetimeFigureOut">
               <a:rPr lang="fr-FR" smtClean="0"/>
               <a:pPr/>
-              <a:t>19/05/2008</a:t>
+              <a:t>21/05/2008</a:t>
             </a:fld>
             <a:endParaRPr lang="fr-FR"/>
           </a:p>
@@ -5227,7 +5241,7 @@
             <a:fld id="{CF3B9824-1762-477C-8032-79148FFA70E9}" type="datetimeFigureOut">
               <a:rPr lang="fr-FR" smtClean="0"/>
               <a:pPr/>
-              <a:t>19/05/2008</a:t>
+              <a:t>21/05/2008</a:t>
             </a:fld>
             <a:endParaRPr lang="fr-FR"/>
           </a:p>
@@ -5520,7 +5534,7 @@
             <a:fld id="{CF3B9824-1762-477C-8032-79148FFA70E9}" type="datetimeFigureOut">
               <a:rPr lang="fr-FR" smtClean="0"/>
               <a:pPr/>
-              <a:t>19/05/2008</a:t>
+              <a:t>21/05/2008</a:t>
             </a:fld>
             <a:endParaRPr lang="fr-FR"/>
           </a:p>
@@ -6296,7 +6310,7 @@
             <a:fld id="{CF3B9824-1762-477C-8032-79148FFA70E9}" type="datetimeFigureOut">
               <a:rPr lang="fr-FR" smtClean="0"/>
               <a:pPr/>
-              <a:t>19/05/2008</a:t>
+              <a:t>21/05/2008</a:t>
             </a:fld>
             <a:endParaRPr lang="fr-FR"/>
           </a:p>
@@ -6984,7 +6998,7 @@
 </p:sld>
 </file>
 
-<file path=ppt/slides/slide2.xml><?xml version="1.0" encoding="utf-8"?>
+<file path=ppt/slides/slide10.xml><?xml version="1.0" encoding="utf-8"?>
 <p:sld xmlns:a="http://schemas.openxmlformats.org/drawingml/2006/main" xmlns:r="http://schemas.openxmlformats.org/officeDocument/2006/relationships" xmlns:p="http://schemas.openxmlformats.org/presentationml/2006/main">
   <p:cSld>
     <p:spTree>
@@ -7052,43 +7066,9 @@
                   <a:reflection blurRad="6350" stA="55000" endA="300" endPos="45500" dir="5400000" sy="-100000" algn="bl" rotWithShape="0"/>
                 </a:effectLst>
               </a:rPr>
-              <a:t>Objectifs Initiaux</a:t>
-            </a:r>
-            <a:endParaRPr lang="fr-FR" b="1" dirty="0">
-              <a:ln w="1905"/>
-              <a:gradFill>
-                <a:gsLst>
-                  <a:gs pos="0">
-                    <a:schemeClr val="accent6">
-                      <a:shade val="20000"/>
-                      <a:satMod val="200000"/>
-                    </a:schemeClr>
-                  </a:gs>
-                  <a:gs pos="78000">
-                    <a:schemeClr val="accent6">
-                      <a:tint val="90000"/>
-                      <a:shade val="89000"/>
-                      <a:satMod val="220000"/>
-                    </a:schemeClr>
-                  </a:gs>
-                  <a:gs pos="100000">
-                    <a:schemeClr val="accent6">
-                      <a:tint val="12000"/>
-                      <a:satMod val="255000"/>
-                    </a:schemeClr>
-                  </a:gs>
-                </a:gsLst>
-                <a:lin ang="5400000"/>
-              </a:gradFill>
-              <a:effectLst>
-                <a:innerShdw blurRad="69850" dist="43180" dir="5400000">
-                  <a:srgbClr val="000000">
-                    <a:alpha val="65000"/>
-                  </a:srgbClr>
-                </a:innerShdw>
-                <a:reflection blurRad="6350" stA="55000" endA="300" endPos="45500" dir="5400000" sy="-100000" algn="bl" rotWithShape="0"/>
-              </a:effectLst>
-            </a:endParaRPr>
+              <a:t>Le réseau virtuel</a:t>
+            </a:r>
+            <a:endParaRPr lang="fr-FR" dirty="0"/>
           </a:p>
         </p:txBody>
       </p:sp>
@@ -7107,79 +7087,9 @@
           <a:bodyPr/>
           <a:lstStyle/>
           <a:p>
-            <a:r>
-              <a:rPr lang="fr-FR" dirty="0" smtClean="0"/>
-              <a:t>Contexte:</a:t>
-            </a:r>
-          </a:p>
-          <a:p>
             <a:pPr>
               <a:buNone/>
             </a:pPr>
-            <a:endParaRPr lang="fr-FR" dirty="0" smtClean="0"/>
-          </a:p>
-          <a:p>
-            <a:r>
-              <a:rPr lang="fr-FR" dirty="0" smtClean="0"/>
-              <a:t>Choix techniques:</a:t>
-            </a:r>
-          </a:p>
-          <a:p>
-            <a:pPr lvl="1"/>
-            <a:endParaRPr lang="fr-FR" dirty="0"/>
-          </a:p>
-        </p:txBody>
-      </p:sp>
-    </p:spTree>
-  </p:cSld>
-  <p:clrMapOvr>
-    <a:masterClrMapping/>
-  </p:clrMapOvr>
-  <p:transition>
-    <p:fade/>
-  </p:transition>
-  <p:timing>
-    <p:tnLst>
-      <p:par>
-        <p:cTn id="1" dur="indefinite" restart="never" nodeType="tmRoot"/>
-      </p:par>
-    </p:tnLst>
-  </p:timing>
-</p:sld>
-</file>
-
-<file path=ppt/slides/slide3.xml><?xml version="1.0" encoding="utf-8"?>
-<p:sld xmlns:a="http://schemas.openxmlformats.org/drawingml/2006/main" xmlns:r="http://schemas.openxmlformats.org/officeDocument/2006/relationships" xmlns:p="http://schemas.openxmlformats.org/presentationml/2006/main">
-  <p:cSld>
-    <p:spTree>
-      <p:nvGrpSpPr>
-        <p:cNvPr id="1" name=""/>
-        <p:cNvGrpSpPr/>
-        <p:nvPr/>
-      </p:nvGrpSpPr>
-      <p:grpSpPr>
-        <a:xfrm>
-          <a:off x="0" y="0"/>
-          <a:ext cx="0" cy="0"/>
-          <a:chOff x="0" y="0"/>
-          <a:chExt cx="0" cy="0"/>
-        </a:xfrm>
-      </p:grpSpPr>
-      <p:sp>
-        <p:nvSpPr>
-          <p:cNvPr id="2" name="Titre 1"/>
-          <p:cNvSpPr>
-            <a:spLocks noGrp="1"/>
-          </p:cNvSpPr>
-          <p:nvPr>
-            <p:ph type="title"/>
-          </p:nvPr>
-        </p:nvSpPr>
-        <p:spPr/>
-        <p:txBody>
-          <a:bodyPr/>
-          <a:lstStyle/>
-          <a:p>
             <a:r>
               <a:rPr lang="fr-FR" b="1" dirty="0" smtClean="0">
                 <a:ln w="1905"/>
@@ -7216,125 +7126,8 @@
                   <a:reflection blurRad="6350" stA="55000" endA="300" endPos="45500" dir="5400000" sy="-100000" algn="bl" rotWithShape="0"/>
                 </a:effectLst>
               </a:rPr>
-              <a:t>Présentation du jeu</a:t>
-            </a:r>
-            <a:endParaRPr lang="fr-FR" b="1" dirty="0">
-              <a:ln w="1905"/>
-              <a:gradFill>
-                <a:gsLst>
-                  <a:gs pos="0">
-                    <a:schemeClr val="accent6">
-                      <a:shade val="20000"/>
-                      <a:satMod val="200000"/>
-                    </a:schemeClr>
-                  </a:gs>
-                  <a:gs pos="78000">
-                    <a:schemeClr val="accent6">
-                      <a:tint val="90000"/>
-                      <a:shade val="89000"/>
-                      <a:satMod val="220000"/>
-                    </a:schemeClr>
-                  </a:gs>
-                  <a:gs pos="100000">
-                    <a:schemeClr val="accent6">
-                      <a:tint val="12000"/>
-                      <a:satMod val="255000"/>
-                    </a:schemeClr>
-                  </a:gs>
-                </a:gsLst>
-                <a:lin ang="5400000"/>
-              </a:gradFill>
-              <a:effectLst>
-                <a:innerShdw blurRad="69850" dist="43180" dir="5400000">
-                  <a:srgbClr val="000000">
-                    <a:alpha val="65000"/>
-                  </a:srgbClr>
-                </a:innerShdw>
-                <a:reflection blurRad="6350" stA="55000" endA="300" endPos="45500" dir="5400000" sy="-100000" algn="bl" rotWithShape="0"/>
-              </a:effectLst>
-            </a:endParaRPr>
-          </a:p>
-        </p:txBody>
-      </p:sp>
-      <p:sp>
-        <p:nvSpPr>
-          <p:cNvPr id="3" name="Espace réservé du contenu 2"/>
-          <p:cNvSpPr>
-            <a:spLocks noGrp="1"/>
-          </p:cNvSpPr>
-          <p:nvPr>
-            <p:ph idx="1"/>
-          </p:nvPr>
-        </p:nvSpPr>
-        <p:spPr>
-          <a:xfrm>
-            <a:off x="457200" y="1935480"/>
-            <a:ext cx="8229600" cy="4708230"/>
-          </a:xfrm>
-        </p:spPr>
-        <p:txBody>
-          <a:bodyPr>
-            <a:normAutofit/>
-          </a:bodyPr>
-          <a:lstStyle/>
-          <a:p>
-            <a:endParaRPr lang="fr-FR" dirty="0" smtClean="0"/>
-          </a:p>
-          <a:p>
-            <a:endParaRPr lang="fr-FR" dirty="0"/>
-          </a:p>
-        </p:txBody>
-      </p:sp>
-    </p:spTree>
-  </p:cSld>
-  <p:clrMapOvr>
-    <a:masterClrMapping/>
-  </p:clrMapOvr>
-  <p:transition>
-    <p:fade/>
-  </p:transition>
-  <p:timing>
-    <p:tnLst>
-      <p:par>
-        <p:cTn id="1" dur="indefinite" restart="never" nodeType="tmRoot"/>
-      </p:par>
-    </p:tnLst>
-  </p:timing>
-</p:sld>
-</file>
-
-<file path=ppt/slides/slide4.xml><?xml version="1.0" encoding="utf-8"?>
-<p:sld xmlns:a="http://schemas.openxmlformats.org/drawingml/2006/main" xmlns:r="http://schemas.openxmlformats.org/officeDocument/2006/relationships" xmlns:p="http://schemas.openxmlformats.org/presentationml/2006/main">
-  <p:cSld>
-    <p:spTree>
-      <p:nvGrpSpPr>
-        <p:cNvPr id="1" name=""/>
-        <p:cNvGrpSpPr/>
-        <p:nvPr/>
-      </p:nvGrpSpPr>
-      <p:grpSpPr>
-        <a:xfrm>
-          <a:off x="0" y="0"/>
-          <a:ext cx="0" cy="0"/>
-          <a:chOff x="0" y="0"/>
-          <a:chExt cx="0" cy="0"/>
-        </a:xfrm>
-      </p:grpSpPr>
-      <p:sp>
-        <p:nvSpPr>
-          <p:cNvPr id="2" name="Titre 1"/>
-          <p:cNvSpPr>
-            <a:spLocks noGrp="1"/>
-          </p:cNvSpPr>
-          <p:nvPr>
-            <p:ph type="title"/>
-          </p:nvPr>
-        </p:nvSpPr>
-        <p:spPr/>
-        <p:txBody>
-          <a:bodyPr/>
-          <a:lstStyle/>
-          <a:p>
+              <a:t>II/ </a:t>
+            </a:r>
             <a:r>
               <a:rPr lang="fr-FR" b="1" dirty="0" smtClean="0">
                 <a:ln w="1905"/>
@@ -7371,9 +7164,88 @@
                   <a:reflection blurRad="6350" stA="55000" endA="300" endPos="45500" dir="5400000" sy="-100000" algn="bl" rotWithShape="0"/>
                 </a:effectLst>
               </a:rPr>
-              <a:t>Description générale </a:t>
-            </a:r>
-            <a:endParaRPr lang="fr-FR" b="1" dirty="0">
+              <a:t>Visualisation du jeu</a:t>
+            </a:r>
+          </a:p>
+          <a:p>
+            <a:pPr lvl="1"/>
+            <a:r>
+              <a:rPr lang="fr-FR" dirty="0" smtClean="0"/>
+              <a:t>Centralisé au niveau de Dieu</a:t>
+            </a:r>
+          </a:p>
+          <a:p>
+            <a:pPr lvl="2"/>
+            <a:r>
+              <a:rPr lang="fr-FR" dirty="0" smtClean="0"/>
+              <a:t>Suivi  du jeu lisible et ludique</a:t>
+            </a:r>
+          </a:p>
+          <a:p>
+            <a:pPr lvl="1"/>
+            <a:r>
+              <a:rPr lang="fr-FR" dirty="0" smtClean="0"/>
+              <a:t>Réception des évènements dans une FIFO</a:t>
+            </a:r>
+          </a:p>
+          <a:p>
+            <a:pPr lvl="2"/>
+            <a:r>
+              <a:rPr lang="fr-FR" dirty="0" smtClean="0"/>
+              <a:t>Deux types de trames reçues</a:t>
+            </a:r>
+          </a:p>
+          <a:p>
+            <a:pPr lvl="3"/>
+            <a:r>
+              <a:rPr lang="fr-FR" dirty="0" smtClean="0"/>
+              <a:t>Trame de modification de l’état d’un nœud</a:t>
+            </a:r>
+          </a:p>
+          <a:p>
+            <a:pPr lvl="4"/>
+            <a:r>
+              <a:rPr lang="fr-FR" dirty="0" smtClean="0"/>
+              <a:t>Nouveau thread</a:t>
+            </a:r>
+          </a:p>
+          <a:p>
+            <a:pPr lvl="4"/>
+            <a:r>
+              <a:rPr lang="fr-FR" dirty="0" smtClean="0"/>
+              <a:t>Suppression thread</a:t>
+            </a:r>
+          </a:p>
+          <a:p>
+            <a:pPr lvl="4"/>
+            <a:r>
+              <a:rPr lang="fr-FR" dirty="0" smtClean="0"/>
+              <a:t>Capture du nœud, etc.</a:t>
+            </a:r>
+          </a:p>
+          <a:p>
+            <a:pPr lvl="3"/>
+            <a:r>
+              <a:rPr lang="fr-FR" dirty="0" smtClean="0"/>
+              <a:t>Trame de modification de l’état d’un thread</a:t>
+            </a:r>
+          </a:p>
+          <a:p>
+            <a:pPr lvl="4"/>
+            <a:r>
+              <a:rPr lang="fr-FR" dirty="0" smtClean="0"/>
+              <a:t>Déplacement d’un thread</a:t>
+            </a:r>
+          </a:p>
+          <a:p>
+            <a:pPr lvl="2"/>
+            <a:endParaRPr lang="fr-FR" dirty="0" smtClean="0"/>
+          </a:p>
+          <a:p>
+            <a:pPr>
+              <a:buNone/>
+            </a:pPr>
+            <a:endParaRPr lang="fr-FR" b="1" dirty="0" smtClean="0">
               <a:ln w="1905"/>
               <a:gradFill>
                 <a:gsLst>
@@ -7409,26 +7281,45 @@
               </a:effectLst>
             </a:endParaRPr>
           </a:p>
-        </p:txBody>
-      </p:sp>
-      <p:sp>
-        <p:nvSpPr>
-          <p:cNvPr id="3" name="Espace réservé du contenu 2"/>
-          <p:cNvSpPr>
-            <a:spLocks noGrp="1"/>
-          </p:cNvSpPr>
-          <p:nvPr>
-            <p:ph idx="1"/>
-          </p:nvPr>
-        </p:nvSpPr>
-        <p:spPr/>
-        <p:txBody>
-          <a:bodyPr/>
-          <a:lstStyle/>
-          <a:p>
-            <a:pPr>
-              <a:buNone/>
-            </a:pPr>
+          <a:p>
+            <a:pPr lvl="1"/>
+            <a:endParaRPr lang="fr-FR" b="1" dirty="0" smtClean="0">
+              <a:ln w="1905"/>
+              <a:gradFill>
+                <a:gsLst>
+                  <a:gs pos="0">
+                    <a:schemeClr val="accent6">
+                      <a:shade val="20000"/>
+                      <a:satMod val="200000"/>
+                    </a:schemeClr>
+                  </a:gs>
+                  <a:gs pos="78000">
+                    <a:schemeClr val="accent6">
+                      <a:tint val="90000"/>
+                      <a:shade val="89000"/>
+                      <a:satMod val="220000"/>
+                    </a:schemeClr>
+                  </a:gs>
+                  <a:gs pos="100000">
+                    <a:schemeClr val="accent6">
+                      <a:tint val="12000"/>
+                      <a:satMod val="255000"/>
+                    </a:schemeClr>
+                  </a:gs>
+                </a:gsLst>
+                <a:lin ang="5400000"/>
+              </a:gradFill>
+              <a:effectLst>
+                <a:innerShdw blurRad="69850" dist="43180" dir="5400000">
+                  <a:srgbClr val="000000">
+                    <a:alpha val="65000"/>
+                  </a:srgbClr>
+                </a:innerShdw>
+                <a:reflection blurRad="6350" stA="55000" endA="300" endPos="45500" dir="5400000" sy="-100000" algn="bl" rotWithShape="0"/>
+              </a:effectLst>
+            </a:endParaRPr>
+          </a:p>
+          <a:p>
             <a:endParaRPr lang="fr-FR" dirty="0"/>
           </a:p>
         </p:txBody>
@@ -7441,106 +7332,6224 @@
   <p:transition>
     <p:fade/>
   </p:transition>
-  <p:timing>
-    <p:tnLst>
-      <p:par>
-        <p:cTn id="1" dur="indefinite" restart="never" nodeType="tmRoot">
-          <p:childTnLst>
-            <p:seq concurrent="1" nextAc="seek">
-              <p:cTn id="2" dur="indefinite" nodeType="mainSeq">
-                <p:childTnLst>
-                  <p:par>
-                    <p:cTn id="3" fill="hold">
-                      <p:stCondLst>
-                        <p:cond delay="indefinite"/>
-                      </p:stCondLst>
-                      <p:childTnLst>
-                        <p:par>
-                          <p:cTn id="4" fill="hold">
-                            <p:stCondLst>
-                              <p:cond delay="0"/>
-                            </p:stCondLst>
-                            <p:childTnLst>
-                              <p:par>
-                                <p:cTn id="5" presetID="10" presetClass="entr" presetSubtype="0" fill="hold" nodeType="clickEffect" nodePh="1">
-                                  <p:stCondLst>
-                                    <p:cond delay="0"/>
-                                  </p:stCondLst>
-                                  <p:endCondLst>
-                                    <p:cond evt="begin" delay="0">
-                                      <p:tn val="5"/>
-                                    </p:cond>
-                                  </p:endCondLst>
-                                  <p:childTnLst>
-                                    <p:set>
-                                      <p:cBhvr>
-                                        <p:cTn id="6" dur="1" fill="hold">
-                                          <p:stCondLst>
-                                            <p:cond delay="0"/>
-                                          </p:stCondLst>
-                                        </p:cTn>
-                                        <p:tgtEl>
-                                          <p:spTgt spid="3">
-                                            <p:txEl>
-                                              <p:pRg st="0" end="0"/>
-                                            </p:txEl>
-                                          </p:spTgt>
-                                        </p:tgtEl>
-                                        <p:attrNameLst>
-                                          <p:attrName>style.visibility</p:attrName>
-                                        </p:attrNameLst>
-                                      </p:cBhvr>
-                                      <p:to>
-                                        <p:strVal val="visible"/>
-                                      </p:to>
-                                    </p:set>
-                                    <p:animEffect transition="in" filter="fade">
-                                      <p:cBhvr>
-                                        <p:cTn id="7" dur="2000"/>
-                                        <p:tgtEl>
-                                          <p:spTgt spid="3">
-                                            <p:txEl>
-                                              <p:pRg st="0" end="0"/>
-                                            </p:txEl>
-                                          </p:spTgt>
-                                        </p:tgtEl>
-                                      </p:cBhvr>
-                                    </p:animEffect>
-                                  </p:childTnLst>
-                                </p:cTn>
-                              </p:par>
-                            </p:childTnLst>
-                          </p:cTn>
-                        </p:par>
-                      </p:childTnLst>
-                    </p:cTn>
-                  </p:par>
-                </p:childTnLst>
-              </p:cTn>
-              <p:prevCondLst>
-                <p:cond evt="onPrev" delay="0">
-                  <p:tgtEl>
-                    <p:sldTgt/>
-                  </p:tgtEl>
-                </p:cond>
-              </p:prevCondLst>
-              <p:nextCondLst>
-                <p:cond evt="onNext" delay="0">
-                  <p:tgtEl>
-                    <p:sldTgt/>
-                  </p:tgtEl>
-                </p:cond>
-              </p:nextCondLst>
-            </p:seq>
-          </p:childTnLst>
-        </p:cTn>
-      </p:par>
-    </p:tnLst>
-  </p:timing>
 </p:sld>
 </file>
 
-<file path=ppt/slides/slide5.xml><?xml version="1.0" encoding="utf-8"?>
+<file path=ppt/slides/slide11.xml><?xml version="1.0" encoding="utf-8"?>
+<p:sld xmlns:a="http://schemas.openxmlformats.org/drawingml/2006/main" xmlns:r="http://schemas.openxmlformats.org/officeDocument/2006/relationships" xmlns:p="http://schemas.openxmlformats.org/presentationml/2006/main">
+  <p:cSld>
+    <p:spTree>
+      <p:nvGrpSpPr>
+        <p:cNvPr id="1" name=""/>
+        <p:cNvGrpSpPr/>
+        <p:nvPr/>
+      </p:nvGrpSpPr>
+      <p:grpSpPr>
+        <a:xfrm>
+          <a:off x="0" y="0"/>
+          <a:ext cx="0" cy="0"/>
+          <a:chOff x="0" y="0"/>
+          <a:chExt cx="0" cy="0"/>
+        </a:xfrm>
+      </p:grpSpPr>
+      <p:sp>
+        <p:nvSpPr>
+          <p:cNvPr id="2" name="Titre 1"/>
+          <p:cNvSpPr>
+            <a:spLocks noGrp="1"/>
+          </p:cNvSpPr>
+          <p:nvPr>
+            <p:ph type="title"/>
+          </p:nvPr>
+        </p:nvSpPr>
+        <p:spPr/>
+        <p:txBody>
+          <a:bodyPr/>
+          <a:lstStyle/>
+          <a:p>
+            <a:r>
+              <a:rPr lang="fr-FR" b="1" dirty="0" smtClean="0">
+                <a:ln w="1905"/>
+                <a:gradFill>
+                  <a:gsLst>
+                    <a:gs pos="0">
+                      <a:schemeClr val="accent6">
+                        <a:shade val="20000"/>
+                        <a:satMod val="200000"/>
+                      </a:schemeClr>
+                    </a:gs>
+                    <a:gs pos="78000">
+                      <a:schemeClr val="accent6">
+                        <a:tint val="90000"/>
+                        <a:shade val="89000"/>
+                        <a:satMod val="220000"/>
+                      </a:schemeClr>
+                    </a:gs>
+                    <a:gs pos="100000">
+                      <a:schemeClr val="accent6">
+                        <a:tint val="12000"/>
+                        <a:satMod val="255000"/>
+                      </a:schemeClr>
+                    </a:gs>
+                  </a:gsLst>
+                  <a:lin ang="5400000"/>
+                </a:gradFill>
+                <a:effectLst>
+                  <a:innerShdw blurRad="69850" dist="43180" dir="5400000">
+                    <a:srgbClr val="000000">
+                      <a:alpha val="65000"/>
+                    </a:srgbClr>
+                  </a:innerShdw>
+                  <a:reflection blurRad="6350" stA="55000" endA="300" endPos="45500" dir="5400000" sy="-100000" algn="bl" rotWithShape="0"/>
+                </a:effectLst>
+              </a:rPr>
+              <a:t>Le réseau virtuel</a:t>
+            </a:r>
+            <a:endParaRPr lang="fr-FR" dirty="0"/>
+          </a:p>
+        </p:txBody>
+      </p:sp>
+      <p:pic>
+        <p:nvPicPr>
+          <p:cNvPr id="2053" name="Picture 5"/>
+          <p:cNvPicPr>
+            <a:picLocks noGrp="1" noChangeAspect="1" noChangeArrowheads="1"/>
+          </p:cNvPicPr>
+          <p:nvPr>
+            <p:ph idx="1"/>
+          </p:nvPr>
+        </p:nvPicPr>
+        <p:blipFill>
+          <a:blip r:embed="rId2"/>
+          <a:srcRect/>
+          <a:stretch>
+            <a:fillRect/>
+          </a:stretch>
+        </p:blipFill>
+        <p:spPr bwMode="auto">
+          <a:xfrm>
+            <a:off x="2285984" y="2500306"/>
+            <a:ext cx="4214842" cy="3671824"/>
+          </a:xfrm>
+          <a:prstGeom prst="rect">
+            <a:avLst/>
+          </a:prstGeom>
+          <a:noFill/>
+          <a:ln w="9525">
+            <a:noFill/>
+            <a:miter lim="800000"/>
+            <a:headEnd/>
+            <a:tailEnd/>
+          </a:ln>
+          <a:effectLst/>
+        </p:spPr>
+      </p:pic>
+      <p:sp>
+        <p:nvSpPr>
+          <p:cNvPr id="8" name="Espace réservé du contenu 2"/>
+          <p:cNvSpPr txBox="1">
+            <a:spLocks/>
+          </p:cNvSpPr>
+          <p:nvPr/>
+        </p:nvSpPr>
+        <p:spPr>
+          <a:xfrm>
+            <a:off x="457200" y="1935480"/>
+            <a:ext cx="8229600" cy="4389120"/>
+          </a:xfrm>
+          <a:prstGeom prst="rect">
+            <a:avLst/>
+          </a:prstGeom>
+        </p:spPr>
+        <p:txBody>
+          <a:bodyPr vert="horz">
+            <a:normAutofit/>
+          </a:bodyPr>
+          <a:lstStyle/>
+          <a:p>
+            <a:pPr marL="274320" marR="0" lvl="0" indent="-274320" algn="l" defTabSz="914400" rtl="0" eaLnBrk="1" fontAlgn="auto" latinLnBrk="0" hangingPunct="1">
+              <a:lnSpc>
+                <a:spcPct val="100000"/>
+              </a:lnSpc>
+              <a:spcBef>
+                <a:spcPct val="20000"/>
+              </a:spcBef>
+              <a:spcAft>
+                <a:spcPts val="0"/>
+              </a:spcAft>
+              <a:buClr>
+                <a:schemeClr val="accent3"/>
+              </a:buClr>
+              <a:buSzPct val="95000"/>
+              <a:buFont typeface="Wingdings 2"/>
+              <a:buNone/>
+              <a:tabLst/>
+              <a:defRPr/>
+            </a:pPr>
+            <a:r>
+              <a:rPr kumimoji="0" lang="fr-FR" sz="2600" b="1" i="0" u="none" strike="noStrike" kern="1200" cap="none" spc="0" normalizeH="0" baseline="0" noProof="0" dirty="0" smtClean="0">
+                <a:ln w="1905"/>
+                <a:gradFill>
+                  <a:gsLst>
+                    <a:gs pos="0">
+                      <a:schemeClr val="accent6">
+                        <a:shade val="20000"/>
+                        <a:satMod val="200000"/>
+                      </a:schemeClr>
+                    </a:gs>
+                    <a:gs pos="78000">
+                      <a:schemeClr val="accent6">
+                        <a:tint val="90000"/>
+                        <a:shade val="89000"/>
+                        <a:satMod val="220000"/>
+                      </a:schemeClr>
+                    </a:gs>
+                    <a:gs pos="100000">
+                      <a:schemeClr val="accent6">
+                        <a:tint val="12000"/>
+                        <a:satMod val="255000"/>
+                      </a:schemeClr>
+                    </a:gs>
+                  </a:gsLst>
+                  <a:lin ang="5400000"/>
+                </a:gradFill>
+                <a:effectLst>
+                  <a:innerShdw blurRad="69850" dist="43180" dir="5400000">
+                    <a:srgbClr val="000000">
+                      <a:alpha val="65000"/>
+                    </a:srgbClr>
+                  </a:innerShdw>
+                  <a:reflection blurRad="6350" stA="55000" endA="300" endPos="45500" dir="5400000" sy="-100000" algn="bl" rotWithShape="0"/>
+                </a:effectLst>
+                <a:uLnTx/>
+                <a:uFillTx/>
+                <a:latin typeface="+mn-lt"/>
+                <a:ea typeface="+mn-ea"/>
+                <a:cs typeface="+mn-cs"/>
+              </a:rPr>
+              <a:t>II/ Visualisation du jeu</a:t>
+            </a:r>
+            <a:endParaRPr kumimoji="0" lang="fr-FR" sz="2100" b="0" i="0" u="none" strike="noStrike" kern="1200" cap="none" spc="0" normalizeH="0" baseline="0" noProof="0" dirty="0" smtClean="0">
+              <a:ln>
+                <a:noFill/>
+              </a:ln>
+              <a:solidFill>
+                <a:schemeClr val="tx1"/>
+              </a:solidFill>
+              <a:effectLst/>
+              <a:uLnTx/>
+              <a:uFillTx/>
+              <a:latin typeface="+mn-lt"/>
+              <a:ea typeface="+mn-ea"/>
+              <a:cs typeface="+mn-cs"/>
+            </a:endParaRPr>
+          </a:p>
+          <a:p>
+            <a:pPr marL="274320" marR="0" lvl="0" indent="-274320" algn="l" defTabSz="914400" rtl="0" eaLnBrk="1" fontAlgn="auto" latinLnBrk="0" hangingPunct="1">
+              <a:lnSpc>
+                <a:spcPct val="100000"/>
+              </a:lnSpc>
+              <a:spcBef>
+                <a:spcPct val="20000"/>
+              </a:spcBef>
+              <a:spcAft>
+                <a:spcPts val="0"/>
+              </a:spcAft>
+              <a:buClr>
+                <a:schemeClr val="accent3"/>
+              </a:buClr>
+              <a:buSzPct val="95000"/>
+              <a:buFont typeface="Wingdings 2"/>
+              <a:buNone/>
+              <a:tabLst/>
+              <a:defRPr/>
+            </a:pPr>
+            <a:endParaRPr kumimoji="0" lang="fr-FR" sz="2600" b="1" i="0" u="none" strike="noStrike" kern="1200" cap="none" spc="0" normalizeH="0" baseline="0" noProof="0" dirty="0" smtClean="0">
+              <a:ln w="1905"/>
+              <a:gradFill>
+                <a:gsLst>
+                  <a:gs pos="0">
+                    <a:schemeClr val="accent6">
+                      <a:shade val="20000"/>
+                      <a:satMod val="200000"/>
+                    </a:schemeClr>
+                  </a:gs>
+                  <a:gs pos="78000">
+                    <a:schemeClr val="accent6">
+                      <a:tint val="90000"/>
+                      <a:shade val="89000"/>
+                      <a:satMod val="220000"/>
+                    </a:schemeClr>
+                  </a:gs>
+                  <a:gs pos="100000">
+                    <a:schemeClr val="accent6">
+                      <a:tint val="12000"/>
+                      <a:satMod val="255000"/>
+                    </a:schemeClr>
+                  </a:gs>
+                </a:gsLst>
+                <a:lin ang="5400000"/>
+              </a:gradFill>
+              <a:effectLst>
+                <a:innerShdw blurRad="69850" dist="43180" dir="5400000">
+                  <a:srgbClr val="000000">
+                    <a:alpha val="65000"/>
+                  </a:srgbClr>
+                </a:innerShdw>
+                <a:reflection blurRad="6350" stA="55000" endA="300" endPos="45500" dir="5400000" sy="-100000" algn="bl" rotWithShape="0"/>
+              </a:effectLst>
+              <a:uLnTx/>
+              <a:uFillTx/>
+              <a:latin typeface="+mn-lt"/>
+              <a:ea typeface="+mn-ea"/>
+              <a:cs typeface="+mn-cs"/>
+            </a:endParaRPr>
+          </a:p>
+          <a:p>
+            <a:pPr marL="640080" marR="0" lvl="1" indent="-246888" algn="l" defTabSz="914400" rtl="0" eaLnBrk="1" fontAlgn="auto" latinLnBrk="0" hangingPunct="1">
+              <a:lnSpc>
+                <a:spcPct val="100000"/>
+              </a:lnSpc>
+              <a:spcBef>
+                <a:spcPct val="20000"/>
+              </a:spcBef>
+              <a:spcAft>
+                <a:spcPts val="0"/>
+              </a:spcAft>
+              <a:buClr>
+                <a:schemeClr val="accent1"/>
+              </a:buClr>
+              <a:buSzPct val="85000"/>
+              <a:buFont typeface="Wingdings 2"/>
+              <a:buChar char=""/>
+              <a:tabLst/>
+              <a:defRPr/>
+            </a:pPr>
+            <a:endParaRPr kumimoji="0" lang="fr-FR" sz="2400" b="1" i="0" u="none" strike="noStrike" kern="1200" cap="none" spc="0" normalizeH="0" baseline="0" noProof="0" dirty="0" smtClean="0">
+              <a:ln w="1905"/>
+              <a:gradFill>
+                <a:gsLst>
+                  <a:gs pos="0">
+                    <a:schemeClr val="accent6">
+                      <a:shade val="20000"/>
+                      <a:satMod val="200000"/>
+                    </a:schemeClr>
+                  </a:gs>
+                  <a:gs pos="78000">
+                    <a:schemeClr val="accent6">
+                      <a:tint val="90000"/>
+                      <a:shade val="89000"/>
+                      <a:satMod val="220000"/>
+                    </a:schemeClr>
+                  </a:gs>
+                  <a:gs pos="100000">
+                    <a:schemeClr val="accent6">
+                      <a:tint val="12000"/>
+                      <a:satMod val="255000"/>
+                    </a:schemeClr>
+                  </a:gs>
+                </a:gsLst>
+                <a:lin ang="5400000"/>
+              </a:gradFill>
+              <a:effectLst>
+                <a:innerShdw blurRad="69850" dist="43180" dir="5400000">
+                  <a:srgbClr val="000000">
+                    <a:alpha val="65000"/>
+                  </a:srgbClr>
+                </a:innerShdw>
+                <a:reflection blurRad="6350" stA="55000" endA="300" endPos="45500" dir="5400000" sy="-100000" algn="bl" rotWithShape="0"/>
+              </a:effectLst>
+              <a:uLnTx/>
+              <a:uFillTx/>
+              <a:latin typeface="+mn-lt"/>
+              <a:ea typeface="+mn-ea"/>
+              <a:cs typeface="+mn-cs"/>
+            </a:endParaRPr>
+          </a:p>
+          <a:p>
+            <a:pPr marL="274320" marR="0" lvl="0" indent="-274320" algn="l" defTabSz="914400" rtl="0" eaLnBrk="1" fontAlgn="auto" latinLnBrk="0" hangingPunct="1">
+              <a:lnSpc>
+                <a:spcPct val="100000"/>
+              </a:lnSpc>
+              <a:spcBef>
+                <a:spcPct val="20000"/>
+              </a:spcBef>
+              <a:spcAft>
+                <a:spcPts val="0"/>
+              </a:spcAft>
+              <a:buClr>
+                <a:schemeClr val="accent3"/>
+              </a:buClr>
+              <a:buSzPct val="95000"/>
+              <a:buFont typeface="Wingdings 2"/>
+              <a:buChar char=""/>
+              <a:tabLst/>
+              <a:defRPr/>
+            </a:pPr>
+            <a:endParaRPr kumimoji="0" lang="fr-FR" sz="2600" b="0" i="0" u="none" strike="noStrike" kern="1200" cap="none" spc="0" normalizeH="0" baseline="0" noProof="0" dirty="0">
+              <a:ln>
+                <a:noFill/>
+              </a:ln>
+              <a:solidFill>
+                <a:schemeClr val="tx1"/>
+              </a:solidFill>
+              <a:effectLst/>
+              <a:uLnTx/>
+              <a:uFillTx/>
+              <a:latin typeface="+mn-lt"/>
+              <a:ea typeface="+mn-ea"/>
+              <a:cs typeface="+mn-cs"/>
+            </a:endParaRPr>
+          </a:p>
+        </p:txBody>
+      </p:sp>
+      <p:sp>
+        <p:nvSpPr>
+          <p:cNvPr id="9" name="ZoneTexte 8"/>
+          <p:cNvSpPr txBox="1"/>
+          <p:nvPr/>
+        </p:nvSpPr>
+        <p:spPr>
+          <a:xfrm>
+            <a:off x="1643042" y="6286520"/>
+            <a:ext cx="5786478" cy="369332"/>
+          </a:xfrm>
+          <a:prstGeom prst="rect">
+            <a:avLst/>
+          </a:prstGeom>
+        </p:spPr>
+        <p:style>
+          <a:lnRef idx="2">
+            <a:schemeClr val="accent1"/>
+          </a:lnRef>
+          <a:fillRef idx="1">
+            <a:schemeClr val="lt1"/>
+          </a:fillRef>
+          <a:effectRef idx="0">
+            <a:schemeClr val="accent1"/>
+          </a:effectRef>
+          <a:fontRef idx="minor">
+            <a:schemeClr val="dk1"/>
+          </a:fontRef>
+        </p:style>
+        <p:txBody>
+          <a:bodyPr wrap="square" rtlCol="0">
+            <a:spAutoFit/>
+          </a:bodyPr>
+          <a:lstStyle/>
+          <a:p>
+            <a:r>
+              <a:rPr lang="fr-FR" dirty="0" smtClean="0">
+                <a:latin typeface="Arial" pitchFamily="34" charset="0"/>
+              </a:rPr>
+              <a:t>Le nœud 7 héberge actuellement 2 threads du joueur 1</a:t>
+            </a:r>
+            <a:endParaRPr lang="fr-FR" dirty="0">
+              <a:latin typeface="Arial" pitchFamily="34" charset="0"/>
+            </a:endParaRPr>
+          </a:p>
+        </p:txBody>
+      </p:sp>
+    </p:spTree>
+  </p:cSld>
+  <p:clrMapOvr>
+    <a:masterClrMapping/>
+  </p:clrMapOvr>
+  <p:transition>
+    <p:fade/>
+  </p:transition>
+</p:sld>
+</file>
+
+<file path=ppt/slides/slide12.xml><?xml version="1.0" encoding="utf-8"?>
+<p:sld xmlns:a="http://schemas.openxmlformats.org/drawingml/2006/main" xmlns:r="http://schemas.openxmlformats.org/officeDocument/2006/relationships" xmlns:p="http://schemas.openxmlformats.org/presentationml/2006/main">
+  <p:cSld>
+    <p:spTree>
+      <p:nvGrpSpPr>
+        <p:cNvPr id="1" name=""/>
+        <p:cNvGrpSpPr/>
+        <p:nvPr/>
+      </p:nvGrpSpPr>
+      <p:grpSpPr>
+        <a:xfrm>
+          <a:off x="0" y="0"/>
+          <a:ext cx="0" cy="0"/>
+          <a:chOff x="0" y="0"/>
+          <a:chExt cx="0" cy="0"/>
+        </a:xfrm>
+      </p:grpSpPr>
+      <p:sp>
+        <p:nvSpPr>
+          <p:cNvPr id="2" name="Titre 1"/>
+          <p:cNvSpPr>
+            <a:spLocks noGrp="1"/>
+          </p:cNvSpPr>
+          <p:nvPr>
+            <p:ph type="title"/>
+          </p:nvPr>
+        </p:nvSpPr>
+        <p:spPr/>
+        <p:txBody>
+          <a:bodyPr/>
+          <a:lstStyle/>
+          <a:p>
+            <a:r>
+              <a:rPr lang="fr-FR" b="1" dirty="0" smtClean="0">
+                <a:ln w="1905"/>
+                <a:gradFill>
+                  <a:gsLst>
+                    <a:gs pos="0">
+                      <a:schemeClr val="accent6">
+                        <a:shade val="20000"/>
+                        <a:satMod val="200000"/>
+                      </a:schemeClr>
+                    </a:gs>
+                    <a:gs pos="78000">
+                      <a:schemeClr val="accent6">
+                        <a:tint val="90000"/>
+                        <a:shade val="89000"/>
+                        <a:satMod val="220000"/>
+                      </a:schemeClr>
+                    </a:gs>
+                    <a:gs pos="100000">
+                      <a:schemeClr val="accent6">
+                        <a:tint val="12000"/>
+                        <a:satMod val="255000"/>
+                      </a:schemeClr>
+                    </a:gs>
+                  </a:gsLst>
+                  <a:lin ang="5400000"/>
+                </a:gradFill>
+                <a:effectLst>
+                  <a:innerShdw blurRad="69850" dist="43180" dir="5400000">
+                    <a:srgbClr val="000000">
+                      <a:alpha val="65000"/>
+                    </a:srgbClr>
+                  </a:innerShdw>
+                  <a:reflection blurRad="6350" stA="55000" endA="300" endPos="45500" dir="5400000" sy="-100000" algn="bl" rotWithShape="0"/>
+                </a:effectLst>
+              </a:rPr>
+              <a:t>Le réseau virtuel</a:t>
+            </a:r>
+            <a:endParaRPr lang="fr-FR" dirty="0"/>
+          </a:p>
+        </p:txBody>
+      </p:sp>
+      <p:sp>
+        <p:nvSpPr>
+          <p:cNvPr id="8" name="Espace réservé du contenu 2"/>
+          <p:cNvSpPr txBox="1">
+            <a:spLocks/>
+          </p:cNvSpPr>
+          <p:nvPr/>
+        </p:nvSpPr>
+        <p:spPr>
+          <a:xfrm>
+            <a:off x="457200" y="1935480"/>
+            <a:ext cx="8229600" cy="4389120"/>
+          </a:xfrm>
+          <a:prstGeom prst="rect">
+            <a:avLst/>
+          </a:prstGeom>
+        </p:spPr>
+        <p:txBody>
+          <a:bodyPr vert="horz">
+            <a:normAutofit/>
+          </a:bodyPr>
+          <a:lstStyle/>
+          <a:p>
+            <a:pPr marL="274320" marR="0" lvl="0" indent="-274320" algn="l" defTabSz="914400" rtl="0" eaLnBrk="1" fontAlgn="auto" latinLnBrk="0" hangingPunct="1">
+              <a:lnSpc>
+                <a:spcPct val="100000"/>
+              </a:lnSpc>
+              <a:spcBef>
+                <a:spcPct val="20000"/>
+              </a:spcBef>
+              <a:spcAft>
+                <a:spcPts val="0"/>
+              </a:spcAft>
+              <a:buClr>
+                <a:schemeClr val="accent3"/>
+              </a:buClr>
+              <a:buSzPct val="95000"/>
+              <a:buFont typeface="Wingdings 2"/>
+              <a:buNone/>
+              <a:tabLst/>
+              <a:defRPr/>
+            </a:pPr>
+            <a:r>
+              <a:rPr kumimoji="0" lang="fr-FR" sz="2600" b="1" i="0" u="none" strike="noStrike" kern="1200" cap="none" spc="0" normalizeH="0" baseline="0" noProof="0" dirty="0" smtClean="0">
+                <a:ln w="1905"/>
+                <a:gradFill>
+                  <a:gsLst>
+                    <a:gs pos="0">
+                      <a:schemeClr val="accent6">
+                        <a:shade val="20000"/>
+                        <a:satMod val="200000"/>
+                      </a:schemeClr>
+                    </a:gs>
+                    <a:gs pos="78000">
+                      <a:schemeClr val="accent6">
+                        <a:tint val="90000"/>
+                        <a:shade val="89000"/>
+                        <a:satMod val="220000"/>
+                      </a:schemeClr>
+                    </a:gs>
+                    <a:gs pos="100000">
+                      <a:schemeClr val="accent6">
+                        <a:tint val="12000"/>
+                        <a:satMod val="255000"/>
+                      </a:schemeClr>
+                    </a:gs>
+                  </a:gsLst>
+                  <a:lin ang="5400000"/>
+                </a:gradFill>
+                <a:effectLst>
+                  <a:innerShdw blurRad="69850" dist="43180" dir="5400000">
+                    <a:srgbClr val="000000">
+                      <a:alpha val="65000"/>
+                    </a:srgbClr>
+                  </a:innerShdw>
+                  <a:reflection blurRad="6350" stA="55000" endA="300" endPos="45500" dir="5400000" sy="-100000" algn="bl" rotWithShape="0"/>
+                </a:effectLst>
+                <a:uLnTx/>
+                <a:uFillTx/>
+                <a:latin typeface="+mn-lt"/>
+                <a:ea typeface="+mn-ea"/>
+                <a:cs typeface="+mn-cs"/>
+              </a:rPr>
+              <a:t>II/ Visualisation du jeu</a:t>
+            </a:r>
+            <a:endParaRPr kumimoji="0" lang="fr-FR" sz="2100" b="0" i="0" u="none" strike="noStrike" kern="1200" cap="none" spc="0" normalizeH="0" baseline="0" noProof="0" dirty="0" smtClean="0">
+              <a:ln>
+                <a:noFill/>
+              </a:ln>
+              <a:solidFill>
+                <a:schemeClr val="tx1"/>
+              </a:solidFill>
+              <a:effectLst/>
+              <a:uLnTx/>
+              <a:uFillTx/>
+              <a:latin typeface="+mn-lt"/>
+              <a:ea typeface="+mn-ea"/>
+              <a:cs typeface="+mn-cs"/>
+            </a:endParaRPr>
+          </a:p>
+          <a:p>
+            <a:pPr marL="274320" marR="0" lvl="0" indent="-274320" algn="l" defTabSz="914400" rtl="0" eaLnBrk="1" fontAlgn="auto" latinLnBrk="0" hangingPunct="1">
+              <a:lnSpc>
+                <a:spcPct val="100000"/>
+              </a:lnSpc>
+              <a:spcBef>
+                <a:spcPct val="20000"/>
+              </a:spcBef>
+              <a:spcAft>
+                <a:spcPts val="0"/>
+              </a:spcAft>
+              <a:buClr>
+                <a:schemeClr val="accent3"/>
+              </a:buClr>
+              <a:buSzPct val="95000"/>
+              <a:buFont typeface="Wingdings 2"/>
+              <a:buNone/>
+              <a:tabLst/>
+              <a:defRPr/>
+            </a:pPr>
+            <a:endParaRPr kumimoji="0" lang="fr-FR" sz="2600" b="1" i="0" u="none" strike="noStrike" kern="1200" cap="none" spc="0" normalizeH="0" baseline="0" noProof="0" dirty="0" smtClean="0">
+              <a:ln w="1905"/>
+              <a:gradFill>
+                <a:gsLst>
+                  <a:gs pos="0">
+                    <a:schemeClr val="accent6">
+                      <a:shade val="20000"/>
+                      <a:satMod val="200000"/>
+                    </a:schemeClr>
+                  </a:gs>
+                  <a:gs pos="78000">
+                    <a:schemeClr val="accent6">
+                      <a:tint val="90000"/>
+                      <a:shade val="89000"/>
+                      <a:satMod val="220000"/>
+                    </a:schemeClr>
+                  </a:gs>
+                  <a:gs pos="100000">
+                    <a:schemeClr val="accent6">
+                      <a:tint val="12000"/>
+                      <a:satMod val="255000"/>
+                    </a:schemeClr>
+                  </a:gs>
+                </a:gsLst>
+                <a:lin ang="5400000"/>
+              </a:gradFill>
+              <a:effectLst>
+                <a:innerShdw blurRad="69850" dist="43180" dir="5400000">
+                  <a:srgbClr val="000000">
+                    <a:alpha val="65000"/>
+                  </a:srgbClr>
+                </a:innerShdw>
+                <a:reflection blurRad="6350" stA="55000" endA="300" endPos="45500" dir="5400000" sy="-100000" algn="bl" rotWithShape="0"/>
+              </a:effectLst>
+              <a:uLnTx/>
+              <a:uFillTx/>
+              <a:latin typeface="+mn-lt"/>
+              <a:ea typeface="+mn-ea"/>
+              <a:cs typeface="+mn-cs"/>
+            </a:endParaRPr>
+          </a:p>
+          <a:p>
+            <a:pPr marL="640080" marR="0" lvl="1" indent="-246888" algn="l" defTabSz="914400" rtl="0" eaLnBrk="1" fontAlgn="auto" latinLnBrk="0" hangingPunct="1">
+              <a:lnSpc>
+                <a:spcPct val="100000"/>
+              </a:lnSpc>
+              <a:spcBef>
+                <a:spcPct val="20000"/>
+              </a:spcBef>
+              <a:spcAft>
+                <a:spcPts val="0"/>
+              </a:spcAft>
+              <a:buClr>
+                <a:schemeClr val="accent1"/>
+              </a:buClr>
+              <a:buSzPct val="85000"/>
+              <a:buFont typeface="Wingdings 2"/>
+              <a:buChar char=""/>
+              <a:tabLst/>
+              <a:defRPr/>
+            </a:pPr>
+            <a:endParaRPr kumimoji="0" lang="fr-FR" sz="2400" b="1" i="0" u="none" strike="noStrike" kern="1200" cap="none" spc="0" normalizeH="0" baseline="0" noProof="0" dirty="0" smtClean="0">
+              <a:ln w="1905"/>
+              <a:gradFill>
+                <a:gsLst>
+                  <a:gs pos="0">
+                    <a:schemeClr val="accent6">
+                      <a:shade val="20000"/>
+                      <a:satMod val="200000"/>
+                    </a:schemeClr>
+                  </a:gs>
+                  <a:gs pos="78000">
+                    <a:schemeClr val="accent6">
+                      <a:tint val="90000"/>
+                      <a:shade val="89000"/>
+                      <a:satMod val="220000"/>
+                    </a:schemeClr>
+                  </a:gs>
+                  <a:gs pos="100000">
+                    <a:schemeClr val="accent6">
+                      <a:tint val="12000"/>
+                      <a:satMod val="255000"/>
+                    </a:schemeClr>
+                  </a:gs>
+                </a:gsLst>
+                <a:lin ang="5400000"/>
+              </a:gradFill>
+              <a:effectLst>
+                <a:innerShdw blurRad="69850" dist="43180" dir="5400000">
+                  <a:srgbClr val="000000">
+                    <a:alpha val="65000"/>
+                  </a:srgbClr>
+                </a:innerShdw>
+                <a:reflection blurRad="6350" stA="55000" endA="300" endPos="45500" dir="5400000" sy="-100000" algn="bl" rotWithShape="0"/>
+              </a:effectLst>
+              <a:uLnTx/>
+              <a:uFillTx/>
+              <a:latin typeface="+mn-lt"/>
+              <a:ea typeface="+mn-ea"/>
+              <a:cs typeface="+mn-cs"/>
+            </a:endParaRPr>
+          </a:p>
+          <a:p>
+            <a:pPr marL="274320" marR="0" lvl="0" indent="-274320" algn="l" defTabSz="914400" rtl="0" eaLnBrk="1" fontAlgn="auto" latinLnBrk="0" hangingPunct="1">
+              <a:lnSpc>
+                <a:spcPct val="100000"/>
+              </a:lnSpc>
+              <a:spcBef>
+                <a:spcPct val="20000"/>
+              </a:spcBef>
+              <a:spcAft>
+                <a:spcPts val="0"/>
+              </a:spcAft>
+              <a:buClr>
+                <a:schemeClr val="accent3"/>
+              </a:buClr>
+              <a:buSzPct val="95000"/>
+              <a:buFont typeface="Wingdings 2"/>
+              <a:buChar char=""/>
+              <a:tabLst/>
+              <a:defRPr/>
+            </a:pPr>
+            <a:endParaRPr kumimoji="0" lang="fr-FR" sz="2600" b="0" i="0" u="none" strike="noStrike" kern="1200" cap="none" spc="0" normalizeH="0" baseline="0" noProof="0" dirty="0">
+              <a:ln>
+                <a:noFill/>
+              </a:ln>
+              <a:solidFill>
+                <a:schemeClr val="tx1"/>
+              </a:solidFill>
+              <a:effectLst/>
+              <a:uLnTx/>
+              <a:uFillTx/>
+              <a:latin typeface="+mn-lt"/>
+              <a:ea typeface="+mn-ea"/>
+              <a:cs typeface="+mn-cs"/>
+            </a:endParaRPr>
+          </a:p>
+        </p:txBody>
+      </p:sp>
+      <p:sp>
+        <p:nvSpPr>
+          <p:cNvPr id="9" name="ZoneTexte 8"/>
+          <p:cNvSpPr txBox="1"/>
+          <p:nvPr/>
+        </p:nvSpPr>
+        <p:spPr>
+          <a:xfrm>
+            <a:off x="1285852" y="6286520"/>
+            <a:ext cx="6429420" cy="369332"/>
+          </a:xfrm>
+          <a:prstGeom prst="rect">
+            <a:avLst/>
+          </a:prstGeom>
+        </p:spPr>
+        <p:style>
+          <a:lnRef idx="2">
+            <a:schemeClr val="accent1"/>
+          </a:lnRef>
+          <a:fillRef idx="1">
+            <a:schemeClr val="lt1"/>
+          </a:fillRef>
+          <a:effectRef idx="0">
+            <a:schemeClr val="accent1"/>
+          </a:effectRef>
+          <a:fontRef idx="minor">
+            <a:schemeClr val="dk1"/>
+          </a:fontRef>
+        </p:style>
+        <p:txBody>
+          <a:bodyPr wrap="square" rtlCol="0">
+            <a:spAutoFit/>
+          </a:bodyPr>
+          <a:lstStyle/>
+          <a:p>
+            <a:r>
+              <a:rPr lang="fr-FR" dirty="0" smtClean="0">
+                <a:latin typeface="Arial" pitchFamily="34" charset="0"/>
+              </a:rPr>
+              <a:t>Un thread du joueur 1 se déplace du nœud 4 vers le nœud 7</a:t>
+            </a:r>
+            <a:endParaRPr lang="fr-FR" dirty="0">
+              <a:latin typeface="Arial" pitchFamily="34" charset="0"/>
+            </a:endParaRPr>
+          </a:p>
+        </p:txBody>
+      </p:sp>
+      <p:pic>
+        <p:nvPicPr>
+          <p:cNvPr id="3074" name="Picture 2"/>
+          <p:cNvPicPr>
+            <a:picLocks noChangeAspect="1" noChangeArrowheads="1"/>
+          </p:cNvPicPr>
+          <p:nvPr/>
+        </p:nvPicPr>
+        <p:blipFill>
+          <a:blip r:embed="rId2"/>
+          <a:srcRect/>
+          <a:stretch>
+            <a:fillRect/>
+          </a:stretch>
+        </p:blipFill>
+        <p:spPr bwMode="auto">
+          <a:xfrm>
+            <a:off x="2000232" y="2714620"/>
+            <a:ext cx="5122239" cy="2924190"/>
+          </a:xfrm>
+          <a:prstGeom prst="rect">
+            <a:avLst/>
+          </a:prstGeom>
+          <a:noFill/>
+          <a:ln w="9525">
+            <a:noFill/>
+            <a:miter lim="800000"/>
+            <a:headEnd/>
+            <a:tailEnd/>
+          </a:ln>
+          <a:effectLst/>
+        </p:spPr>
+      </p:pic>
+    </p:spTree>
+  </p:cSld>
+  <p:clrMapOvr>
+    <a:masterClrMapping/>
+  </p:clrMapOvr>
+  <p:transition>
+    <p:fade/>
+  </p:transition>
+</p:sld>
+</file>
+
+<file path=ppt/slides/slide13.xml><?xml version="1.0" encoding="utf-8"?>
+<p:sld xmlns:a="http://schemas.openxmlformats.org/drawingml/2006/main" xmlns:r="http://schemas.openxmlformats.org/officeDocument/2006/relationships" xmlns:p="http://schemas.openxmlformats.org/presentationml/2006/main">
+  <p:cSld>
+    <p:spTree>
+      <p:nvGrpSpPr>
+        <p:cNvPr id="1" name=""/>
+        <p:cNvGrpSpPr/>
+        <p:nvPr/>
+      </p:nvGrpSpPr>
+      <p:grpSpPr>
+        <a:xfrm>
+          <a:off x="0" y="0"/>
+          <a:ext cx="0" cy="0"/>
+          <a:chOff x="0" y="0"/>
+          <a:chExt cx="0" cy="0"/>
+        </a:xfrm>
+      </p:grpSpPr>
+      <p:sp>
+        <p:nvSpPr>
+          <p:cNvPr id="2" name="Titre 1"/>
+          <p:cNvSpPr>
+            <a:spLocks noGrp="1"/>
+          </p:cNvSpPr>
+          <p:nvPr>
+            <p:ph type="title"/>
+          </p:nvPr>
+        </p:nvSpPr>
+        <p:spPr/>
+        <p:txBody>
+          <a:bodyPr/>
+          <a:lstStyle/>
+          <a:p>
+            <a:r>
+              <a:rPr lang="fr-FR" b="1" dirty="0" smtClean="0">
+                <a:ln w="1905"/>
+                <a:gradFill>
+                  <a:gsLst>
+                    <a:gs pos="0">
+                      <a:schemeClr val="accent6">
+                        <a:shade val="20000"/>
+                        <a:satMod val="200000"/>
+                      </a:schemeClr>
+                    </a:gs>
+                    <a:gs pos="78000">
+                      <a:schemeClr val="accent6">
+                        <a:tint val="90000"/>
+                        <a:shade val="89000"/>
+                        <a:satMod val="220000"/>
+                      </a:schemeClr>
+                    </a:gs>
+                    <a:gs pos="100000">
+                      <a:schemeClr val="accent6">
+                        <a:tint val="12000"/>
+                        <a:satMod val="255000"/>
+                      </a:schemeClr>
+                    </a:gs>
+                  </a:gsLst>
+                  <a:lin ang="5400000"/>
+                </a:gradFill>
+                <a:effectLst>
+                  <a:innerShdw blurRad="69850" dist="43180" dir="5400000">
+                    <a:srgbClr val="000000">
+                      <a:alpha val="65000"/>
+                    </a:srgbClr>
+                  </a:innerShdw>
+                  <a:reflection blurRad="6350" stA="55000" endA="300" endPos="45500" dir="5400000" sy="-100000" algn="bl" rotWithShape="0"/>
+                </a:effectLst>
+              </a:rPr>
+              <a:t>I.A des </a:t>
+            </a:r>
+            <a:r>
+              <a:rPr lang="fr-FR" b="1" dirty="0" err="1" smtClean="0">
+                <a:ln w="1905"/>
+                <a:gradFill>
+                  <a:gsLst>
+                    <a:gs pos="0">
+                      <a:schemeClr val="accent6">
+                        <a:shade val="20000"/>
+                        <a:satMod val="200000"/>
+                      </a:schemeClr>
+                    </a:gs>
+                    <a:gs pos="78000">
+                      <a:schemeClr val="accent6">
+                        <a:tint val="90000"/>
+                        <a:shade val="89000"/>
+                        <a:satMod val="220000"/>
+                      </a:schemeClr>
+                    </a:gs>
+                    <a:gs pos="100000">
+                      <a:schemeClr val="accent6">
+                        <a:tint val="12000"/>
+                        <a:satMod val="255000"/>
+                      </a:schemeClr>
+                    </a:gs>
+                  </a:gsLst>
+                  <a:lin ang="5400000"/>
+                </a:gradFill>
+                <a:effectLst>
+                  <a:innerShdw blurRad="69850" dist="43180" dir="5400000">
+                    <a:srgbClr val="000000">
+                      <a:alpha val="65000"/>
+                    </a:srgbClr>
+                  </a:innerShdw>
+                  <a:reflection blurRad="6350" stA="55000" endA="300" endPos="45500" dir="5400000" sy="-100000" algn="bl" rotWithShape="0"/>
+                </a:effectLst>
+              </a:rPr>
+              <a:t>warriors</a:t>
+            </a:r>
+            <a:r>
+              <a:rPr lang="fr-FR" b="1" dirty="0" smtClean="0">
+                <a:ln w="1905"/>
+                <a:gradFill>
+                  <a:gsLst>
+                    <a:gs pos="0">
+                      <a:schemeClr val="accent6">
+                        <a:shade val="20000"/>
+                        <a:satMod val="200000"/>
+                      </a:schemeClr>
+                    </a:gs>
+                    <a:gs pos="78000">
+                      <a:schemeClr val="accent6">
+                        <a:tint val="90000"/>
+                        <a:shade val="89000"/>
+                        <a:satMod val="220000"/>
+                      </a:schemeClr>
+                    </a:gs>
+                    <a:gs pos="100000">
+                      <a:schemeClr val="accent6">
+                        <a:tint val="12000"/>
+                        <a:satMod val="255000"/>
+                      </a:schemeClr>
+                    </a:gs>
+                  </a:gsLst>
+                  <a:lin ang="5400000"/>
+                </a:gradFill>
+                <a:effectLst>
+                  <a:innerShdw blurRad="69850" dist="43180" dir="5400000">
+                    <a:srgbClr val="000000">
+                      <a:alpha val="65000"/>
+                    </a:srgbClr>
+                  </a:innerShdw>
+                  <a:reflection blurRad="6350" stA="55000" endA="300" endPos="45500" dir="5400000" sy="-100000" algn="bl" rotWithShape="0"/>
+                </a:effectLst>
+              </a:rPr>
+              <a:t> </a:t>
+            </a:r>
+            <a:endParaRPr lang="fr-FR" dirty="0"/>
+          </a:p>
+        </p:txBody>
+      </p:sp>
+      <p:sp>
+        <p:nvSpPr>
+          <p:cNvPr id="8" name="Espace réservé du contenu 2"/>
+          <p:cNvSpPr txBox="1">
+            <a:spLocks/>
+          </p:cNvSpPr>
+          <p:nvPr/>
+        </p:nvSpPr>
+        <p:spPr>
+          <a:xfrm>
+            <a:off x="457200" y="1935480"/>
+            <a:ext cx="8229600" cy="4389120"/>
+          </a:xfrm>
+          <a:prstGeom prst="rect">
+            <a:avLst/>
+          </a:prstGeom>
+        </p:spPr>
+        <p:txBody>
+          <a:bodyPr vert="horz">
+            <a:normAutofit/>
+          </a:bodyPr>
+          <a:lstStyle/>
+          <a:p>
+            <a:pPr marL="274320" marR="0" lvl="0" indent="-274320" algn="l" defTabSz="914400" rtl="0" eaLnBrk="1" fontAlgn="auto" latinLnBrk="0" hangingPunct="1">
+              <a:lnSpc>
+                <a:spcPct val="100000"/>
+              </a:lnSpc>
+              <a:spcBef>
+                <a:spcPct val="20000"/>
+              </a:spcBef>
+              <a:spcAft>
+                <a:spcPts val="0"/>
+              </a:spcAft>
+              <a:buClr>
+                <a:schemeClr val="accent3"/>
+              </a:buClr>
+              <a:buSzPct val="95000"/>
+              <a:buFont typeface="Wingdings 2"/>
+              <a:buNone/>
+              <a:tabLst/>
+              <a:defRPr/>
+            </a:pPr>
+            <a:r>
+              <a:rPr kumimoji="0" lang="fr-FR" sz="2800" b="1" i="0" u="none" strike="noStrike" kern="1200" cap="none" spc="0" normalizeH="0" baseline="0" noProof="0" dirty="0" smtClean="0">
+                <a:ln w="1905"/>
+                <a:gradFill>
+                  <a:gsLst>
+                    <a:gs pos="0">
+                      <a:schemeClr val="accent6">
+                        <a:shade val="20000"/>
+                        <a:satMod val="200000"/>
+                      </a:schemeClr>
+                    </a:gs>
+                    <a:gs pos="78000">
+                      <a:schemeClr val="accent6">
+                        <a:tint val="90000"/>
+                        <a:shade val="89000"/>
+                        <a:satMod val="220000"/>
+                      </a:schemeClr>
+                    </a:gs>
+                    <a:gs pos="100000">
+                      <a:schemeClr val="accent6">
+                        <a:tint val="12000"/>
+                        <a:satMod val="255000"/>
+                      </a:schemeClr>
+                    </a:gs>
+                  </a:gsLst>
+                  <a:lin ang="5400000"/>
+                </a:gradFill>
+                <a:effectLst>
+                  <a:innerShdw blurRad="69850" dist="43180" dir="5400000">
+                    <a:srgbClr val="000000">
+                      <a:alpha val="65000"/>
+                    </a:srgbClr>
+                  </a:innerShdw>
+                  <a:reflection blurRad="6350" stA="55000" endA="300" endPos="45500" dir="5400000" sy="-100000" algn="bl" rotWithShape="0"/>
+                </a:effectLst>
+                <a:uLnTx/>
+                <a:uFillTx/>
+                <a:latin typeface="+mn-lt"/>
+                <a:ea typeface="+mn-ea"/>
+                <a:cs typeface="+mn-cs"/>
+              </a:rPr>
+              <a:t>II/ Récoltes d’informations</a:t>
+            </a:r>
+            <a:endParaRPr kumimoji="0" lang="fr-FR" sz="2600" b="1" i="0" u="none" strike="noStrike" kern="1200" cap="none" spc="0" normalizeH="0" baseline="0" noProof="0" dirty="0" smtClean="0">
+              <a:ln w="1905"/>
+              <a:gradFill>
+                <a:gsLst>
+                  <a:gs pos="0">
+                    <a:schemeClr val="accent6">
+                      <a:shade val="20000"/>
+                      <a:satMod val="200000"/>
+                    </a:schemeClr>
+                  </a:gs>
+                  <a:gs pos="78000">
+                    <a:schemeClr val="accent6">
+                      <a:tint val="90000"/>
+                      <a:shade val="89000"/>
+                      <a:satMod val="220000"/>
+                    </a:schemeClr>
+                  </a:gs>
+                  <a:gs pos="100000">
+                    <a:schemeClr val="accent6">
+                      <a:tint val="12000"/>
+                      <a:satMod val="255000"/>
+                    </a:schemeClr>
+                  </a:gs>
+                </a:gsLst>
+                <a:lin ang="5400000"/>
+              </a:gradFill>
+              <a:effectLst>
+                <a:innerShdw blurRad="69850" dist="43180" dir="5400000">
+                  <a:srgbClr val="000000">
+                    <a:alpha val="65000"/>
+                  </a:srgbClr>
+                </a:innerShdw>
+                <a:reflection blurRad="6350" stA="55000" endA="300" endPos="45500" dir="5400000" sy="-100000" algn="bl" rotWithShape="0"/>
+              </a:effectLst>
+              <a:uLnTx/>
+              <a:uFillTx/>
+              <a:latin typeface="+mn-lt"/>
+              <a:ea typeface="+mn-ea"/>
+              <a:cs typeface="+mn-cs"/>
+            </a:endParaRPr>
+          </a:p>
+          <a:p>
+            <a:pPr marL="274320" marR="0" lvl="0" indent="-274320" algn="l" defTabSz="914400" rtl="0" eaLnBrk="1" fontAlgn="auto" latinLnBrk="0" hangingPunct="1">
+              <a:lnSpc>
+                <a:spcPct val="100000"/>
+              </a:lnSpc>
+              <a:spcBef>
+                <a:spcPct val="20000"/>
+              </a:spcBef>
+              <a:spcAft>
+                <a:spcPts val="0"/>
+              </a:spcAft>
+              <a:buClr>
+                <a:schemeClr val="accent3"/>
+              </a:buClr>
+              <a:buSzPct val="95000"/>
+              <a:buFont typeface="Wingdings 2"/>
+              <a:buNone/>
+              <a:tabLst/>
+              <a:defRPr/>
+            </a:pPr>
+            <a:r>
+              <a:rPr lang="fr-FR" sz="2600" b="1" dirty="0" smtClean="0">
+                <a:ln w="1905"/>
+                <a:gradFill>
+                  <a:gsLst>
+                    <a:gs pos="0">
+                      <a:schemeClr val="accent6">
+                        <a:shade val="20000"/>
+                        <a:satMod val="200000"/>
+                      </a:schemeClr>
+                    </a:gs>
+                    <a:gs pos="78000">
+                      <a:schemeClr val="accent6">
+                        <a:tint val="90000"/>
+                        <a:shade val="89000"/>
+                        <a:satMod val="220000"/>
+                      </a:schemeClr>
+                    </a:gs>
+                    <a:gs pos="100000">
+                      <a:schemeClr val="accent6">
+                        <a:tint val="12000"/>
+                        <a:satMod val="255000"/>
+                      </a:schemeClr>
+                    </a:gs>
+                  </a:gsLst>
+                  <a:lin ang="5400000"/>
+                </a:gradFill>
+                <a:effectLst>
+                  <a:innerShdw blurRad="69850" dist="43180" dir="5400000">
+                    <a:srgbClr val="000000">
+                      <a:alpha val="65000"/>
+                    </a:srgbClr>
+                  </a:innerShdw>
+                  <a:reflection blurRad="6350" stA="55000" endA="300" endPos="45500" dir="5400000" sy="-100000" algn="bl" rotWithShape="0"/>
+                </a:effectLst>
+              </a:rPr>
+              <a:t>	</a:t>
+            </a:r>
+            <a:endParaRPr lang="fr-FR" sz="2600" b="1" dirty="0" smtClean="0">
+              <a:ln w="1905"/>
+              <a:gradFill>
+                <a:gsLst>
+                  <a:gs pos="0">
+                    <a:schemeClr val="accent6">
+                      <a:shade val="20000"/>
+                      <a:satMod val="200000"/>
+                    </a:schemeClr>
+                  </a:gs>
+                  <a:gs pos="78000">
+                    <a:schemeClr val="accent6">
+                      <a:tint val="90000"/>
+                      <a:shade val="89000"/>
+                      <a:satMod val="220000"/>
+                    </a:schemeClr>
+                  </a:gs>
+                  <a:gs pos="100000">
+                    <a:schemeClr val="accent6">
+                      <a:tint val="12000"/>
+                      <a:satMod val="255000"/>
+                    </a:schemeClr>
+                  </a:gs>
+                </a:gsLst>
+                <a:lin ang="5400000"/>
+              </a:gradFill>
+              <a:effectLst>
+                <a:innerShdw blurRad="69850" dist="43180" dir="5400000">
+                  <a:srgbClr val="000000">
+                    <a:alpha val="65000"/>
+                  </a:srgbClr>
+                </a:innerShdw>
+                <a:reflection blurRad="6350" stA="55000" endA="300" endPos="45500" dir="5400000" sy="-100000" algn="bl" rotWithShape="0"/>
+              </a:effectLst>
+            </a:endParaRPr>
+          </a:p>
+          <a:p>
+            <a:pPr marL="274320" marR="0" lvl="0" indent="-274320" algn="l" defTabSz="914400" rtl="0" eaLnBrk="1" fontAlgn="auto" latinLnBrk="0" hangingPunct="1">
+              <a:lnSpc>
+                <a:spcPct val="100000"/>
+              </a:lnSpc>
+              <a:spcBef>
+                <a:spcPct val="20000"/>
+              </a:spcBef>
+              <a:spcAft>
+                <a:spcPts val="0"/>
+              </a:spcAft>
+              <a:buClr>
+                <a:schemeClr val="accent3"/>
+              </a:buClr>
+              <a:buSzPct val="95000"/>
+              <a:buFont typeface="Wingdings 2"/>
+              <a:buNone/>
+              <a:tabLst/>
+              <a:defRPr/>
+            </a:pPr>
+            <a:r>
+              <a:rPr lang="fr-FR" sz="2600" b="1" dirty="0" smtClean="0">
+                <a:ln w="1905"/>
+                <a:gradFill>
+                  <a:gsLst>
+                    <a:gs pos="0">
+                      <a:schemeClr val="accent6">
+                        <a:shade val="20000"/>
+                        <a:satMod val="200000"/>
+                      </a:schemeClr>
+                    </a:gs>
+                    <a:gs pos="78000">
+                      <a:schemeClr val="accent6">
+                        <a:tint val="90000"/>
+                        <a:shade val="89000"/>
+                        <a:satMod val="220000"/>
+                      </a:schemeClr>
+                    </a:gs>
+                    <a:gs pos="100000">
+                      <a:schemeClr val="accent6">
+                        <a:tint val="12000"/>
+                        <a:satMod val="255000"/>
+                      </a:schemeClr>
+                    </a:gs>
+                  </a:gsLst>
+                  <a:lin ang="5400000"/>
+                </a:gradFill>
+                <a:effectLst>
+                  <a:innerShdw blurRad="69850" dist="43180" dir="5400000">
+                    <a:srgbClr val="000000">
+                      <a:alpha val="65000"/>
+                    </a:srgbClr>
+                  </a:innerShdw>
+                  <a:reflection blurRad="6350" stA="55000" endA="300" endPos="45500" dir="5400000" sy="-100000" algn="bl" rotWithShape="0"/>
+                </a:effectLst>
+              </a:rPr>
+              <a:t>a) Pourquoi collecter des informations ?</a:t>
+            </a:r>
+            <a:endParaRPr kumimoji="0" lang="fr-FR" sz="2600" b="1" i="0" u="none" strike="noStrike" kern="1200" cap="none" spc="0" normalizeH="0" baseline="0" noProof="0" dirty="0" smtClean="0">
+              <a:ln w="1905"/>
+              <a:gradFill>
+                <a:gsLst>
+                  <a:gs pos="0">
+                    <a:schemeClr val="accent6">
+                      <a:shade val="20000"/>
+                      <a:satMod val="200000"/>
+                    </a:schemeClr>
+                  </a:gs>
+                  <a:gs pos="78000">
+                    <a:schemeClr val="accent6">
+                      <a:tint val="90000"/>
+                      <a:shade val="89000"/>
+                      <a:satMod val="220000"/>
+                    </a:schemeClr>
+                  </a:gs>
+                  <a:gs pos="100000">
+                    <a:schemeClr val="accent6">
+                      <a:tint val="12000"/>
+                      <a:satMod val="255000"/>
+                    </a:schemeClr>
+                  </a:gs>
+                </a:gsLst>
+                <a:lin ang="5400000"/>
+              </a:gradFill>
+              <a:effectLst>
+                <a:innerShdw blurRad="69850" dist="43180" dir="5400000">
+                  <a:srgbClr val="000000">
+                    <a:alpha val="65000"/>
+                  </a:srgbClr>
+                </a:innerShdw>
+                <a:reflection blurRad="6350" stA="55000" endA="300" endPos="45500" dir="5400000" sy="-100000" algn="bl" rotWithShape="0"/>
+              </a:effectLst>
+              <a:uLnTx/>
+              <a:uFillTx/>
+              <a:latin typeface="+mn-lt"/>
+              <a:ea typeface="+mn-ea"/>
+              <a:cs typeface="+mn-cs"/>
+            </a:endParaRPr>
+          </a:p>
+          <a:p>
+            <a:pPr marL="731520" lvl="1" indent="-274320">
+              <a:spcBef>
+                <a:spcPct val="20000"/>
+              </a:spcBef>
+              <a:buClr>
+                <a:schemeClr val="accent3"/>
+              </a:buClr>
+              <a:buSzPct val="95000"/>
+              <a:buFont typeface="Arial" pitchFamily="34" charset="0"/>
+              <a:buChar char="•"/>
+            </a:pPr>
+            <a:endParaRPr lang="fr-FR" sz="2800" dirty="0" smtClean="0"/>
+          </a:p>
+          <a:p>
+            <a:pPr marL="731520" lvl="1" indent="-274320">
+              <a:spcBef>
+                <a:spcPct val="20000"/>
+              </a:spcBef>
+              <a:buClr>
+                <a:schemeClr val="accent3"/>
+              </a:buClr>
+              <a:buSzPct val="95000"/>
+              <a:buFont typeface="Arial" pitchFamily="34" charset="0"/>
+              <a:buChar char="•"/>
+            </a:pPr>
+            <a:r>
+              <a:rPr lang="fr-FR" sz="2800" dirty="0" smtClean="0"/>
+              <a:t>Permet d’établir des stratégies élaborées</a:t>
+            </a:r>
+          </a:p>
+          <a:p>
+            <a:pPr marL="1188720" lvl="2" indent="-274320">
+              <a:spcBef>
+                <a:spcPct val="20000"/>
+              </a:spcBef>
+              <a:buClr>
+                <a:schemeClr val="accent3"/>
+              </a:buClr>
+              <a:buSzPct val="95000"/>
+              <a:buFont typeface="Arial" pitchFamily="34" charset="0"/>
+              <a:buChar char="•"/>
+            </a:pPr>
+            <a:r>
+              <a:rPr lang="fr-FR" sz="2800" dirty="0" smtClean="0"/>
+              <a:t>Evite les stratégies déterministes</a:t>
+            </a:r>
+          </a:p>
+          <a:p>
+            <a:pPr marL="1188720" lvl="2" indent="-274320">
+              <a:spcBef>
+                <a:spcPct val="20000"/>
+              </a:spcBef>
+              <a:buClr>
+                <a:schemeClr val="accent3"/>
+              </a:buClr>
+              <a:buSzPct val="95000"/>
+              <a:buFont typeface="Arial" pitchFamily="34" charset="0"/>
+              <a:buChar char="•"/>
+            </a:pPr>
+            <a:r>
+              <a:rPr lang="fr-FR" sz="2800" dirty="0" smtClean="0"/>
+              <a:t>Ajuste la stratégie en fonction du terrain</a:t>
+            </a:r>
+            <a:endParaRPr lang="fr-FR" sz="2400" dirty="0" smtClean="0"/>
+          </a:p>
+          <a:p>
+            <a:pPr marL="731520" lvl="1" indent="-274320">
+              <a:spcBef>
+                <a:spcPct val="20000"/>
+              </a:spcBef>
+              <a:buClr>
+                <a:schemeClr val="accent3"/>
+              </a:buClr>
+              <a:buSzPct val="95000"/>
+              <a:buFont typeface="Arial" pitchFamily="34" charset="0"/>
+              <a:buChar char="•"/>
+            </a:pPr>
+            <a:endParaRPr lang="fr-FR" sz="2400" dirty="0" smtClean="0"/>
+          </a:p>
+          <a:p>
+            <a:pPr marL="274320" lvl="0" indent="-274320">
+              <a:spcBef>
+                <a:spcPct val="20000"/>
+              </a:spcBef>
+              <a:buClr>
+                <a:schemeClr val="accent3"/>
+              </a:buClr>
+              <a:buSzPct val="95000"/>
+            </a:pPr>
+            <a:endParaRPr lang="fr-FR" sz="2600" b="1" dirty="0" smtClean="0">
+              <a:ln w="1905"/>
+              <a:gradFill>
+                <a:gsLst>
+                  <a:gs pos="0">
+                    <a:schemeClr val="accent6">
+                      <a:shade val="20000"/>
+                      <a:satMod val="200000"/>
+                    </a:schemeClr>
+                  </a:gs>
+                  <a:gs pos="78000">
+                    <a:schemeClr val="accent6">
+                      <a:tint val="90000"/>
+                      <a:shade val="89000"/>
+                      <a:satMod val="220000"/>
+                    </a:schemeClr>
+                  </a:gs>
+                  <a:gs pos="100000">
+                    <a:schemeClr val="accent6">
+                      <a:tint val="12000"/>
+                      <a:satMod val="255000"/>
+                    </a:schemeClr>
+                  </a:gs>
+                </a:gsLst>
+                <a:lin ang="5400000"/>
+              </a:gradFill>
+              <a:effectLst>
+                <a:innerShdw blurRad="69850" dist="43180" dir="5400000">
+                  <a:srgbClr val="000000">
+                    <a:alpha val="65000"/>
+                  </a:srgbClr>
+                </a:innerShdw>
+                <a:reflection blurRad="6350" stA="55000" endA="300" endPos="45500" dir="5400000" sy="-100000" algn="bl" rotWithShape="0"/>
+              </a:effectLst>
+            </a:endParaRPr>
+          </a:p>
+          <a:p>
+            <a:pPr marL="731520" lvl="1" indent="-274320">
+              <a:spcBef>
+                <a:spcPct val="20000"/>
+              </a:spcBef>
+              <a:buClr>
+                <a:schemeClr val="accent3"/>
+              </a:buClr>
+              <a:buSzPct val="95000"/>
+              <a:buFont typeface="Arial" pitchFamily="34" charset="0"/>
+              <a:buChar char="•"/>
+            </a:pPr>
+            <a:endParaRPr lang="fr-FR" sz="2600" b="1" dirty="0" smtClean="0">
+              <a:ln w="1905"/>
+              <a:gradFill>
+                <a:gsLst>
+                  <a:gs pos="0">
+                    <a:schemeClr val="accent6">
+                      <a:shade val="20000"/>
+                      <a:satMod val="200000"/>
+                    </a:schemeClr>
+                  </a:gs>
+                  <a:gs pos="78000">
+                    <a:schemeClr val="accent6">
+                      <a:tint val="90000"/>
+                      <a:shade val="89000"/>
+                      <a:satMod val="220000"/>
+                    </a:schemeClr>
+                  </a:gs>
+                  <a:gs pos="100000">
+                    <a:schemeClr val="accent6">
+                      <a:tint val="12000"/>
+                      <a:satMod val="255000"/>
+                    </a:schemeClr>
+                  </a:gs>
+                </a:gsLst>
+                <a:lin ang="5400000"/>
+              </a:gradFill>
+              <a:effectLst>
+                <a:innerShdw blurRad="69850" dist="43180" dir="5400000">
+                  <a:srgbClr val="000000">
+                    <a:alpha val="65000"/>
+                  </a:srgbClr>
+                </a:innerShdw>
+                <a:reflection blurRad="6350" stA="55000" endA="300" endPos="45500" dir="5400000" sy="-100000" algn="bl" rotWithShape="0"/>
+              </a:effectLst>
+            </a:endParaRPr>
+          </a:p>
+          <a:p>
+            <a:pPr marL="274320" indent="-274320">
+              <a:spcBef>
+                <a:spcPct val="20000"/>
+              </a:spcBef>
+              <a:buClr>
+                <a:schemeClr val="accent3"/>
+              </a:buClr>
+              <a:buSzPct val="95000"/>
+            </a:pPr>
+            <a:endParaRPr lang="fr-FR" sz="2800" dirty="0" smtClean="0"/>
+          </a:p>
+          <a:p>
+            <a:pPr marL="274320" marR="0" lvl="0" indent="-274320" algn="l" defTabSz="914400" rtl="0" eaLnBrk="1" fontAlgn="auto" latinLnBrk="0" hangingPunct="1">
+              <a:lnSpc>
+                <a:spcPct val="100000"/>
+              </a:lnSpc>
+              <a:spcBef>
+                <a:spcPct val="20000"/>
+              </a:spcBef>
+              <a:spcAft>
+                <a:spcPts val="0"/>
+              </a:spcAft>
+              <a:buClr>
+                <a:schemeClr val="accent3"/>
+              </a:buClr>
+              <a:buSzPct val="95000"/>
+              <a:buFont typeface="Wingdings 2"/>
+              <a:buNone/>
+              <a:tabLst/>
+              <a:defRPr/>
+            </a:pPr>
+            <a:endParaRPr kumimoji="0" lang="fr-FR" sz="2600" b="1" i="0" u="none" strike="noStrike" kern="1200" cap="none" spc="0" normalizeH="0" baseline="0" noProof="0" dirty="0" smtClean="0">
+              <a:ln w="1905"/>
+              <a:gradFill>
+                <a:gsLst>
+                  <a:gs pos="0">
+                    <a:schemeClr val="accent6">
+                      <a:shade val="20000"/>
+                      <a:satMod val="200000"/>
+                    </a:schemeClr>
+                  </a:gs>
+                  <a:gs pos="78000">
+                    <a:schemeClr val="accent6">
+                      <a:tint val="90000"/>
+                      <a:shade val="89000"/>
+                      <a:satMod val="220000"/>
+                    </a:schemeClr>
+                  </a:gs>
+                  <a:gs pos="100000">
+                    <a:schemeClr val="accent6">
+                      <a:tint val="12000"/>
+                      <a:satMod val="255000"/>
+                    </a:schemeClr>
+                  </a:gs>
+                </a:gsLst>
+                <a:lin ang="5400000"/>
+              </a:gradFill>
+              <a:effectLst>
+                <a:innerShdw blurRad="69850" dist="43180" dir="5400000">
+                  <a:srgbClr val="000000">
+                    <a:alpha val="65000"/>
+                  </a:srgbClr>
+                </a:innerShdw>
+                <a:reflection blurRad="6350" stA="55000" endA="300" endPos="45500" dir="5400000" sy="-100000" algn="bl" rotWithShape="0"/>
+              </a:effectLst>
+              <a:uLnTx/>
+              <a:uFillTx/>
+              <a:latin typeface="+mn-lt"/>
+              <a:ea typeface="+mn-ea"/>
+              <a:cs typeface="+mn-cs"/>
+            </a:endParaRPr>
+          </a:p>
+          <a:p>
+            <a:pPr marL="274320" marR="0" lvl="0" indent="-274320" algn="l" defTabSz="914400" rtl="0" eaLnBrk="1" fontAlgn="auto" latinLnBrk="0" hangingPunct="1">
+              <a:lnSpc>
+                <a:spcPct val="100000"/>
+              </a:lnSpc>
+              <a:spcBef>
+                <a:spcPct val="20000"/>
+              </a:spcBef>
+              <a:spcAft>
+                <a:spcPts val="0"/>
+              </a:spcAft>
+              <a:buClr>
+                <a:schemeClr val="accent3"/>
+              </a:buClr>
+              <a:buSzPct val="95000"/>
+              <a:buFont typeface="Wingdings 2"/>
+              <a:buNone/>
+              <a:tabLst/>
+              <a:defRPr/>
+            </a:pPr>
+            <a:endParaRPr kumimoji="0" lang="fr-FR" sz="2600" b="1" i="0" u="none" strike="noStrike" kern="1200" cap="none" spc="0" normalizeH="0" baseline="0" noProof="0" dirty="0" smtClean="0">
+              <a:ln w="1905"/>
+              <a:gradFill>
+                <a:gsLst>
+                  <a:gs pos="0">
+                    <a:schemeClr val="accent6">
+                      <a:shade val="20000"/>
+                      <a:satMod val="200000"/>
+                    </a:schemeClr>
+                  </a:gs>
+                  <a:gs pos="78000">
+                    <a:schemeClr val="accent6">
+                      <a:tint val="90000"/>
+                      <a:shade val="89000"/>
+                      <a:satMod val="220000"/>
+                    </a:schemeClr>
+                  </a:gs>
+                  <a:gs pos="100000">
+                    <a:schemeClr val="accent6">
+                      <a:tint val="12000"/>
+                      <a:satMod val="255000"/>
+                    </a:schemeClr>
+                  </a:gs>
+                </a:gsLst>
+                <a:lin ang="5400000"/>
+              </a:gradFill>
+              <a:effectLst>
+                <a:innerShdw blurRad="69850" dist="43180" dir="5400000">
+                  <a:srgbClr val="000000">
+                    <a:alpha val="65000"/>
+                  </a:srgbClr>
+                </a:innerShdw>
+                <a:reflection blurRad="6350" stA="55000" endA="300" endPos="45500" dir="5400000" sy="-100000" algn="bl" rotWithShape="0"/>
+              </a:effectLst>
+              <a:uLnTx/>
+              <a:uFillTx/>
+              <a:latin typeface="+mn-lt"/>
+              <a:ea typeface="+mn-ea"/>
+              <a:cs typeface="+mn-cs"/>
+            </a:endParaRPr>
+          </a:p>
+          <a:p>
+            <a:pPr marL="274320" marR="0" lvl="0" indent="-274320" algn="l" defTabSz="914400" rtl="0" eaLnBrk="1" fontAlgn="auto" latinLnBrk="0" hangingPunct="1">
+              <a:lnSpc>
+                <a:spcPct val="100000"/>
+              </a:lnSpc>
+              <a:spcBef>
+                <a:spcPct val="20000"/>
+              </a:spcBef>
+              <a:spcAft>
+                <a:spcPts val="0"/>
+              </a:spcAft>
+              <a:buClr>
+                <a:schemeClr val="accent3"/>
+              </a:buClr>
+              <a:buSzPct val="95000"/>
+              <a:buFont typeface="Wingdings 2"/>
+              <a:buNone/>
+              <a:tabLst/>
+              <a:defRPr/>
+            </a:pPr>
+            <a:endParaRPr kumimoji="0" lang="fr-FR" sz="2600" b="1" i="0" u="none" strike="noStrike" kern="1200" cap="none" spc="0" normalizeH="0" baseline="0" noProof="0" dirty="0" smtClean="0">
+              <a:ln w="1905"/>
+              <a:gradFill>
+                <a:gsLst>
+                  <a:gs pos="0">
+                    <a:schemeClr val="accent6">
+                      <a:shade val="20000"/>
+                      <a:satMod val="200000"/>
+                    </a:schemeClr>
+                  </a:gs>
+                  <a:gs pos="78000">
+                    <a:schemeClr val="accent6">
+                      <a:tint val="90000"/>
+                      <a:shade val="89000"/>
+                      <a:satMod val="220000"/>
+                    </a:schemeClr>
+                  </a:gs>
+                  <a:gs pos="100000">
+                    <a:schemeClr val="accent6">
+                      <a:tint val="12000"/>
+                      <a:satMod val="255000"/>
+                    </a:schemeClr>
+                  </a:gs>
+                </a:gsLst>
+                <a:lin ang="5400000"/>
+              </a:gradFill>
+              <a:effectLst>
+                <a:innerShdw blurRad="69850" dist="43180" dir="5400000">
+                  <a:srgbClr val="000000">
+                    <a:alpha val="65000"/>
+                  </a:srgbClr>
+                </a:innerShdw>
+                <a:reflection blurRad="6350" stA="55000" endA="300" endPos="45500" dir="5400000" sy="-100000" algn="bl" rotWithShape="0"/>
+              </a:effectLst>
+              <a:uLnTx/>
+              <a:uFillTx/>
+              <a:latin typeface="+mn-lt"/>
+              <a:ea typeface="+mn-ea"/>
+              <a:cs typeface="+mn-cs"/>
+            </a:endParaRPr>
+          </a:p>
+          <a:p>
+            <a:pPr marL="640080" marR="0" lvl="1" indent="-246888" algn="l" defTabSz="914400" rtl="0" eaLnBrk="1" fontAlgn="auto" latinLnBrk="0" hangingPunct="1">
+              <a:lnSpc>
+                <a:spcPct val="100000"/>
+              </a:lnSpc>
+              <a:spcBef>
+                <a:spcPct val="20000"/>
+              </a:spcBef>
+              <a:spcAft>
+                <a:spcPts val="0"/>
+              </a:spcAft>
+              <a:buClr>
+                <a:schemeClr val="accent1"/>
+              </a:buClr>
+              <a:buSzPct val="85000"/>
+              <a:buFont typeface="Wingdings 2"/>
+              <a:buChar char=""/>
+              <a:tabLst/>
+              <a:defRPr/>
+            </a:pPr>
+            <a:endParaRPr kumimoji="0" lang="fr-FR" sz="2400" b="1" i="0" u="none" strike="noStrike" kern="1200" cap="none" spc="0" normalizeH="0" baseline="0" noProof="0" dirty="0" smtClean="0">
+              <a:ln w="1905"/>
+              <a:gradFill>
+                <a:gsLst>
+                  <a:gs pos="0">
+                    <a:schemeClr val="accent6">
+                      <a:shade val="20000"/>
+                      <a:satMod val="200000"/>
+                    </a:schemeClr>
+                  </a:gs>
+                  <a:gs pos="78000">
+                    <a:schemeClr val="accent6">
+                      <a:tint val="90000"/>
+                      <a:shade val="89000"/>
+                      <a:satMod val="220000"/>
+                    </a:schemeClr>
+                  </a:gs>
+                  <a:gs pos="100000">
+                    <a:schemeClr val="accent6">
+                      <a:tint val="12000"/>
+                      <a:satMod val="255000"/>
+                    </a:schemeClr>
+                  </a:gs>
+                </a:gsLst>
+                <a:lin ang="5400000"/>
+              </a:gradFill>
+              <a:effectLst>
+                <a:innerShdw blurRad="69850" dist="43180" dir="5400000">
+                  <a:srgbClr val="000000">
+                    <a:alpha val="65000"/>
+                  </a:srgbClr>
+                </a:innerShdw>
+                <a:reflection blurRad="6350" stA="55000" endA="300" endPos="45500" dir="5400000" sy="-100000" algn="bl" rotWithShape="0"/>
+              </a:effectLst>
+              <a:uLnTx/>
+              <a:uFillTx/>
+              <a:latin typeface="+mn-lt"/>
+              <a:ea typeface="+mn-ea"/>
+              <a:cs typeface="+mn-cs"/>
+            </a:endParaRPr>
+          </a:p>
+          <a:p>
+            <a:pPr marL="274320" marR="0" lvl="0" indent="-274320" algn="l" defTabSz="914400" rtl="0" eaLnBrk="1" fontAlgn="auto" latinLnBrk="0" hangingPunct="1">
+              <a:lnSpc>
+                <a:spcPct val="100000"/>
+              </a:lnSpc>
+              <a:spcBef>
+                <a:spcPct val="20000"/>
+              </a:spcBef>
+              <a:spcAft>
+                <a:spcPts val="0"/>
+              </a:spcAft>
+              <a:buClr>
+                <a:schemeClr val="accent3"/>
+              </a:buClr>
+              <a:buSzPct val="95000"/>
+              <a:buFont typeface="Wingdings 2"/>
+              <a:buChar char=""/>
+              <a:tabLst/>
+              <a:defRPr/>
+            </a:pPr>
+            <a:endParaRPr kumimoji="0" lang="fr-FR" sz="2600" b="0" i="0" u="none" strike="noStrike" kern="1200" cap="none" spc="0" normalizeH="0" baseline="0" noProof="0" dirty="0">
+              <a:ln>
+                <a:noFill/>
+              </a:ln>
+              <a:solidFill>
+                <a:schemeClr val="tx1"/>
+              </a:solidFill>
+              <a:effectLst/>
+              <a:uLnTx/>
+              <a:uFillTx/>
+              <a:latin typeface="+mn-lt"/>
+              <a:ea typeface="+mn-ea"/>
+              <a:cs typeface="+mn-cs"/>
+            </a:endParaRPr>
+          </a:p>
+        </p:txBody>
+      </p:sp>
+    </p:spTree>
+  </p:cSld>
+  <p:clrMapOvr>
+    <a:masterClrMapping/>
+  </p:clrMapOvr>
+  <p:transition>
+    <p:fade/>
+  </p:transition>
+</p:sld>
+</file>
+
+<file path=ppt/slides/slide14.xml><?xml version="1.0" encoding="utf-8"?>
+<p:sld xmlns:a="http://schemas.openxmlformats.org/drawingml/2006/main" xmlns:r="http://schemas.openxmlformats.org/officeDocument/2006/relationships" xmlns:p="http://schemas.openxmlformats.org/presentationml/2006/main">
+  <p:cSld>
+    <p:spTree>
+      <p:nvGrpSpPr>
+        <p:cNvPr id="1" name=""/>
+        <p:cNvGrpSpPr/>
+        <p:nvPr/>
+      </p:nvGrpSpPr>
+      <p:grpSpPr>
+        <a:xfrm>
+          <a:off x="0" y="0"/>
+          <a:ext cx="0" cy="0"/>
+          <a:chOff x="0" y="0"/>
+          <a:chExt cx="0" cy="0"/>
+        </a:xfrm>
+      </p:grpSpPr>
+      <p:sp>
+        <p:nvSpPr>
+          <p:cNvPr id="2" name="Titre 1"/>
+          <p:cNvSpPr>
+            <a:spLocks noGrp="1"/>
+          </p:cNvSpPr>
+          <p:nvPr>
+            <p:ph type="title"/>
+          </p:nvPr>
+        </p:nvSpPr>
+        <p:spPr/>
+        <p:txBody>
+          <a:bodyPr/>
+          <a:lstStyle/>
+          <a:p>
+            <a:r>
+              <a:rPr lang="fr-FR" b="1" dirty="0" smtClean="0">
+                <a:ln w="1905"/>
+                <a:gradFill>
+                  <a:gsLst>
+                    <a:gs pos="0">
+                      <a:schemeClr val="accent6">
+                        <a:shade val="20000"/>
+                        <a:satMod val="200000"/>
+                      </a:schemeClr>
+                    </a:gs>
+                    <a:gs pos="78000">
+                      <a:schemeClr val="accent6">
+                        <a:tint val="90000"/>
+                        <a:shade val="89000"/>
+                        <a:satMod val="220000"/>
+                      </a:schemeClr>
+                    </a:gs>
+                    <a:gs pos="100000">
+                      <a:schemeClr val="accent6">
+                        <a:tint val="12000"/>
+                        <a:satMod val="255000"/>
+                      </a:schemeClr>
+                    </a:gs>
+                  </a:gsLst>
+                  <a:lin ang="5400000"/>
+                </a:gradFill>
+                <a:effectLst>
+                  <a:innerShdw blurRad="69850" dist="43180" dir="5400000">
+                    <a:srgbClr val="000000">
+                      <a:alpha val="65000"/>
+                    </a:srgbClr>
+                  </a:innerShdw>
+                  <a:reflection blurRad="6350" stA="55000" endA="300" endPos="45500" dir="5400000" sy="-100000" algn="bl" rotWithShape="0"/>
+                </a:effectLst>
+              </a:rPr>
+              <a:t>I.A des </a:t>
+            </a:r>
+            <a:r>
+              <a:rPr lang="fr-FR" b="1" dirty="0" err="1" smtClean="0">
+                <a:ln w="1905"/>
+                <a:gradFill>
+                  <a:gsLst>
+                    <a:gs pos="0">
+                      <a:schemeClr val="accent6">
+                        <a:shade val="20000"/>
+                        <a:satMod val="200000"/>
+                      </a:schemeClr>
+                    </a:gs>
+                    <a:gs pos="78000">
+                      <a:schemeClr val="accent6">
+                        <a:tint val="90000"/>
+                        <a:shade val="89000"/>
+                        <a:satMod val="220000"/>
+                      </a:schemeClr>
+                    </a:gs>
+                    <a:gs pos="100000">
+                      <a:schemeClr val="accent6">
+                        <a:tint val="12000"/>
+                        <a:satMod val="255000"/>
+                      </a:schemeClr>
+                    </a:gs>
+                  </a:gsLst>
+                  <a:lin ang="5400000"/>
+                </a:gradFill>
+                <a:effectLst>
+                  <a:innerShdw blurRad="69850" dist="43180" dir="5400000">
+                    <a:srgbClr val="000000">
+                      <a:alpha val="65000"/>
+                    </a:srgbClr>
+                  </a:innerShdw>
+                  <a:reflection blurRad="6350" stA="55000" endA="300" endPos="45500" dir="5400000" sy="-100000" algn="bl" rotWithShape="0"/>
+                </a:effectLst>
+              </a:rPr>
+              <a:t>warriors</a:t>
+            </a:r>
+            <a:r>
+              <a:rPr lang="fr-FR" b="1" dirty="0" smtClean="0">
+                <a:ln w="1905"/>
+                <a:gradFill>
+                  <a:gsLst>
+                    <a:gs pos="0">
+                      <a:schemeClr val="accent6">
+                        <a:shade val="20000"/>
+                        <a:satMod val="200000"/>
+                      </a:schemeClr>
+                    </a:gs>
+                    <a:gs pos="78000">
+                      <a:schemeClr val="accent6">
+                        <a:tint val="90000"/>
+                        <a:shade val="89000"/>
+                        <a:satMod val="220000"/>
+                      </a:schemeClr>
+                    </a:gs>
+                    <a:gs pos="100000">
+                      <a:schemeClr val="accent6">
+                        <a:tint val="12000"/>
+                        <a:satMod val="255000"/>
+                      </a:schemeClr>
+                    </a:gs>
+                  </a:gsLst>
+                  <a:lin ang="5400000"/>
+                </a:gradFill>
+                <a:effectLst>
+                  <a:innerShdw blurRad="69850" dist="43180" dir="5400000">
+                    <a:srgbClr val="000000">
+                      <a:alpha val="65000"/>
+                    </a:srgbClr>
+                  </a:innerShdw>
+                  <a:reflection blurRad="6350" stA="55000" endA="300" endPos="45500" dir="5400000" sy="-100000" algn="bl" rotWithShape="0"/>
+                </a:effectLst>
+              </a:rPr>
+              <a:t> </a:t>
+            </a:r>
+            <a:endParaRPr lang="fr-FR" dirty="0"/>
+          </a:p>
+        </p:txBody>
+      </p:sp>
+      <p:sp>
+        <p:nvSpPr>
+          <p:cNvPr id="8" name="Espace réservé du contenu 2"/>
+          <p:cNvSpPr txBox="1">
+            <a:spLocks/>
+          </p:cNvSpPr>
+          <p:nvPr/>
+        </p:nvSpPr>
+        <p:spPr>
+          <a:xfrm>
+            <a:off x="457200" y="1935480"/>
+            <a:ext cx="8229600" cy="4389120"/>
+          </a:xfrm>
+          <a:prstGeom prst="rect">
+            <a:avLst/>
+          </a:prstGeom>
+        </p:spPr>
+        <p:txBody>
+          <a:bodyPr vert="horz">
+            <a:normAutofit/>
+          </a:bodyPr>
+          <a:lstStyle/>
+          <a:p>
+            <a:pPr marL="274320" marR="0" lvl="0" indent="-274320" algn="l" defTabSz="914400" rtl="0" eaLnBrk="1" fontAlgn="auto" latinLnBrk="0" hangingPunct="1">
+              <a:lnSpc>
+                <a:spcPct val="100000"/>
+              </a:lnSpc>
+              <a:spcBef>
+                <a:spcPct val="20000"/>
+              </a:spcBef>
+              <a:spcAft>
+                <a:spcPts val="0"/>
+              </a:spcAft>
+              <a:buClr>
+                <a:schemeClr val="accent3"/>
+              </a:buClr>
+              <a:buSzPct val="95000"/>
+              <a:buFont typeface="Wingdings 2"/>
+              <a:buNone/>
+              <a:tabLst/>
+              <a:defRPr/>
+            </a:pPr>
+            <a:r>
+              <a:rPr kumimoji="0" lang="fr-FR" sz="2800" b="1" i="0" u="none" strike="noStrike" kern="1200" cap="none" spc="0" normalizeH="0" baseline="0" noProof="0" dirty="0" smtClean="0">
+                <a:ln w="1905"/>
+                <a:gradFill>
+                  <a:gsLst>
+                    <a:gs pos="0">
+                      <a:schemeClr val="accent6">
+                        <a:shade val="20000"/>
+                        <a:satMod val="200000"/>
+                      </a:schemeClr>
+                    </a:gs>
+                    <a:gs pos="78000">
+                      <a:schemeClr val="accent6">
+                        <a:tint val="90000"/>
+                        <a:shade val="89000"/>
+                        <a:satMod val="220000"/>
+                      </a:schemeClr>
+                    </a:gs>
+                    <a:gs pos="100000">
+                      <a:schemeClr val="accent6">
+                        <a:tint val="12000"/>
+                        <a:satMod val="255000"/>
+                      </a:schemeClr>
+                    </a:gs>
+                  </a:gsLst>
+                  <a:lin ang="5400000"/>
+                </a:gradFill>
+                <a:effectLst>
+                  <a:innerShdw blurRad="69850" dist="43180" dir="5400000">
+                    <a:srgbClr val="000000">
+                      <a:alpha val="65000"/>
+                    </a:srgbClr>
+                  </a:innerShdw>
+                  <a:reflection blurRad="6350" stA="55000" endA="300" endPos="45500" dir="5400000" sy="-100000" algn="bl" rotWithShape="0"/>
+                </a:effectLst>
+                <a:uLnTx/>
+                <a:uFillTx/>
+                <a:latin typeface="+mn-lt"/>
+                <a:ea typeface="+mn-ea"/>
+                <a:cs typeface="+mn-cs"/>
+              </a:rPr>
+              <a:t>II/ Récoltes d’informations</a:t>
+            </a:r>
+          </a:p>
+          <a:p>
+            <a:pPr marL="274320" marR="0" lvl="0" indent="-274320" algn="l" defTabSz="914400" rtl="0" eaLnBrk="1" fontAlgn="auto" latinLnBrk="0" hangingPunct="1">
+              <a:lnSpc>
+                <a:spcPct val="100000"/>
+              </a:lnSpc>
+              <a:spcBef>
+                <a:spcPct val="20000"/>
+              </a:spcBef>
+              <a:spcAft>
+                <a:spcPts val="0"/>
+              </a:spcAft>
+              <a:buClr>
+                <a:schemeClr val="accent3"/>
+              </a:buClr>
+              <a:buSzPct val="95000"/>
+              <a:buFont typeface="Wingdings 2"/>
+              <a:buNone/>
+              <a:tabLst/>
+              <a:defRPr/>
+            </a:pPr>
+            <a:endParaRPr kumimoji="0" lang="fr-FR" sz="2600" b="1" i="0" u="none" strike="noStrike" kern="1200" cap="none" spc="0" normalizeH="0" baseline="0" noProof="0" dirty="0" smtClean="0">
+              <a:ln w="1905"/>
+              <a:gradFill>
+                <a:gsLst>
+                  <a:gs pos="0">
+                    <a:schemeClr val="accent6">
+                      <a:shade val="20000"/>
+                      <a:satMod val="200000"/>
+                    </a:schemeClr>
+                  </a:gs>
+                  <a:gs pos="78000">
+                    <a:schemeClr val="accent6">
+                      <a:tint val="90000"/>
+                      <a:shade val="89000"/>
+                      <a:satMod val="220000"/>
+                    </a:schemeClr>
+                  </a:gs>
+                  <a:gs pos="100000">
+                    <a:schemeClr val="accent6">
+                      <a:tint val="12000"/>
+                      <a:satMod val="255000"/>
+                    </a:schemeClr>
+                  </a:gs>
+                </a:gsLst>
+                <a:lin ang="5400000"/>
+              </a:gradFill>
+              <a:effectLst>
+                <a:innerShdw blurRad="69850" dist="43180" dir="5400000">
+                  <a:srgbClr val="000000">
+                    <a:alpha val="65000"/>
+                  </a:srgbClr>
+                </a:innerShdw>
+                <a:reflection blurRad="6350" stA="55000" endA="300" endPos="45500" dir="5400000" sy="-100000" algn="bl" rotWithShape="0"/>
+              </a:effectLst>
+              <a:uLnTx/>
+              <a:uFillTx/>
+              <a:latin typeface="+mn-lt"/>
+              <a:ea typeface="+mn-ea"/>
+              <a:cs typeface="+mn-cs"/>
+            </a:endParaRPr>
+          </a:p>
+          <a:p>
+            <a:pPr marL="274320" lvl="0" indent="-274320">
+              <a:spcBef>
+                <a:spcPct val="20000"/>
+              </a:spcBef>
+              <a:buClr>
+                <a:schemeClr val="accent3"/>
+              </a:buClr>
+              <a:buSzPct val="95000"/>
+            </a:pPr>
+            <a:r>
+              <a:rPr lang="fr-FR" sz="2800" b="1" dirty="0" smtClean="0">
+                <a:ln w="1905"/>
+                <a:gradFill>
+                  <a:gsLst>
+                    <a:gs pos="0">
+                      <a:schemeClr val="accent6">
+                        <a:shade val="20000"/>
+                        <a:satMod val="200000"/>
+                      </a:schemeClr>
+                    </a:gs>
+                    <a:gs pos="78000">
+                      <a:schemeClr val="accent6">
+                        <a:tint val="90000"/>
+                        <a:shade val="89000"/>
+                        <a:satMod val="220000"/>
+                      </a:schemeClr>
+                    </a:gs>
+                    <a:gs pos="100000">
+                      <a:schemeClr val="accent6">
+                        <a:tint val="12000"/>
+                        <a:satMod val="255000"/>
+                      </a:schemeClr>
+                    </a:gs>
+                  </a:gsLst>
+                  <a:lin ang="5400000"/>
+                </a:gradFill>
+                <a:effectLst>
+                  <a:innerShdw blurRad="69850" dist="43180" dir="5400000">
+                    <a:srgbClr val="000000">
+                      <a:alpha val="65000"/>
+                    </a:srgbClr>
+                  </a:innerShdw>
+                  <a:reflection blurRad="6350" stA="55000" endA="300" endPos="45500" dir="5400000" sy="-100000" algn="bl" rotWithShape="0"/>
+                </a:effectLst>
+              </a:rPr>
+              <a:t>	</a:t>
+            </a:r>
+            <a:r>
+              <a:rPr lang="fr-FR" sz="2600" b="1" dirty="0" smtClean="0">
+                <a:ln w="1905"/>
+                <a:gradFill>
+                  <a:gsLst>
+                    <a:gs pos="0">
+                      <a:schemeClr val="accent6">
+                        <a:shade val="20000"/>
+                        <a:satMod val="200000"/>
+                      </a:schemeClr>
+                    </a:gs>
+                    <a:gs pos="78000">
+                      <a:schemeClr val="accent6">
+                        <a:tint val="90000"/>
+                        <a:shade val="89000"/>
+                        <a:satMod val="220000"/>
+                      </a:schemeClr>
+                    </a:gs>
+                    <a:gs pos="100000">
+                      <a:schemeClr val="accent6">
+                        <a:tint val="12000"/>
+                        <a:satMod val="255000"/>
+                      </a:schemeClr>
+                    </a:gs>
+                  </a:gsLst>
+                  <a:lin ang="5400000"/>
+                </a:gradFill>
+                <a:effectLst>
+                  <a:innerShdw blurRad="69850" dist="43180" dir="5400000">
+                    <a:srgbClr val="000000">
+                      <a:alpha val="65000"/>
+                    </a:srgbClr>
+                  </a:innerShdw>
+                  <a:reflection blurRad="6350" stA="55000" endA="300" endPos="45500" dir="5400000" sy="-100000" algn="bl" rotWithShape="0"/>
+                </a:effectLst>
+              </a:rPr>
+              <a:t>b) Quelle est la nature de ces informations</a:t>
+            </a:r>
+          </a:p>
+          <a:p>
+            <a:pPr marL="274320" lvl="0" indent="-274320">
+              <a:spcBef>
+                <a:spcPct val="20000"/>
+              </a:spcBef>
+              <a:buClr>
+                <a:schemeClr val="accent3"/>
+              </a:buClr>
+              <a:buSzPct val="95000"/>
+            </a:pPr>
+            <a:endParaRPr lang="fr-FR" sz="2600" b="1" dirty="0" smtClean="0">
+              <a:ln w="1905"/>
+              <a:gradFill>
+                <a:gsLst>
+                  <a:gs pos="0">
+                    <a:schemeClr val="accent6">
+                      <a:shade val="20000"/>
+                      <a:satMod val="200000"/>
+                    </a:schemeClr>
+                  </a:gs>
+                  <a:gs pos="78000">
+                    <a:schemeClr val="accent6">
+                      <a:tint val="90000"/>
+                      <a:shade val="89000"/>
+                      <a:satMod val="220000"/>
+                    </a:schemeClr>
+                  </a:gs>
+                  <a:gs pos="100000">
+                    <a:schemeClr val="accent6">
+                      <a:tint val="12000"/>
+                      <a:satMod val="255000"/>
+                    </a:schemeClr>
+                  </a:gs>
+                </a:gsLst>
+                <a:lin ang="5400000"/>
+              </a:gradFill>
+              <a:effectLst>
+                <a:innerShdw blurRad="69850" dist="43180" dir="5400000">
+                  <a:srgbClr val="000000">
+                    <a:alpha val="65000"/>
+                  </a:srgbClr>
+                </a:innerShdw>
+                <a:reflection blurRad="6350" stA="55000" endA="300" endPos="45500" dir="5400000" sy="-100000" algn="bl" rotWithShape="0"/>
+              </a:effectLst>
+            </a:endParaRPr>
+          </a:p>
+          <a:p>
+            <a:pPr marL="731520" lvl="1" indent="-274320">
+              <a:spcBef>
+                <a:spcPct val="20000"/>
+              </a:spcBef>
+              <a:buClr>
+                <a:schemeClr val="accent3"/>
+              </a:buClr>
+              <a:buSzPct val="95000"/>
+              <a:buFont typeface="Arial" pitchFamily="34" charset="0"/>
+              <a:buChar char="•"/>
+            </a:pPr>
+            <a:r>
+              <a:rPr lang="fr-FR" sz="2400" dirty="0" smtClean="0"/>
+              <a:t>Matrice des distances entre nœuds</a:t>
+            </a:r>
+          </a:p>
+          <a:p>
+            <a:pPr marL="731520" lvl="1" indent="-274320">
+              <a:spcBef>
+                <a:spcPct val="20000"/>
+              </a:spcBef>
+              <a:buClr>
+                <a:schemeClr val="accent3"/>
+              </a:buClr>
+              <a:buSzPct val="95000"/>
+              <a:buFont typeface="Arial" pitchFamily="34" charset="0"/>
+              <a:buChar char="•"/>
+            </a:pPr>
+            <a:r>
+              <a:rPr lang="fr-FR" sz="2400" dirty="0" smtClean="0"/>
+              <a:t>Informations sur le dernier état du nœud parcouru</a:t>
+            </a:r>
+          </a:p>
+          <a:p>
+            <a:pPr marL="1188720" lvl="2" indent="-274320">
+              <a:spcBef>
+                <a:spcPct val="20000"/>
+              </a:spcBef>
+              <a:buClr>
+                <a:schemeClr val="accent3"/>
+              </a:buClr>
+              <a:buSzPct val="95000"/>
+              <a:buFont typeface="Arial" pitchFamily="34" charset="0"/>
+              <a:buChar char="•"/>
+            </a:pPr>
+            <a:r>
+              <a:rPr lang="fr-FR" sz="2400" dirty="0" smtClean="0"/>
+              <a:t>Nombre de threads alliés et ennemis rencontrés</a:t>
+            </a:r>
+          </a:p>
+          <a:p>
+            <a:pPr marL="1188720" lvl="2" indent="-274320">
+              <a:spcBef>
+                <a:spcPct val="20000"/>
+              </a:spcBef>
+              <a:buClr>
+                <a:schemeClr val="accent3"/>
+              </a:buClr>
+              <a:buSzPct val="95000"/>
+              <a:buFont typeface="Arial" pitchFamily="34" charset="0"/>
+              <a:buChar char="•"/>
+            </a:pPr>
+            <a:r>
+              <a:rPr lang="fr-FR" sz="2400" dirty="0" smtClean="0"/>
+              <a:t>Propriétaire du nœud</a:t>
+            </a:r>
+          </a:p>
+          <a:p>
+            <a:pPr marL="1188720" lvl="2" indent="-274320">
+              <a:spcBef>
+                <a:spcPct val="20000"/>
+              </a:spcBef>
+              <a:buClr>
+                <a:schemeClr val="accent3"/>
+              </a:buClr>
+              <a:buSzPct val="95000"/>
+              <a:buFont typeface="Arial" pitchFamily="34" charset="0"/>
+              <a:buChar char="•"/>
+            </a:pPr>
+            <a:r>
+              <a:rPr lang="fr-FR" sz="2400" dirty="0" smtClean="0"/>
+              <a:t>Date de dernière collecte</a:t>
+            </a:r>
+            <a:endParaRPr lang="fr-FR" sz="2400" dirty="0" smtClean="0"/>
+          </a:p>
+          <a:p>
+            <a:pPr marL="274320" lvl="0" indent="-274320">
+              <a:spcBef>
+                <a:spcPct val="20000"/>
+              </a:spcBef>
+              <a:buClr>
+                <a:schemeClr val="accent3"/>
+              </a:buClr>
+              <a:buSzPct val="95000"/>
+            </a:pPr>
+            <a:endParaRPr lang="fr-FR" sz="2600" b="1" dirty="0" smtClean="0">
+              <a:ln w="1905"/>
+              <a:gradFill>
+                <a:gsLst>
+                  <a:gs pos="0">
+                    <a:schemeClr val="accent6">
+                      <a:shade val="20000"/>
+                      <a:satMod val="200000"/>
+                    </a:schemeClr>
+                  </a:gs>
+                  <a:gs pos="78000">
+                    <a:schemeClr val="accent6">
+                      <a:tint val="90000"/>
+                      <a:shade val="89000"/>
+                      <a:satMod val="220000"/>
+                    </a:schemeClr>
+                  </a:gs>
+                  <a:gs pos="100000">
+                    <a:schemeClr val="accent6">
+                      <a:tint val="12000"/>
+                      <a:satMod val="255000"/>
+                    </a:schemeClr>
+                  </a:gs>
+                </a:gsLst>
+                <a:lin ang="5400000"/>
+              </a:gradFill>
+              <a:effectLst>
+                <a:innerShdw blurRad="69850" dist="43180" dir="5400000">
+                  <a:srgbClr val="000000">
+                    <a:alpha val="65000"/>
+                  </a:srgbClr>
+                </a:innerShdw>
+                <a:reflection blurRad="6350" stA="55000" endA="300" endPos="45500" dir="5400000" sy="-100000" algn="bl" rotWithShape="0"/>
+              </a:effectLst>
+            </a:endParaRPr>
+          </a:p>
+          <a:p>
+            <a:pPr marL="731520" lvl="1" indent="-274320">
+              <a:spcBef>
+                <a:spcPct val="20000"/>
+              </a:spcBef>
+              <a:buClr>
+                <a:schemeClr val="accent3"/>
+              </a:buClr>
+              <a:buSzPct val="95000"/>
+              <a:buFont typeface="Arial" pitchFamily="34" charset="0"/>
+              <a:buChar char="•"/>
+            </a:pPr>
+            <a:endParaRPr kumimoji="0" lang="fr-FR" sz="2600" b="1" i="0" u="none" strike="noStrike" kern="1200" cap="none" spc="0" normalizeH="0" baseline="0" noProof="0" dirty="0" smtClean="0">
+              <a:ln w="1905"/>
+              <a:gradFill>
+                <a:gsLst>
+                  <a:gs pos="0">
+                    <a:schemeClr val="accent6">
+                      <a:shade val="20000"/>
+                      <a:satMod val="200000"/>
+                    </a:schemeClr>
+                  </a:gs>
+                  <a:gs pos="78000">
+                    <a:schemeClr val="accent6">
+                      <a:tint val="90000"/>
+                      <a:shade val="89000"/>
+                      <a:satMod val="220000"/>
+                    </a:schemeClr>
+                  </a:gs>
+                  <a:gs pos="100000">
+                    <a:schemeClr val="accent6">
+                      <a:tint val="12000"/>
+                      <a:satMod val="255000"/>
+                    </a:schemeClr>
+                  </a:gs>
+                </a:gsLst>
+                <a:lin ang="5400000"/>
+              </a:gradFill>
+              <a:effectLst>
+                <a:innerShdw blurRad="69850" dist="43180" dir="5400000">
+                  <a:srgbClr val="000000">
+                    <a:alpha val="65000"/>
+                  </a:srgbClr>
+                </a:innerShdw>
+                <a:reflection blurRad="6350" stA="55000" endA="300" endPos="45500" dir="5400000" sy="-100000" algn="bl" rotWithShape="0"/>
+              </a:effectLst>
+              <a:uLnTx/>
+              <a:uFillTx/>
+              <a:latin typeface="+mn-lt"/>
+              <a:ea typeface="+mn-ea"/>
+              <a:cs typeface="+mn-cs"/>
+            </a:endParaRPr>
+          </a:p>
+          <a:p>
+            <a:pPr marL="274320" marR="0" lvl="0" indent="-274320" algn="l" defTabSz="914400" rtl="0" eaLnBrk="1" fontAlgn="auto" latinLnBrk="0" hangingPunct="1">
+              <a:lnSpc>
+                <a:spcPct val="100000"/>
+              </a:lnSpc>
+              <a:spcBef>
+                <a:spcPct val="20000"/>
+              </a:spcBef>
+              <a:spcAft>
+                <a:spcPts val="0"/>
+              </a:spcAft>
+              <a:buClr>
+                <a:schemeClr val="accent3"/>
+              </a:buClr>
+              <a:buSzPct val="95000"/>
+              <a:buFont typeface="Wingdings 2"/>
+              <a:buNone/>
+              <a:tabLst/>
+              <a:defRPr/>
+            </a:pPr>
+            <a:endParaRPr kumimoji="0" lang="fr-FR" sz="2600" b="1" i="0" u="none" strike="noStrike" kern="1200" cap="none" spc="0" normalizeH="0" baseline="0" noProof="0" dirty="0" smtClean="0">
+              <a:ln w="1905"/>
+              <a:gradFill>
+                <a:gsLst>
+                  <a:gs pos="0">
+                    <a:schemeClr val="accent6">
+                      <a:shade val="20000"/>
+                      <a:satMod val="200000"/>
+                    </a:schemeClr>
+                  </a:gs>
+                  <a:gs pos="78000">
+                    <a:schemeClr val="accent6">
+                      <a:tint val="90000"/>
+                      <a:shade val="89000"/>
+                      <a:satMod val="220000"/>
+                    </a:schemeClr>
+                  </a:gs>
+                  <a:gs pos="100000">
+                    <a:schemeClr val="accent6">
+                      <a:tint val="12000"/>
+                      <a:satMod val="255000"/>
+                    </a:schemeClr>
+                  </a:gs>
+                </a:gsLst>
+                <a:lin ang="5400000"/>
+              </a:gradFill>
+              <a:effectLst>
+                <a:innerShdw blurRad="69850" dist="43180" dir="5400000">
+                  <a:srgbClr val="000000">
+                    <a:alpha val="65000"/>
+                  </a:srgbClr>
+                </a:innerShdw>
+                <a:reflection blurRad="6350" stA="55000" endA="300" endPos="45500" dir="5400000" sy="-100000" algn="bl" rotWithShape="0"/>
+              </a:effectLst>
+              <a:uLnTx/>
+              <a:uFillTx/>
+              <a:latin typeface="+mn-lt"/>
+              <a:ea typeface="+mn-ea"/>
+              <a:cs typeface="+mn-cs"/>
+            </a:endParaRPr>
+          </a:p>
+          <a:p>
+            <a:pPr marL="274320" marR="0" lvl="0" indent="-274320" algn="l" defTabSz="914400" rtl="0" eaLnBrk="1" fontAlgn="auto" latinLnBrk="0" hangingPunct="1">
+              <a:lnSpc>
+                <a:spcPct val="100000"/>
+              </a:lnSpc>
+              <a:spcBef>
+                <a:spcPct val="20000"/>
+              </a:spcBef>
+              <a:spcAft>
+                <a:spcPts val="0"/>
+              </a:spcAft>
+              <a:buClr>
+                <a:schemeClr val="accent3"/>
+              </a:buClr>
+              <a:buSzPct val="95000"/>
+              <a:buFont typeface="Wingdings 2"/>
+              <a:buNone/>
+              <a:tabLst/>
+              <a:defRPr/>
+            </a:pPr>
+            <a:endParaRPr kumimoji="0" lang="fr-FR" sz="2600" b="1" i="0" u="none" strike="noStrike" kern="1200" cap="none" spc="0" normalizeH="0" baseline="0" noProof="0" dirty="0" smtClean="0">
+              <a:ln w="1905"/>
+              <a:gradFill>
+                <a:gsLst>
+                  <a:gs pos="0">
+                    <a:schemeClr val="accent6">
+                      <a:shade val="20000"/>
+                      <a:satMod val="200000"/>
+                    </a:schemeClr>
+                  </a:gs>
+                  <a:gs pos="78000">
+                    <a:schemeClr val="accent6">
+                      <a:tint val="90000"/>
+                      <a:shade val="89000"/>
+                      <a:satMod val="220000"/>
+                    </a:schemeClr>
+                  </a:gs>
+                  <a:gs pos="100000">
+                    <a:schemeClr val="accent6">
+                      <a:tint val="12000"/>
+                      <a:satMod val="255000"/>
+                    </a:schemeClr>
+                  </a:gs>
+                </a:gsLst>
+                <a:lin ang="5400000"/>
+              </a:gradFill>
+              <a:effectLst>
+                <a:innerShdw blurRad="69850" dist="43180" dir="5400000">
+                  <a:srgbClr val="000000">
+                    <a:alpha val="65000"/>
+                  </a:srgbClr>
+                </a:innerShdw>
+                <a:reflection blurRad="6350" stA="55000" endA="300" endPos="45500" dir="5400000" sy="-100000" algn="bl" rotWithShape="0"/>
+              </a:effectLst>
+              <a:uLnTx/>
+              <a:uFillTx/>
+              <a:latin typeface="+mn-lt"/>
+              <a:ea typeface="+mn-ea"/>
+              <a:cs typeface="+mn-cs"/>
+            </a:endParaRPr>
+          </a:p>
+          <a:p>
+            <a:pPr marL="640080" marR="0" lvl="1" indent="-246888" algn="l" defTabSz="914400" rtl="0" eaLnBrk="1" fontAlgn="auto" latinLnBrk="0" hangingPunct="1">
+              <a:lnSpc>
+                <a:spcPct val="100000"/>
+              </a:lnSpc>
+              <a:spcBef>
+                <a:spcPct val="20000"/>
+              </a:spcBef>
+              <a:spcAft>
+                <a:spcPts val="0"/>
+              </a:spcAft>
+              <a:buClr>
+                <a:schemeClr val="accent1"/>
+              </a:buClr>
+              <a:buSzPct val="85000"/>
+              <a:buFont typeface="Wingdings 2"/>
+              <a:buChar char=""/>
+              <a:tabLst/>
+              <a:defRPr/>
+            </a:pPr>
+            <a:endParaRPr kumimoji="0" lang="fr-FR" sz="2400" b="1" i="0" u="none" strike="noStrike" kern="1200" cap="none" spc="0" normalizeH="0" baseline="0" noProof="0" dirty="0" smtClean="0">
+              <a:ln w="1905"/>
+              <a:gradFill>
+                <a:gsLst>
+                  <a:gs pos="0">
+                    <a:schemeClr val="accent6">
+                      <a:shade val="20000"/>
+                      <a:satMod val="200000"/>
+                    </a:schemeClr>
+                  </a:gs>
+                  <a:gs pos="78000">
+                    <a:schemeClr val="accent6">
+                      <a:tint val="90000"/>
+                      <a:shade val="89000"/>
+                      <a:satMod val="220000"/>
+                    </a:schemeClr>
+                  </a:gs>
+                  <a:gs pos="100000">
+                    <a:schemeClr val="accent6">
+                      <a:tint val="12000"/>
+                      <a:satMod val="255000"/>
+                    </a:schemeClr>
+                  </a:gs>
+                </a:gsLst>
+                <a:lin ang="5400000"/>
+              </a:gradFill>
+              <a:effectLst>
+                <a:innerShdw blurRad="69850" dist="43180" dir="5400000">
+                  <a:srgbClr val="000000">
+                    <a:alpha val="65000"/>
+                  </a:srgbClr>
+                </a:innerShdw>
+                <a:reflection blurRad="6350" stA="55000" endA="300" endPos="45500" dir="5400000" sy="-100000" algn="bl" rotWithShape="0"/>
+              </a:effectLst>
+              <a:uLnTx/>
+              <a:uFillTx/>
+              <a:latin typeface="+mn-lt"/>
+              <a:ea typeface="+mn-ea"/>
+              <a:cs typeface="+mn-cs"/>
+            </a:endParaRPr>
+          </a:p>
+          <a:p>
+            <a:pPr marL="274320" marR="0" lvl="0" indent="-274320" algn="l" defTabSz="914400" rtl="0" eaLnBrk="1" fontAlgn="auto" latinLnBrk="0" hangingPunct="1">
+              <a:lnSpc>
+                <a:spcPct val="100000"/>
+              </a:lnSpc>
+              <a:spcBef>
+                <a:spcPct val="20000"/>
+              </a:spcBef>
+              <a:spcAft>
+                <a:spcPts val="0"/>
+              </a:spcAft>
+              <a:buClr>
+                <a:schemeClr val="accent3"/>
+              </a:buClr>
+              <a:buSzPct val="95000"/>
+              <a:buFont typeface="Wingdings 2"/>
+              <a:buChar char=""/>
+              <a:tabLst/>
+              <a:defRPr/>
+            </a:pPr>
+            <a:endParaRPr kumimoji="0" lang="fr-FR" sz="2600" b="0" i="0" u="none" strike="noStrike" kern="1200" cap="none" spc="0" normalizeH="0" baseline="0" noProof="0" dirty="0">
+              <a:ln>
+                <a:noFill/>
+              </a:ln>
+              <a:solidFill>
+                <a:schemeClr val="tx1"/>
+              </a:solidFill>
+              <a:effectLst/>
+              <a:uLnTx/>
+              <a:uFillTx/>
+              <a:latin typeface="+mn-lt"/>
+              <a:ea typeface="+mn-ea"/>
+              <a:cs typeface="+mn-cs"/>
+            </a:endParaRPr>
+          </a:p>
+        </p:txBody>
+      </p:sp>
+    </p:spTree>
+  </p:cSld>
+  <p:clrMapOvr>
+    <a:masterClrMapping/>
+  </p:clrMapOvr>
+  <p:transition>
+    <p:fade/>
+  </p:transition>
+</p:sld>
+</file>
+
+<file path=ppt/slides/slide15.xml><?xml version="1.0" encoding="utf-8"?>
+<p:sld xmlns:a="http://schemas.openxmlformats.org/drawingml/2006/main" xmlns:r="http://schemas.openxmlformats.org/officeDocument/2006/relationships" xmlns:p="http://schemas.openxmlformats.org/presentationml/2006/main">
+  <p:cSld>
+    <p:spTree>
+      <p:nvGrpSpPr>
+        <p:cNvPr id="1" name=""/>
+        <p:cNvGrpSpPr/>
+        <p:nvPr/>
+      </p:nvGrpSpPr>
+      <p:grpSpPr>
+        <a:xfrm>
+          <a:off x="0" y="0"/>
+          <a:ext cx="0" cy="0"/>
+          <a:chOff x="0" y="0"/>
+          <a:chExt cx="0" cy="0"/>
+        </a:xfrm>
+      </p:grpSpPr>
+      <p:sp>
+        <p:nvSpPr>
+          <p:cNvPr id="2" name="Titre 1"/>
+          <p:cNvSpPr>
+            <a:spLocks noGrp="1"/>
+          </p:cNvSpPr>
+          <p:nvPr>
+            <p:ph type="title"/>
+          </p:nvPr>
+        </p:nvSpPr>
+        <p:spPr/>
+        <p:txBody>
+          <a:bodyPr/>
+          <a:lstStyle/>
+          <a:p>
+            <a:r>
+              <a:rPr lang="fr-FR" b="1" dirty="0" smtClean="0">
+                <a:ln w="1905"/>
+                <a:gradFill>
+                  <a:gsLst>
+                    <a:gs pos="0">
+                      <a:schemeClr val="accent6">
+                        <a:shade val="20000"/>
+                        <a:satMod val="200000"/>
+                      </a:schemeClr>
+                    </a:gs>
+                    <a:gs pos="78000">
+                      <a:schemeClr val="accent6">
+                        <a:tint val="90000"/>
+                        <a:shade val="89000"/>
+                        <a:satMod val="220000"/>
+                      </a:schemeClr>
+                    </a:gs>
+                    <a:gs pos="100000">
+                      <a:schemeClr val="accent6">
+                        <a:tint val="12000"/>
+                        <a:satMod val="255000"/>
+                      </a:schemeClr>
+                    </a:gs>
+                  </a:gsLst>
+                  <a:lin ang="5400000"/>
+                </a:gradFill>
+                <a:effectLst>
+                  <a:innerShdw blurRad="69850" dist="43180" dir="5400000">
+                    <a:srgbClr val="000000">
+                      <a:alpha val="65000"/>
+                    </a:srgbClr>
+                  </a:innerShdw>
+                  <a:reflection blurRad="6350" stA="55000" endA="300" endPos="45500" dir="5400000" sy="-100000" algn="bl" rotWithShape="0"/>
+                </a:effectLst>
+              </a:rPr>
+              <a:t>I.A des </a:t>
+            </a:r>
+            <a:r>
+              <a:rPr lang="fr-FR" b="1" dirty="0" err="1" smtClean="0">
+                <a:ln w="1905"/>
+                <a:gradFill>
+                  <a:gsLst>
+                    <a:gs pos="0">
+                      <a:schemeClr val="accent6">
+                        <a:shade val="20000"/>
+                        <a:satMod val="200000"/>
+                      </a:schemeClr>
+                    </a:gs>
+                    <a:gs pos="78000">
+                      <a:schemeClr val="accent6">
+                        <a:tint val="90000"/>
+                        <a:shade val="89000"/>
+                        <a:satMod val="220000"/>
+                      </a:schemeClr>
+                    </a:gs>
+                    <a:gs pos="100000">
+                      <a:schemeClr val="accent6">
+                        <a:tint val="12000"/>
+                        <a:satMod val="255000"/>
+                      </a:schemeClr>
+                    </a:gs>
+                  </a:gsLst>
+                  <a:lin ang="5400000"/>
+                </a:gradFill>
+                <a:effectLst>
+                  <a:innerShdw blurRad="69850" dist="43180" dir="5400000">
+                    <a:srgbClr val="000000">
+                      <a:alpha val="65000"/>
+                    </a:srgbClr>
+                  </a:innerShdw>
+                  <a:reflection blurRad="6350" stA="55000" endA="300" endPos="45500" dir="5400000" sy="-100000" algn="bl" rotWithShape="0"/>
+                </a:effectLst>
+              </a:rPr>
+              <a:t>warriors</a:t>
+            </a:r>
+            <a:r>
+              <a:rPr lang="fr-FR" b="1" dirty="0" smtClean="0">
+                <a:ln w="1905"/>
+                <a:gradFill>
+                  <a:gsLst>
+                    <a:gs pos="0">
+                      <a:schemeClr val="accent6">
+                        <a:shade val="20000"/>
+                        <a:satMod val="200000"/>
+                      </a:schemeClr>
+                    </a:gs>
+                    <a:gs pos="78000">
+                      <a:schemeClr val="accent6">
+                        <a:tint val="90000"/>
+                        <a:shade val="89000"/>
+                        <a:satMod val="220000"/>
+                      </a:schemeClr>
+                    </a:gs>
+                    <a:gs pos="100000">
+                      <a:schemeClr val="accent6">
+                        <a:tint val="12000"/>
+                        <a:satMod val="255000"/>
+                      </a:schemeClr>
+                    </a:gs>
+                  </a:gsLst>
+                  <a:lin ang="5400000"/>
+                </a:gradFill>
+                <a:effectLst>
+                  <a:innerShdw blurRad="69850" dist="43180" dir="5400000">
+                    <a:srgbClr val="000000">
+                      <a:alpha val="65000"/>
+                    </a:srgbClr>
+                  </a:innerShdw>
+                  <a:reflection blurRad="6350" stA="55000" endA="300" endPos="45500" dir="5400000" sy="-100000" algn="bl" rotWithShape="0"/>
+                </a:effectLst>
+              </a:rPr>
+              <a:t> </a:t>
+            </a:r>
+            <a:endParaRPr lang="fr-FR" dirty="0"/>
+          </a:p>
+        </p:txBody>
+      </p:sp>
+      <p:sp>
+        <p:nvSpPr>
+          <p:cNvPr id="8" name="Espace réservé du contenu 2"/>
+          <p:cNvSpPr txBox="1">
+            <a:spLocks/>
+          </p:cNvSpPr>
+          <p:nvPr/>
+        </p:nvSpPr>
+        <p:spPr>
+          <a:xfrm>
+            <a:off x="457200" y="1935480"/>
+            <a:ext cx="8229600" cy="4351040"/>
+          </a:xfrm>
+          <a:prstGeom prst="rect">
+            <a:avLst/>
+          </a:prstGeom>
+        </p:spPr>
+        <p:txBody>
+          <a:bodyPr vert="horz">
+            <a:normAutofit/>
+          </a:bodyPr>
+          <a:lstStyle/>
+          <a:p>
+            <a:pPr marL="274320" marR="0" lvl="0" indent="-274320" algn="l" defTabSz="914400" rtl="0" eaLnBrk="1" fontAlgn="auto" latinLnBrk="0" hangingPunct="1">
+              <a:lnSpc>
+                <a:spcPct val="100000"/>
+              </a:lnSpc>
+              <a:spcBef>
+                <a:spcPct val="20000"/>
+              </a:spcBef>
+              <a:spcAft>
+                <a:spcPts val="0"/>
+              </a:spcAft>
+              <a:buClr>
+                <a:schemeClr val="accent3"/>
+              </a:buClr>
+              <a:buSzPct val="95000"/>
+              <a:buFont typeface="Wingdings 2"/>
+              <a:buNone/>
+              <a:tabLst/>
+              <a:defRPr/>
+            </a:pPr>
+            <a:r>
+              <a:rPr kumimoji="0" lang="fr-FR" sz="2800" b="1" i="0" u="none" strike="noStrike" kern="1200" cap="none" spc="0" normalizeH="0" baseline="0" noProof="0" dirty="0" smtClean="0">
+                <a:ln w="1905"/>
+                <a:gradFill>
+                  <a:gsLst>
+                    <a:gs pos="0">
+                      <a:schemeClr val="accent6">
+                        <a:shade val="20000"/>
+                        <a:satMod val="200000"/>
+                      </a:schemeClr>
+                    </a:gs>
+                    <a:gs pos="78000">
+                      <a:schemeClr val="accent6">
+                        <a:tint val="90000"/>
+                        <a:shade val="89000"/>
+                        <a:satMod val="220000"/>
+                      </a:schemeClr>
+                    </a:gs>
+                    <a:gs pos="100000">
+                      <a:schemeClr val="accent6">
+                        <a:tint val="12000"/>
+                        <a:satMod val="255000"/>
+                      </a:schemeClr>
+                    </a:gs>
+                  </a:gsLst>
+                  <a:lin ang="5400000"/>
+                </a:gradFill>
+                <a:effectLst>
+                  <a:innerShdw blurRad="69850" dist="43180" dir="5400000">
+                    <a:srgbClr val="000000">
+                      <a:alpha val="65000"/>
+                    </a:srgbClr>
+                  </a:innerShdw>
+                  <a:reflection blurRad="6350" stA="55000" endA="300" endPos="45500" dir="5400000" sy="-100000" algn="bl" rotWithShape="0"/>
+                </a:effectLst>
+                <a:uLnTx/>
+                <a:uFillTx/>
+                <a:latin typeface="+mn-lt"/>
+                <a:ea typeface="+mn-ea"/>
+                <a:cs typeface="+mn-cs"/>
+              </a:rPr>
+              <a:t>II/ Récoltes d’informations</a:t>
+            </a:r>
+          </a:p>
+          <a:p>
+            <a:pPr marL="274320" marR="0" lvl="0" indent="-274320" algn="l" defTabSz="914400" rtl="0" eaLnBrk="1" fontAlgn="auto" latinLnBrk="0" hangingPunct="1">
+              <a:lnSpc>
+                <a:spcPct val="100000"/>
+              </a:lnSpc>
+              <a:spcBef>
+                <a:spcPct val="20000"/>
+              </a:spcBef>
+              <a:spcAft>
+                <a:spcPts val="0"/>
+              </a:spcAft>
+              <a:buClr>
+                <a:schemeClr val="accent3"/>
+              </a:buClr>
+              <a:buSzPct val="95000"/>
+              <a:buFont typeface="Wingdings 2"/>
+              <a:buNone/>
+              <a:tabLst/>
+              <a:defRPr/>
+            </a:pPr>
+            <a:endParaRPr kumimoji="0" lang="fr-FR" sz="2600" b="1" i="0" u="none" strike="noStrike" kern="1200" cap="none" spc="0" normalizeH="0" baseline="0" noProof="0" dirty="0" smtClean="0">
+              <a:ln w="1905"/>
+              <a:gradFill>
+                <a:gsLst>
+                  <a:gs pos="0">
+                    <a:schemeClr val="accent6">
+                      <a:shade val="20000"/>
+                      <a:satMod val="200000"/>
+                    </a:schemeClr>
+                  </a:gs>
+                  <a:gs pos="78000">
+                    <a:schemeClr val="accent6">
+                      <a:tint val="90000"/>
+                      <a:shade val="89000"/>
+                      <a:satMod val="220000"/>
+                    </a:schemeClr>
+                  </a:gs>
+                  <a:gs pos="100000">
+                    <a:schemeClr val="accent6">
+                      <a:tint val="12000"/>
+                      <a:satMod val="255000"/>
+                    </a:schemeClr>
+                  </a:gs>
+                </a:gsLst>
+                <a:lin ang="5400000"/>
+              </a:gradFill>
+              <a:effectLst>
+                <a:innerShdw blurRad="69850" dist="43180" dir="5400000">
+                  <a:srgbClr val="000000">
+                    <a:alpha val="65000"/>
+                  </a:srgbClr>
+                </a:innerShdw>
+                <a:reflection blurRad="6350" stA="55000" endA="300" endPos="45500" dir="5400000" sy="-100000" algn="bl" rotWithShape="0"/>
+              </a:effectLst>
+              <a:uLnTx/>
+              <a:uFillTx/>
+              <a:latin typeface="+mn-lt"/>
+              <a:ea typeface="+mn-ea"/>
+              <a:cs typeface="+mn-cs"/>
+            </a:endParaRPr>
+          </a:p>
+          <a:p>
+            <a:pPr marL="274320" lvl="0" indent="-274320">
+              <a:spcBef>
+                <a:spcPct val="20000"/>
+              </a:spcBef>
+              <a:buClr>
+                <a:schemeClr val="accent3"/>
+              </a:buClr>
+              <a:buSzPct val="95000"/>
+            </a:pPr>
+            <a:r>
+              <a:rPr lang="fr-FR" sz="2800" b="1" dirty="0" smtClean="0">
+                <a:ln w="1905"/>
+                <a:gradFill>
+                  <a:gsLst>
+                    <a:gs pos="0">
+                      <a:schemeClr val="accent6">
+                        <a:shade val="20000"/>
+                        <a:satMod val="200000"/>
+                      </a:schemeClr>
+                    </a:gs>
+                    <a:gs pos="78000">
+                      <a:schemeClr val="accent6">
+                        <a:tint val="90000"/>
+                        <a:shade val="89000"/>
+                        <a:satMod val="220000"/>
+                      </a:schemeClr>
+                    </a:gs>
+                    <a:gs pos="100000">
+                      <a:schemeClr val="accent6">
+                        <a:tint val="12000"/>
+                        <a:satMod val="255000"/>
+                      </a:schemeClr>
+                    </a:gs>
+                  </a:gsLst>
+                  <a:lin ang="5400000"/>
+                </a:gradFill>
+                <a:effectLst>
+                  <a:innerShdw blurRad="69850" dist="43180" dir="5400000">
+                    <a:srgbClr val="000000">
+                      <a:alpha val="65000"/>
+                    </a:srgbClr>
+                  </a:innerShdw>
+                  <a:reflection blurRad="6350" stA="55000" endA="300" endPos="45500" dir="5400000" sy="-100000" algn="bl" rotWithShape="0"/>
+                </a:effectLst>
+              </a:rPr>
+              <a:t>	</a:t>
+            </a:r>
+            <a:r>
+              <a:rPr lang="fr-FR" sz="2800" b="1" dirty="0" smtClean="0">
+                <a:ln w="1905"/>
+                <a:gradFill>
+                  <a:gsLst>
+                    <a:gs pos="0">
+                      <a:schemeClr val="accent6">
+                        <a:shade val="20000"/>
+                        <a:satMod val="200000"/>
+                      </a:schemeClr>
+                    </a:gs>
+                    <a:gs pos="78000">
+                      <a:schemeClr val="accent6">
+                        <a:tint val="90000"/>
+                        <a:shade val="89000"/>
+                        <a:satMod val="220000"/>
+                      </a:schemeClr>
+                    </a:gs>
+                    <a:gs pos="100000">
+                      <a:schemeClr val="accent6">
+                        <a:tint val="12000"/>
+                        <a:satMod val="255000"/>
+                      </a:schemeClr>
+                    </a:gs>
+                  </a:gsLst>
+                  <a:lin ang="5400000"/>
+                </a:gradFill>
+                <a:effectLst>
+                  <a:innerShdw blurRad="69850" dist="43180" dir="5400000">
+                    <a:srgbClr val="000000">
+                      <a:alpha val="65000"/>
+                    </a:srgbClr>
+                  </a:innerShdw>
+                  <a:reflection blurRad="6350" stA="55000" endA="300" endPos="45500" dir="5400000" sy="-100000" algn="bl" rotWithShape="0"/>
+                </a:effectLst>
+              </a:rPr>
+              <a:t>c</a:t>
+            </a:r>
+            <a:r>
+              <a:rPr lang="fr-FR" sz="2600" b="1" dirty="0" smtClean="0">
+                <a:ln w="1905"/>
+                <a:gradFill>
+                  <a:gsLst>
+                    <a:gs pos="0">
+                      <a:schemeClr val="accent6">
+                        <a:shade val="20000"/>
+                        <a:satMod val="200000"/>
+                      </a:schemeClr>
+                    </a:gs>
+                    <a:gs pos="78000">
+                      <a:schemeClr val="accent6">
+                        <a:tint val="90000"/>
+                        <a:shade val="89000"/>
+                        <a:satMod val="220000"/>
+                      </a:schemeClr>
+                    </a:gs>
+                    <a:gs pos="100000">
+                      <a:schemeClr val="accent6">
+                        <a:tint val="12000"/>
+                        <a:satMod val="255000"/>
+                      </a:schemeClr>
+                    </a:gs>
+                  </a:gsLst>
+                  <a:lin ang="5400000"/>
+                </a:gradFill>
+                <a:effectLst>
+                  <a:innerShdw blurRad="69850" dist="43180" dir="5400000">
+                    <a:srgbClr val="000000">
+                      <a:alpha val="65000"/>
+                    </a:srgbClr>
+                  </a:innerShdw>
+                  <a:reflection blurRad="6350" stA="55000" endA="300" endPos="45500" dir="5400000" sy="-100000" algn="bl" rotWithShape="0"/>
+                </a:effectLst>
+              </a:rPr>
+              <a:t>) Possibilités liés à la collecte</a:t>
+            </a:r>
+            <a:endParaRPr lang="fr-FR" sz="2600" b="1" dirty="0" smtClean="0">
+              <a:ln w="1905"/>
+              <a:gradFill>
+                <a:gsLst>
+                  <a:gs pos="0">
+                    <a:schemeClr val="accent6">
+                      <a:shade val="20000"/>
+                      <a:satMod val="200000"/>
+                    </a:schemeClr>
+                  </a:gs>
+                  <a:gs pos="78000">
+                    <a:schemeClr val="accent6">
+                      <a:tint val="90000"/>
+                      <a:shade val="89000"/>
+                      <a:satMod val="220000"/>
+                    </a:schemeClr>
+                  </a:gs>
+                  <a:gs pos="100000">
+                    <a:schemeClr val="accent6">
+                      <a:tint val="12000"/>
+                      <a:satMod val="255000"/>
+                    </a:schemeClr>
+                  </a:gs>
+                </a:gsLst>
+                <a:lin ang="5400000"/>
+              </a:gradFill>
+              <a:effectLst>
+                <a:innerShdw blurRad="69850" dist="43180" dir="5400000">
+                  <a:srgbClr val="000000">
+                    <a:alpha val="65000"/>
+                  </a:srgbClr>
+                </a:innerShdw>
+                <a:reflection blurRad="6350" stA="55000" endA="300" endPos="45500" dir="5400000" sy="-100000" algn="bl" rotWithShape="0"/>
+              </a:effectLst>
+            </a:endParaRPr>
+          </a:p>
+          <a:p>
+            <a:pPr marL="274320" indent="-274320">
+              <a:spcBef>
+                <a:spcPct val="20000"/>
+              </a:spcBef>
+              <a:buClr>
+                <a:schemeClr val="accent3"/>
+              </a:buClr>
+              <a:buSzPct val="95000"/>
+            </a:pPr>
+            <a:endParaRPr lang="fr-FR" sz="2800" dirty="0" smtClean="0"/>
+          </a:p>
+          <a:p>
+            <a:pPr marL="731520" lvl="1" indent="-274320">
+              <a:spcBef>
+                <a:spcPct val="20000"/>
+              </a:spcBef>
+              <a:buClr>
+                <a:schemeClr val="accent3"/>
+              </a:buClr>
+              <a:buSzPct val="95000"/>
+              <a:buFont typeface="Arial" pitchFamily="34" charset="0"/>
+              <a:buChar char="•"/>
+            </a:pPr>
+            <a:r>
+              <a:rPr lang="fr-FR" sz="2800" dirty="0" smtClean="0"/>
+              <a:t>Sur un nœud un thread peut échanger avec des threads d’une même famille les informations qu’il a pu collecter sur le terrain</a:t>
+            </a:r>
+          </a:p>
+          <a:p>
+            <a:pPr marL="731520" lvl="1" indent="-274320">
+              <a:spcBef>
+                <a:spcPct val="20000"/>
+              </a:spcBef>
+              <a:buClr>
+                <a:schemeClr val="accent3"/>
+              </a:buClr>
+              <a:buSzPct val="95000"/>
+              <a:buFont typeface="Arial" pitchFamily="34" charset="0"/>
+              <a:buChar char="•"/>
+            </a:pPr>
+            <a:r>
+              <a:rPr lang="fr-FR" sz="2800" dirty="0" smtClean="0"/>
+              <a:t>L’échange peut se faire par fusion des informations</a:t>
+            </a:r>
+          </a:p>
+          <a:p>
+            <a:pPr marL="731520" lvl="1" indent="-274320">
+              <a:spcBef>
+                <a:spcPct val="20000"/>
+              </a:spcBef>
+              <a:buClr>
+                <a:schemeClr val="accent3"/>
+              </a:buClr>
+              <a:buSzPct val="95000"/>
+              <a:buFont typeface="Arial" pitchFamily="34" charset="0"/>
+              <a:buChar char="•"/>
+            </a:pPr>
+            <a:endParaRPr lang="fr-FR" sz="2800" dirty="0" smtClean="0"/>
+          </a:p>
+          <a:p>
+            <a:pPr marL="274320" marR="0" lvl="0" indent="-274320" algn="l" defTabSz="914400" rtl="0" eaLnBrk="1" fontAlgn="auto" latinLnBrk="0" hangingPunct="1">
+              <a:lnSpc>
+                <a:spcPct val="100000"/>
+              </a:lnSpc>
+              <a:spcBef>
+                <a:spcPct val="20000"/>
+              </a:spcBef>
+              <a:spcAft>
+                <a:spcPts val="0"/>
+              </a:spcAft>
+              <a:buClr>
+                <a:schemeClr val="accent3"/>
+              </a:buClr>
+              <a:buSzPct val="95000"/>
+              <a:buFont typeface="Wingdings 2"/>
+              <a:buNone/>
+              <a:tabLst/>
+              <a:defRPr/>
+            </a:pPr>
+            <a:endParaRPr kumimoji="0" lang="fr-FR" sz="2600" b="1" i="0" u="none" strike="noStrike" kern="1200" cap="none" spc="0" normalizeH="0" baseline="0" noProof="0" dirty="0" smtClean="0">
+              <a:ln w="1905"/>
+              <a:gradFill>
+                <a:gsLst>
+                  <a:gs pos="0">
+                    <a:schemeClr val="accent6">
+                      <a:shade val="20000"/>
+                      <a:satMod val="200000"/>
+                    </a:schemeClr>
+                  </a:gs>
+                  <a:gs pos="78000">
+                    <a:schemeClr val="accent6">
+                      <a:tint val="90000"/>
+                      <a:shade val="89000"/>
+                      <a:satMod val="220000"/>
+                    </a:schemeClr>
+                  </a:gs>
+                  <a:gs pos="100000">
+                    <a:schemeClr val="accent6">
+                      <a:tint val="12000"/>
+                      <a:satMod val="255000"/>
+                    </a:schemeClr>
+                  </a:gs>
+                </a:gsLst>
+                <a:lin ang="5400000"/>
+              </a:gradFill>
+              <a:effectLst>
+                <a:innerShdw blurRad="69850" dist="43180" dir="5400000">
+                  <a:srgbClr val="000000">
+                    <a:alpha val="65000"/>
+                  </a:srgbClr>
+                </a:innerShdw>
+                <a:reflection blurRad="6350" stA="55000" endA="300" endPos="45500" dir="5400000" sy="-100000" algn="bl" rotWithShape="0"/>
+              </a:effectLst>
+              <a:uLnTx/>
+              <a:uFillTx/>
+              <a:latin typeface="+mn-lt"/>
+              <a:ea typeface="+mn-ea"/>
+              <a:cs typeface="+mn-cs"/>
+            </a:endParaRPr>
+          </a:p>
+          <a:p>
+            <a:pPr marL="274320" marR="0" lvl="0" indent="-274320" algn="l" defTabSz="914400" rtl="0" eaLnBrk="1" fontAlgn="auto" latinLnBrk="0" hangingPunct="1">
+              <a:lnSpc>
+                <a:spcPct val="100000"/>
+              </a:lnSpc>
+              <a:spcBef>
+                <a:spcPct val="20000"/>
+              </a:spcBef>
+              <a:spcAft>
+                <a:spcPts val="0"/>
+              </a:spcAft>
+              <a:buClr>
+                <a:schemeClr val="accent3"/>
+              </a:buClr>
+              <a:buSzPct val="95000"/>
+              <a:buFont typeface="Wingdings 2"/>
+              <a:buNone/>
+              <a:tabLst/>
+              <a:defRPr/>
+            </a:pPr>
+            <a:endParaRPr kumimoji="0" lang="fr-FR" sz="2600" b="1" i="0" u="none" strike="noStrike" kern="1200" cap="none" spc="0" normalizeH="0" baseline="0" noProof="0" dirty="0" smtClean="0">
+              <a:ln w="1905"/>
+              <a:gradFill>
+                <a:gsLst>
+                  <a:gs pos="0">
+                    <a:schemeClr val="accent6">
+                      <a:shade val="20000"/>
+                      <a:satMod val="200000"/>
+                    </a:schemeClr>
+                  </a:gs>
+                  <a:gs pos="78000">
+                    <a:schemeClr val="accent6">
+                      <a:tint val="90000"/>
+                      <a:shade val="89000"/>
+                      <a:satMod val="220000"/>
+                    </a:schemeClr>
+                  </a:gs>
+                  <a:gs pos="100000">
+                    <a:schemeClr val="accent6">
+                      <a:tint val="12000"/>
+                      <a:satMod val="255000"/>
+                    </a:schemeClr>
+                  </a:gs>
+                </a:gsLst>
+                <a:lin ang="5400000"/>
+              </a:gradFill>
+              <a:effectLst>
+                <a:innerShdw blurRad="69850" dist="43180" dir="5400000">
+                  <a:srgbClr val="000000">
+                    <a:alpha val="65000"/>
+                  </a:srgbClr>
+                </a:innerShdw>
+                <a:reflection blurRad="6350" stA="55000" endA="300" endPos="45500" dir="5400000" sy="-100000" algn="bl" rotWithShape="0"/>
+              </a:effectLst>
+              <a:uLnTx/>
+              <a:uFillTx/>
+              <a:latin typeface="+mn-lt"/>
+              <a:ea typeface="+mn-ea"/>
+              <a:cs typeface="+mn-cs"/>
+            </a:endParaRPr>
+          </a:p>
+          <a:p>
+            <a:pPr marL="274320" marR="0" lvl="0" indent="-274320" algn="l" defTabSz="914400" rtl="0" eaLnBrk="1" fontAlgn="auto" latinLnBrk="0" hangingPunct="1">
+              <a:lnSpc>
+                <a:spcPct val="100000"/>
+              </a:lnSpc>
+              <a:spcBef>
+                <a:spcPct val="20000"/>
+              </a:spcBef>
+              <a:spcAft>
+                <a:spcPts val="0"/>
+              </a:spcAft>
+              <a:buClr>
+                <a:schemeClr val="accent3"/>
+              </a:buClr>
+              <a:buSzPct val="95000"/>
+              <a:buFont typeface="Wingdings 2"/>
+              <a:buNone/>
+              <a:tabLst/>
+              <a:defRPr/>
+            </a:pPr>
+            <a:endParaRPr kumimoji="0" lang="fr-FR" sz="2600" b="1" i="0" u="none" strike="noStrike" kern="1200" cap="none" spc="0" normalizeH="0" baseline="0" noProof="0" dirty="0" smtClean="0">
+              <a:ln w="1905"/>
+              <a:gradFill>
+                <a:gsLst>
+                  <a:gs pos="0">
+                    <a:schemeClr val="accent6">
+                      <a:shade val="20000"/>
+                      <a:satMod val="200000"/>
+                    </a:schemeClr>
+                  </a:gs>
+                  <a:gs pos="78000">
+                    <a:schemeClr val="accent6">
+                      <a:tint val="90000"/>
+                      <a:shade val="89000"/>
+                      <a:satMod val="220000"/>
+                    </a:schemeClr>
+                  </a:gs>
+                  <a:gs pos="100000">
+                    <a:schemeClr val="accent6">
+                      <a:tint val="12000"/>
+                      <a:satMod val="255000"/>
+                    </a:schemeClr>
+                  </a:gs>
+                </a:gsLst>
+                <a:lin ang="5400000"/>
+              </a:gradFill>
+              <a:effectLst>
+                <a:innerShdw blurRad="69850" dist="43180" dir="5400000">
+                  <a:srgbClr val="000000">
+                    <a:alpha val="65000"/>
+                  </a:srgbClr>
+                </a:innerShdw>
+                <a:reflection blurRad="6350" stA="55000" endA="300" endPos="45500" dir="5400000" sy="-100000" algn="bl" rotWithShape="0"/>
+              </a:effectLst>
+              <a:uLnTx/>
+              <a:uFillTx/>
+              <a:latin typeface="+mn-lt"/>
+              <a:ea typeface="+mn-ea"/>
+              <a:cs typeface="+mn-cs"/>
+            </a:endParaRPr>
+          </a:p>
+          <a:p>
+            <a:pPr marL="640080" marR="0" lvl="1" indent="-246888" algn="l" defTabSz="914400" rtl="0" eaLnBrk="1" fontAlgn="auto" latinLnBrk="0" hangingPunct="1">
+              <a:lnSpc>
+                <a:spcPct val="100000"/>
+              </a:lnSpc>
+              <a:spcBef>
+                <a:spcPct val="20000"/>
+              </a:spcBef>
+              <a:spcAft>
+                <a:spcPts val="0"/>
+              </a:spcAft>
+              <a:buClr>
+                <a:schemeClr val="accent1"/>
+              </a:buClr>
+              <a:buSzPct val="85000"/>
+              <a:buFont typeface="Wingdings 2"/>
+              <a:buChar char=""/>
+              <a:tabLst/>
+              <a:defRPr/>
+            </a:pPr>
+            <a:endParaRPr kumimoji="0" lang="fr-FR" sz="2400" b="1" i="0" u="none" strike="noStrike" kern="1200" cap="none" spc="0" normalizeH="0" baseline="0" noProof="0" dirty="0" smtClean="0">
+              <a:ln w="1905"/>
+              <a:gradFill>
+                <a:gsLst>
+                  <a:gs pos="0">
+                    <a:schemeClr val="accent6">
+                      <a:shade val="20000"/>
+                      <a:satMod val="200000"/>
+                    </a:schemeClr>
+                  </a:gs>
+                  <a:gs pos="78000">
+                    <a:schemeClr val="accent6">
+                      <a:tint val="90000"/>
+                      <a:shade val="89000"/>
+                      <a:satMod val="220000"/>
+                    </a:schemeClr>
+                  </a:gs>
+                  <a:gs pos="100000">
+                    <a:schemeClr val="accent6">
+                      <a:tint val="12000"/>
+                      <a:satMod val="255000"/>
+                    </a:schemeClr>
+                  </a:gs>
+                </a:gsLst>
+                <a:lin ang="5400000"/>
+              </a:gradFill>
+              <a:effectLst>
+                <a:innerShdw blurRad="69850" dist="43180" dir="5400000">
+                  <a:srgbClr val="000000">
+                    <a:alpha val="65000"/>
+                  </a:srgbClr>
+                </a:innerShdw>
+                <a:reflection blurRad="6350" stA="55000" endA="300" endPos="45500" dir="5400000" sy="-100000" algn="bl" rotWithShape="0"/>
+              </a:effectLst>
+              <a:uLnTx/>
+              <a:uFillTx/>
+              <a:latin typeface="+mn-lt"/>
+              <a:ea typeface="+mn-ea"/>
+              <a:cs typeface="+mn-cs"/>
+            </a:endParaRPr>
+          </a:p>
+          <a:p>
+            <a:pPr marL="274320" marR="0" lvl="0" indent="-274320" algn="l" defTabSz="914400" rtl="0" eaLnBrk="1" fontAlgn="auto" latinLnBrk="0" hangingPunct="1">
+              <a:lnSpc>
+                <a:spcPct val="100000"/>
+              </a:lnSpc>
+              <a:spcBef>
+                <a:spcPct val="20000"/>
+              </a:spcBef>
+              <a:spcAft>
+                <a:spcPts val="0"/>
+              </a:spcAft>
+              <a:buClr>
+                <a:schemeClr val="accent3"/>
+              </a:buClr>
+              <a:buSzPct val="95000"/>
+              <a:buFont typeface="Wingdings 2"/>
+              <a:buChar char=""/>
+              <a:tabLst/>
+              <a:defRPr/>
+            </a:pPr>
+            <a:endParaRPr kumimoji="0" lang="fr-FR" sz="2600" b="0" i="0" u="none" strike="noStrike" kern="1200" cap="none" spc="0" normalizeH="0" baseline="0" noProof="0" dirty="0">
+              <a:ln>
+                <a:noFill/>
+              </a:ln>
+              <a:solidFill>
+                <a:schemeClr val="tx1"/>
+              </a:solidFill>
+              <a:effectLst/>
+              <a:uLnTx/>
+              <a:uFillTx/>
+              <a:latin typeface="+mn-lt"/>
+              <a:ea typeface="+mn-ea"/>
+              <a:cs typeface="+mn-cs"/>
+            </a:endParaRPr>
+          </a:p>
+        </p:txBody>
+      </p:sp>
+    </p:spTree>
+  </p:cSld>
+  <p:clrMapOvr>
+    <a:masterClrMapping/>
+  </p:clrMapOvr>
+  <p:transition>
+    <p:fade/>
+  </p:transition>
+</p:sld>
+</file>
+
+<file path=ppt/slides/slide16.xml><?xml version="1.0" encoding="utf-8"?>
+<p:sld xmlns:a="http://schemas.openxmlformats.org/drawingml/2006/main" xmlns:r="http://schemas.openxmlformats.org/officeDocument/2006/relationships" xmlns:p="http://schemas.openxmlformats.org/presentationml/2006/main">
+  <p:cSld>
+    <p:spTree>
+      <p:nvGrpSpPr>
+        <p:cNvPr id="1" name=""/>
+        <p:cNvGrpSpPr/>
+        <p:nvPr/>
+      </p:nvGrpSpPr>
+      <p:grpSpPr>
+        <a:xfrm>
+          <a:off x="0" y="0"/>
+          <a:ext cx="0" cy="0"/>
+          <a:chOff x="0" y="0"/>
+          <a:chExt cx="0" cy="0"/>
+        </a:xfrm>
+      </p:grpSpPr>
+      <p:sp>
+        <p:nvSpPr>
+          <p:cNvPr id="2" name="Titre 1"/>
+          <p:cNvSpPr>
+            <a:spLocks noGrp="1"/>
+          </p:cNvSpPr>
+          <p:nvPr>
+            <p:ph type="title"/>
+          </p:nvPr>
+        </p:nvSpPr>
+        <p:spPr/>
+        <p:txBody>
+          <a:bodyPr/>
+          <a:lstStyle/>
+          <a:p>
+            <a:r>
+              <a:rPr lang="fr-FR" b="1" dirty="0" smtClean="0">
+                <a:ln w="1905"/>
+                <a:gradFill>
+                  <a:gsLst>
+                    <a:gs pos="0">
+                      <a:schemeClr val="accent6">
+                        <a:shade val="20000"/>
+                        <a:satMod val="200000"/>
+                      </a:schemeClr>
+                    </a:gs>
+                    <a:gs pos="78000">
+                      <a:schemeClr val="accent6">
+                        <a:tint val="90000"/>
+                        <a:shade val="89000"/>
+                        <a:satMod val="220000"/>
+                      </a:schemeClr>
+                    </a:gs>
+                    <a:gs pos="100000">
+                      <a:schemeClr val="accent6">
+                        <a:tint val="12000"/>
+                        <a:satMod val="255000"/>
+                      </a:schemeClr>
+                    </a:gs>
+                  </a:gsLst>
+                  <a:lin ang="5400000"/>
+                </a:gradFill>
+                <a:effectLst>
+                  <a:innerShdw blurRad="69850" dist="43180" dir="5400000">
+                    <a:srgbClr val="000000">
+                      <a:alpha val="65000"/>
+                    </a:srgbClr>
+                  </a:innerShdw>
+                  <a:reflection blurRad="6350" stA="55000" endA="300" endPos="45500" dir="5400000" sy="-100000" algn="bl" rotWithShape="0"/>
+                </a:effectLst>
+              </a:rPr>
+              <a:t>I.A des </a:t>
+            </a:r>
+            <a:r>
+              <a:rPr lang="fr-FR" b="1" dirty="0" err="1" smtClean="0">
+                <a:ln w="1905"/>
+                <a:gradFill>
+                  <a:gsLst>
+                    <a:gs pos="0">
+                      <a:schemeClr val="accent6">
+                        <a:shade val="20000"/>
+                        <a:satMod val="200000"/>
+                      </a:schemeClr>
+                    </a:gs>
+                    <a:gs pos="78000">
+                      <a:schemeClr val="accent6">
+                        <a:tint val="90000"/>
+                        <a:shade val="89000"/>
+                        <a:satMod val="220000"/>
+                      </a:schemeClr>
+                    </a:gs>
+                    <a:gs pos="100000">
+                      <a:schemeClr val="accent6">
+                        <a:tint val="12000"/>
+                        <a:satMod val="255000"/>
+                      </a:schemeClr>
+                    </a:gs>
+                  </a:gsLst>
+                  <a:lin ang="5400000"/>
+                </a:gradFill>
+                <a:effectLst>
+                  <a:innerShdw blurRad="69850" dist="43180" dir="5400000">
+                    <a:srgbClr val="000000">
+                      <a:alpha val="65000"/>
+                    </a:srgbClr>
+                  </a:innerShdw>
+                  <a:reflection blurRad="6350" stA="55000" endA="300" endPos="45500" dir="5400000" sy="-100000" algn="bl" rotWithShape="0"/>
+                </a:effectLst>
+              </a:rPr>
+              <a:t>warriors</a:t>
+            </a:r>
+            <a:r>
+              <a:rPr lang="fr-FR" b="1" dirty="0" smtClean="0">
+                <a:ln w="1905"/>
+                <a:gradFill>
+                  <a:gsLst>
+                    <a:gs pos="0">
+                      <a:schemeClr val="accent6">
+                        <a:shade val="20000"/>
+                        <a:satMod val="200000"/>
+                      </a:schemeClr>
+                    </a:gs>
+                    <a:gs pos="78000">
+                      <a:schemeClr val="accent6">
+                        <a:tint val="90000"/>
+                        <a:shade val="89000"/>
+                        <a:satMod val="220000"/>
+                      </a:schemeClr>
+                    </a:gs>
+                    <a:gs pos="100000">
+                      <a:schemeClr val="accent6">
+                        <a:tint val="12000"/>
+                        <a:satMod val="255000"/>
+                      </a:schemeClr>
+                    </a:gs>
+                  </a:gsLst>
+                  <a:lin ang="5400000"/>
+                </a:gradFill>
+                <a:effectLst>
+                  <a:innerShdw blurRad="69850" dist="43180" dir="5400000">
+                    <a:srgbClr val="000000">
+                      <a:alpha val="65000"/>
+                    </a:srgbClr>
+                  </a:innerShdw>
+                  <a:reflection blurRad="6350" stA="55000" endA="300" endPos="45500" dir="5400000" sy="-100000" algn="bl" rotWithShape="0"/>
+                </a:effectLst>
+              </a:rPr>
+              <a:t> </a:t>
+            </a:r>
+            <a:endParaRPr lang="fr-FR" dirty="0"/>
+          </a:p>
+        </p:txBody>
+      </p:sp>
+      <p:sp>
+        <p:nvSpPr>
+          <p:cNvPr id="8" name="Espace réservé du contenu 2"/>
+          <p:cNvSpPr txBox="1">
+            <a:spLocks/>
+          </p:cNvSpPr>
+          <p:nvPr/>
+        </p:nvSpPr>
+        <p:spPr>
+          <a:xfrm>
+            <a:off x="457200" y="1935480"/>
+            <a:ext cx="8229600" cy="4389120"/>
+          </a:xfrm>
+          <a:prstGeom prst="rect">
+            <a:avLst/>
+          </a:prstGeom>
+        </p:spPr>
+        <p:txBody>
+          <a:bodyPr vert="horz">
+            <a:normAutofit/>
+          </a:bodyPr>
+          <a:lstStyle/>
+          <a:p>
+            <a:pPr marL="274320" marR="0" lvl="0" indent="-274320" algn="l" defTabSz="914400" rtl="0" eaLnBrk="1" fontAlgn="auto" latinLnBrk="0" hangingPunct="1">
+              <a:lnSpc>
+                <a:spcPct val="100000"/>
+              </a:lnSpc>
+              <a:spcBef>
+                <a:spcPct val="20000"/>
+              </a:spcBef>
+              <a:spcAft>
+                <a:spcPts val="0"/>
+              </a:spcAft>
+              <a:buClr>
+                <a:schemeClr val="accent3"/>
+              </a:buClr>
+              <a:buSzPct val="95000"/>
+              <a:buFont typeface="Wingdings 2"/>
+              <a:buNone/>
+              <a:tabLst/>
+              <a:defRPr/>
+            </a:pPr>
+            <a:r>
+              <a:rPr kumimoji="0" lang="fr-FR" sz="2800" b="1" i="0" u="none" strike="noStrike" kern="1200" cap="none" spc="0" normalizeH="0" baseline="0" noProof="0" dirty="0" smtClean="0">
+                <a:ln w="1905"/>
+                <a:gradFill>
+                  <a:gsLst>
+                    <a:gs pos="0">
+                      <a:schemeClr val="accent6">
+                        <a:shade val="20000"/>
+                        <a:satMod val="200000"/>
+                      </a:schemeClr>
+                    </a:gs>
+                    <a:gs pos="78000">
+                      <a:schemeClr val="accent6">
+                        <a:tint val="90000"/>
+                        <a:shade val="89000"/>
+                        <a:satMod val="220000"/>
+                      </a:schemeClr>
+                    </a:gs>
+                    <a:gs pos="100000">
+                      <a:schemeClr val="accent6">
+                        <a:tint val="12000"/>
+                        <a:satMod val="255000"/>
+                      </a:schemeClr>
+                    </a:gs>
+                  </a:gsLst>
+                  <a:lin ang="5400000"/>
+                </a:gradFill>
+                <a:effectLst>
+                  <a:innerShdw blurRad="69850" dist="43180" dir="5400000">
+                    <a:srgbClr val="000000">
+                      <a:alpha val="65000"/>
+                    </a:srgbClr>
+                  </a:innerShdw>
+                  <a:reflection blurRad="6350" stA="55000" endA="300" endPos="45500" dir="5400000" sy="-100000" algn="bl" rotWithShape="0"/>
+                </a:effectLst>
+                <a:uLnTx/>
+                <a:uFillTx/>
+                <a:latin typeface="+mn-lt"/>
+                <a:ea typeface="+mn-ea"/>
+                <a:cs typeface="+mn-cs"/>
+              </a:rPr>
+              <a:t>II/ Récoltes d’informations</a:t>
+            </a:r>
+          </a:p>
+          <a:p>
+            <a:pPr marL="274320" marR="0" lvl="0" indent="-274320" algn="l" defTabSz="914400" rtl="0" eaLnBrk="1" fontAlgn="auto" latinLnBrk="0" hangingPunct="1">
+              <a:lnSpc>
+                <a:spcPct val="100000"/>
+              </a:lnSpc>
+              <a:spcBef>
+                <a:spcPct val="20000"/>
+              </a:spcBef>
+              <a:spcAft>
+                <a:spcPts val="0"/>
+              </a:spcAft>
+              <a:buClr>
+                <a:schemeClr val="accent3"/>
+              </a:buClr>
+              <a:buSzPct val="95000"/>
+              <a:buFont typeface="Wingdings 2"/>
+              <a:buNone/>
+              <a:tabLst/>
+              <a:defRPr/>
+            </a:pPr>
+            <a:endParaRPr kumimoji="0" lang="fr-FR" sz="2600" b="1" i="0" u="none" strike="noStrike" kern="1200" cap="none" spc="0" normalizeH="0" baseline="0" noProof="0" dirty="0" smtClean="0">
+              <a:ln w="1905"/>
+              <a:gradFill>
+                <a:gsLst>
+                  <a:gs pos="0">
+                    <a:schemeClr val="accent6">
+                      <a:shade val="20000"/>
+                      <a:satMod val="200000"/>
+                    </a:schemeClr>
+                  </a:gs>
+                  <a:gs pos="78000">
+                    <a:schemeClr val="accent6">
+                      <a:tint val="90000"/>
+                      <a:shade val="89000"/>
+                      <a:satMod val="220000"/>
+                    </a:schemeClr>
+                  </a:gs>
+                  <a:gs pos="100000">
+                    <a:schemeClr val="accent6">
+                      <a:tint val="12000"/>
+                      <a:satMod val="255000"/>
+                    </a:schemeClr>
+                  </a:gs>
+                </a:gsLst>
+                <a:lin ang="5400000"/>
+              </a:gradFill>
+              <a:effectLst>
+                <a:innerShdw blurRad="69850" dist="43180" dir="5400000">
+                  <a:srgbClr val="000000">
+                    <a:alpha val="65000"/>
+                  </a:srgbClr>
+                </a:innerShdw>
+                <a:reflection blurRad="6350" stA="55000" endA="300" endPos="45500" dir="5400000" sy="-100000" algn="bl" rotWithShape="0"/>
+              </a:effectLst>
+              <a:uLnTx/>
+              <a:uFillTx/>
+              <a:latin typeface="+mn-lt"/>
+              <a:ea typeface="+mn-ea"/>
+              <a:cs typeface="+mn-cs"/>
+            </a:endParaRPr>
+          </a:p>
+          <a:p>
+            <a:pPr marL="274320" lvl="0" indent="-274320">
+              <a:spcBef>
+                <a:spcPct val="20000"/>
+              </a:spcBef>
+              <a:buClr>
+                <a:schemeClr val="accent3"/>
+              </a:buClr>
+              <a:buSzPct val="95000"/>
+            </a:pPr>
+            <a:endParaRPr lang="fr-FR" sz="2800" dirty="0" smtClean="0"/>
+          </a:p>
+          <a:p>
+            <a:pPr marL="274320" marR="0" lvl="0" indent="-274320" algn="l" defTabSz="914400" rtl="0" eaLnBrk="1" fontAlgn="auto" latinLnBrk="0" hangingPunct="1">
+              <a:lnSpc>
+                <a:spcPct val="100000"/>
+              </a:lnSpc>
+              <a:spcBef>
+                <a:spcPct val="20000"/>
+              </a:spcBef>
+              <a:spcAft>
+                <a:spcPts val="0"/>
+              </a:spcAft>
+              <a:buClr>
+                <a:schemeClr val="accent3"/>
+              </a:buClr>
+              <a:buSzPct val="95000"/>
+              <a:buFont typeface="Wingdings 2"/>
+              <a:buNone/>
+              <a:tabLst/>
+              <a:defRPr/>
+            </a:pPr>
+            <a:endParaRPr kumimoji="0" lang="fr-FR" sz="2600" b="1" i="0" u="none" strike="noStrike" kern="1200" cap="none" spc="0" normalizeH="0" baseline="0" noProof="0" dirty="0" smtClean="0">
+              <a:ln w="1905"/>
+              <a:gradFill>
+                <a:gsLst>
+                  <a:gs pos="0">
+                    <a:schemeClr val="accent6">
+                      <a:shade val="20000"/>
+                      <a:satMod val="200000"/>
+                    </a:schemeClr>
+                  </a:gs>
+                  <a:gs pos="78000">
+                    <a:schemeClr val="accent6">
+                      <a:tint val="90000"/>
+                      <a:shade val="89000"/>
+                      <a:satMod val="220000"/>
+                    </a:schemeClr>
+                  </a:gs>
+                  <a:gs pos="100000">
+                    <a:schemeClr val="accent6">
+                      <a:tint val="12000"/>
+                      <a:satMod val="255000"/>
+                    </a:schemeClr>
+                  </a:gs>
+                </a:gsLst>
+                <a:lin ang="5400000"/>
+              </a:gradFill>
+              <a:effectLst>
+                <a:innerShdw blurRad="69850" dist="43180" dir="5400000">
+                  <a:srgbClr val="000000">
+                    <a:alpha val="65000"/>
+                  </a:srgbClr>
+                </a:innerShdw>
+                <a:reflection blurRad="6350" stA="55000" endA="300" endPos="45500" dir="5400000" sy="-100000" algn="bl" rotWithShape="0"/>
+              </a:effectLst>
+              <a:uLnTx/>
+              <a:uFillTx/>
+              <a:latin typeface="+mn-lt"/>
+              <a:ea typeface="+mn-ea"/>
+              <a:cs typeface="+mn-cs"/>
+            </a:endParaRPr>
+          </a:p>
+          <a:p>
+            <a:pPr marL="274320" marR="0" lvl="0" indent="-274320" algn="l" defTabSz="914400" rtl="0" eaLnBrk="1" fontAlgn="auto" latinLnBrk="0" hangingPunct="1">
+              <a:lnSpc>
+                <a:spcPct val="100000"/>
+              </a:lnSpc>
+              <a:spcBef>
+                <a:spcPct val="20000"/>
+              </a:spcBef>
+              <a:spcAft>
+                <a:spcPts val="0"/>
+              </a:spcAft>
+              <a:buClr>
+                <a:schemeClr val="accent3"/>
+              </a:buClr>
+              <a:buSzPct val="95000"/>
+              <a:buFont typeface="Wingdings 2"/>
+              <a:buNone/>
+              <a:tabLst/>
+              <a:defRPr/>
+            </a:pPr>
+            <a:endParaRPr kumimoji="0" lang="fr-FR" sz="2600" b="1" i="0" u="none" strike="noStrike" kern="1200" cap="none" spc="0" normalizeH="0" baseline="0" noProof="0" dirty="0" smtClean="0">
+              <a:ln w="1905"/>
+              <a:gradFill>
+                <a:gsLst>
+                  <a:gs pos="0">
+                    <a:schemeClr val="accent6">
+                      <a:shade val="20000"/>
+                      <a:satMod val="200000"/>
+                    </a:schemeClr>
+                  </a:gs>
+                  <a:gs pos="78000">
+                    <a:schemeClr val="accent6">
+                      <a:tint val="90000"/>
+                      <a:shade val="89000"/>
+                      <a:satMod val="220000"/>
+                    </a:schemeClr>
+                  </a:gs>
+                  <a:gs pos="100000">
+                    <a:schemeClr val="accent6">
+                      <a:tint val="12000"/>
+                      <a:satMod val="255000"/>
+                    </a:schemeClr>
+                  </a:gs>
+                </a:gsLst>
+                <a:lin ang="5400000"/>
+              </a:gradFill>
+              <a:effectLst>
+                <a:innerShdw blurRad="69850" dist="43180" dir="5400000">
+                  <a:srgbClr val="000000">
+                    <a:alpha val="65000"/>
+                  </a:srgbClr>
+                </a:innerShdw>
+                <a:reflection blurRad="6350" stA="55000" endA="300" endPos="45500" dir="5400000" sy="-100000" algn="bl" rotWithShape="0"/>
+              </a:effectLst>
+              <a:uLnTx/>
+              <a:uFillTx/>
+              <a:latin typeface="+mn-lt"/>
+              <a:ea typeface="+mn-ea"/>
+              <a:cs typeface="+mn-cs"/>
+            </a:endParaRPr>
+          </a:p>
+          <a:p>
+            <a:pPr marL="274320" marR="0" lvl="0" indent="-274320" algn="l" defTabSz="914400" rtl="0" eaLnBrk="1" fontAlgn="auto" latinLnBrk="0" hangingPunct="1">
+              <a:lnSpc>
+                <a:spcPct val="100000"/>
+              </a:lnSpc>
+              <a:spcBef>
+                <a:spcPct val="20000"/>
+              </a:spcBef>
+              <a:spcAft>
+                <a:spcPts val="0"/>
+              </a:spcAft>
+              <a:buClr>
+                <a:schemeClr val="accent3"/>
+              </a:buClr>
+              <a:buSzPct val="95000"/>
+              <a:buFont typeface="Wingdings 2"/>
+              <a:buNone/>
+              <a:tabLst/>
+              <a:defRPr/>
+            </a:pPr>
+            <a:endParaRPr kumimoji="0" lang="fr-FR" sz="2600" b="1" i="0" u="none" strike="noStrike" kern="1200" cap="none" spc="0" normalizeH="0" baseline="0" noProof="0" dirty="0" smtClean="0">
+              <a:ln w="1905"/>
+              <a:gradFill>
+                <a:gsLst>
+                  <a:gs pos="0">
+                    <a:schemeClr val="accent6">
+                      <a:shade val="20000"/>
+                      <a:satMod val="200000"/>
+                    </a:schemeClr>
+                  </a:gs>
+                  <a:gs pos="78000">
+                    <a:schemeClr val="accent6">
+                      <a:tint val="90000"/>
+                      <a:shade val="89000"/>
+                      <a:satMod val="220000"/>
+                    </a:schemeClr>
+                  </a:gs>
+                  <a:gs pos="100000">
+                    <a:schemeClr val="accent6">
+                      <a:tint val="12000"/>
+                      <a:satMod val="255000"/>
+                    </a:schemeClr>
+                  </a:gs>
+                </a:gsLst>
+                <a:lin ang="5400000"/>
+              </a:gradFill>
+              <a:effectLst>
+                <a:innerShdw blurRad="69850" dist="43180" dir="5400000">
+                  <a:srgbClr val="000000">
+                    <a:alpha val="65000"/>
+                  </a:srgbClr>
+                </a:innerShdw>
+                <a:reflection blurRad="6350" stA="55000" endA="300" endPos="45500" dir="5400000" sy="-100000" algn="bl" rotWithShape="0"/>
+              </a:effectLst>
+              <a:uLnTx/>
+              <a:uFillTx/>
+              <a:latin typeface="+mn-lt"/>
+              <a:ea typeface="+mn-ea"/>
+              <a:cs typeface="+mn-cs"/>
+            </a:endParaRPr>
+          </a:p>
+          <a:p>
+            <a:pPr marL="640080" marR="0" lvl="1" indent="-246888" algn="l" defTabSz="914400" rtl="0" eaLnBrk="1" fontAlgn="auto" latinLnBrk="0" hangingPunct="1">
+              <a:lnSpc>
+                <a:spcPct val="100000"/>
+              </a:lnSpc>
+              <a:spcBef>
+                <a:spcPct val="20000"/>
+              </a:spcBef>
+              <a:spcAft>
+                <a:spcPts val="0"/>
+              </a:spcAft>
+              <a:buClr>
+                <a:schemeClr val="accent1"/>
+              </a:buClr>
+              <a:buSzPct val="85000"/>
+              <a:buFont typeface="Wingdings 2"/>
+              <a:buChar char=""/>
+              <a:tabLst/>
+              <a:defRPr/>
+            </a:pPr>
+            <a:endParaRPr kumimoji="0" lang="fr-FR" sz="2400" b="1" i="0" u="none" strike="noStrike" kern="1200" cap="none" spc="0" normalizeH="0" baseline="0" noProof="0" dirty="0" smtClean="0">
+              <a:ln w="1905"/>
+              <a:gradFill>
+                <a:gsLst>
+                  <a:gs pos="0">
+                    <a:schemeClr val="accent6">
+                      <a:shade val="20000"/>
+                      <a:satMod val="200000"/>
+                    </a:schemeClr>
+                  </a:gs>
+                  <a:gs pos="78000">
+                    <a:schemeClr val="accent6">
+                      <a:tint val="90000"/>
+                      <a:shade val="89000"/>
+                      <a:satMod val="220000"/>
+                    </a:schemeClr>
+                  </a:gs>
+                  <a:gs pos="100000">
+                    <a:schemeClr val="accent6">
+                      <a:tint val="12000"/>
+                      <a:satMod val="255000"/>
+                    </a:schemeClr>
+                  </a:gs>
+                </a:gsLst>
+                <a:lin ang="5400000"/>
+              </a:gradFill>
+              <a:effectLst>
+                <a:innerShdw blurRad="69850" dist="43180" dir="5400000">
+                  <a:srgbClr val="000000">
+                    <a:alpha val="65000"/>
+                  </a:srgbClr>
+                </a:innerShdw>
+                <a:reflection blurRad="6350" stA="55000" endA="300" endPos="45500" dir="5400000" sy="-100000" algn="bl" rotWithShape="0"/>
+              </a:effectLst>
+              <a:uLnTx/>
+              <a:uFillTx/>
+              <a:latin typeface="+mn-lt"/>
+              <a:ea typeface="+mn-ea"/>
+              <a:cs typeface="+mn-cs"/>
+            </a:endParaRPr>
+          </a:p>
+          <a:p>
+            <a:pPr marL="274320" marR="0" lvl="0" indent="-274320" algn="l" defTabSz="914400" rtl="0" eaLnBrk="1" fontAlgn="auto" latinLnBrk="0" hangingPunct="1">
+              <a:lnSpc>
+                <a:spcPct val="100000"/>
+              </a:lnSpc>
+              <a:spcBef>
+                <a:spcPct val="20000"/>
+              </a:spcBef>
+              <a:spcAft>
+                <a:spcPts val="0"/>
+              </a:spcAft>
+              <a:buClr>
+                <a:schemeClr val="accent3"/>
+              </a:buClr>
+              <a:buSzPct val="95000"/>
+              <a:buFont typeface="Wingdings 2"/>
+              <a:buChar char=""/>
+              <a:tabLst/>
+              <a:defRPr/>
+            </a:pPr>
+            <a:endParaRPr kumimoji="0" lang="fr-FR" sz="2600" b="0" i="0" u="none" strike="noStrike" kern="1200" cap="none" spc="0" normalizeH="0" baseline="0" noProof="0" dirty="0">
+              <a:ln>
+                <a:noFill/>
+              </a:ln>
+              <a:solidFill>
+                <a:schemeClr val="tx1"/>
+              </a:solidFill>
+              <a:effectLst/>
+              <a:uLnTx/>
+              <a:uFillTx/>
+              <a:latin typeface="+mn-lt"/>
+              <a:ea typeface="+mn-ea"/>
+              <a:cs typeface="+mn-cs"/>
+            </a:endParaRPr>
+          </a:p>
+        </p:txBody>
+      </p:sp>
+      <p:pic>
+        <p:nvPicPr>
+          <p:cNvPr id="4" name="table"/>
+          <p:cNvPicPr>
+            <a:picLocks noChangeAspect="1"/>
+          </p:cNvPicPr>
+          <p:nvPr/>
+        </p:nvPicPr>
+        <p:blipFill>
+          <a:blip r:embed="rId2"/>
+          <a:stretch>
+            <a:fillRect/>
+          </a:stretch>
+        </p:blipFill>
+        <p:spPr>
+          <a:xfrm>
+            <a:off x="1214414" y="2571744"/>
+            <a:ext cx="2209700" cy="1741420"/>
+          </a:xfrm>
+          <a:prstGeom prst="rect">
+            <a:avLst/>
+          </a:prstGeom>
+        </p:spPr>
+      </p:pic>
+      <p:pic>
+        <p:nvPicPr>
+          <p:cNvPr id="5" name="table"/>
+          <p:cNvPicPr>
+            <a:picLocks noChangeAspect="1"/>
+          </p:cNvPicPr>
+          <p:nvPr/>
+        </p:nvPicPr>
+        <p:blipFill>
+          <a:blip r:embed="rId3"/>
+          <a:stretch>
+            <a:fillRect/>
+          </a:stretch>
+        </p:blipFill>
+        <p:spPr>
+          <a:xfrm>
+            <a:off x="4714876" y="2571744"/>
+            <a:ext cx="2214578" cy="1741419"/>
+          </a:xfrm>
+          <a:prstGeom prst="rect">
+            <a:avLst/>
+          </a:prstGeom>
+        </p:spPr>
+      </p:pic>
+      <p:pic>
+        <p:nvPicPr>
+          <p:cNvPr id="6" name="table"/>
+          <p:cNvPicPr>
+            <a:picLocks noChangeAspect="1"/>
+          </p:cNvPicPr>
+          <p:nvPr/>
+        </p:nvPicPr>
+        <p:blipFill>
+          <a:blip r:embed="rId4"/>
+          <a:stretch>
+            <a:fillRect/>
+          </a:stretch>
+        </p:blipFill>
+        <p:spPr>
+          <a:xfrm>
+            <a:off x="3071802" y="4643446"/>
+            <a:ext cx="2214578" cy="1741419"/>
+          </a:xfrm>
+          <a:prstGeom prst="rect">
+            <a:avLst/>
+          </a:prstGeom>
+        </p:spPr>
+      </p:pic>
+      <p:sp>
+        <p:nvSpPr>
+          <p:cNvPr id="7" name="Égal 6"/>
+          <p:cNvSpPr/>
+          <p:nvPr/>
+        </p:nvSpPr>
+        <p:spPr>
+          <a:xfrm>
+            <a:off x="3500430" y="4071942"/>
+            <a:ext cx="1200331" cy="571504"/>
+          </a:xfrm>
+          <a:prstGeom prst="mathEqual">
+            <a:avLst/>
+          </a:prstGeom>
+        </p:spPr>
+        <p:style>
+          <a:lnRef idx="2">
+            <a:schemeClr val="accent1">
+              <a:shade val="50000"/>
+            </a:schemeClr>
+          </a:lnRef>
+          <a:fillRef idx="1">
+            <a:schemeClr val="accent1"/>
+          </a:fillRef>
+          <a:effectRef idx="0">
+            <a:schemeClr val="accent1"/>
+          </a:effectRef>
+          <a:fontRef idx="minor">
+            <a:schemeClr val="lt1"/>
+          </a:fontRef>
+        </p:style>
+        <p:txBody>
+          <a:bodyPr rtlCol="0" anchor="ctr"/>
+          <a:lstStyle>
+            <a:defPPr>
+              <a:defRPr lang="fr-FR"/>
+            </a:defPPr>
+            <a:lvl1pPr marL="0" algn="l" defTabSz="914400" rtl="0" eaLnBrk="1" latinLnBrk="0" hangingPunct="1">
+              <a:defRPr sz="1800" kern="1200">
+                <a:solidFill>
+                  <a:schemeClr val="lt1"/>
+                </a:solidFill>
+                <a:latin typeface="+mn-lt"/>
+                <a:ea typeface="+mn-ea"/>
+                <a:cs typeface="+mn-cs"/>
+              </a:defRPr>
+            </a:lvl1pPr>
+            <a:lvl2pPr marL="457200" algn="l" defTabSz="914400" rtl="0" eaLnBrk="1" latinLnBrk="0" hangingPunct="1">
+              <a:defRPr sz="1800" kern="1200">
+                <a:solidFill>
+                  <a:schemeClr val="lt1"/>
+                </a:solidFill>
+                <a:latin typeface="+mn-lt"/>
+                <a:ea typeface="+mn-ea"/>
+                <a:cs typeface="+mn-cs"/>
+              </a:defRPr>
+            </a:lvl2pPr>
+            <a:lvl3pPr marL="914400" algn="l" defTabSz="914400" rtl="0" eaLnBrk="1" latinLnBrk="0" hangingPunct="1">
+              <a:defRPr sz="1800" kern="1200">
+                <a:solidFill>
+                  <a:schemeClr val="lt1"/>
+                </a:solidFill>
+                <a:latin typeface="+mn-lt"/>
+                <a:ea typeface="+mn-ea"/>
+                <a:cs typeface="+mn-cs"/>
+              </a:defRPr>
+            </a:lvl3pPr>
+            <a:lvl4pPr marL="1371600" algn="l" defTabSz="914400" rtl="0" eaLnBrk="1" latinLnBrk="0" hangingPunct="1">
+              <a:defRPr sz="1800" kern="1200">
+                <a:solidFill>
+                  <a:schemeClr val="lt1"/>
+                </a:solidFill>
+                <a:latin typeface="+mn-lt"/>
+                <a:ea typeface="+mn-ea"/>
+                <a:cs typeface="+mn-cs"/>
+              </a:defRPr>
+            </a:lvl4pPr>
+            <a:lvl5pPr marL="1828800" algn="l" defTabSz="914400" rtl="0" eaLnBrk="1" latinLnBrk="0" hangingPunct="1">
+              <a:defRPr sz="1800" kern="1200">
+                <a:solidFill>
+                  <a:schemeClr val="lt1"/>
+                </a:solidFill>
+                <a:latin typeface="+mn-lt"/>
+                <a:ea typeface="+mn-ea"/>
+                <a:cs typeface="+mn-cs"/>
+              </a:defRPr>
+            </a:lvl5pPr>
+            <a:lvl6pPr marL="2286000" algn="l" defTabSz="914400" rtl="0" eaLnBrk="1" latinLnBrk="0" hangingPunct="1">
+              <a:defRPr sz="1800" kern="1200">
+                <a:solidFill>
+                  <a:schemeClr val="lt1"/>
+                </a:solidFill>
+                <a:latin typeface="+mn-lt"/>
+                <a:ea typeface="+mn-ea"/>
+                <a:cs typeface="+mn-cs"/>
+              </a:defRPr>
+            </a:lvl6pPr>
+            <a:lvl7pPr marL="2743200" algn="l" defTabSz="914400" rtl="0" eaLnBrk="1" latinLnBrk="0" hangingPunct="1">
+              <a:defRPr sz="1800" kern="1200">
+                <a:solidFill>
+                  <a:schemeClr val="lt1"/>
+                </a:solidFill>
+                <a:latin typeface="+mn-lt"/>
+                <a:ea typeface="+mn-ea"/>
+                <a:cs typeface="+mn-cs"/>
+              </a:defRPr>
+            </a:lvl7pPr>
+            <a:lvl8pPr marL="3200400" algn="l" defTabSz="914400" rtl="0" eaLnBrk="1" latinLnBrk="0" hangingPunct="1">
+              <a:defRPr sz="1800" kern="1200">
+                <a:solidFill>
+                  <a:schemeClr val="lt1"/>
+                </a:solidFill>
+                <a:latin typeface="+mn-lt"/>
+                <a:ea typeface="+mn-ea"/>
+                <a:cs typeface="+mn-cs"/>
+              </a:defRPr>
+            </a:lvl8pPr>
+            <a:lvl9pPr marL="3657600" algn="l" defTabSz="914400" rtl="0" eaLnBrk="1" latinLnBrk="0" hangingPunct="1">
+              <a:defRPr sz="1800" kern="1200">
+                <a:solidFill>
+                  <a:schemeClr val="lt1"/>
+                </a:solidFill>
+                <a:latin typeface="+mn-lt"/>
+                <a:ea typeface="+mn-ea"/>
+                <a:cs typeface="+mn-cs"/>
+              </a:defRPr>
+            </a:lvl9pPr>
+          </a:lstStyle>
+          <a:p>
+            <a:pPr algn="ctr"/>
+            <a:endParaRPr lang="fr-FR">
+              <a:solidFill>
+                <a:schemeClr val="tx1"/>
+              </a:solidFill>
+            </a:endParaRPr>
+          </a:p>
+        </p:txBody>
+      </p:sp>
+      <p:sp>
+        <p:nvSpPr>
+          <p:cNvPr id="9" name="Multiplier 8"/>
+          <p:cNvSpPr/>
+          <p:nvPr/>
+        </p:nvSpPr>
+        <p:spPr>
+          <a:xfrm>
+            <a:off x="3643306" y="3000372"/>
+            <a:ext cx="857257" cy="714381"/>
+          </a:xfrm>
+          <a:prstGeom prst="mathMultiply">
+            <a:avLst/>
+          </a:prstGeom>
+        </p:spPr>
+        <p:style>
+          <a:lnRef idx="2">
+            <a:schemeClr val="accent1">
+              <a:shade val="50000"/>
+            </a:schemeClr>
+          </a:lnRef>
+          <a:fillRef idx="1">
+            <a:schemeClr val="accent1"/>
+          </a:fillRef>
+          <a:effectRef idx="0">
+            <a:schemeClr val="accent1"/>
+          </a:effectRef>
+          <a:fontRef idx="minor">
+            <a:schemeClr val="lt1"/>
+          </a:fontRef>
+        </p:style>
+        <p:txBody>
+          <a:bodyPr rtlCol="0" anchor="ctr"/>
+          <a:lstStyle>
+            <a:defPPr>
+              <a:defRPr lang="fr-FR"/>
+            </a:defPPr>
+            <a:lvl1pPr marL="0" algn="l" defTabSz="914400" rtl="0" eaLnBrk="1" latinLnBrk="0" hangingPunct="1">
+              <a:defRPr sz="1800" kern="1200">
+                <a:solidFill>
+                  <a:schemeClr val="lt1"/>
+                </a:solidFill>
+                <a:latin typeface="+mn-lt"/>
+                <a:ea typeface="+mn-ea"/>
+                <a:cs typeface="+mn-cs"/>
+              </a:defRPr>
+            </a:lvl1pPr>
+            <a:lvl2pPr marL="457200" algn="l" defTabSz="914400" rtl="0" eaLnBrk="1" latinLnBrk="0" hangingPunct="1">
+              <a:defRPr sz="1800" kern="1200">
+                <a:solidFill>
+                  <a:schemeClr val="lt1"/>
+                </a:solidFill>
+                <a:latin typeface="+mn-lt"/>
+                <a:ea typeface="+mn-ea"/>
+                <a:cs typeface="+mn-cs"/>
+              </a:defRPr>
+            </a:lvl2pPr>
+            <a:lvl3pPr marL="914400" algn="l" defTabSz="914400" rtl="0" eaLnBrk="1" latinLnBrk="0" hangingPunct="1">
+              <a:defRPr sz="1800" kern="1200">
+                <a:solidFill>
+                  <a:schemeClr val="lt1"/>
+                </a:solidFill>
+                <a:latin typeface="+mn-lt"/>
+                <a:ea typeface="+mn-ea"/>
+                <a:cs typeface="+mn-cs"/>
+              </a:defRPr>
+            </a:lvl3pPr>
+            <a:lvl4pPr marL="1371600" algn="l" defTabSz="914400" rtl="0" eaLnBrk="1" latinLnBrk="0" hangingPunct="1">
+              <a:defRPr sz="1800" kern="1200">
+                <a:solidFill>
+                  <a:schemeClr val="lt1"/>
+                </a:solidFill>
+                <a:latin typeface="+mn-lt"/>
+                <a:ea typeface="+mn-ea"/>
+                <a:cs typeface="+mn-cs"/>
+              </a:defRPr>
+            </a:lvl4pPr>
+            <a:lvl5pPr marL="1828800" algn="l" defTabSz="914400" rtl="0" eaLnBrk="1" latinLnBrk="0" hangingPunct="1">
+              <a:defRPr sz="1800" kern="1200">
+                <a:solidFill>
+                  <a:schemeClr val="lt1"/>
+                </a:solidFill>
+                <a:latin typeface="+mn-lt"/>
+                <a:ea typeface="+mn-ea"/>
+                <a:cs typeface="+mn-cs"/>
+              </a:defRPr>
+            </a:lvl5pPr>
+            <a:lvl6pPr marL="2286000" algn="l" defTabSz="914400" rtl="0" eaLnBrk="1" latinLnBrk="0" hangingPunct="1">
+              <a:defRPr sz="1800" kern="1200">
+                <a:solidFill>
+                  <a:schemeClr val="lt1"/>
+                </a:solidFill>
+                <a:latin typeface="+mn-lt"/>
+                <a:ea typeface="+mn-ea"/>
+                <a:cs typeface="+mn-cs"/>
+              </a:defRPr>
+            </a:lvl6pPr>
+            <a:lvl7pPr marL="2743200" algn="l" defTabSz="914400" rtl="0" eaLnBrk="1" latinLnBrk="0" hangingPunct="1">
+              <a:defRPr sz="1800" kern="1200">
+                <a:solidFill>
+                  <a:schemeClr val="lt1"/>
+                </a:solidFill>
+                <a:latin typeface="+mn-lt"/>
+                <a:ea typeface="+mn-ea"/>
+                <a:cs typeface="+mn-cs"/>
+              </a:defRPr>
+            </a:lvl7pPr>
+            <a:lvl8pPr marL="3200400" algn="l" defTabSz="914400" rtl="0" eaLnBrk="1" latinLnBrk="0" hangingPunct="1">
+              <a:defRPr sz="1800" kern="1200">
+                <a:solidFill>
+                  <a:schemeClr val="lt1"/>
+                </a:solidFill>
+                <a:latin typeface="+mn-lt"/>
+                <a:ea typeface="+mn-ea"/>
+                <a:cs typeface="+mn-cs"/>
+              </a:defRPr>
+            </a:lvl8pPr>
+            <a:lvl9pPr marL="3657600" algn="l" defTabSz="914400" rtl="0" eaLnBrk="1" latinLnBrk="0" hangingPunct="1">
+              <a:defRPr sz="1800" kern="1200">
+                <a:solidFill>
+                  <a:schemeClr val="lt1"/>
+                </a:solidFill>
+                <a:latin typeface="+mn-lt"/>
+                <a:ea typeface="+mn-ea"/>
+                <a:cs typeface="+mn-cs"/>
+              </a:defRPr>
+            </a:lvl9pPr>
+          </a:lstStyle>
+          <a:p>
+            <a:pPr algn="ctr"/>
+            <a:endParaRPr lang="fr-FR"/>
+          </a:p>
+        </p:txBody>
+      </p:sp>
+      <p:sp>
+        <p:nvSpPr>
+          <p:cNvPr id="15" name="ZoneTexte 14"/>
+          <p:cNvSpPr txBox="1"/>
+          <p:nvPr/>
+        </p:nvSpPr>
+        <p:spPr>
+          <a:xfrm>
+            <a:off x="1428728" y="6488668"/>
+            <a:ext cx="5429288" cy="369332"/>
+          </a:xfrm>
+          <a:prstGeom prst="rect">
+            <a:avLst/>
+          </a:prstGeom>
+        </p:spPr>
+        <p:style>
+          <a:lnRef idx="2">
+            <a:schemeClr val="accent1"/>
+          </a:lnRef>
+          <a:fillRef idx="1">
+            <a:schemeClr val="lt1"/>
+          </a:fillRef>
+          <a:effectRef idx="0">
+            <a:schemeClr val="accent1"/>
+          </a:effectRef>
+          <a:fontRef idx="minor">
+            <a:schemeClr val="dk1"/>
+          </a:fontRef>
+        </p:style>
+        <p:txBody>
+          <a:bodyPr wrap="square" rtlCol="0">
+            <a:spAutoFit/>
+          </a:bodyPr>
+          <a:lstStyle/>
+          <a:p>
+            <a:r>
+              <a:rPr lang="fr-FR" dirty="0" smtClean="0">
+                <a:latin typeface="Arial" pitchFamily="34" charset="0"/>
+              </a:rPr>
+              <a:t>Recoupement d’informations entre deux threads</a:t>
+            </a:r>
+            <a:endParaRPr lang="fr-FR" dirty="0">
+              <a:latin typeface="Arial" pitchFamily="34" charset="0"/>
+            </a:endParaRPr>
+          </a:p>
+        </p:txBody>
+      </p:sp>
+    </p:spTree>
+  </p:cSld>
+  <p:clrMapOvr>
+    <a:masterClrMapping/>
+  </p:clrMapOvr>
+  <p:transition>
+    <p:fade/>
+  </p:transition>
+</p:sld>
+</file>
+
+<file path=ppt/slides/slide17.xml><?xml version="1.0" encoding="utf-8"?>
+<p:sld xmlns:a="http://schemas.openxmlformats.org/drawingml/2006/main" xmlns:r="http://schemas.openxmlformats.org/officeDocument/2006/relationships" xmlns:p="http://schemas.openxmlformats.org/presentationml/2006/main">
+  <p:cSld>
+    <p:spTree>
+      <p:nvGrpSpPr>
+        <p:cNvPr id="1" name=""/>
+        <p:cNvGrpSpPr/>
+        <p:nvPr/>
+      </p:nvGrpSpPr>
+      <p:grpSpPr>
+        <a:xfrm>
+          <a:off x="0" y="0"/>
+          <a:ext cx="0" cy="0"/>
+          <a:chOff x="0" y="0"/>
+          <a:chExt cx="0" cy="0"/>
+        </a:xfrm>
+      </p:grpSpPr>
+      <p:sp>
+        <p:nvSpPr>
+          <p:cNvPr id="2" name="Titre 1"/>
+          <p:cNvSpPr>
+            <a:spLocks noGrp="1"/>
+          </p:cNvSpPr>
+          <p:nvPr>
+            <p:ph type="title"/>
+          </p:nvPr>
+        </p:nvSpPr>
+        <p:spPr/>
+        <p:txBody>
+          <a:bodyPr/>
+          <a:lstStyle/>
+          <a:p>
+            <a:r>
+              <a:rPr lang="fr-FR" b="1" dirty="0" smtClean="0">
+                <a:ln w="1905"/>
+                <a:gradFill>
+                  <a:gsLst>
+                    <a:gs pos="0">
+                      <a:schemeClr val="accent6">
+                        <a:shade val="20000"/>
+                        <a:satMod val="200000"/>
+                      </a:schemeClr>
+                    </a:gs>
+                    <a:gs pos="78000">
+                      <a:schemeClr val="accent6">
+                        <a:tint val="90000"/>
+                        <a:shade val="89000"/>
+                        <a:satMod val="220000"/>
+                      </a:schemeClr>
+                    </a:gs>
+                    <a:gs pos="100000">
+                      <a:schemeClr val="accent6">
+                        <a:tint val="12000"/>
+                        <a:satMod val="255000"/>
+                      </a:schemeClr>
+                    </a:gs>
+                  </a:gsLst>
+                  <a:lin ang="5400000"/>
+                </a:gradFill>
+                <a:effectLst>
+                  <a:innerShdw blurRad="69850" dist="43180" dir="5400000">
+                    <a:srgbClr val="000000">
+                      <a:alpha val="65000"/>
+                    </a:srgbClr>
+                  </a:innerShdw>
+                  <a:reflection blurRad="6350" stA="55000" endA="300" endPos="45500" dir="5400000" sy="-100000" algn="bl" rotWithShape="0"/>
+                </a:effectLst>
+              </a:rPr>
+              <a:t>I.A des </a:t>
+            </a:r>
+            <a:r>
+              <a:rPr lang="fr-FR" b="1" dirty="0" err="1" smtClean="0">
+                <a:ln w="1905"/>
+                <a:gradFill>
+                  <a:gsLst>
+                    <a:gs pos="0">
+                      <a:schemeClr val="accent6">
+                        <a:shade val="20000"/>
+                        <a:satMod val="200000"/>
+                      </a:schemeClr>
+                    </a:gs>
+                    <a:gs pos="78000">
+                      <a:schemeClr val="accent6">
+                        <a:tint val="90000"/>
+                        <a:shade val="89000"/>
+                        <a:satMod val="220000"/>
+                      </a:schemeClr>
+                    </a:gs>
+                    <a:gs pos="100000">
+                      <a:schemeClr val="accent6">
+                        <a:tint val="12000"/>
+                        <a:satMod val="255000"/>
+                      </a:schemeClr>
+                    </a:gs>
+                  </a:gsLst>
+                  <a:lin ang="5400000"/>
+                </a:gradFill>
+                <a:effectLst>
+                  <a:innerShdw blurRad="69850" dist="43180" dir="5400000">
+                    <a:srgbClr val="000000">
+                      <a:alpha val="65000"/>
+                    </a:srgbClr>
+                  </a:innerShdw>
+                  <a:reflection blurRad="6350" stA="55000" endA="300" endPos="45500" dir="5400000" sy="-100000" algn="bl" rotWithShape="0"/>
+                </a:effectLst>
+              </a:rPr>
+              <a:t>warriors</a:t>
+            </a:r>
+            <a:r>
+              <a:rPr lang="fr-FR" b="1" dirty="0" smtClean="0">
+                <a:ln w="1905"/>
+                <a:gradFill>
+                  <a:gsLst>
+                    <a:gs pos="0">
+                      <a:schemeClr val="accent6">
+                        <a:shade val="20000"/>
+                        <a:satMod val="200000"/>
+                      </a:schemeClr>
+                    </a:gs>
+                    <a:gs pos="78000">
+                      <a:schemeClr val="accent6">
+                        <a:tint val="90000"/>
+                        <a:shade val="89000"/>
+                        <a:satMod val="220000"/>
+                      </a:schemeClr>
+                    </a:gs>
+                    <a:gs pos="100000">
+                      <a:schemeClr val="accent6">
+                        <a:tint val="12000"/>
+                        <a:satMod val="255000"/>
+                      </a:schemeClr>
+                    </a:gs>
+                  </a:gsLst>
+                  <a:lin ang="5400000"/>
+                </a:gradFill>
+                <a:effectLst>
+                  <a:innerShdw blurRad="69850" dist="43180" dir="5400000">
+                    <a:srgbClr val="000000">
+                      <a:alpha val="65000"/>
+                    </a:srgbClr>
+                  </a:innerShdw>
+                  <a:reflection blurRad="6350" stA="55000" endA="300" endPos="45500" dir="5400000" sy="-100000" algn="bl" rotWithShape="0"/>
+                </a:effectLst>
+              </a:rPr>
+              <a:t> </a:t>
+            </a:r>
+            <a:endParaRPr lang="fr-FR" dirty="0"/>
+          </a:p>
+        </p:txBody>
+      </p:sp>
+      <p:sp>
+        <p:nvSpPr>
+          <p:cNvPr id="8" name="Espace réservé du contenu 2"/>
+          <p:cNvSpPr txBox="1">
+            <a:spLocks/>
+          </p:cNvSpPr>
+          <p:nvPr/>
+        </p:nvSpPr>
+        <p:spPr>
+          <a:xfrm>
+            <a:off x="428596" y="1928802"/>
+            <a:ext cx="8229600" cy="4643470"/>
+          </a:xfrm>
+          <a:prstGeom prst="rect">
+            <a:avLst/>
+          </a:prstGeom>
+        </p:spPr>
+        <p:txBody>
+          <a:bodyPr vert="horz">
+            <a:normAutofit fontScale="92500" lnSpcReduction="20000"/>
+          </a:bodyPr>
+          <a:lstStyle/>
+          <a:p>
+            <a:pPr marL="274320" lvl="0" indent="-274320">
+              <a:spcBef>
+                <a:spcPct val="20000"/>
+              </a:spcBef>
+              <a:buClr>
+                <a:schemeClr val="accent3"/>
+              </a:buClr>
+              <a:buSzPct val="95000"/>
+              <a:defRPr/>
+            </a:pPr>
+            <a:r>
+              <a:rPr lang="fr-FR" sz="2800" b="1" dirty="0" smtClean="0">
+                <a:ln w="1905"/>
+                <a:gradFill>
+                  <a:gsLst>
+                    <a:gs pos="0">
+                      <a:schemeClr val="accent6">
+                        <a:shade val="20000"/>
+                        <a:satMod val="200000"/>
+                      </a:schemeClr>
+                    </a:gs>
+                    <a:gs pos="78000">
+                      <a:schemeClr val="accent6">
+                        <a:tint val="90000"/>
+                        <a:shade val="89000"/>
+                        <a:satMod val="220000"/>
+                      </a:schemeClr>
+                    </a:gs>
+                    <a:gs pos="100000">
+                      <a:schemeClr val="accent6">
+                        <a:tint val="12000"/>
+                        <a:satMod val="255000"/>
+                      </a:schemeClr>
+                    </a:gs>
+                  </a:gsLst>
+                  <a:lin ang="5400000"/>
+                </a:gradFill>
+                <a:effectLst>
+                  <a:innerShdw blurRad="69850" dist="43180" dir="5400000">
+                    <a:srgbClr val="000000">
+                      <a:alpha val="65000"/>
+                    </a:srgbClr>
+                  </a:innerShdw>
+                  <a:reflection blurRad="6350" stA="55000" endA="300" endPos="45500" dir="5400000" sy="-100000" algn="bl" rotWithShape="0"/>
+                </a:effectLst>
+              </a:rPr>
+              <a:t>II/ Récoltes d’informations</a:t>
+            </a:r>
+          </a:p>
+          <a:p>
+            <a:pPr marL="274320" marR="0" lvl="0" indent="-274320" algn="l" defTabSz="914400" rtl="0" eaLnBrk="1" fontAlgn="auto" latinLnBrk="0" hangingPunct="1">
+              <a:lnSpc>
+                <a:spcPct val="100000"/>
+              </a:lnSpc>
+              <a:spcBef>
+                <a:spcPct val="20000"/>
+              </a:spcBef>
+              <a:spcAft>
+                <a:spcPts val="0"/>
+              </a:spcAft>
+              <a:buClr>
+                <a:schemeClr val="accent3"/>
+              </a:buClr>
+              <a:buSzPct val="95000"/>
+              <a:buFont typeface="Wingdings 2"/>
+              <a:buNone/>
+              <a:tabLst/>
+              <a:defRPr/>
+            </a:pPr>
+            <a:endParaRPr lang="fr-FR" sz="2800" b="1" dirty="0" smtClean="0">
+              <a:ln w="1905"/>
+              <a:gradFill>
+                <a:gsLst>
+                  <a:gs pos="0">
+                    <a:schemeClr val="accent6">
+                      <a:shade val="20000"/>
+                      <a:satMod val="200000"/>
+                    </a:schemeClr>
+                  </a:gs>
+                  <a:gs pos="78000">
+                    <a:schemeClr val="accent6">
+                      <a:tint val="90000"/>
+                      <a:shade val="89000"/>
+                      <a:satMod val="220000"/>
+                    </a:schemeClr>
+                  </a:gs>
+                  <a:gs pos="100000">
+                    <a:schemeClr val="accent6">
+                      <a:tint val="12000"/>
+                      <a:satMod val="255000"/>
+                    </a:schemeClr>
+                  </a:gs>
+                </a:gsLst>
+                <a:lin ang="5400000"/>
+              </a:gradFill>
+              <a:effectLst>
+                <a:innerShdw blurRad="69850" dist="43180" dir="5400000">
+                  <a:srgbClr val="000000">
+                    <a:alpha val="65000"/>
+                  </a:srgbClr>
+                </a:innerShdw>
+                <a:reflection blurRad="6350" stA="55000" endA="300" endPos="45500" dir="5400000" sy="-100000" algn="bl" rotWithShape="0"/>
+              </a:effectLst>
+            </a:endParaRPr>
+          </a:p>
+          <a:p>
+            <a:pPr marL="274320" marR="0" lvl="0" indent="-274320" algn="l" defTabSz="914400" rtl="0" eaLnBrk="1" fontAlgn="auto" latinLnBrk="0" hangingPunct="1">
+              <a:lnSpc>
+                <a:spcPct val="100000"/>
+              </a:lnSpc>
+              <a:spcBef>
+                <a:spcPct val="20000"/>
+              </a:spcBef>
+              <a:spcAft>
+                <a:spcPts val="0"/>
+              </a:spcAft>
+              <a:buClr>
+                <a:schemeClr val="accent3"/>
+              </a:buClr>
+              <a:buSzPct val="95000"/>
+              <a:buFont typeface="Wingdings 2"/>
+              <a:buNone/>
+              <a:tabLst/>
+              <a:defRPr/>
+            </a:pPr>
+            <a:r>
+              <a:rPr lang="fr-FR" sz="2800" b="1" dirty="0" smtClean="0">
+                <a:ln w="1905"/>
+                <a:gradFill>
+                  <a:gsLst>
+                    <a:gs pos="0">
+                      <a:schemeClr val="accent6">
+                        <a:shade val="20000"/>
+                        <a:satMod val="200000"/>
+                      </a:schemeClr>
+                    </a:gs>
+                    <a:gs pos="78000">
+                      <a:schemeClr val="accent6">
+                        <a:tint val="90000"/>
+                        <a:shade val="89000"/>
+                        <a:satMod val="220000"/>
+                      </a:schemeClr>
+                    </a:gs>
+                    <a:gs pos="100000">
+                      <a:schemeClr val="accent6">
+                        <a:tint val="12000"/>
+                        <a:satMod val="255000"/>
+                      </a:schemeClr>
+                    </a:gs>
+                  </a:gsLst>
+                  <a:lin ang="5400000"/>
+                </a:gradFill>
+                <a:effectLst>
+                  <a:innerShdw blurRad="69850" dist="43180" dir="5400000">
+                    <a:srgbClr val="000000">
+                      <a:alpha val="65000"/>
+                    </a:srgbClr>
+                  </a:innerShdw>
+                  <a:reflection blurRad="6350" stA="55000" endA="300" endPos="45500" dir="5400000" sy="-100000" algn="bl" rotWithShape="0"/>
+                </a:effectLst>
+              </a:rPr>
+              <a:t>d) Evaluation des risques</a:t>
+            </a:r>
+          </a:p>
+          <a:p>
+            <a:pPr marL="731520" lvl="1" indent="-274320">
+              <a:spcBef>
+                <a:spcPct val="20000"/>
+              </a:spcBef>
+              <a:buClr>
+                <a:schemeClr val="accent3"/>
+              </a:buClr>
+              <a:buSzPct val="95000"/>
+              <a:buFont typeface="Arial" pitchFamily="34" charset="0"/>
+              <a:buChar char="•"/>
+            </a:pPr>
+            <a:r>
+              <a:rPr lang="fr-FR" sz="2800" dirty="0" smtClean="0"/>
+              <a:t>Les risques dépendent de deux paramètres</a:t>
+            </a:r>
+          </a:p>
+          <a:p>
+            <a:pPr marL="1188720" lvl="2" indent="-274320">
+              <a:spcBef>
+                <a:spcPct val="20000"/>
+              </a:spcBef>
+              <a:buClr>
+                <a:schemeClr val="accent3"/>
+              </a:buClr>
+              <a:buSzPct val="95000"/>
+              <a:buFont typeface="Arial" pitchFamily="34" charset="0"/>
+              <a:buChar char="•"/>
+            </a:pPr>
+            <a:r>
+              <a:rPr lang="fr-FR" sz="2800" dirty="0" smtClean="0"/>
+              <a:t>La distance qui sépare le nœud actuel de tous les autres nœuds connus</a:t>
+            </a:r>
+          </a:p>
+          <a:p>
+            <a:pPr marL="1645920" lvl="3" indent="-274320">
+              <a:spcBef>
+                <a:spcPct val="20000"/>
+              </a:spcBef>
+              <a:buClr>
+                <a:schemeClr val="accent3"/>
+              </a:buClr>
+              <a:buSzPct val="95000"/>
+              <a:buFont typeface="Arial" pitchFamily="34" charset="0"/>
+              <a:buChar char="•"/>
+            </a:pPr>
+            <a:r>
+              <a:rPr lang="fr-FR" sz="2800" dirty="0" smtClean="0"/>
+              <a:t>Distances connues par recoupement d’informations</a:t>
+            </a:r>
+          </a:p>
+          <a:p>
+            <a:pPr marL="1645920" lvl="3" indent="-274320">
+              <a:spcBef>
+                <a:spcPct val="20000"/>
+              </a:spcBef>
+              <a:buClr>
+                <a:schemeClr val="accent3"/>
+              </a:buClr>
+              <a:buSzPct val="95000"/>
+              <a:buFont typeface="Arial" pitchFamily="34" charset="0"/>
+              <a:buChar char="•"/>
+            </a:pPr>
+            <a:r>
+              <a:rPr lang="fr-FR" sz="2800" dirty="0" smtClean="0"/>
+              <a:t>Calcul des distances minimales à l’aide de Floyd-</a:t>
+            </a:r>
+            <a:r>
+              <a:rPr lang="fr-FR" sz="2800" dirty="0" err="1" smtClean="0"/>
+              <a:t>Warshall</a:t>
+            </a:r>
+            <a:endParaRPr lang="fr-FR" sz="2800" dirty="0" smtClean="0"/>
+          </a:p>
+          <a:p>
+            <a:pPr marL="1188720" lvl="2" indent="-274320">
+              <a:spcBef>
+                <a:spcPct val="20000"/>
+              </a:spcBef>
+              <a:buClr>
+                <a:schemeClr val="accent3"/>
+              </a:buClr>
+              <a:buSzPct val="95000"/>
+              <a:buFont typeface="Arial" pitchFamily="34" charset="0"/>
+              <a:buChar char="•"/>
+            </a:pPr>
+            <a:r>
+              <a:rPr lang="fr-FR" sz="2800" dirty="0" smtClean="0"/>
+              <a:t>La différence de threads alliés – ennemis sur les nœuds distants</a:t>
+            </a:r>
+          </a:p>
+          <a:p>
+            <a:pPr marL="1188720" lvl="2" indent="-274320">
+              <a:spcBef>
+                <a:spcPct val="20000"/>
+              </a:spcBef>
+              <a:buClr>
+                <a:schemeClr val="accent3"/>
+              </a:buClr>
+              <a:buSzPct val="95000"/>
+              <a:buFont typeface="Arial" pitchFamily="34" charset="0"/>
+              <a:buChar char="•"/>
+            </a:pPr>
+            <a:endParaRPr lang="fr-FR" sz="2800" dirty="0" smtClean="0"/>
+          </a:p>
+          <a:p>
+            <a:pPr marL="274320" marR="0" lvl="0" indent="-274320" algn="l" defTabSz="914400" rtl="0" eaLnBrk="1" fontAlgn="auto" latinLnBrk="0" hangingPunct="1">
+              <a:lnSpc>
+                <a:spcPct val="100000"/>
+              </a:lnSpc>
+              <a:spcBef>
+                <a:spcPct val="20000"/>
+              </a:spcBef>
+              <a:spcAft>
+                <a:spcPts val="0"/>
+              </a:spcAft>
+              <a:buClr>
+                <a:schemeClr val="accent3"/>
+              </a:buClr>
+              <a:buSzPct val="95000"/>
+              <a:buFont typeface="Wingdings 2"/>
+              <a:buNone/>
+              <a:tabLst/>
+              <a:defRPr/>
+            </a:pPr>
+            <a:endParaRPr lang="fr-FR" sz="2800" b="1" dirty="0" smtClean="0">
+              <a:ln w="1905"/>
+              <a:gradFill>
+                <a:gsLst>
+                  <a:gs pos="0">
+                    <a:schemeClr val="accent6">
+                      <a:shade val="20000"/>
+                      <a:satMod val="200000"/>
+                    </a:schemeClr>
+                  </a:gs>
+                  <a:gs pos="78000">
+                    <a:schemeClr val="accent6">
+                      <a:tint val="90000"/>
+                      <a:shade val="89000"/>
+                      <a:satMod val="220000"/>
+                    </a:schemeClr>
+                  </a:gs>
+                  <a:gs pos="100000">
+                    <a:schemeClr val="accent6">
+                      <a:tint val="12000"/>
+                      <a:satMod val="255000"/>
+                    </a:schemeClr>
+                  </a:gs>
+                </a:gsLst>
+                <a:lin ang="5400000"/>
+              </a:gradFill>
+              <a:effectLst>
+                <a:innerShdw blurRad="69850" dist="43180" dir="5400000">
+                  <a:srgbClr val="000000">
+                    <a:alpha val="65000"/>
+                  </a:srgbClr>
+                </a:innerShdw>
+                <a:reflection blurRad="6350" stA="55000" endA="300" endPos="45500" dir="5400000" sy="-100000" algn="bl" rotWithShape="0"/>
+              </a:effectLst>
+            </a:endParaRPr>
+          </a:p>
+          <a:p>
+            <a:pPr marL="731520" lvl="1" indent="-274320">
+              <a:spcBef>
+                <a:spcPct val="20000"/>
+              </a:spcBef>
+              <a:buClr>
+                <a:schemeClr val="accent3"/>
+              </a:buClr>
+              <a:buSzPct val="95000"/>
+            </a:pPr>
+            <a:endParaRPr kumimoji="0" lang="fr-FR" sz="2800" b="1" i="0" u="none" strike="noStrike" kern="1200" cap="none" spc="0" normalizeH="0" baseline="0" noProof="0" dirty="0" smtClean="0">
+              <a:ln w="1905"/>
+              <a:gradFill>
+                <a:gsLst>
+                  <a:gs pos="0">
+                    <a:schemeClr val="accent6">
+                      <a:shade val="20000"/>
+                      <a:satMod val="200000"/>
+                    </a:schemeClr>
+                  </a:gs>
+                  <a:gs pos="78000">
+                    <a:schemeClr val="accent6">
+                      <a:tint val="90000"/>
+                      <a:shade val="89000"/>
+                      <a:satMod val="220000"/>
+                    </a:schemeClr>
+                  </a:gs>
+                  <a:gs pos="100000">
+                    <a:schemeClr val="accent6">
+                      <a:tint val="12000"/>
+                      <a:satMod val="255000"/>
+                    </a:schemeClr>
+                  </a:gs>
+                </a:gsLst>
+                <a:lin ang="5400000"/>
+              </a:gradFill>
+              <a:effectLst>
+                <a:innerShdw blurRad="69850" dist="43180" dir="5400000">
+                  <a:srgbClr val="000000">
+                    <a:alpha val="65000"/>
+                  </a:srgbClr>
+                </a:innerShdw>
+                <a:reflection blurRad="6350" stA="55000" endA="300" endPos="45500" dir="5400000" sy="-100000" algn="bl" rotWithShape="0"/>
+              </a:effectLst>
+              <a:uLnTx/>
+              <a:uFillTx/>
+              <a:latin typeface="+mn-lt"/>
+              <a:ea typeface="+mn-ea"/>
+              <a:cs typeface="+mn-cs"/>
+            </a:endParaRPr>
+          </a:p>
+          <a:p>
+            <a:pPr marL="274320" marR="0" lvl="0" indent="-274320" algn="l" defTabSz="914400" rtl="0" eaLnBrk="1" fontAlgn="auto" latinLnBrk="0" hangingPunct="1">
+              <a:lnSpc>
+                <a:spcPct val="100000"/>
+              </a:lnSpc>
+              <a:spcBef>
+                <a:spcPct val="20000"/>
+              </a:spcBef>
+              <a:spcAft>
+                <a:spcPts val="0"/>
+              </a:spcAft>
+              <a:buClr>
+                <a:schemeClr val="accent3"/>
+              </a:buClr>
+              <a:buSzPct val="95000"/>
+              <a:buFont typeface="Wingdings 2"/>
+              <a:buNone/>
+              <a:tabLst/>
+              <a:defRPr/>
+            </a:pPr>
+            <a:endParaRPr kumimoji="0" lang="fr-FR" sz="2600" b="1" i="0" u="none" strike="noStrike" kern="1200" cap="none" spc="0" normalizeH="0" baseline="0" noProof="0" dirty="0" smtClean="0">
+              <a:ln w="1905"/>
+              <a:gradFill>
+                <a:gsLst>
+                  <a:gs pos="0">
+                    <a:schemeClr val="accent6">
+                      <a:shade val="20000"/>
+                      <a:satMod val="200000"/>
+                    </a:schemeClr>
+                  </a:gs>
+                  <a:gs pos="78000">
+                    <a:schemeClr val="accent6">
+                      <a:tint val="90000"/>
+                      <a:shade val="89000"/>
+                      <a:satMod val="220000"/>
+                    </a:schemeClr>
+                  </a:gs>
+                  <a:gs pos="100000">
+                    <a:schemeClr val="accent6">
+                      <a:tint val="12000"/>
+                      <a:satMod val="255000"/>
+                    </a:schemeClr>
+                  </a:gs>
+                </a:gsLst>
+                <a:lin ang="5400000"/>
+              </a:gradFill>
+              <a:effectLst>
+                <a:innerShdw blurRad="69850" dist="43180" dir="5400000">
+                  <a:srgbClr val="000000">
+                    <a:alpha val="65000"/>
+                  </a:srgbClr>
+                </a:innerShdw>
+                <a:reflection blurRad="6350" stA="55000" endA="300" endPos="45500" dir="5400000" sy="-100000" algn="bl" rotWithShape="0"/>
+              </a:effectLst>
+              <a:uLnTx/>
+              <a:uFillTx/>
+              <a:latin typeface="+mn-lt"/>
+              <a:ea typeface="+mn-ea"/>
+              <a:cs typeface="+mn-cs"/>
+            </a:endParaRPr>
+          </a:p>
+          <a:p>
+            <a:pPr marL="274320" lvl="0" indent="-274320">
+              <a:spcBef>
+                <a:spcPct val="20000"/>
+              </a:spcBef>
+              <a:buClr>
+                <a:schemeClr val="accent3"/>
+              </a:buClr>
+              <a:buSzPct val="95000"/>
+            </a:pPr>
+            <a:endParaRPr lang="fr-FR" sz="2800" dirty="0" smtClean="0"/>
+          </a:p>
+          <a:p>
+            <a:pPr marL="274320" marR="0" lvl="0" indent="-274320" algn="l" defTabSz="914400" rtl="0" eaLnBrk="1" fontAlgn="auto" latinLnBrk="0" hangingPunct="1">
+              <a:lnSpc>
+                <a:spcPct val="100000"/>
+              </a:lnSpc>
+              <a:spcBef>
+                <a:spcPct val="20000"/>
+              </a:spcBef>
+              <a:spcAft>
+                <a:spcPts val="0"/>
+              </a:spcAft>
+              <a:buClr>
+                <a:schemeClr val="accent3"/>
+              </a:buClr>
+              <a:buSzPct val="95000"/>
+              <a:buFont typeface="Wingdings 2"/>
+              <a:buNone/>
+              <a:tabLst/>
+              <a:defRPr/>
+            </a:pPr>
+            <a:endParaRPr kumimoji="0" lang="fr-FR" sz="2600" b="1" i="0" u="none" strike="noStrike" kern="1200" cap="none" spc="0" normalizeH="0" baseline="0" noProof="0" dirty="0" smtClean="0">
+              <a:ln w="1905"/>
+              <a:gradFill>
+                <a:gsLst>
+                  <a:gs pos="0">
+                    <a:schemeClr val="accent6">
+                      <a:shade val="20000"/>
+                      <a:satMod val="200000"/>
+                    </a:schemeClr>
+                  </a:gs>
+                  <a:gs pos="78000">
+                    <a:schemeClr val="accent6">
+                      <a:tint val="90000"/>
+                      <a:shade val="89000"/>
+                      <a:satMod val="220000"/>
+                    </a:schemeClr>
+                  </a:gs>
+                  <a:gs pos="100000">
+                    <a:schemeClr val="accent6">
+                      <a:tint val="12000"/>
+                      <a:satMod val="255000"/>
+                    </a:schemeClr>
+                  </a:gs>
+                </a:gsLst>
+                <a:lin ang="5400000"/>
+              </a:gradFill>
+              <a:effectLst>
+                <a:innerShdw blurRad="69850" dist="43180" dir="5400000">
+                  <a:srgbClr val="000000">
+                    <a:alpha val="65000"/>
+                  </a:srgbClr>
+                </a:innerShdw>
+                <a:reflection blurRad="6350" stA="55000" endA="300" endPos="45500" dir="5400000" sy="-100000" algn="bl" rotWithShape="0"/>
+              </a:effectLst>
+              <a:uLnTx/>
+              <a:uFillTx/>
+              <a:latin typeface="+mn-lt"/>
+              <a:ea typeface="+mn-ea"/>
+              <a:cs typeface="+mn-cs"/>
+            </a:endParaRPr>
+          </a:p>
+          <a:p>
+            <a:pPr marL="274320" marR="0" lvl="0" indent="-274320" algn="l" defTabSz="914400" rtl="0" eaLnBrk="1" fontAlgn="auto" latinLnBrk="0" hangingPunct="1">
+              <a:lnSpc>
+                <a:spcPct val="100000"/>
+              </a:lnSpc>
+              <a:spcBef>
+                <a:spcPct val="20000"/>
+              </a:spcBef>
+              <a:spcAft>
+                <a:spcPts val="0"/>
+              </a:spcAft>
+              <a:buClr>
+                <a:schemeClr val="accent3"/>
+              </a:buClr>
+              <a:buSzPct val="95000"/>
+              <a:buFont typeface="Wingdings 2"/>
+              <a:buNone/>
+              <a:tabLst/>
+              <a:defRPr/>
+            </a:pPr>
+            <a:endParaRPr kumimoji="0" lang="fr-FR" sz="2600" b="1" i="0" u="none" strike="noStrike" kern="1200" cap="none" spc="0" normalizeH="0" baseline="0" noProof="0" dirty="0" smtClean="0">
+              <a:ln w="1905"/>
+              <a:gradFill>
+                <a:gsLst>
+                  <a:gs pos="0">
+                    <a:schemeClr val="accent6">
+                      <a:shade val="20000"/>
+                      <a:satMod val="200000"/>
+                    </a:schemeClr>
+                  </a:gs>
+                  <a:gs pos="78000">
+                    <a:schemeClr val="accent6">
+                      <a:tint val="90000"/>
+                      <a:shade val="89000"/>
+                      <a:satMod val="220000"/>
+                    </a:schemeClr>
+                  </a:gs>
+                  <a:gs pos="100000">
+                    <a:schemeClr val="accent6">
+                      <a:tint val="12000"/>
+                      <a:satMod val="255000"/>
+                    </a:schemeClr>
+                  </a:gs>
+                </a:gsLst>
+                <a:lin ang="5400000"/>
+              </a:gradFill>
+              <a:effectLst>
+                <a:innerShdw blurRad="69850" dist="43180" dir="5400000">
+                  <a:srgbClr val="000000">
+                    <a:alpha val="65000"/>
+                  </a:srgbClr>
+                </a:innerShdw>
+                <a:reflection blurRad="6350" stA="55000" endA="300" endPos="45500" dir="5400000" sy="-100000" algn="bl" rotWithShape="0"/>
+              </a:effectLst>
+              <a:uLnTx/>
+              <a:uFillTx/>
+              <a:latin typeface="+mn-lt"/>
+              <a:ea typeface="+mn-ea"/>
+              <a:cs typeface="+mn-cs"/>
+            </a:endParaRPr>
+          </a:p>
+          <a:p>
+            <a:pPr marL="274320" marR="0" lvl="0" indent="-274320" algn="l" defTabSz="914400" rtl="0" eaLnBrk="1" fontAlgn="auto" latinLnBrk="0" hangingPunct="1">
+              <a:lnSpc>
+                <a:spcPct val="100000"/>
+              </a:lnSpc>
+              <a:spcBef>
+                <a:spcPct val="20000"/>
+              </a:spcBef>
+              <a:spcAft>
+                <a:spcPts val="0"/>
+              </a:spcAft>
+              <a:buClr>
+                <a:schemeClr val="accent3"/>
+              </a:buClr>
+              <a:buSzPct val="95000"/>
+              <a:buFont typeface="Wingdings 2"/>
+              <a:buNone/>
+              <a:tabLst/>
+              <a:defRPr/>
+            </a:pPr>
+            <a:endParaRPr kumimoji="0" lang="fr-FR" sz="2600" b="1" i="0" u="none" strike="noStrike" kern="1200" cap="none" spc="0" normalizeH="0" baseline="0" noProof="0" dirty="0" smtClean="0">
+              <a:ln w="1905"/>
+              <a:gradFill>
+                <a:gsLst>
+                  <a:gs pos="0">
+                    <a:schemeClr val="accent6">
+                      <a:shade val="20000"/>
+                      <a:satMod val="200000"/>
+                    </a:schemeClr>
+                  </a:gs>
+                  <a:gs pos="78000">
+                    <a:schemeClr val="accent6">
+                      <a:tint val="90000"/>
+                      <a:shade val="89000"/>
+                      <a:satMod val="220000"/>
+                    </a:schemeClr>
+                  </a:gs>
+                  <a:gs pos="100000">
+                    <a:schemeClr val="accent6">
+                      <a:tint val="12000"/>
+                      <a:satMod val="255000"/>
+                    </a:schemeClr>
+                  </a:gs>
+                </a:gsLst>
+                <a:lin ang="5400000"/>
+              </a:gradFill>
+              <a:effectLst>
+                <a:innerShdw blurRad="69850" dist="43180" dir="5400000">
+                  <a:srgbClr val="000000">
+                    <a:alpha val="65000"/>
+                  </a:srgbClr>
+                </a:innerShdw>
+                <a:reflection blurRad="6350" stA="55000" endA="300" endPos="45500" dir="5400000" sy="-100000" algn="bl" rotWithShape="0"/>
+              </a:effectLst>
+              <a:uLnTx/>
+              <a:uFillTx/>
+              <a:latin typeface="+mn-lt"/>
+              <a:ea typeface="+mn-ea"/>
+              <a:cs typeface="+mn-cs"/>
+            </a:endParaRPr>
+          </a:p>
+          <a:p>
+            <a:pPr marL="640080" marR="0" lvl="1" indent="-246888" algn="l" defTabSz="914400" rtl="0" eaLnBrk="1" fontAlgn="auto" latinLnBrk="0" hangingPunct="1">
+              <a:lnSpc>
+                <a:spcPct val="100000"/>
+              </a:lnSpc>
+              <a:spcBef>
+                <a:spcPct val="20000"/>
+              </a:spcBef>
+              <a:spcAft>
+                <a:spcPts val="0"/>
+              </a:spcAft>
+              <a:buClr>
+                <a:schemeClr val="accent1"/>
+              </a:buClr>
+              <a:buSzPct val="85000"/>
+              <a:buFont typeface="Wingdings 2"/>
+              <a:buChar char=""/>
+              <a:tabLst/>
+              <a:defRPr/>
+            </a:pPr>
+            <a:endParaRPr kumimoji="0" lang="fr-FR" sz="2400" b="1" i="0" u="none" strike="noStrike" kern="1200" cap="none" spc="0" normalizeH="0" baseline="0" noProof="0" dirty="0" smtClean="0">
+              <a:ln w="1905"/>
+              <a:gradFill>
+                <a:gsLst>
+                  <a:gs pos="0">
+                    <a:schemeClr val="accent6">
+                      <a:shade val="20000"/>
+                      <a:satMod val="200000"/>
+                    </a:schemeClr>
+                  </a:gs>
+                  <a:gs pos="78000">
+                    <a:schemeClr val="accent6">
+                      <a:tint val="90000"/>
+                      <a:shade val="89000"/>
+                      <a:satMod val="220000"/>
+                    </a:schemeClr>
+                  </a:gs>
+                  <a:gs pos="100000">
+                    <a:schemeClr val="accent6">
+                      <a:tint val="12000"/>
+                      <a:satMod val="255000"/>
+                    </a:schemeClr>
+                  </a:gs>
+                </a:gsLst>
+                <a:lin ang="5400000"/>
+              </a:gradFill>
+              <a:effectLst>
+                <a:innerShdw blurRad="69850" dist="43180" dir="5400000">
+                  <a:srgbClr val="000000">
+                    <a:alpha val="65000"/>
+                  </a:srgbClr>
+                </a:innerShdw>
+                <a:reflection blurRad="6350" stA="55000" endA="300" endPos="45500" dir="5400000" sy="-100000" algn="bl" rotWithShape="0"/>
+              </a:effectLst>
+              <a:uLnTx/>
+              <a:uFillTx/>
+              <a:latin typeface="+mn-lt"/>
+              <a:ea typeface="+mn-ea"/>
+              <a:cs typeface="+mn-cs"/>
+            </a:endParaRPr>
+          </a:p>
+          <a:p>
+            <a:pPr marL="274320" marR="0" lvl="0" indent="-274320" algn="l" defTabSz="914400" rtl="0" eaLnBrk="1" fontAlgn="auto" latinLnBrk="0" hangingPunct="1">
+              <a:lnSpc>
+                <a:spcPct val="100000"/>
+              </a:lnSpc>
+              <a:spcBef>
+                <a:spcPct val="20000"/>
+              </a:spcBef>
+              <a:spcAft>
+                <a:spcPts val="0"/>
+              </a:spcAft>
+              <a:buClr>
+                <a:schemeClr val="accent3"/>
+              </a:buClr>
+              <a:buSzPct val="95000"/>
+              <a:buFont typeface="Wingdings 2"/>
+              <a:buChar char=""/>
+              <a:tabLst/>
+              <a:defRPr/>
+            </a:pPr>
+            <a:endParaRPr kumimoji="0" lang="fr-FR" sz="2600" b="0" i="0" u="none" strike="noStrike" kern="1200" cap="none" spc="0" normalizeH="0" baseline="0" noProof="0" dirty="0">
+              <a:ln>
+                <a:noFill/>
+              </a:ln>
+              <a:solidFill>
+                <a:schemeClr val="tx1"/>
+              </a:solidFill>
+              <a:effectLst/>
+              <a:uLnTx/>
+              <a:uFillTx/>
+              <a:latin typeface="+mn-lt"/>
+              <a:ea typeface="+mn-ea"/>
+              <a:cs typeface="+mn-cs"/>
+            </a:endParaRPr>
+          </a:p>
+        </p:txBody>
+      </p:sp>
+    </p:spTree>
+  </p:cSld>
+  <p:clrMapOvr>
+    <a:masterClrMapping/>
+  </p:clrMapOvr>
+  <p:transition>
+    <p:fade/>
+  </p:transition>
+</p:sld>
+</file>
+
+<file path=ppt/slides/slide18.xml><?xml version="1.0" encoding="utf-8"?>
+<p:sld xmlns:a="http://schemas.openxmlformats.org/drawingml/2006/main" xmlns:r="http://schemas.openxmlformats.org/officeDocument/2006/relationships" xmlns:p="http://schemas.openxmlformats.org/presentationml/2006/main">
+  <p:cSld>
+    <p:spTree>
+      <p:nvGrpSpPr>
+        <p:cNvPr id="1" name=""/>
+        <p:cNvGrpSpPr/>
+        <p:nvPr/>
+      </p:nvGrpSpPr>
+      <p:grpSpPr>
+        <a:xfrm>
+          <a:off x="0" y="0"/>
+          <a:ext cx="0" cy="0"/>
+          <a:chOff x="0" y="0"/>
+          <a:chExt cx="0" cy="0"/>
+        </a:xfrm>
+      </p:grpSpPr>
+      <p:sp>
+        <p:nvSpPr>
+          <p:cNvPr id="2" name="Titre 1"/>
+          <p:cNvSpPr>
+            <a:spLocks noGrp="1"/>
+          </p:cNvSpPr>
+          <p:nvPr>
+            <p:ph type="title"/>
+          </p:nvPr>
+        </p:nvSpPr>
+        <p:spPr/>
+        <p:txBody>
+          <a:bodyPr/>
+          <a:lstStyle/>
+          <a:p>
+            <a:r>
+              <a:rPr lang="fr-FR" b="1" dirty="0" smtClean="0">
+                <a:ln w="1905"/>
+                <a:gradFill>
+                  <a:gsLst>
+                    <a:gs pos="0">
+                      <a:schemeClr val="accent6">
+                        <a:shade val="20000"/>
+                        <a:satMod val="200000"/>
+                      </a:schemeClr>
+                    </a:gs>
+                    <a:gs pos="78000">
+                      <a:schemeClr val="accent6">
+                        <a:tint val="90000"/>
+                        <a:shade val="89000"/>
+                        <a:satMod val="220000"/>
+                      </a:schemeClr>
+                    </a:gs>
+                    <a:gs pos="100000">
+                      <a:schemeClr val="accent6">
+                        <a:tint val="12000"/>
+                        <a:satMod val="255000"/>
+                      </a:schemeClr>
+                    </a:gs>
+                  </a:gsLst>
+                  <a:lin ang="5400000"/>
+                </a:gradFill>
+                <a:effectLst>
+                  <a:innerShdw blurRad="69850" dist="43180" dir="5400000">
+                    <a:srgbClr val="000000">
+                      <a:alpha val="65000"/>
+                    </a:srgbClr>
+                  </a:innerShdw>
+                  <a:reflection blurRad="6350" stA="55000" endA="300" endPos="45500" dir="5400000" sy="-100000" algn="bl" rotWithShape="0"/>
+                </a:effectLst>
+              </a:rPr>
+              <a:t>I.A des </a:t>
+            </a:r>
+            <a:r>
+              <a:rPr lang="fr-FR" b="1" dirty="0" err="1" smtClean="0">
+                <a:ln w="1905"/>
+                <a:gradFill>
+                  <a:gsLst>
+                    <a:gs pos="0">
+                      <a:schemeClr val="accent6">
+                        <a:shade val="20000"/>
+                        <a:satMod val="200000"/>
+                      </a:schemeClr>
+                    </a:gs>
+                    <a:gs pos="78000">
+                      <a:schemeClr val="accent6">
+                        <a:tint val="90000"/>
+                        <a:shade val="89000"/>
+                        <a:satMod val="220000"/>
+                      </a:schemeClr>
+                    </a:gs>
+                    <a:gs pos="100000">
+                      <a:schemeClr val="accent6">
+                        <a:tint val="12000"/>
+                        <a:satMod val="255000"/>
+                      </a:schemeClr>
+                    </a:gs>
+                  </a:gsLst>
+                  <a:lin ang="5400000"/>
+                </a:gradFill>
+                <a:effectLst>
+                  <a:innerShdw blurRad="69850" dist="43180" dir="5400000">
+                    <a:srgbClr val="000000">
+                      <a:alpha val="65000"/>
+                    </a:srgbClr>
+                  </a:innerShdw>
+                  <a:reflection blurRad="6350" stA="55000" endA="300" endPos="45500" dir="5400000" sy="-100000" algn="bl" rotWithShape="0"/>
+                </a:effectLst>
+              </a:rPr>
+              <a:t>warriors</a:t>
+            </a:r>
+            <a:r>
+              <a:rPr lang="fr-FR" b="1" dirty="0" smtClean="0">
+                <a:ln w="1905"/>
+                <a:gradFill>
+                  <a:gsLst>
+                    <a:gs pos="0">
+                      <a:schemeClr val="accent6">
+                        <a:shade val="20000"/>
+                        <a:satMod val="200000"/>
+                      </a:schemeClr>
+                    </a:gs>
+                    <a:gs pos="78000">
+                      <a:schemeClr val="accent6">
+                        <a:tint val="90000"/>
+                        <a:shade val="89000"/>
+                        <a:satMod val="220000"/>
+                      </a:schemeClr>
+                    </a:gs>
+                    <a:gs pos="100000">
+                      <a:schemeClr val="accent6">
+                        <a:tint val="12000"/>
+                        <a:satMod val="255000"/>
+                      </a:schemeClr>
+                    </a:gs>
+                  </a:gsLst>
+                  <a:lin ang="5400000"/>
+                </a:gradFill>
+                <a:effectLst>
+                  <a:innerShdw blurRad="69850" dist="43180" dir="5400000">
+                    <a:srgbClr val="000000">
+                      <a:alpha val="65000"/>
+                    </a:srgbClr>
+                  </a:innerShdw>
+                  <a:reflection blurRad="6350" stA="55000" endA="300" endPos="45500" dir="5400000" sy="-100000" algn="bl" rotWithShape="0"/>
+                </a:effectLst>
+              </a:rPr>
+              <a:t> </a:t>
+            </a:r>
+            <a:endParaRPr lang="fr-FR" dirty="0"/>
+          </a:p>
+        </p:txBody>
+      </p:sp>
+      <p:sp>
+        <p:nvSpPr>
+          <p:cNvPr id="8" name="Espace réservé du contenu 2"/>
+          <p:cNvSpPr txBox="1">
+            <a:spLocks/>
+          </p:cNvSpPr>
+          <p:nvPr/>
+        </p:nvSpPr>
+        <p:spPr>
+          <a:xfrm>
+            <a:off x="428596" y="1928802"/>
+            <a:ext cx="8229600" cy="4643470"/>
+          </a:xfrm>
+          <a:prstGeom prst="rect">
+            <a:avLst/>
+          </a:prstGeom>
+        </p:spPr>
+        <p:txBody>
+          <a:bodyPr vert="horz">
+            <a:normAutofit/>
+          </a:bodyPr>
+          <a:lstStyle/>
+          <a:p>
+            <a:pPr marL="274320" lvl="0" indent="-274320">
+              <a:spcBef>
+                <a:spcPct val="20000"/>
+              </a:spcBef>
+              <a:buClr>
+                <a:schemeClr val="accent3"/>
+              </a:buClr>
+              <a:buSzPct val="95000"/>
+              <a:defRPr/>
+            </a:pPr>
+            <a:r>
+              <a:rPr lang="fr-FR" sz="2800" b="1" dirty="0" smtClean="0">
+                <a:ln w="1905"/>
+                <a:gradFill>
+                  <a:gsLst>
+                    <a:gs pos="0">
+                      <a:schemeClr val="accent6">
+                        <a:shade val="20000"/>
+                        <a:satMod val="200000"/>
+                      </a:schemeClr>
+                    </a:gs>
+                    <a:gs pos="78000">
+                      <a:schemeClr val="accent6">
+                        <a:tint val="90000"/>
+                        <a:shade val="89000"/>
+                        <a:satMod val="220000"/>
+                      </a:schemeClr>
+                    </a:gs>
+                    <a:gs pos="100000">
+                      <a:schemeClr val="accent6">
+                        <a:tint val="12000"/>
+                        <a:satMod val="255000"/>
+                      </a:schemeClr>
+                    </a:gs>
+                  </a:gsLst>
+                  <a:lin ang="5400000"/>
+                </a:gradFill>
+                <a:effectLst>
+                  <a:innerShdw blurRad="69850" dist="43180" dir="5400000">
+                    <a:srgbClr val="000000">
+                      <a:alpha val="65000"/>
+                    </a:srgbClr>
+                  </a:innerShdw>
+                  <a:reflection blurRad="6350" stA="55000" endA="300" endPos="45500" dir="5400000" sy="-100000" algn="bl" rotWithShape="0"/>
+                </a:effectLst>
+              </a:rPr>
+              <a:t>II/ Récoltes d’informations</a:t>
+            </a:r>
+          </a:p>
+          <a:p>
+            <a:pPr marL="274320" marR="0" lvl="0" indent="-274320" algn="l" defTabSz="914400" rtl="0" eaLnBrk="1" fontAlgn="auto" latinLnBrk="0" hangingPunct="1">
+              <a:lnSpc>
+                <a:spcPct val="100000"/>
+              </a:lnSpc>
+              <a:spcBef>
+                <a:spcPct val="20000"/>
+              </a:spcBef>
+              <a:spcAft>
+                <a:spcPts val="0"/>
+              </a:spcAft>
+              <a:buClr>
+                <a:schemeClr val="accent3"/>
+              </a:buClr>
+              <a:buSzPct val="95000"/>
+              <a:buFont typeface="Wingdings 2"/>
+              <a:buNone/>
+              <a:tabLst/>
+              <a:defRPr/>
+            </a:pPr>
+            <a:endParaRPr lang="fr-FR" sz="2800" b="1" dirty="0" smtClean="0">
+              <a:ln w="1905"/>
+              <a:gradFill>
+                <a:gsLst>
+                  <a:gs pos="0">
+                    <a:schemeClr val="accent6">
+                      <a:shade val="20000"/>
+                      <a:satMod val="200000"/>
+                    </a:schemeClr>
+                  </a:gs>
+                  <a:gs pos="78000">
+                    <a:schemeClr val="accent6">
+                      <a:tint val="90000"/>
+                      <a:shade val="89000"/>
+                      <a:satMod val="220000"/>
+                    </a:schemeClr>
+                  </a:gs>
+                  <a:gs pos="100000">
+                    <a:schemeClr val="accent6">
+                      <a:tint val="12000"/>
+                      <a:satMod val="255000"/>
+                    </a:schemeClr>
+                  </a:gs>
+                </a:gsLst>
+                <a:lin ang="5400000"/>
+              </a:gradFill>
+              <a:effectLst>
+                <a:innerShdw blurRad="69850" dist="43180" dir="5400000">
+                  <a:srgbClr val="000000">
+                    <a:alpha val="65000"/>
+                  </a:srgbClr>
+                </a:innerShdw>
+                <a:reflection blurRad="6350" stA="55000" endA="300" endPos="45500" dir="5400000" sy="-100000" algn="bl" rotWithShape="0"/>
+              </a:effectLst>
+            </a:endParaRPr>
+          </a:p>
+          <a:p>
+            <a:pPr marL="274320" marR="0" lvl="0" indent="-274320" algn="l" defTabSz="914400" rtl="0" eaLnBrk="1" fontAlgn="auto" latinLnBrk="0" hangingPunct="1">
+              <a:lnSpc>
+                <a:spcPct val="100000"/>
+              </a:lnSpc>
+              <a:spcBef>
+                <a:spcPct val="20000"/>
+              </a:spcBef>
+              <a:spcAft>
+                <a:spcPts val="0"/>
+              </a:spcAft>
+              <a:buClr>
+                <a:schemeClr val="accent3"/>
+              </a:buClr>
+              <a:buSzPct val="95000"/>
+              <a:buFont typeface="Wingdings 2"/>
+              <a:buNone/>
+              <a:tabLst/>
+              <a:defRPr/>
+            </a:pPr>
+            <a:r>
+              <a:rPr lang="fr-FR" sz="2800" b="1" dirty="0" smtClean="0">
+                <a:ln w="1905"/>
+                <a:gradFill>
+                  <a:gsLst>
+                    <a:gs pos="0">
+                      <a:schemeClr val="accent6">
+                        <a:shade val="20000"/>
+                        <a:satMod val="200000"/>
+                      </a:schemeClr>
+                    </a:gs>
+                    <a:gs pos="78000">
+                      <a:schemeClr val="accent6">
+                        <a:tint val="90000"/>
+                        <a:shade val="89000"/>
+                        <a:satMod val="220000"/>
+                      </a:schemeClr>
+                    </a:gs>
+                    <a:gs pos="100000">
+                      <a:schemeClr val="accent6">
+                        <a:tint val="12000"/>
+                        <a:satMod val="255000"/>
+                      </a:schemeClr>
+                    </a:gs>
+                  </a:gsLst>
+                  <a:lin ang="5400000"/>
+                </a:gradFill>
+                <a:effectLst>
+                  <a:innerShdw blurRad="69850" dist="43180" dir="5400000">
+                    <a:srgbClr val="000000">
+                      <a:alpha val="65000"/>
+                    </a:srgbClr>
+                  </a:innerShdw>
+                  <a:reflection blurRad="6350" stA="55000" endA="300" endPos="45500" dir="5400000" sy="-100000" algn="bl" rotWithShape="0"/>
+                </a:effectLst>
+              </a:rPr>
+              <a:t>e) Dans un cadre plus général</a:t>
+            </a:r>
+          </a:p>
+          <a:p>
+            <a:pPr marL="731520" lvl="1" indent="-274320">
+              <a:spcBef>
+                <a:spcPct val="20000"/>
+              </a:spcBef>
+              <a:buClr>
+                <a:schemeClr val="accent3"/>
+              </a:buClr>
+              <a:buSzPct val="95000"/>
+              <a:buFont typeface="Arial" pitchFamily="34" charset="0"/>
+              <a:buChar char="•"/>
+            </a:pPr>
+            <a:r>
+              <a:rPr lang="fr-FR" sz="2800" dirty="0" smtClean="0"/>
+              <a:t>Nous effectuons un calcul distribué de distances minimales d’un graphe quelconque déployé à travers un réseau</a:t>
+            </a:r>
+          </a:p>
+          <a:p>
+            <a:pPr marL="731520" lvl="1" indent="-274320">
+              <a:spcBef>
+                <a:spcPct val="20000"/>
+              </a:spcBef>
+              <a:buClr>
+                <a:schemeClr val="accent3"/>
+              </a:buClr>
+              <a:buSzPct val="95000"/>
+              <a:buFont typeface="Arial" pitchFamily="34" charset="0"/>
+              <a:buChar char="•"/>
+            </a:pPr>
+            <a:r>
+              <a:rPr lang="fr-FR" sz="2800" dirty="0" smtClean="0"/>
+              <a:t>Les threads servent d’agent mobiles de calcul distribué !</a:t>
+            </a:r>
+          </a:p>
+          <a:p>
+            <a:pPr marL="1188720" lvl="2" indent="-274320">
+              <a:spcBef>
+                <a:spcPct val="20000"/>
+              </a:spcBef>
+              <a:buClr>
+                <a:schemeClr val="accent3"/>
+              </a:buClr>
+              <a:buSzPct val="95000"/>
+              <a:buFont typeface="Arial" pitchFamily="34" charset="0"/>
+              <a:buChar char="•"/>
+            </a:pPr>
+            <a:endParaRPr lang="fr-FR" sz="2800" dirty="0" smtClean="0"/>
+          </a:p>
+          <a:p>
+            <a:pPr marL="274320" marR="0" lvl="0" indent="-274320" algn="l" defTabSz="914400" rtl="0" eaLnBrk="1" fontAlgn="auto" latinLnBrk="0" hangingPunct="1">
+              <a:lnSpc>
+                <a:spcPct val="100000"/>
+              </a:lnSpc>
+              <a:spcBef>
+                <a:spcPct val="20000"/>
+              </a:spcBef>
+              <a:spcAft>
+                <a:spcPts val="0"/>
+              </a:spcAft>
+              <a:buClr>
+                <a:schemeClr val="accent3"/>
+              </a:buClr>
+              <a:buSzPct val="95000"/>
+              <a:buFont typeface="Wingdings 2"/>
+              <a:buNone/>
+              <a:tabLst/>
+              <a:defRPr/>
+            </a:pPr>
+            <a:endParaRPr lang="fr-FR" sz="2800" b="1" dirty="0" smtClean="0">
+              <a:ln w="1905"/>
+              <a:gradFill>
+                <a:gsLst>
+                  <a:gs pos="0">
+                    <a:schemeClr val="accent6">
+                      <a:shade val="20000"/>
+                      <a:satMod val="200000"/>
+                    </a:schemeClr>
+                  </a:gs>
+                  <a:gs pos="78000">
+                    <a:schemeClr val="accent6">
+                      <a:tint val="90000"/>
+                      <a:shade val="89000"/>
+                      <a:satMod val="220000"/>
+                    </a:schemeClr>
+                  </a:gs>
+                  <a:gs pos="100000">
+                    <a:schemeClr val="accent6">
+                      <a:tint val="12000"/>
+                      <a:satMod val="255000"/>
+                    </a:schemeClr>
+                  </a:gs>
+                </a:gsLst>
+                <a:lin ang="5400000"/>
+              </a:gradFill>
+              <a:effectLst>
+                <a:innerShdw blurRad="69850" dist="43180" dir="5400000">
+                  <a:srgbClr val="000000">
+                    <a:alpha val="65000"/>
+                  </a:srgbClr>
+                </a:innerShdw>
+                <a:reflection blurRad="6350" stA="55000" endA="300" endPos="45500" dir="5400000" sy="-100000" algn="bl" rotWithShape="0"/>
+              </a:effectLst>
+            </a:endParaRPr>
+          </a:p>
+          <a:p>
+            <a:pPr marL="731520" lvl="1" indent="-274320">
+              <a:spcBef>
+                <a:spcPct val="20000"/>
+              </a:spcBef>
+              <a:buClr>
+                <a:schemeClr val="accent3"/>
+              </a:buClr>
+              <a:buSzPct val="95000"/>
+            </a:pPr>
+            <a:endParaRPr kumimoji="0" lang="fr-FR" sz="2800" b="1" i="0" u="none" strike="noStrike" kern="1200" cap="none" spc="0" normalizeH="0" baseline="0" noProof="0" dirty="0" smtClean="0">
+              <a:ln w="1905"/>
+              <a:gradFill>
+                <a:gsLst>
+                  <a:gs pos="0">
+                    <a:schemeClr val="accent6">
+                      <a:shade val="20000"/>
+                      <a:satMod val="200000"/>
+                    </a:schemeClr>
+                  </a:gs>
+                  <a:gs pos="78000">
+                    <a:schemeClr val="accent6">
+                      <a:tint val="90000"/>
+                      <a:shade val="89000"/>
+                      <a:satMod val="220000"/>
+                    </a:schemeClr>
+                  </a:gs>
+                  <a:gs pos="100000">
+                    <a:schemeClr val="accent6">
+                      <a:tint val="12000"/>
+                      <a:satMod val="255000"/>
+                    </a:schemeClr>
+                  </a:gs>
+                </a:gsLst>
+                <a:lin ang="5400000"/>
+              </a:gradFill>
+              <a:effectLst>
+                <a:innerShdw blurRad="69850" dist="43180" dir="5400000">
+                  <a:srgbClr val="000000">
+                    <a:alpha val="65000"/>
+                  </a:srgbClr>
+                </a:innerShdw>
+                <a:reflection blurRad="6350" stA="55000" endA="300" endPos="45500" dir="5400000" sy="-100000" algn="bl" rotWithShape="0"/>
+              </a:effectLst>
+              <a:uLnTx/>
+              <a:uFillTx/>
+              <a:latin typeface="+mn-lt"/>
+              <a:ea typeface="+mn-ea"/>
+              <a:cs typeface="+mn-cs"/>
+            </a:endParaRPr>
+          </a:p>
+          <a:p>
+            <a:pPr marL="274320" marR="0" lvl="0" indent="-274320" algn="l" defTabSz="914400" rtl="0" eaLnBrk="1" fontAlgn="auto" latinLnBrk="0" hangingPunct="1">
+              <a:lnSpc>
+                <a:spcPct val="100000"/>
+              </a:lnSpc>
+              <a:spcBef>
+                <a:spcPct val="20000"/>
+              </a:spcBef>
+              <a:spcAft>
+                <a:spcPts val="0"/>
+              </a:spcAft>
+              <a:buClr>
+                <a:schemeClr val="accent3"/>
+              </a:buClr>
+              <a:buSzPct val="95000"/>
+              <a:buFont typeface="Wingdings 2"/>
+              <a:buNone/>
+              <a:tabLst/>
+              <a:defRPr/>
+            </a:pPr>
+            <a:endParaRPr kumimoji="0" lang="fr-FR" sz="2600" b="1" i="0" u="none" strike="noStrike" kern="1200" cap="none" spc="0" normalizeH="0" baseline="0" noProof="0" dirty="0" smtClean="0">
+              <a:ln w="1905"/>
+              <a:gradFill>
+                <a:gsLst>
+                  <a:gs pos="0">
+                    <a:schemeClr val="accent6">
+                      <a:shade val="20000"/>
+                      <a:satMod val="200000"/>
+                    </a:schemeClr>
+                  </a:gs>
+                  <a:gs pos="78000">
+                    <a:schemeClr val="accent6">
+                      <a:tint val="90000"/>
+                      <a:shade val="89000"/>
+                      <a:satMod val="220000"/>
+                    </a:schemeClr>
+                  </a:gs>
+                  <a:gs pos="100000">
+                    <a:schemeClr val="accent6">
+                      <a:tint val="12000"/>
+                      <a:satMod val="255000"/>
+                    </a:schemeClr>
+                  </a:gs>
+                </a:gsLst>
+                <a:lin ang="5400000"/>
+              </a:gradFill>
+              <a:effectLst>
+                <a:innerShdw blurRad="69850" dist="43180" dir="5400000">
+                  <a:srgbClr val="000000">
+                    <a:alpha val="65000"/>
+                  </a:srgbClr>
+                </a:innerShdw>
+                <a:reflection blurRad="6350" stA="55000" endA="300" endPos="45500" dir="5400000" sy="-100000" algn="bl" rotWithShape="0"/>
+              </a:effectLst>
+              <a:uLnTx/>
+              <a:uFillTx/>
+              <a:latin typeface="+mn-lt"/>
+              <a:ea typeface="+mn-ea"/>
+              <a:cs typeface="+mn-cs"/>
+            </a:endParaRPr>
+          </a:p>
+          <a:p>
+            <a:pPr marL="274320" lvl="0" indent="-274320">
+              <a:spcBef>
+                <a:spcPct val="20000"/>
+              </a:spcBef>
+              <a:buClr>
+                <a:schemeClr val="accent3"/>
+              </a:buClr>
+              <a:buSzPct val="95000"/>
+            </a:pPr>
+            <a:endParaRPr lang="fr-FR" sz="2800" dirty="0" smtClean="0"/>
+          </a:p>
+          <a:p>
+            <a:pPr marL="274320" marR="0" lvl="0" indent="-274320" algn="l" defTabSz="914400" rtl="0" eaLnBrk="1" fontAlgn="auto" latinLnBrk="0" hangingPunct="1">
+              <a:lnSpc>
+                <a:spcPct val="100000"/>
+              </a:lnSpc>
+              <a:spcBef>
+                <a:spcPct val="20000"/>
+              </a:spcBef>
+              <a:spcAft>
+                <a:spcPts val="0"/>
+              </a:spcAft>
+              <a:buClr>
+                <a:schemeClr val="accent3"/>
+              </a:buClr>
+              <a:buSzPct val="95000"/>
+              <a:buFont typeface="Wingdings 2"/>
+              <a:buNone/>
+              <a:tabLst/>
+              <a:defRPr/>
+            </a:pPr>
+            <a:endParaRPr kumimoji="0" lang="fr-FR" sz="2600" b="1" i="0" u="none" strike="noStrike" kern="1200" cap="none" spc="0" normalizeH="0" baseline="0" noProof="0" dirty="0" smtClean="0">
+              <a:ln w="1905"/>
+              <a:gradFill>
+                <a:gsLst>
+                  <a:gs pos="0">
+                    <a:schemeClr val="accent6">
+                      <a:shade val="20000"/>
+                      <a:satMod val="200000"/>
+                    </a:schemeClr>
+                  </a:gs>
+                  <a:gs pos="78000">
+                    <a:schemeClr val="accent6">
+                      <a:tint val="90000"/>
+                      <a:shade val="89000"/>
+                      <a:satMod val="220000"/>
+                    </a:schemeClr>
+                  </a:gs>
+                  <a:gs pos="100000">
+                    <a:schemeClr val="accent6">
+                      <a:tint val="12000"/>
+                      <a:satMod val="255000"/>
+                    </a:schemeClr>
+                  </a:gs>
+                </a:gsLst>
+                <a:lin ang="5400000"/>
+              </a:gradFill>
+              <a:effectLst>
+                <a:innerShdw blurRad="69850" dist="43180" dir="5400000">
+                  <a:srgbClr val="000000">
+                    <a:alpha val="65000"/>
+                  </a:srgbClr>
+                </a:innerShdw>
+                <a:reflection blurRad="6350" stA="55000" endA="300" endPos="45500" dir="5400000" sy="-100000" algn="bl" rotWithShape="0"/>
+              </a:effectLst>
+              <a:uLnTx/>
+              <a:uFillTx/>
+              <a:latin typeface="+mn-lt"/>
+              <a:ea typeface="+mn-ea"/>
+              <a:cs typeface="+mn-cs"/>
+            </a:endParaRPr>
+          </a:p>
+          <a:p>
+            <a:pPr marL="274320" marR="0" lvl="0" indent="-274320" algn="l" defTabSz="914400" rtl="0" eaLnBrk="1" fontAlgn="auto" latinLnBrk="0" hangingPunct="1">
+              <a:lnSpc>
+                <a:spcPct val="100000"/>
+              </a:lnSpc>
+              <a:spcBef>
+                <a:spcPct val="20000"/>
+              </a:spcBef>
+              <a:spcAft>
+                <a:spcPts val="0"/>
+              </a:spcAft>
+              <a:buClr>
+                <a:schemeClr val="accent3"/>
+              </a:buClr>
+              <a:buSzPct val="95000"/>
+              <a:buFont typeface="Wingdings 2"/>
+              <a:buNone/>
+              <a:tabLst/>
+              <a:defRPr/>
+            </a:pPr>
+            <a:endParaRPr kumimoji="0" lang="fr-FR" sz="2600" b="1" i="0" u="none" strike="noStrike" kern="1200" cap="none" spc="0" normalizeH="0" baseline="0" noProof="0" dirty="0" smtClean="0">
+              <a:ln w="1905"/>
+              <a:gradFill>
+                <a:gsLst>
+                  <a:gs pos="0">
+                    <a:schemeClr val="accent6">
+                      <a:shade val="20000"/>
+                      <a:satMod val="200000"/>
+                    </a:schemeClr>
+                  </a:gs>
+                  <a:gs pos="78000">
+                    <a:schemeClr val="accent6">
+                      <a:tint val="90000"/>
+                      <a:shade val="89000"/>
+                      <a:satMod val="220000"/>
+                    </a:schemeClr>
+                  </a:gs>
+                  <a:gs pos="100000">
+                    <a:schemeClr val="accent6">
+                      <a:tint val="12000"/>
+                      <a:satMod val="255000"/>
+                    </a:schemeClr>
+                  </a:gs>
+                </a:gsLst>
+                <a:lin ang="5400000"/>
+              </a:gradFill>
+              <a:effectLst>
+                <a:innerShdw blurRad="69850" dist="43180" dir="5400000">
+                  <a:srgbClr val="000000">
+                    <a:alpha val="65000"/>
+                  </a:srgbClr>
+                </a:innerShdw>
+                <a:reflection blurRad="6350" stA="55000" endA="300" endPos="45500" dir="5400000" sy="-100000" algn="bl" rotWithShape="0"/>
+              </a:effectLst>
+              <a:uLnTx/>
+              <a:uFillTx/>
+              <a:latin typeface="+mn-lt"/>
+              <a:ea typeface="+mn-ea"/>
+              <a:cs typeface="+mn-cs"/>
+            </a:endParaRPr>
+          </a:p>
+          <a:p>
+            <a:pPr marL="274320" marR="0" lvl="0" indent="-274320" algn="l" defTabSz="914400" rtl="0" eaLnBrk="1" fontAlgn="auto" latinLnBrk="0" hangingPunct="1">
+              <a:lnSpc>
+                <a:spcPct val="100000"/>
+              </a:lnSpc>
+              <a:spcBef>
+                <a:spcPct val="20000"/>
+              </a:spcBef>
+              <a:spcAft>
+                <a:spcPts val="0"/>
+              </a:spcAft>
+              <a:buClr>
+                <a:schemeClr val="accent3"/>
+              </a:buClr>
+              <a:buSzPct val="95000"/>
+              <a:buFont typeface="Wingdings 2"/>
+              <a:buNone/>
+              <a:tabLst/>
+              <a:defRPr/>
+            </a:pPr>
+            <a:endParaRPr kumimoji="0" lang="fr-FR" sz="2600" b="1" i="0" u="none" strike="noStrike" kern="1200" cap="none" spc="0" normalizeH="0" baseline="0" noProof="0" dirty="0" smtClean="0">
+              <a:ln w="1905"/>
+              <a:gradFill>
+                <a:gsLst>
+                  <a:gs pos="0">
+                    <a:schemeClr val="accent6">
+                      <a:shade val="20000"/>
+                      <a:satMod val="200000"/>
+                    </a:schemeClr>
+                  </a:gs>
+                  <a:gs pos="78000">
+                    <a:schemeClr val="accent6">
+                      <a:tint val="90000"/>
+                      <a:shade val="89000"/>
+                      <a:satMod val="220000"/>
+                    </a:schemeClr>
+                  </a:gs>
+                  <a:gs pos="100000">
+                    <a:schemeClr val="accent6">
+                      <a:tint val="12000"/>
+                      <a:satMod val="255000"/>
+                    </a:schemeClr>
+                  </a:gs>
+                </a:gsLst>
+                <a:lin ang="5400000"/>
+              </a:gradFill>
+              <a:effectLst>
+                <a:innerShdw blurRad="69850" dist="43180" dir="5400000">
+                  <a:srgbClr val="000000">
+                    <a:alpha val="65000"/>
+                  </a:srgbClr>
+                </a:innerShdw>
+                <a:reflection blurRad="6350" stA="55000" endA="300" endPos="45500" dir="5400000" sy="-100000" algn="bl" rotWithShape="0"/>
+              </a:effectLst>
+              <a:uLnTx/>
+              <a:uFillTx/>
+              <a:latin typeface="+mn-lt"/>
+              <a:ea typeface="+mn-ea"/>
+              <a:cs typeface="+mn-cs"/>
+            </a:endParaRPr>
+          </a:p>
+          <a:p>
+            <a:pPr marL="640080" marR="0" lvl="1" indent="-246888" algn="l" defTabSz="914400" rtl="0" eaLnBrk="1" fontAlgn="auto" latinLnBrk="0" hangingPunct="1">
+              <a:lnSpc>
+                <a:spcPct val="100000"/>
+              </a:lnSpc>
+              <a:spcBef>
+                <a:spcPct val="20000"/>
+              </a:spcBef>
+              <a:spcAft>
+                <a:spcPts val="0"/>
+              </a:spcAft>
+              <a:buClr>
+                <a:schemeClr val="accent1"/>
+              </a:buClr>
+              <a:buSzPct val="85000"/>
+              <a:buFont typeface="Wingdings 2"/>
+              <a:buChar char=""/>
+              <a:tabLst/>
+              <a:defRPr/>
+            </a:pPr>
+            <a:endParaRPr kumimoji="0" lang="fr-FR" sz="2400" b="1" i="0" u="none" strike="noStrike" kern="1200" cap="none" spc="0" normalizeH="0" baseline="0" noProof="0" dirty="0" smtClean="0">
+              <a:ln w="1905"/>
+              <a:gradFill>
+                <a:gsLst>
+                  <a:gs pos="0">
+                    <a:schemeClr val="accent6">
+                      <a:shade val="20000"/>
+                      <a:satMod val="200000"/>
+                    </a:schemeClr>
+                  </a:gs>
+                  <a:gs pos="78000">
+                    <a:schemeClr val="accent6">
+                      <a:tint val="90000"/>
+                      <a:shade val="89000"/>
+                      <a:satMod val="220000"/>
+                    </a:schemeClr>
+                  </a:gs>
+                  <a:gs pos="100000">
+                    <a:schemeClr val="accent6">
+                      <a:tint val="12000"/>
+                      <a:satMod val="255000"/>
+                    </a:schemeClr>
+                  </a:gs>
+                </a:gsLst>
+                <a:lin ang="5400000"/>
+              </a:gradFill>
+              <a:effectLst>
+                <a:innerShdw blurRad="69850" dist="43180" dir="5400000">
+                  <a:srgbClr val="000000">
+                    <a:alpha val="65000"/>
+                  </a:srgbClr>
+                </a:innerShdw>
+                <a:reflection blurRad="6350" stA="55000" endA="300" endPos="45500" dir="5400000" sy="-100000" algn="bl" rotWithShape="0"/>
+              </a:effectLst>
+              <a:uLnTx/>
+              <a:uFillTx/>
+              <a:latin typeface="+mn-lt"/>
+              <a:ea typeface="+mn-ea"/>
+              <a:cs typeface="+mn-cs"/>
+            </a:endParaRPr>
+          </a:p>
+          <a:p>
+            <a:pPr marL="274320" marR="0" lvl="0" indent="-274320" algn="l" defTabSz="914400" rtl="0" eaLnBrk="1" fontAlgn="auto" latinLnBrk="0" hangingPunct="1">
+              <a:lnSpc>
+                <a:spcPct val="100000"/>
+              </a:lnSpc>
+              <a:spcBef>
+                <a:spcPct val="20000"/>
+              </a:spcBef>
+              <a:spcAft>
+                <a:spcPts val="0"/>
+              </a:spcAft>
+              <a:buClr>
+                <a:schemeClr val="accent3"/>
+              </a:buClr>
+              <a:buSzPct val="95000"/>
+              <a:buFont typeface="Wingdings 2"/>
+              <a:buChar char=""/>
+              <a:tabLst/>
+              <a:defRPr/>
+            </a:pPr>
+            <a:endParaRPr kumimoji="0" lang="fr-FR" sz="2600" b="0" i="0" u="none" strike="noStrike" kern="1200" cap="none" spc="0" normalizeH="0" baseline="0" noProof="0" dirty="0">
+              <a:ln>
+                <a:noFill/>
+              </a:ln>
+              <a:solidFill>
+                <a:schemeClr val="tx1"/>
+              </a:solidFill>
+              <a:effectLst/>
+              <a:uLnTx/>
+              <a:uFillTx/>
+              <a:latin typeface="+mn-lt"/>
+              <a:ea typeface="+mn-ea"/>
+              <a:cs typeface="+mn-cs"/>
+            </a:endParaRPr>
+          </a:p>
+        </p:txBody>
+      </p:sp>
+    </p:spTree>
+  </p:cSld>
+  <p:clrMapOvr>
+    <a:masterClrMapping/>
+  </p:clrMapOvr>
+  <p:transition>
+    <p:fade/>
+  </p:transition>
+</p:sld>
+</file>
+
+<file path=ppt/slides/slide19.xml><?xml version="1.0" encoding="utf-8"?>
 <p:sld xmlns:a="http://schemas.openxmlformats.org/drawingml/2006/main" xmlns:r="http://schemas.openxmlformats.org/officeDocument/2006/relationships" xmlns:p="http://schemas.openxmlformats.org/presentationml/2006/main">
   <p:cSld>
     <p:spTree>
@@ -8158,7 +14167,171 @@
 </p:sld>
 </file>
 
-<file path=ppt/slides/slide6.xml><?xml version="1.0" encoding="utf-8"?>
+<file path=ppt/slides/slide2.xml><?xml version="1.0" encoding="utf-8"?>
+<p:sld xmlns:a="http://schemas.openxmlformats.org/drawingml/2006/main" xmlns:r="http://schemas.openxmlformats.org/officeDocument/2006/relationships" xmlns:p="http://schemas.openxmlformats.org/presentationml/2006/main">
+  <p:cSld>
+    <p:spTree>
+      <p:nvGrpSpPr>
+        <p:cNvPr id="1" name=""/>
+        <p:cNvGrpSpPr/>
+        <p:nvPr/>
+      </p:nvGrpSpPr>
+      <p:grpSpPr>
+        <a:xfrm>
+          <a:off x="0" y="0"/>
+          <a:ext cx="0" cy="0"/>
+          <a:chOff x="0" y="0"/>
+          <a:chExt cx="0" cy="0"/>
+        </a:xfrm>
+      </p:grpSpPr>
+      <p:sp>
+        <p:nvSpPr>
+          <p:cNvPr id="2" name="Titre 1"/>
+          <p:cNvSpPr>
+            <a:spLocks noGrp="1"/>
+          </p:cNvSpPr>
+          <p:nvPr>
+            <p:ph type="title"/>
+          </p:nvPr>
+        </p:nvSpPr>
+        <p:spPr/>
+        <p:txBody>
+          <a:bodyPr/>
+          <a:lstStyle/>
+          <a:p>
+            <a:r>
+              <a:rPr lang="fr-FR" b="1" dirty="0" smtClean="0">
+                <a:ln w="1905"/>
+                <a:gradFill>
+                  <a:gsLst>
+                    <a:gs pos="0">
+                      <a:schemeClr val="accent6">
+                        <a:shade val="20000"/>
+                        <a:satMod val="200000"/>
+                      </a:schemeClr>
+                    </a:gs>
+                    <a:gs pos="78000">
+                      <a:schemeClr val="accent6">
+                        <a:tint val="90000"/>
+                        <a:shade val="89000"/>
+                        <a:satMod val="220000"/>
+                      </a:schemeClr>
+                    </a:gs>
+                    <a:gs pos="100000">
+                      <a:schemeClr val="accent6">
+                        <a:tint val="12000"/>
+                        <a:satMod val="255000"/>
+                      </a:schemeClr>
+                    </a:gs>
+                  </a:gsLst>
+                  <a:lin ang="5400000"/>
+                </a:gradFill>
+                <a:effectLst>
+                  <a:innerShdw blurRad="69850" dist="43180" dir="5400000">
+                    <a:srgbClr val="000000">
+                      <a:alpha val="65000"/>
+                    </a:srgbClr>
+                  </a:innerShdw>
+                  <a:reflection blurRad="6350" stA="55000" endA="300" endPos="45500" dir="5400000" sy="-100000" algn="bl" rotWithShape="0"/>
+                </a:effectLst>
+              </a:rPr>
+              <a:t>Objectifs Initiaux</a:t>
+            </a:r>
+            <a:endParaRPr lang="fr-FR" b="1" dirty="0">
+              <a:ln w="1905"/>
+              <a:gradFill>
+                <a:gsLst>
+                  <a:gs pos="0">
+                    <a:schemeClr val="accent6">
+                      <a:shade val="20000"/>
+                      <a:satMod val="200000"/>
+                    </a:schemeClr>
+                  </a:gs>
+                  <a:gs pos="78000">
+                    <a:schemeClr val="accent6">
+                      <a:tint val="90000"/>
+                      <a:shade val="89000"/>
+                      <a:satMod val="220000"/>
+                    </a:schemeClr>
+                  </a:gs>
+                  <a:gs pos="100000">
+                    <a:schemeClr val="accent6">
+                      <a:tint val="12000"/>
+                      <a:satMod val="255000"/>
+                    </a:schemeClr>
+                  </a:gs>
+                </a:gsLst>
+                <a:lin ang="5400000"/>
+              </a:gradFill>
+              <a:effectLst>
+                <a:innerShdw blurRad="69850" dist="43180" dir="5400000">
+                  <a:srgbClr val="000000">
+                    <a:alpha val="65000"/>
+                  </a:srgbClr>
+                </a:innerShdw>
+                <a:reflection blurRad="6350" stA="55000" endA="300" endPos="45500" dir="5400000" sy="-100000" algn="bl" rotWithShape="0"/>
+              </a:effectLst>
+            </a:endParaRPr>
+          </a:p>
+        </p:txBody>
+      </p:sp>
+      <p:sp>
+        <p:nvSpPr>
+          <p:cNvPr id="3" name="Espace réservé du contenu 2"/>
+          <p:cNvSpPr>
+            <a:spLocks noGrp="1"/>
+          </p:cNvSpPr>
+          <p:nvPr>
+            <p:ph idx="1"/>
+          </p:nvPr>
+        </p:nvSpPr>
+        <p:spPr/>
+        <p:txBody>
+          <a:bodyPr/>
+          <a:lstStyle/>
+          <a:p>
+            <a:r>
+              <a:rPr lang="fr-FR" dirty="0" smtClean="0"/>
+              <a:t>Contexte:</a:t>
+            </a:r>
+          </a:p>
+          <a:p>
+            <a:pPr>
+              <a:buNone/>
+            </a:pPr>
+            <a:endParaRPr lang="fr-FR" dirty="0" smtClean="0"/>
+          </a:p>
+          <a:p>
+            <a:r>
+              <a:rPr lang="fr-FR" dirty="0" smtClean="0"/>
+              <a:t>Choix techniques:</a:t>
+            </a:r>
+          </a:p>
+          <a:p>
+            <a:pPr lvl="1"/>
+            <a:endParaRPr lang="fr-FR" dirty="0"/>
+          </a:p>
+        </p:txBody>
+      </p:sp>
+    </p:spTree>
+  </p:cSld>
+  <p:clrMapOvr>
+    <a:masterClrMapping/>
+  </p:clrMapOvr>
+  <p:transition>
+    <p:fade/>
+  </p:transition>
+  <p:timing>
+    <p:tnLst>
+      <p:par>
+        <p:cTn id="1" dur="indefinite" restart="never" nodeType="tmRoot"/>
+      </p:par>
+    </p:tnLst>
+  </p:timing>
+</p:sld>
+</file>
+
+<file path=ppt/slides/slide20.xml><?xml version="1.0" encoding="utf-8"?>
 <p:sld xmlns:a="http://schemas.openxmlformats.org/drawingml/2006/main" xmlns:r="http://schemas.openxmlformats.org/officeDocument/2006/relationships" xmlns:p="http://schemas.openxmlformats.org/presentationml/2006/main">
   <p:cSld>
     <p:spTree>
@@ -8293,49 +14466,29 @@
             <a:pPr lvl="0"/>
             <a:r>
               <a:rPr lang="fr-FR" dirty="0" smtClean="0"/>
-              <a:t>Stratégie </a:t>
-            </a:r>
+              <a:t>Stratégie indéterminée : choix du nœud cible aléatoire.</a:t>
+            </a:r>
+          </a:p>
+          <a:p>
+            <a:pPr lvl="0"/>
             <a:r>
               <a:rPr lang="fr-FR" dirty="0" smtClean="0"/>
-              <a:t>indéterminée : choix du nœud cible aléatoire.</a:t>
-            </a:r>
-            <a:endParaRPr lang="fr-FR" dirty="0" smtClean="0"/>
+              <a:t>Stratégie Exploratrice : choisie les nœuds jamais parcourus grâce à la carte.</a:t>
+            </a:r>
           </a:p>
           <a:p>
             <a:pPr lvl="0"/>
             <a:r>
               <a:rPr lang="fr-FR" dirty="0" smtClean="0"/>
-              <a:t>Stratégie </a:t>
-            </a:r>
+              <a:t>Stratégie Offensive : choisie les nœuds possédant un coefficient de risque assez élevé.</a:t>
+            </a:r>
+          </a:p>
+          <a:p>
+            <a:pPr lvl="0"/>
             <a:r>
               <a:rPr lang="fr-FR" dirty="0" smtClean="0"/>
-              <a:t>Exploratrice : choisie les nœuds jamais parcourus grâce à la carte.</a:t>
-            </a:r>
-            <a:endParaRPr lang="fr-FR" dirty="0" smtClean="0"/>
-          </a:p>
-          <a:p>
-            <a:pPr lvl="0"/>
-            <a:r>
-              <a:rPr lang="fr-FR" dirty="0" smtClean="0"/>
-              <a:t>Stratégie </a:t>
-            </a:r>
-            <a:r>
-              <a:rPr lang="fr-FR" dirty="0" smtClean="0"/>
-              <a:t>Offensive : choisie les nœuds possédant un coefficient de risque assez élevé.</a:t>
-            </a:r>
-            <a:endParaRPr lang="fr-FR" dirty="0" smtClean="0"/>
-          </a:p>
-          <a:p>
-            <a:pPr lvl="0"/>
-            <a:r>
-              <a:rPr lang="fr-FR" dirty="0" smtClean="0"/>
-              <a:t>Stratégie </a:t>
-            </a:r>
-            <a:r>
-              <a:rPr lang="fr-FR" dirty="0" smtClean="0"/>
-              <a:t>Défensive: défend la base et les nœuds alentours</a:t>
-            </a:r>
-            <a:endParaRPr lang="fr-FR" dirty="0" smtClean="0"/>
+              <a:t>Stratégie Défensive: défend la base et les nœuds alentours</a:t>
+            </a:r>
           </a:p>
           <a:p>
             <a:pPr>
@@ -8769,6 +14922,2553 @@
       </p:par>
     </p:tnLst>
   </p:timing>
+</p:sld>
+</file>
+
+<file path=ppt/slides/slide3.xml><?xml version="1.0" encoding="utf-8"?>
+<p:sld xmlns:a="http://schemas.openxmlformats.org/drawingml/2006/main" xmlns:r="http://schemas.openxmlformats.org/officeDocument/2006/relationships" xmlns:p="http://schemas.openxmlformats.org/presentationml/2006/main">
+  <p:cSld>
+    <p:spTree>
+      <p:nvGrpSpPr>
+        <p:cNvPr id="1" name=""/>
+        <p:cNvGrpSpPr/>
+        <p:nvPr/>
+      </p:nvGrpSpPr>
+      <p:grpSpPr>
+        <a:xfrm>
+          <a:off x="0" y="0"/>
+          <a:ext cx="0" cy="0"/>
+          <a:chOff x="0" y="0"/>
+          <a:chExt cx="0" cy="0"/>
+        </a:xfrm>
+      </p:grpSpPr>
+      <p:sp>
+        <p:nvSpPr>
+          <p:cNvPr id="2" name="Titre 1"/>
+          <p:cNvSpPr>
+            <a:spLocks noGrp="1"/>
+          </p:cNvSpPr>
+          <p:nvPr>
+            <p:ph type="title"/>
+          </p:nvPr>
+        </p:nvSpPr>
+        <p:spPr/>
+        <p:txBody>
+          <a:bodyPr/>
+          <a:lstStyle/>
+          <a:p>
+            <a:r>
+              <a:rPr lang="fr-FR" b="1" dirty="0" smtClean="0">
+                <a:ln w="1905"/>
+                <a:gradFill>
+                  <a:gsLst>
+                    <a:gs pos="0">
+                      <a:schemeClr val="accent6">
+                        <a:shade val="20000"/>
+                        <a:satMod val="200000"/>
+                      </a:schemeClr>
+                    </a:gs>
+                    <a:gs pos="78000">
+                      <a:schemeClr val="accent6">
+                        <a:tint val="90000"/>
+                        <a:shade val="89000"/>
+                        <a:satMod val="220000"/>
+                      </a:schemeClr>
+                    </a:gs>
+                    <a:gs pos="100000">
+                      <a:schemeClr val="accent6">
+                        <a:tint val="12000"/>
+                        <a:satMod val="255000"/>
+                      </a:schemeClr>
+                    </a:gs>
+                  </a:gsLst>
+                  <a:lin ang="5400000"/>
+                </a:gradFill>
+                <a:effectLst>
+                  <a:innerShdw blurRad="69850" dist="43180" dir="5400000">
+                    <a:srgbClr val="000000">
+                      <a:alpha val="65000"/>
+                    </a:srgbClr>
+                  </a:innerShdw>
+                  <a:reflection blurRad="6350" stA="55000" endA="300" endPos="45500" dir="5400000" sy="-100000" algn="bl" rotWithShape="0"/>
+                </a:effectLst>
+              </a:rPr>
+              <a:t>Présentation du jeu</a:t>
+            </a:r>
+            <a:endParaRPr lang="fr-FR" b="1" dirty="0">
+              <a:ln w="1905"/>
+              <a:gradFill>
+                <a:gsLst>
+                  <a:gs pos="0">
+                    <a:schemeClr val="accent6">
+                      <a:shade val="20000"/>
+                      <a:satMod val="200000"/>
+                    </a:schemeClr>
+                  </a:gs>
+                  <a:gs pos="78000">
+                    <a:schemeClr val="accent6">
+                      <a:tint val="90000"/>
+                      <a:shade val="89000"/>
+                      <a:satMod val="220000"/>
+                    </a:schemeClr>
+                  </a:gs>
+                  <a:gs pos="100000">
+                    <a:schemeClr val="accent6">
+                      <a:tint val="12000"/>
+                      <a:satMod val="255000"/>
+                    </a:schemeClr>
+                  </a:gs>
+                </a:gsLst>
+                <a:lin ang="5400000"/>
+              </a:gradFill>
+              <a:effectLst>
+                <a:innerShdw blurRad="69850" dist="43180" dir="5400000">
+                  <a:srgbClr val="000000">
+                    <a:alpha val="65000"/>
+                  </a:srgbClr>
+                </a:innerShdw>
+                <a:reflection blurRad="6350" stA="55000" endA="300" endPos="45500" dir="5400000" sy="-100000" algn="bl" rotWithShape="0"/>
+              </a:effectLst>
+            </a:endParaRPr>
+          </a:p>
+        </p:txBody>
+      </p:sp>
+      <p:sp>
+        <p:nvSpPr>
+          <p:cNvPr id="3" name="Espace réservé du contenu 2"/>
+          <p:cNvSpPr>
+            <a:spLocks noGrp="1"/>
+          </p:cNvSpPr>
+          <p:nvPr>
+            <p:ph idx="1"/>
+          </p:nvPr>
+        </p:nvSpPr>
+        <p:spPr>
+          <a:xfrm>
+            <a:off x="457200" y="1935480"/>
+            <a:ext cx="8229600" cy="4708230"/>
+          </a:xfrm>
+        </p:spPr>
+        <p:txBody>
+          <a:bodyPr>
+            <a:normAutofit/>
+          </a:bodyPr>
+          <a:lstStyle/>
+          <a:p>
+            <a:endParaRPr lang="fr-FR" dirty="0" smtClean="0"/>
+          </a:p>
+          <a:p>
+            <a:endParaRPr lang="fr-FR" dirty="0"/>
+          </a:p>
+        </p:txBody>
+      </p:sp>
+    </p:spTree>
+  </p:cSld>
+  <p:clrMapOvr>
+    <a:masterClrMapping/>
+  </p:clrMapOvr>
+  <p:transition>
+    <p:fade/>
+  </p:transition>
+  <p:timing>
+    <p:tnLst>
+      <p:par>
+        <p:cTn id="1" dur="indefinite" restart="never" nodeType="tmRoot"/>
+      </p:par>
+    </p:tnLst>
+  </p:timing>
+</p:sld>
+</file>
+
+<file path=ppt/slides/slide4.xml><?xml version="1.0" encoding="utf-8"?>
+<p:sld xmlns:a="http://schemas.openxmlformats.org/drawingml/2006/main" xmlns:r="http://schemas.openxmlformats.org/officeDocument/2006/relationships" xmlns:p="http://schemas.openxmlformats.org/presentationml/2006/main">
+  <p:cSld>
+    <p:spTree>
+      <p:nvGrpSpPr>
+        <p:cNvPr id="1" name=""/>
+        <p:cNvGrpSpPr/>
+        <p:nvPr/>
+      </p:nvGrpSpPr>
+      <p:grpSpPr>
+        <a:xfrm>
+          <a:off x="0" y="0"/>
+          <a:ext cx="0" cy="0"/>
+          <a:chOff x="0" y="0"/>
+          <a:chExt cx="0" cy="0"/>
+        </a:xfrm>
+      </p:grpSpPr>
+      <p:sp>
+        <p:nvSpPr>
+          <p:cNvPr id="2" name="Titre 1"/>
+          <p:cNvSpPr>
+            <a:spLocks noGrp="1"/>
+          </p:cNvSpPr>
+          <p:nvPr>
+            <p:ph type="title"/>
+          </p:nvPr>
+        </p:nvSpPr>
+        <p:spPr/>
+        <p:txBody>
+          <a:bodyPr/>
+          <a:lstStyle/>
+          <a:p>
+            <a:r>
+              <a:rPr lang="fr-FR" b="1" dirty="0" smtClean="0">
+                <a:ln w="1905"/>
+                <a:gradFill>
+                  <a:gsLst>
+                    <a:gs pos="0">
+                      <a:schemeClr val="accent6">
+                        <a:shade val="20000"/>
+                        <a:satMod val="200000"/>
+                      </a:schemeClr>
+                    </a:gs>
+                    <a:gs pos="78000">
+                      <a:schemeClr val="accent6">
+                        <a:tint val="90000"/>
+                        <a:shade val="89000"/>
+                        <a:satMod val="220000"/>
+                      </a:schemeClr>
+                    </a:gs>
+                    <a:gs pos="100000">
+                      <a:schemeClr val="accent6">
+                        <a:tint val="12000"/>
+                        <a:satMod val="255000"/>
+                      </a:schemeClr>
+                    </a:gs>
+                  </a:gsLst>
+                  <a:lin ang="5400000"/>
+                </a:gradFill>
+                <a:effectLst>
+                  <a:innerShdw blurRad="69850" dist="43180" dir="5400000">
+                    <a:srgbClr val="000000">
+                      <a:alpha val="65000"/>
+                    </a:srgbClr>
+                  </a:innerShdw>
+                  <a:reflection blurRad="6350" stA="55000" endA="300" endPos="45500" dir="5400000" sy="-100000" algn="bl" rotWithShape="0"/>
+                </a:effectLst>
+              </a:rPr>
+              <a:t>Le réseau virtuel</a:t>
+            </a:r>
+            <a:endParaRPr lang="fr-FR" b="1" dirty="0">
+              <a:ln w="1905"/>
+              <a:gradFill>
+                <a:gsLst>
+                  <a:gs pos="0">
+                    <a:schemeClr val="accent6">
+                      <a:shade val="20000"/>
+                      <a:satMod val="200000"/>
+                    </a:schemeClr>
+                  </a:gs>
+                  <a:gs pos="78000">
+                    <a:schemeClr val="accent6">
+                      <a:tint val="90000"/>
+                      <a:shade val="89000"/>
+                      <a:satMod val="220000"/>
+                    </a:schemeClr>
+                  </a:gs>
+                  <a:gs pos="100000">
+                    <a:schemeClr val="accent6">
+                      <a:tint val="12000"/>
+                      <a:satMod val="255000"/>
+                    </a:schemeClr>
+                  </a:gs>
+                </a:gsLst>
+                <a:lin ang="5400000"/>
+              </a:gradFill>
+              <a:effectLst>
+                <a:innerShdw blurRad="69850" dist="43180" dir="5400000">
+                  <a:srgbClr val="000000">
+                    <a:alpha val="65000"/>
+                  </a:srgbClr>
+                </a:innerShdw>
+                <a:reflection blurRad="6350" stA="55000" endA="300" endPos="45500" dir="5400000" sy="-100000" algn="bl" rotWithShape="0"/>
+              </a:effectLst>
+            </a:endParaRPr>
+          </a:p>
+        </p:txBody>
+      </p:sp>
+      <p:sp>
+        <p:nvSpPr>
+          <p:cNvPr id="3" name="Espace réservé du contenu 2"/>
+          <p:cNvSpPr>
+            <a:spLocks noGrp="1"/>
+          </p:cNvSpPr>
+          <p:nvPr>
+            <p:ph idx="1"/>
+          </p:nvPr>
+        </p:nvSpPr>
+        <p:spPr/>
+        <p:txBody>
+          <a:bodyPr/>
+          <a:lstStyle/>
+          <a:p>
+            <a:pPr>
+              <a:buNone/>
+            </a:pPr>
+            <a:r>
+              <a:rPr lang="fr-FR" b="1" dirty="0" smtClean="0">
+                <a:ln w="1905"/>
+                <a:gradFill>
+                  <a:gsLst>
+                    <a:gs pos="0">
+                      <a:schemeClr val="accent6">
+                        <a:shade val="20000"/>
+                        <a:satMod val="200000"/>
+                      </a:schemeClr>
+                    </a:gs>
+                    <a:gs pos="78000">
+                      <a:schemeClr val="accent6">
+                        <a:tint val="90000"/>
+                        <a:shade val="89000"/>
+                        <a:satMod val="220000"/>
+                      </a:schemeClr>
+                    </a:gs>
+                    <a:gs pos="100000">
+                      <a:schemeClr val="accent6">
+                        <a:tint val="12000"/>
+                        <a:satMod val="255000"/>
+                      </a:schemeClr>
+                    </a:gs>
+                  </a:gsLst>
+                  <a:lin ang="5400000"/>
+                </a:gradFill>
+                <a:effectLst>
+                  <a:innerShdw blurRad="69850" dist="43180" dir="5400000">
+                    <a:srgbClr val="000000">
+                      <a:alpha val="65000"/>
+                    </a:srgbClr>
+                  </a:innerShdw>
+                  <a:reflection blurRad="6350" stA="55000" endA="300" endPos="45500" dir="5400000" sy="-100000" algn="bl" rotWithShape="0"/>
+                </a:effectLst>
+              </a:rPr>
+              <a:t>I/ Propriétés</a:t>
+            </a:r>
+            <a:endParaRPr lang="fr-FR" b="1" dirty="0">
+              <a:ln w="1905"/>
+              <a:gradFill>
+                <a:gsLst>
+                  <a:gs pos="0">
+                    <a:schemeClr val="accent6">
+                      <a:shade val="20000"/>
+                      <a:satMod val="200000"/>
+                    </a:schemeClr>
+                  </a:gs>
+                  <a:gs pos="78000">
+                    <a:schemeClr val="accent6">
+                      <a:tint val="90000"/>
+                      <a:shade val="89000"/>
+                      <a:satMod val="220000"/>
+                    </a:schemeClr>
+                  </a:gs>
+                  <a:gs pos="100000">
+                    <a:schemeClr val="accent6">
+                      <a:tint val="12000"/>
+                      <a:satMod val="255000"/>
+                    </a:schemeClr>
+                  </a:gs>
+                </a:gsLst>
+                <a:lin ang="5400000"/>
+              </a:gradFill>
+              <a:effectLst>
+                <a:innerShdw blurRad="69850" dist="43180" dir="5400000">
+                  <a:srgbClr val="000000">
+                    <a:alpha val="65000"/>
+                  </a:srgbClr>
+                </a:innerShdw>
+                <a:reflection blurRad="6350" stA="55000" endA="300" endPos="45500" dir="5400000" sy="-100000" algn="bl" rotWithShape="0"/>
+              </a:effectLst>
+              <a:latin typeface="+mj-lt"/>
+            </a:endParaRPr>
+          </a:p>
+          <a:p>
+            <a:pPr lvl="1"/>
+            <a:r>
+              <a:rPr lang="fr-FR" dirty="0" smtClean="0"/>
+              <a:t>Crée par Dieu</a:t>
+            </a:r>
+          </a:p>
+          <a:p>
+            <a:pPr lvl="1"/>
+            <a:r>
+              <a:rPr lang="fr-FR" dirty="0" smtClean="0"/>
+              <a:t>Généré aléatoirement</a:t>
+            </a:r>
+          </a:p>
+          <a:p>
+            <a:pPr lvl="2"/>
+            <a:r>
+              <a:rPr lang="fr-FR" dirty="0" smtClean="0"/>
+              <a:t>Large choix de paramètres de génération</a:t>
+            </a:r>
+            <a:endParaRPr lang="fr-FR" b="1" dirty="0" smtClean="0">
+              <a:ln w="1905"/>
+              <a:gradFill>
+                <a:gsLst>
+                  <a:gs pos="0">
+                    <a:schemeClr val="accent6">
+                      <a:shade val="20000"/>
+                      <a:satMod val="200000"/>
+                    </a:schemeClr>
+                  </a:gs>
+                  <a:gs pos="78000">
+                    <a:schemeClr val="accent6">
+                      <a:tint val="90000"/>
+                      <a:shade val="89000"/>
+                      <a:satMod val="220000"/>
+                    </a:schemeClr>
+                  </a:gs>
+                  <a:gs pos="100000">
+                    <a:schemeClr val="accent6">
+                      <a:tint val="12000"/>
+                      <a:satMod val="255000"/>
+                    </a:schemeClr>
+                  </a:gs>
+                </a:gsLst>
+                <a:lin ang="5400000"/>
+              </a:gradFill>
+              <a:effectLst>
+                <a:innerShdw blurRad="69850" dist="43180" dir="5400000">
+                  <a:srgbClr val="000000">
+                    <a:alpha val="65000"/>
+                  </a:srgbClr>
+                </a:innerShdw>
+                <a:reflection blurRad="6350" stA="55000" endA="300" endPos="45500" dir="5400000" sy="-100000" algn="bl" rotWithShape="0"/>
+              </a:effectLst>
+            </a:endParaRPr>
+          </a:p>
+        </p:txBody>
+      </p:sp>
+      <p:pic>
+        <p:nvPicPr>
+          <p:cNvPr id="4" name="Image 3"/>
+          <p:cNvPicPr/>
+          <p:nvPr/>
+        </p:nvPicPr>
+        <p:blipFill>
+          <a:blip r:embed="rId2"/>
+          <a:srcRect/>
+          <a:stretch>
+            <a:fillRect/>
+          </a:stretch>
+        </p:blipFill>
+        <p:spPr bwMode="auto">
+          <a:xfrm>
+            <a:off x="2143108" y="3857628"/>
+            <a:ext cx="4857784" cy="2728918"/>
+          </a:xfrm>
+          <a:prstGeom prst="rect">
+            <a:avLst/>
+          </a:prstGeom>
+          <a:noFill/>
+          <a:ln w="9525">
+            <a:noFill/>
+            <a:miter lim="800000"/>
+            <a:headEnd/>
+            <a:tailEnd/>
+          </a:ln>
+        </p:spPr>
+      </p:pic>
+    </p:spTree>
+  </p:cSld>
+  <p:clrMapOvr>
+    <a:masterClrMapping/>
+  </p:clrMapOvr>
+  <p:transition>
+    <p:fade/>
+  </p:transition>
+  <p:timing>
+    <p:tnLst>
+      <p:par>
+        <p:cTn id="1" dur="indefinite" restart="never" nodeType="tmRoot">
+          <p:childTnLst>
+            <p:seq concurrent="1" nextAc="seek">
+              <p:cTn id="2" dur="indefinite" nodeType="mainSeq">
+                <p:childTnLst>
+                  <p:par>
+                    <p:cTn id="3" fill="hold">
+                      <p:stCondLst>
+                        <p:cond delay="indefinite"/>
+                      </p:stCondLst>
+                      <p:childTnLst>
+                        <p:par>
+                          <p:cTn id="4" fill="hold">
+                            <p:stCondLst>
+                              <p:cond delay="0"/>
+                            </p:stCondLst>
+                            <p:childTnLst>
+                              <p:par>
+                                <p:cTn id="5" presetID="10" presetClass="entr" presetSubtype="0" fill="hold" nodeType="clickEffect">
+                                  <p:stCondLst>
+                                    <p:cond delay="0"/>
+                                  </p:stCondLst>
+                                  <p:childTnLst>
+                                    <p:set>
+                                      <p:cBhvr>
+                                        <p:cTn id="6" dur="1" fill="hold">
+                                          <p:stCondLst>
+                                            <p:cond delay="0"/>
+                                          </p:stCondLst>
+                                        </p:cTn>
+                                        <p:tgtEl>
+                                          <p:spTgt spid="3">
+                                            <p:txEl>
+                                              <p:pRg st="0" end="0"/>
+                                            </p:txEl>
+                                          </p:spTgt>
+                                        </p:tgtEl>
+                                        <p:attrNameLst>
+                                          <p:attrName>style.visibility</p:attrName>
+                                        </p:attrNameLst>
+                                      </p:cBhvr>
+                                      <p:to>
+                                        <p:strVal val="visible"/>
+                                      </p:to>
+                                    </p:set>
+                                    <p:animEffect transition="in" filter="fade">
+                                      <p:cBhvr>
+                                        <p:cTn id="7" dur="2000"/>
+                                        <p:tgtEl>
+                                          <p:spTgt spid="3">
+                                            <p:txEl>
+                                              <p:pRg st="0" end="0"/>
+                                            </p:txEl>
+                                          </p:spTgt>
+                                        </p:tgtEl>
+                                      </p:cBhvr>
+                                    </p:animEffect>
+                                  </p:childTnLst>
+                                </p:cTn>
+                              </p:par>
+                            </p:childTnLst>
+                          </p:cTn>
+                        </p:par>
+                      </p:childTnLst>
+                    </p:cTn>
+                  </p:par>
+                </p:childTnLst>
+              </p:cTn>
+              <p:prevCondLst>
+                <p:cond evt="onPrev" delay="0">
+                  <p:tgtEl>
+                    <p:sldTgt/>
+                  </p:tgtEl>
+                </p:cond>
+              </p:prevCondLst>
+              <p:nextCondLst>
+                <p:cond evt="onNext" delay="0">
+                  <p:tgtEl>
+                    <p:sldTgt/>
+                  </p:tgtEl>
+                </p:cond>
+              </p:nextCondLst>
+            </p:seq>
+          </p:childTnLst>
+        </p:cTn>
+      </p:par>
+    </p:tnLst>
+  </p:timing>
+</p:sld>
+</file>
+
+<file path=ppt/slides/slide5.xml><?xml version="1.0" encoding="utf-8"?>
+<p:sld xmlns:a="http://schemas.openxmlformats.org/drawingml/2006/main" xmlns:r="http://schemas.openxmlformats.org/officeDocument/2006/relationships" xmlns:p="http://schemas.openxmlformats.org/presentationml/2006/main">
+  <p:cSld>
+    <p:spTree>
+      <p:nvGrpSpPr>
+        <p:cNvPr id="1" name=""/>
+        <p:cNvGrpSpPr/>
+        <p:nvPr/>
+      </p:nvGrpSpPr>
+      <p:grpSpPr>
+        <a:xfrm>
+          <a:off x="0" y="0"/>
+          <a:ext cx="0" cy="0"/>
+          <a:chOff x="0" y="0"/>
+          <a:chExt cx="0" cy="0"/>
+        </a:xfrm>
+      </p:grpSpPr>
+      <p:sp>
+        <p:nvSpPr>
+          <p:cNvPr id="2" name="Titre 1"/>
+          <p:cNvSpPr>
+            <a:spLocks noGrp="1"/>
+          </p:cNvSpPr>
+          <p:nvPr>
+            <p:ph type="title"/>
+          </p:nvPr>
+        </p:nvSpPr>
+        <p:spPr/>
+        <p:txBody>
+          <a:bodyPr/>
+          <a:lstStyle/>
+          <a:p>
+            <a:r>
+              <a:rPr lang="fr-FR" b="1" dirty="0" smtClean="0">
+                <a:ln w="1905"/>
+                <a:gradFill>
+                  <a:gsLst>
+                    <a:gs pos="0">
+                      <a:schemeClr val="accent6">
+                        <a:shade val="20000"/>
+                        <a:satMod val="200000"/>
+                      </a:schemeClr>
+                    </a:gs>
+                    <a:gs pos="78000">
+                      <a:schemeClr val="accent6">
+                        <a:tint val="90000"/>
+                        <a:shade val="89000"/>
+                        <a:satMod val="220000"/>
+                      </a:schemeClr>
+                    </a:gs>
+                    <a:gs pos="100000">
+                      <a:schemeClr val="accent6">
+                        <a:tint val="12000"/>
+                        <a:satMod val="255000"/>
+                      </a:schemeClr>
+                    </a:gs>
+                  </a:gsLst>
+                  <a:lin ang="5400000"/>
+                </a:gradFill>
+                <a:effectLst>
+                  <a:innerShdw blurRad="69850" dist="43180" dir="5400000">
+                    <a:srgbClr val="000000">
+                      <a:alpha val="65000"/>
+                    </a:srgbClr>
+                  </a:innerShdw>
+                  <a:reflection blurRad="6350" stA="55000" endA="300" endPos="45500" dir="5400000" sy="-100000" algn="bl" rotWithShape="0"/>
+                </a:effectLst>
+              </a:rPr>
+              <a:t>Le réseau virtuel</a:t>
+            </a:r>
+            <a:endParaRPr lang="fr-FR" b="1" dirty="0">
+              <a:ln w="1905"/>
+              <a:gradFill>
+                <a:gsLst>
+                  <a:gs pos="0">
+                    <a:schemeClr val="accent6">
+                      <a:shade val="20000"/>
+                      <a:satMod val="200000"/>
+                    </a:schemeClr>
+                  </a:gs>
+                  <a:gs pos="78000">
+                    <a:schemeClr val="accent6">
+                      <a:tint val="90000"/>
+                      <a:shade val="89000"/>
+                      <a:satMod val="220000"/>
+                    </a:schemeClr>
+                  </a:gs>
+                  <a:gs pos="100000">
+                    <a:schemeClr val="accent6">
+                      <a:tint val="12000"/>
+                      <a:satMod val="255000"/>
+                    </a:schemeClr>
+                  </a:gs>
+                </a:gsLst>
+                <a:lin ang="5400000"/>
+              </a:gradFill>
+              <a:effectLst>
+                <a:innerShdw blurRad="69850" dist="43180" dir="5400000">
+                  <a:srgbClr val="000000">
+                    <a:alpha val="65000"/>
+                  </a:srgbClr>
+                </a:innerShdw>
+                <a:reflection blurRad="6350" stA="55000" endA="300" endPos="45500" dir="5400000" sy="-100000" algn="bl" rotWithShape="0"/>
+              </a:effectLst>
+            </a:endParaRPr>
+          </a:p>
+        </p:txBody>
+      </p:sp>
+      <p:sp>
+        <p:nvSpPr>
+          <p:cNvPr id="3" name="Espace réservé du contenu 2"/>
+          <p:cNvSpPr>
+            <a:spLocks noGrp="1"/>
+          </p:cNvSpPr>
+          <p:nvPr>
+            <p:ph idx="1"/>
+          </p:nvPr>
+        </p:nvSpPr>
+        <p:spPr>
+          <a:xfrm>
+            <a:off x="457200" y="1935480"/>
+            <a:ext cx="8186766" cy="4389120"/>
+          </a:xfrm>
+        </p:spPr>
+        <p:txBody>
+          <a:bodyPr/>
+          <a:lstStyle/>
+          <a:p>
+            <a:pPr>
+              <a:buNone/>
+            </a:pPr>
+            <a:r>
+              <a:rPr lang="fr-FR" b="1" dirty="0" smtClean="0">
+                <a:ln w="1905"/>
+                <a:gradFill>
+                  <a:gsLst>
+                    <a:gs pos="0">
+                      <a:schemeClr val="accent6">
+                        <a:shade val="20000"/>
+                        <a:satMod val="200000"/>
+                      </a:schemeClr>
+                    </a:gs>
+                    <a:gs pos="78000">
+                      <a:schemeClr val="accent6">
+                        <a:tint val="90000"/>
+                        <a:shade val="89000"/>
+                        <a:satMod val="220000"/>
+                      </a:schemeClr>
+                    </a:gs>
+                    <a:gs pos="100000">
+                      <a:schemeClr val="accent6">
+                        <a:tint val="12000"/>
+                        <a:satMod val="255000"/>
+                      </a:schemeClr>
+                    </a:gs>
+                  </a:gsLst>
+                  <a:lin ang="5400000"/>
+                </a:gradFill>
+                <a:effectLst>
+                  <a:innerShdw blurRad="69850" dist="43180" dir="5400000">
+                    <a:srgbClr val="000000">
+                      <a:alpha val="65000"/>
+                    </a:srgbClr>
+                  </a:innerShdw>
+                  <a:reflection blurRad="6350" stA="55000" endA="300" endPos="45500" dir="5400000" sy="-100000" algn="bl" rotWithShape="0"/>
+                </a:effectLst>
+              </a:rPr>
+              <a:t>II/ Algorithme de création</a:t>
+            </a:r>
+            <a:endParaRPr lang="fr-FR" b="1" dirty="0">
+              <a:ln w="1905"/>
+              <a:gradFill>
+                <a:gsLst>
+                  <a:gs pos="0">
+                    <a:schemeClr val="accent6">
+                      <a:shade val="20000"/>
+                      <a:satMod val="200000"/>
+                    </a:schemeClr>
+                  </a:gs>
+                  <a:gs pos="78000">
+                    <a:schemeClr val="accent6">
+                      <a:tint val="90000"/>
+                      <a:shade val="89000"/>
+                      <a:satMod val="220000"/>
+                    </a:schemeClr>
+                  </a:gs>
+                  <a:gs pos="100000">
+                    <a:schemeClr val="accent6">
+                      <a:tint val="12000"/>
+                      <a:satMod val="255000"/>
+                    </a:schemeClr>
+                  </a:gs>
+                </a:gsLst>
+                <a:lin ang="5400000"/>
+              </a:gradFill>
+              <a:effectLst>
+                <a:innerShdw blurRad="69850" dist="43180" dir="5400000">
+                  <a:srgbClr val="000000">
+                    <a:alpha val="65000"/>
+                  </a:srgbClr>
+                </a:innerShdw>
+                <a:reflection blurRad="6350" stA="55000" endA="300" endPos="45500" dir="5400000" sy="-100000" algn="bl" rotWithShape="0"/>
+              </a:effectLst>
+              <a:latin typeface="+mj-lt"/>
+            </a:endParaRPr>
+          </a:p>
+          <a:p>
+            <a:pPr lvl="1"/>
+            <a:r>
+              <a:rPr lang="fr-FR" dirty="0" smtClean="0"/>
+              <a:t>Représentation matricielle du graphe</a:t>
+            </a:r>
+          </a:p>
+          <a:p>
+            <a:pPr lvl="1"/>
+            <a:r>
+              <a:rPr lang="fr-FR" dirty="0" smtClean="0"/>
+              <a:t>Disposition aléatoire de N nœuds</a:t>
+            </a:r>
+          </a:p>
+          <a:p>
+            <a:pPr lvl="1"/>
+            <a:r>
+              <a:rPr lang="fr-FR" dirty="0" smtClean="0"/>
+              <a:t>Pour chaque nœud</a:t>
+            </a:r>
+            <a:endParaRPr lang="fr-FR" dirty="0" smtClean="0"/>
+          </a:p>
+          <a:p>
+            <a:pPr lvl="2"/>
+            <a:r>
+              <a:rPr lang="fr-FR" dirty="0" smtClean="0"/>
+              <a:t>Recherche de voisins auxquels se lier</a:t>
+            </a:r>
+          </a:p>
+          <a:p>
+            <a:pPr lvl="2"/>
+            <a:r>
+              <a:rPr lang="fr-FR" dirty="0" smtClean="0"/>
+              <a:t>Stopper la recherche lors du franchissement du seuil de connexions</a:t>
+            </a:r>
+          </a:p>
+          <a:p>
+            <a:pPr lvl="1"/>
+            <a:r>
+              <a:rPr lang="fr-FR" dirty="0" smtClean="0"/>
+              <a:t>Assurer la connexité du graphe</a:t>
+            </a:r>
+          </a:p>
+          <a:p>
+            <a:pPr lvl="1"/>
+            <a:r>
+              <a:rPr lang="fr-FR" dirty="0" smtClean="0"/>
+              <a:t>Disposer les bases des joueurs</a:t>
+            </a:r>
+          </a:p>
+          <a:p>
+            <a:pPr lvl="1"/>
+            <a:endParaRPr lang="fr-FR" dirty="0" smtClean="0"/>
+          </a:p>
+          <a:p>
+            <a:pPr lvl="2"/>
+            <a:endParaRPr lang="fr-FR" dirty="0" smtClean="0"/>
+          </a:p>
+          <a:p>
+            <a:pPr lvl="1"/>
+            <a:endParaRPr lang="fr-FR" dirty="0" smtClean="0"/>
+          </a:p>
+        </p:txBody>
+      </p:sp>
+    </p:spTree>
+  </p:cSld>
+  <p:clrMapOvr>
+    <a:masterClrMapping/>
+  </p:clrMapOvr>
+  <p:transition>
+    <p:fade/>
+  </p:transition>
+  <p:timing>
+    <p:tnLst>
+      <p:par>
+        <p:cTn id="1" dur="indefinite" restart="never" nodeType="tmRoot">
+          <p:childTnLst>
+            <p:seq concurrent="1" nextAc="seek">
+              <p:cTn id="2" dur="indefinite" nodeType="mainSeq">
+                <p:childTnLst>
+                  <p:par>
+                    <p:cTn id="3" fill="hold">
+                      <p:stCondLst>
+                        <p:cond delay="indefinite"/>
+                      </p:stCondLst>
+                      <p:childTnLst>
+                        <p:par>
+                          <p:cTn id="4" fill="hold">
+                            <p:stCondLst>
+                              <p:cond delay="0"/>
+                            </p:stCondLst>
+                            <p:childTnLst>
+                              <p:par>
+                                <p:cTn id="5" presetID="10" presetClass="entr" presetSubtype="0" fill="hold" nodeType="clickEffect">
+                                  <p:stCondLst>
+                                    <p:cond delay="0"/>
+                                  </p:stCondLst>
+                                  <p:childTnLst>
+                                    <p:set>
+                                      <p:cBhvr>
+                                        <p:cTn id="6" dur="1" fill="hold">
+                                          <p:stCondLst>
+                                            <p:cond delay="0"/>
+                                          </p:stCondLst>
+                                        </p:cTn>
+                                        <p:tgtEl>
+                                          <p:spTgt spid="3">
+                                            <p:txEl>
+                                              <p:pRg st="0" end="0"/>
+                                            </p:txEl>
+                                          </p:spTgt>
+                                        </p:tgtEl>
+                                        <p:attrNameLst>
+                                          <p:attrName>style.visibility</p:attrName>
+                                        </p:attrNameLst>
+                                      </p:cBhvr>
+                                      <p:to>
+                                        <p:strVal val="visible"/>
+                                      </p:to>
+                                    </p:set>
+                                    <p:animEffect transition="in" filter="fade">
+                                      <p:cBhvr>
+                                        <p:cTn id="7" dur="2000"/>
+                                        <p:tgtEl>
+                                          <p:spTgt spid="3">
+                                            <p:txEl>
+                                              <p:pRg st="0" end="0"/>
+                                            </p:txEl>
+                                          </p:spTgt>
+                                        </p:tgtEl>
+                                      </p:cBhvr>
+                                    </p:animEffect>
+                                  </p:childTnLst>
+                                </p:cTn>
+                              </p:par>
+                            </p:childTnLst>
+                          </p:cTn>
+                        </p:par>
+                      </p:childTnLst>
+                    </p:cTn>
+                  </p:par>
+                  <p:par>
+                    <p:cTn id="8" fill="hold">
+                      <p:stCondLst>
+                        <p:cond delay="indefinite"/>
+                      </p:stCondLst>
+                      <p:childTnLst>
+                        <p:par>
+                          <p:cTn id="9" fill="hold">
+                            <p:stCondLst>
+                              <p:cond delay="0"/>
+                            </p:stCondLst>
+                            <p:childTnLst>
+                              <p:par>
+                                <p:cTn id="10" presetID="10" presetClass="entr" presetSubtype="0" fill="hold" nodeType="clickEffect">
+                                  <p:stCondLst>
+                                    <p:cond delay="0"/>
+                                  </p:stCondLst>
+                                  <p:childTnLst>
+                                    <p:set>
+                                      <p:cBhvr>
+                                        <p:cTn id="11" dur="1" fill="hold">
+                                          <p:stCondLst>
+                                            <p:cond delay="0"/>
+                                          </p:stCondLst>
+                                        </p:cTn>
+                                        <p:tgtEl>
+                                          <p:spTgt spid="3">
+                                            <p:txEl>
+                                              <p:pRg st="1" end="1"/>
+                                            </p:txEl>
+                                          </p:spTgt>
+                                        </p:tgtEl>
+                                        <p:attrNameLst>
+                                          <p:attrName>style.visibility</p:attrName>
+                                        </p:attrNameLst>
+                                      </p:cBhvr>
+                                      <p:to>
+                                        <p:strVal val="visible"/>
+                                      </p:to>
+                                    </p:set>
+                                    <p:animEffect transition="in" filter="fade">
+                                      <p:cBhvr>
+                                        <p:cTn id="12" dur="2000"/>
+                                        <p:tgtEl>
+                                          <p:spTgt spid="3">
+                                            <p:txEl>
+                                              <p:pRg st="1" end="1"/>
+                                            </p:txEl>
+                                          </p:spTgt>
+                                        </p:tgtEl>
+                                      </p:cBhvr>
+                                    </p:animEffect>
+                                  </p:childTnLst>
+                                </p:cTn>
+                              </p:par>
+                            </p:childTnLst>
+                          </p:cTn>
+                        </p:par>
+                      </p:childTnLst>
+                    </p:cTn>
+                  </p:par>
+                  <p:par>
+                    <p:cTn id="13" fill="hold">
+                      <p:stCondLst>
+                        <p:cond delay="indefinite"/>
+                      </p:stCondLst>
+                      <p:childTnLst>
+                        <p:par>
+                          <p:cTn id="14" fill="hold">
+                            <p:stCondLst>
+                              <p:cond delay="0"/>
+                            </p:stCondLst>
+                            <p:childTnLst>
+                              <p:par>
+                                <p:cTn id="15" presetID="10" presetClass="entr" presetSubtype="0" fill="hold" nodeType="clickEffect">
+                                  <p:stCondLst>
+                                    <p:cond delay="0"/>
+                                  </p:stCondLst>
+                                  <p:childTnLst>
+                                    <p:set>
+                                      <p:cBhvr>
+                                        <p:cTn id="16" dur="1" fill="hold">
+                                          <p:stCondLst>
+                                            <p:cond delay="0"/>
+                                          </p:stCondLst>
+                                        </p:cTn>
+                                        <p:tgtEl>
+                                          <p:spTgt spid="3">
+                                            <p:txEl>
+                                              <p:pRg st="2" end="2"/>
+                                            </p:txEl>
+                                          </p:spTgt>
+                                        </p:tgtEl>
+                                        <p:attrNameLst>
+                                          <p:attrName>style.visibility</p:attrName>
+                                        </p:attrNameLst>
+                                      </p:cBhvr>
+                                      <p:to>
+                                        <p:strVal val="visible"/>
+                                      </p:to>
+                                    </p:set>
+                                    <p:animEffect transition="in" filter="fade">
+                                      <p:cBhvr>
+                                        <p:cTn id="17" dur="2000"/>
+                                        <p:tgtEl>
+                                          <p:spTgt spid="3">
+                                            <p:txEl>
+                                              <p:pRg st="2" end="2"/>
+                                            </p:txEl>
+                                          </p:spTgt>
+                                        </p:tgtEl>
+                                      </p:cBhvr>
+                                    </p:animEffect>
+                                  </p:childTnLst>
+                                </p:cTn>
+                              </p:par>
+                            </p:childTnLst>
+                          </p:cTn>
+                        </p:par>
+                      </p:childTnLst>
+                    </p:cTn>
+                  </p:par>
+                  <p:par>
+                    <p:cTn id="18" fill="hold">
+                      <p:stCondLst>
+                        <p:cond delay="indefinite"/>
+                      </p:stCondLst>
+                      <p:childTnLst>
+                        <p:par>
+                          <p:cTn id="19" fill="hold">
+                            <p:stCondLst>
+                              <p:cond delay="0"/>
+                            </p:stCondLst>
+                            <p:childTnLst>
+                              <p:par>
+                                <p:cTn id="20" presetID="10" presetClass="entr" presetSubtype="0" fill="hold" nodeType="clickEffect">
+                                  <p:stCondLst>
+                                    <p:cond delay="0"/>
+                                  </p:stCondLst>
+                                  <p:childTnLst>
+                                    <p:set>
+                                      <p:cBhvr>
+                                        <p:cTn id="21" dur="1" fill="hold">
+                                          <p:stCondLst>
+                                            <p:cond delay="0"/>
+                                          </p:stCondLst>
+                                        </p:cTn>
+                                        <p:tgtEl>
+                                          <p:spTgt spid="3">
+                                            <p:txEl>
+                                              <p:pRg st="3" end="3"/>
+                                            </p:txEl>
+                                          </p:spTgt>
+                                        </p:tgtEl>
+                                        <p:attrNameLst>
+                                          <p:attrName>style.visibility</p:attrName>
+                                        </p:attrNameLst>
+                                      </p:cBhvr>
+                                      <p:to>
+                                        <p:strVal val="visible"/>
+                                      </p:to>
+                                    </p:set>
+                                    <p:animEffect transition="in" filter="fade">
+                                      <p:cBhvr>
+                                        <p:cTn id="22" dur="2000"/>
+                                        <p:tgtEl>
+                                          <p:spTgt spid="3">
+                                            <p:txEl>
+                                              <p:pRg st="3" end="3"/>
+                                            </p:txEl>
+                                          </p:spTgt>
+                                        </p:tgtEl>
+                                      </p:cBhvr>
+                                    </p:animEffect>
+                                  </p:childTnLst>
+                                </p:cTn>
+                              </p:par>
+                            </p:childTnLst>
+                          </p:cTn>
+                        </p:par>
+                      </p:childTnLst>
+                    </p:cTn>
+                  </p:par>
+                  <p:par>
+                    <p:cTn id="23" fill="hold">
+                      <p:stCondLst>
+                        <p:cond delay="indefinite"/>
+                      </p:stCondLst>
+                      <p:childTnLst>
+                        <p:par>
+                          <p:cTn id="24" fill="hold">
+                            <p:stCondLst>
+                              <p:cond delay="0"/>
+                            </p:stCondLst>
+                            <p:childTnLst>
+                              <p:par>
+                                <p:cTn id="25" presetID="10" presetClass="entr" presetSubtype="0" fill="hold" nodeType="clickEffect">
+                                  <p:stCondLst>
+                                    <p:cond delay="0"/>
+                                  </p:stCondLst>
+                                  <p:childTnLst>
+                                    <p:set>
+                                      <p:cBhvr>
+                                        <p:cTn id="26" dur="1" fill="hold">
+                                          <p:stCondLst>
+                                            <p:cond delay="0"/>
+                                          </p:stCondLst>
+                                        </p:cTn>
+                                        <p:tgtEl>
+                                          <p:spTgt spid="3">
+                                            <p:txEl>
+                                              <p:pRg st="4" end="4"/>
+                                            </p:txEl>
+                                          </p:spTgt>
+                                        </p:tgtEl>
+                                        <p:attrNameLst>
+                                          <p:attrName>style.visibility</p:attrName>
+                                        </p:attrNameLst>
+                                      </p:cBhvr>
+                                      <p:to>
+                                        <p:strVal val="visible"/>
+                                      </p:to>
+                                    </p:set>
+                                    <p:animEffect transition="in" filter="fade">
+                                      <p:cBhvr>
+                                        <p:cTn id="27" dur="2000"/>
+                                        <p:tgtEl>
+                                          <p:spTgt spid="3">
+                                            <p:txEl>
+                                              <p:pRg st="4" end="4"/>
+                                            </p:txEl>
+                                          </p:spTgt>
+                                        </p:tgtEl>
+                                      </p:cBhvr>
+                                    </p:animEffect>
+                                  </p:childTnLst>
+                                </p:cTn>
+                              </p:par>
+                            </p:childTnLst>
+                          </p:cTn>
+                        </p:par>
+                      </p:childTnLst>
+                    </p:cTn>
+                  </p:par>
+                  <p:par>
+                    <p:cTn id="28" fill="hold">
+                      <p:stCondLst>
+                        <p:cond delay="indefinite"/>
+                      </p:stCondLst>
+                      <p:childTnLst>
+                        <p:par>
+                          <p:cTn id="29" fill="hold">
+                            <p:stCondLst>
+                              <p:cond delay="0"/>
+                            </p:stCondLst>
+                            <p:childTnLst>
+                              <p:par>
+                                <p:cTn id="30" presetID="10" presetClass="entr" presetSubtype="0" fill="hold" nodeType="clickEffect">
+                                  <p:stCondLst>
+                                    <p:cond delay="0"/>
+                                  </p:stCondLst>
+                                  <p:childTnLst>
+                                    <p:set>
+                                      <p:cBhvr>
+                                        <p:cTn id="31" dur="1" fill="hold">
+                                          <p:stCondLst>
+                                            <p:cond delay="0"/>
+                                          </p:stCondLst>
+                                        </p:cTn>
+                                        <p:tgtEl>
+                                          <p:spTgt spid="3">
+                                            <p:txEl>
+                                              <p:pRg st="5" end="5"/>
+                                            </p:txEl>
+                                          </p:spTgt>
+                                        </p:tgtEl>
+                                        <p:attrNameLst>
+                                          <p:attrName>style.visibility</p:attrName>
+                                        </p:attrNameLst>
+                                      </p:cBhvr>
+                                      <p:to>
+                                        <p:strVal val="visible"/>
+                                      </p:to>
+                                    </p:set>
+                                    <p:animEffect transition="in" filter="fade">
+                                      <p:cBhvr>
+                                        <p:cTn id="32" dur="2000"/>
+                                        <p:tgtEl>
+                                          <p:spTgt spid="3">
+                                            <p:txEl>
+                                              <p:pRg st="5" end="5"/>
+                                            </p:txEl>
+                                          </p:spTgt>
+                                        </p:tgtEl>
+                                      </p:cBhvr>
+                                    </p:animEffect>
+                                  </p:childTnLst>
+                                </p:cTn>
+                              </p:par>
+                            </p:childTnLst>
+                          </p:cTn>
+                        </p:par>
+                      </p:childTnLst>
+                    </p:cTn>
+                  </p:par>
+                  <p:par>
+                    <p:cTn id="33" fill="hold">
+                      <p:stCondLst>
+                        <p:cond delay="indefinite"/>
+                      </p:stCondLst>
+                      <p:childTnLst>
+                        <p:par>
+                          <p:cTn id="34" fill="hold">
+                            <p:stCondLst>
+                              <p:cond delay="0"/>
+                            </p:stCondLst>
+                            <p:childTnLst>
+                              <p:par>
+                                <p:cTn id="35" presetID="10" presetClass="entr" presetSubtype="0" fill="hold" nodeType="clickEffect">
+                                  <p:stCondLst>
+                                    <p:cond delay="0"/>
+                                  </p:stCondLst>
+                                  <p:childTnLst>
+                                    <p:set>
+                                      <p:cBhvr>
+                                        <p:cTn id="36" dur="1" fill="hold">
+                                          <p:stCondLst>
+                                            <p:cond delay="0"/>
+                                          </p:stCondLst>
+                                        </p:cTn>
+                                        <p:tgtEl>
+                                          <p:spTgt spid="3">
+                                            <p:txEl>
+                                              <p:pRg st="6" end="6"/>
+                                            </p:txEl>
+                                          </p:spTgt>
+                                        </p:tgtEl>
+                                        <p:attrNameLst>
+                                          <p:attrName>style.visibility</p:attrName>
+                                        </p:attrNameLst>
+                                      </p:cBhvr>
+                                      <p:to>
+                                        <p:strVal val="visible"/>
+                                      </p:to>
+                                    </p:set>
+                                    <p:animEffect transition="in" filter="fade">
+                                      <p:cBhvr>
+                                        <p:cTn id="37" dur="2000"/>
+                                        <p:tgtEl>
+                                          <p:spTgt spid="3">
+                                            <p:txEl>
+                                              <p:pRg st="6" end="6"/>
+                                            </p:txEl>
+                                          </p:spTgt>
+                                        </p:tgtEl>
+                                      </p:cBhvr>
+                                    </p:animEffect>
+                                  </p:childTnLst>
+                                </p:cTn>
+                              </p:par>
+                            </p:childTnLst>
+                          </p:cTn>
+                        </p:par>
+                      </p:childTnLst>
+                    </p:cTn>
+                  </p:par>
+                  <p:par>
+                    <p:cTn id="38" fill="hold">
+                      <p:stCondLst>
+                        <p:cond delay="indefinite"/>
+                      </p:stCondLst>
+                      <p:childTnLst>
+                        <p:par>
+                          <p:cTn id="39" fill="hold">
+                            <p:stCondLst>
+                              <p:cond delay="0"/>
+                            </p:stCondLst>
+                            <p:childTnLst>
+                              <p:par>
+                                <p:cTn id="40" presetID="10" presetClass="entr" presetSubtype="0" fill="hold" nodeType="clickEffect">
+                                  <p:stCondLst>
+                                    <p:cond delay="0"/>
+                                  </p:stCondLst>
+                                  <p:childTnLst>
+                                    <p:set>
+                                      <p:cBhvr>
+                                        <p:cTn id="41" dur="1" fill="hold">
+                                          <p:stCondLst>
+                                            <p:cond delay="0"/>
+                                          </p:stCondLst>
+                                        </p:cTn>
+                                        <p:tgtEl>
+                                          <p:spTgt spid="3">
+                                            <p:txEl>
+                                              <p:pRg st="7" end="7"/>
+                                            </p:txEl>
+                                          </p:spTgt>
+                                        </p:tgtEl>
+                                        <p:attrNameLst>
+                                          <p:attrName>style.visibility</p:attrName>
+                                        </p:attrNameLst>
+                                      </p:cBhvr>
+                                      <p:to>
+                                        <p:strVal val="visible"/>
+                                      </p:to>
+                                    </p:set>
+                                    <p:animEffect transition="in" filter="fade">
+                                      <p:cBhvr>
+                                        <p:cTn id="42" dur="2000"/>
+                                        <p:tgtEl>
+                                          <p:spTgt spid="3">
+                                            <p:txEl>
+                                              <p:pRg st="7" end="7"/>
+                                            </p:txEl>
+                                          </p:spTgt>
+                                        </p:tgtEl>
+                                      </p:cBhvr>
+                                    </p:animEffect>
+                                  </p:childTnLst>
+                                </p:cTn>
+                              </p:par>
+                            </p:childTnLst>
+                          </p:cTn>
+                        </p:par>
+                      </p:childTnLst>
+                    </p:cTn>
+                  </p:par>
+                </p:childTnLst>
+              </p:cTn>
+              <p:prevCondLst>
+                <p:cond evt="onPrev" delay="0">
+                  <p:tgtEl>
+                    <p:sldTgt/>
+                  </p:tgtEl>
+                </p:cond>
+              </p:prevCondLst>
+              <p:nextCondLst>
+                <p:cond evt="onNext" delay="0">
+                  <p:tgtEl>
+                    <p:sldTgt/>
+                  </p:tgtEl>
+                </p:cond>
+              </p:nextCondLst>
+            </p:seq>
+          </p:childTnLst>
+        </p:cTn>
+      </p:par>
+    </p:tnLst>
+  </p:timing>
+</p:sld>
+</file>
+
+<file path=ppt/slides/slide6.xml><?xml version="1.0" encoding="utf-8"?>
+<p:sld xmlns:a="http://schemas.openxmlformats.org/drawingml/2006/main" xmlns:r="http://schemas.openxmlformats.org/officeDocument/2006/relationships" xmlns:p="http://schemas.openxmlformats.org/presentationml/2006/main">
+  <p:cSld>
+    <p:spTree>
+      <p:nvGrpSpPr>
+        <p:cNvPr id="1" name=""/>
+        <p:cNvGrpSpPr/>
+        <p:nvPr/>
+      </p:nvGrpSpPr>
+      <p:grpSpPr>
+        <a:xfrm>
+          <a:off x="0" y="0"/>
+          <a:ext cx="0" cy="0"/>
+          <a:chOff x="0" y="0"/>
+          <a:chExt cx="0" cy="0"/>
+        </a:xfrm>
+      </p:grpSpPr>
+      <p:sp>
+        <p:nvSpPr>
+          <p:cNvPr id="2" name="Titre 1"/>
+          <p:cNvSpPr>
+            <a:spLocks noGrp="1"/>
+          </p:cNvSpPr>
+          <p:nvPr>
+            <p:ph type="title"/>
+          </p:nvPr>
+        </p:nvSpPr>
+        <p:spPr/>
+        <p:txBody>
+          <a:bodyPr/>
+          <a:lstStyle/>
+          <a:p>
+            <a:r>
+              <a:rPr lang="fr-FR" b="1" dirty="0" smtClean="0">
+                <a:ln w="1905"/>
+                <a:gradFill>
+                  <a:gsLst>
+                    <a:gs pos="0">
+                      <a:schemeClr val="accent6">
+                        <a:shade val="20000"/>
+                        <a:satMod val="200000"/>
+                      </a:schemeClr>
+                    </a:gs>
+                    <a:gs pos="78000">
+                      <a:schemeClr val="accent6">
+                        <a:tint val="90000"/>
+                        <a:shade val="89000"/>
+                        <a:satMod val="220000"/>
+                      </a:schemeClr>
+                    </a:gs>
+                    <a:gs pos="100000">
+                      <a:schemeClr val="accent6">
+                        <a:tint val="12000"/>
+                        <a:satMod val="255000"/>
+                      </a:schemeClr>
+                    </a:gs>
+                  </a:gsLst>
+                  <a:lin ang="5400000"/>
+                </a:gradFill>
+                <a:effectLst>
+                  <a:innerShdw blurRad="69850" dist="43180" dir="5400000">
+                    <a:srgbClr val="000000">
+                      <a:alpha val="65000"/>
+                    </a:srgbClr>
+                  </a:innerShdw>
+                  <a:reflection blurRad="6350" stA="55000" endA="300" endPos="45500" dir="5400000" sy="-100000" algn="bl" rotWithShape="0"/>
+                </a:effectLst>
+              </a:rPr>
+              <a:t>Le réseau virtuel</a:t>
+            </a:r>
+            <a:endParaRPr lang="fr-FR" b="1" dirty="0">
+              <a:ln w="1905"/>
+              <a:gradFill>
+                <a:gsLst>
+                  <a:gs pos="0">
+                    <a:schemeClr val="accent6">
+                      <a:shade val="20000"/>
+                      <a:satMod val="200000"/>
+                    </a:schemeClr>
+                  </a:gs>
+                  <a:gs pos="78000">
+                    <a:schemeClr val="accent6">
+                      <a:tint val="90000"/>
+                      <a:shade val="89000"/>
+                      <a:satMod val="220000"/>
+                    </a:schemeClr>
+                  </a:gs>
+                  <a:gs pos="100000">
+                    <a:schemeClr val="accent6">
+                      <a:tint val="12000"/>
+                      <a:satMod val="255000"/>
+                    </a:schemeClr>
+                  </a:gs>
+                </a:gsLst>
+                <a:lin ang="5400000"/>
+              </a:gradFill>
+              <a:effectLst>
+                <a:innerShdw blurRad="69850" dist="43180" dir="5400000">
+                  <a:srgbClr val="000000">
+                    <a:alpha val="65000"/>
+                  </a:srgbClr>
+                </a:innerShdw>
+                <a:reflection blurRad="6350" stA="55000" endA="300" endPos="45500" dir="5400000" sy="-100000" algn="bl" rotWithShape="0"/>
+              </a:effectLst>
+            </a:endParaRPr>
+          </a:p>
+        </p:txBody>
+      </p:sp>
+      <p:sp>
+        <p:nvSpPr>
+          <p:cNvPr id="3" name="Espace réservé du contenu 2"/>
+          <p:cNvSpPr>
+            <a:spLocks noGrp="1"/>
+          </p:cNvSpPr>
+          <p:nvPr>
+            <p:ph idx="1"/>
+          </p:nvPr>
+        </p:nvSpPr>
+        <p:spPr>
+          <a:xfrm>
+            <a:off x="457200" y="1935480"/>
+            <a:ext cx="8186766" cy="4636792"/>
+          </a:xfrm>
+        </p:spPr>
+        <p:txBody>
+          <a:bodyPr/>
+          <a:lstStyle/>
+          <a:p>
+            <a:pPr>
+              <a:buNone/>
+            </a:pPr>
+            <a:r>
+              <a:rPr lang="fr-FR" b="1" dirty="0" smtClean="0">
+                <a:ln w="1905"/>
+                <a:gradFill>
+                  <a:gsLst>
+                    <a:gs pos="0">
+                      <a:schemeClr val="accent6">
+                        <a:shade val="20000"/>
+                        <a:satMod val="200000"/>
+                      </a:schemeClr>
+                    </a:gs>
+                    <a:gs pos="78000">
+                      <a:schemeClr val="accent6">
+                        <a:tint val="90000"/>
+                        <a:shade val="89000"/>
+                        <a:satMod val="220000"/>
+                      </a:schemeClr>
+                    </a:gs>
+                    <a:gs pos="100000">
+                      <a:schemeClr val="accent6">
+                        <a:tint val="12000"/>
+                        <a:satMod val="255000"/>
+                      </a:schemeClr>
+                    </a:gs>
+                  </a:gsLst>
+                  <a:lin ang="5400000"/>
+                </a:gradFill>
+                <a:effectLst>
+                  <a:innerShdw blurRad="69850" dist="43180" dir="5400000">
+                    <a:srgbClr val="000000">
+                      <a:alpha val="65000"/>
+                    </a:srgbClr>
+                  </a:innerShdw>
+                  <a:reflection blurRad="6350" stA="55000" endA="300" endPos="45500" dir="5400000" sy="-100000" algn="bl" rotWithShape="0"/>
+                </a:effectLst>
+              </a:rPr>
+              <a:t>II/ Algorithme de création</a:t>
+            </a:r>
+            <a:endParaRPr lang="fr-FR" b="1" dirty="0">
+              <a:ln w="1905"/>
+              <a:gradFill>
+                <a:gsLst>
+                  <a:gs pos="0">
+                    <a:schemeClr val="accent6">
+                      <a:shade val="20000"/>
+                      <a:satMod val="200000"/>
+                    </a:schemeClr>
+                  </a:gs>
+                  <a:gs pos="78000">
+                    <a:schemeClr val="accent6">
+                      <a:tint val="90000"/>
+                      <a:shade val="89000"/>
+                      <a:satMod val="220000"/>
+                    </a:schemeClr>
+                  </a:gs>
+                  <a:gs pos="100000">
+                    <a:schemeClr val="accent6">
+                      <a:tint val="12000"/>
+                      <a:satMod val="255000"/>
+                    </a:schemeClr>
+                  </a:gs>
+                </a:gsLst>
+                <a:lin ang="5400000"/>
+              </a:gradFill>
+              <a:effectLst>
+                <a:innerShdw blurRad="69850" dist="43180" dir="5400000">
+                  <a:srgbClr val="000000">
+                    <a:alpha val="65000"/>
+                  </a:srgbClr>
+                </a:innerShdw>
+                <a:reflection blurRad="6350" stA="55000" endA="300" endPos="45500" dir="5400000" sy="-100000" algn="bl" rotWithShape="0"/>
+              </a:effectLst>
+              <a:latin typeface="+mj-lt"/>
+            </a:endParaRPr>
+          </a:p>
+        </p:txBody>
+      </p:sp>
+      <p:pic>
+        <p:nvPicPr>
+          <p:cNvPr id="4" name="Image 3"/>
+          <p:cNvPicPr/>
+          <p:nvPr/>
+        </p:nvPicPr>
+        <p:blipFill>
+          <a:blip r:embed="rId2"/>
+          <a:srcRect/>
+          <a:stretch>
+            <a:fillRect/>
+          </a:stretch>
+        </p:blipFill>
+        <p:spPr bwMode="auto">
+          <a:xfrm>
+            <a:off x="2714612" y="2643182"/>
+            <a:ext cx="3643321" cy="3571900"/>
+          </a:xfrm>
+          <a:prstGeom prst="rect">
+            <a:avLst/>
+          </a:prstGeom>
+          <a:noFill/>
+          <a:ln w="9525">
+            <a:noFill/>
+            <a:miter lim="800000"/>
+            <a:headEnd/>
+            <a:tailEnd/>
+          </a:ln>
+        </p:spPr>
+      </p:pic>
+      <p:sp>
+        <p:nvSpPr>
+          <p:cNvPr id="5" name="ZoneTexte 4"/>
+          <p:cNvSpPr txBox="1"/>
+          <p:nvPr/>
+        </p:nvSpPr>
+        <p:spPr>
+          <a:xfrm>
+            <a:off x="2428860" y="6286520"/>
+            <a:ext cx="4143404" cy="369332"/>
+          </a:xfrm>
+          <a:prstGeom prst="rect">
+            <a:avLst/>
+          </a:prstGeom>
+        </p:spPr>
+        <p:style>
+          <a:lnRef idx="2">
+            <a:schemeClr val="accent1"/>
+          </a:lnRef>
+          <a:fillRef idx="1">
+            <a:schemeClr val="lt1"/>
+          </a:fillRef>
+          <a:effectRef idx="0">
+            <a:schemeClr val="accent1"/>
+          </a:effectRef>
+          <a:fontRef idx="minor">
+            <a:schemeClr val="dk1"/>
+          </a:fontRef>
+        </p:style>
+        <p:txBody>
+          <a:bodyPr wrap="square" rtlCol="0">
+            <a:spAutoFit/>
+          </a:bodyPr>
+          <a:lstStyle/>
+          <a:p>
+            <a:r>
+              <a:rPr lang="fr-FR" dirty="0" smtClean="0">
+                <a:latin typeface="Arial" pitchFamily="34" charset="0"/>
+              </a:rPr>
+              <a:t>Recherche des voisins auxquels se lier</a:t>
+            </a:r>
+            <a:endParaRPr lang="fr-FR" dirty="0">
+              <a:latin typeface="Arial" pitchFamily="34" charset="0"/>
+            </a:endParaRPr>
+          </a:p>
+        </p:txBody>
+      </p:sp>
+    </p:spTree>
+  </p:cSld>
+  <p:clrMapOvr>
+    <a:masterClrMapping/>
+  </p:clrMapOvr>
+  <p:transition>
+    <p:fade/>
+  </p:transition>
+  <p:timing>
+    <p:tnLst>
+      <p:par>
+        <p:cTn id="1" dur="indefinite" restart="never" nodeType="tmRoot">
+          <p:childTnLst>
+            <p:seq concurrent="1" nextAc="seek">
+              <p:cTn id="2" dur="indefinite" nodeType="mainSeq">
+                <p:childTnLst>
+                  <p:par>
+                    <p:cTn id="3" fill="hold">
+                      <p:stCondLst>
+                        <p:cond delay="indefinite"/>
+                      </p:stCondLst>
+                      <p:childTnLst>
+                        <p:par>
+                          <p:cTn id="4" fill="hold">
+                            <p:stCondLst>
+                              <p:cond delay="0"/>
+                            </p:stCondLst>
+                            <p:childTnLst>
+                              <p:par>
+                                <p:cTn id="5" presetID="10" presetClass="entr" presetSubtype="0" fill="hold" nodeType="clickEffect">
+                                  <p:stCondLst>
+                                    <p:cond delay="0"/>
+                                  </p:stCondLst>
+                                  <p:childTnLst>
+                                    <p:set>
+                                      <p:cBhvr>
+                                        <p:cTn id="6" dur="1" fill="hold">
+                                          <p:stCondLst>
+                                            <p:cond delay="0"/>
+                                          </p:stCondLst>
+                                        </p:cTn>
+                                        <p:tgtEl>
+                                          <p:spTgt spid="3">
+                                            <p:txEl>
+                                              <p:pRg st="0" end="0"/>
+                                            </p:txEl>
+                                          </p:spTgt>
+                                        </p:tgtEl>
+                                        <p:attrNameLst>
+                                          <p:attrName>style.visibility</p:attrName>
+                                        </p:attrNameLst>
+                                      </p:cBhvr>
+                                      <p:to>
+                                        <p:strVal val="visible"/>
+                                      </p:to>
+                                    </p:set>
+                                    <p:animEffect transition="in" filter="fade">
+                                      <p:cBhvr>
+                                        <p:cTn id="7" dur="2000"/>
+                                        <p:tgtEl>
+                                          <p:spTgt spid="3">
+                                            <p:txEl>
+                                              <p:pRg st="0" end="0"/>
+                                            </p:txEl>
+                                          </p:spTgt>
+                                        </p:tgtEl>
+                                      </p:cBhvr>
+                                    </p:animEffect>
+                                  </p:childTnLst>
+                                </p:cTn>
+                              </p:par>
+                            </p:childTnLst>
+                          </p:cTn>
+                        </p:par>
+                      </p:childTnLst>
+                    </p:cTn>
+                  </p:par>
+                </p:childTnLst>
+              </p:cTn>
+              <p:prevCondLst>
+                <p:cond evt="onPrev" delay="0">
+                  <p:tgtEl>
+                    <p:sldTgt/>
+                  </p:tgtEl>
+                </p:cond>
+              </p:prevCondLst>
+              <p:nextCondLst>
+                <p:cond evt="onNext" delay="0">
+                  <p:tgtEl>
+                    <p:sldTgt/>
+                  </p:tgtEl>
+                </p:cond>
+              </p:nextCondLst>
+            </p:seq>
+          </p:childTnLst>
+        </p:cTn>
+      </p:par>
+    </p:tnLst>
+  </p:timing>
+</p:sld>
+</file>
+
+<file path=ppt/slides/slide7.xml><?xml version="1.0" encoding="utf-8"?>
+<p:sld xmlns:a="http://schemas.openxmlformats.org/drawingml/2006/main" xmlns:r="http://schemas.openxmlformats.org/officeDocument/2006/relationships" xmlns:p="http://schemas.openxmlformats.org/presentationml/2006/main">
+  <p:cSld>
+    <p:spTree>
+      <p:nvGrpSpPr>
+        <p:cNvPr id="1" name=""/>
+        <p:cNvGrpSpPr/>
+        <p:nvPr/>
+      </p:nvGrpSpPr>
+      <p:grpSpPr>
+        <a:xfrm>
+          <a:off x="0" y="0"/>
+          <a:ext cx="0" cy="0"/>
+          <a:chOff x="0" y="0"/>
+          <a:chExt cx="0" cy="0"/>
+        </a:xfrm>
+      </p:grpSpPr>
+      <p:sp>
+        <p:nvSpPr>
+          <p:cNvPr id="2" name="Titre 1"/>
+          <p:cNvSpPr>
+            <a:spLocks noGrp="1"/>
+          </p:cNvSpPr>
+          <p:nvPr>
+            <p:ph type="title"/>
+          </p:nvPr>
+        </p:nvSpPr>
+        <p:spPr/>
+        <p:txBody>
+          <a:bodyPr/>
+          <a:lstStyle/>
+          <a:p>
+            <a:r>
+              <a:rPr lang="fr-FR" b="1" dirty="0" smtClean="0">
+                <a:ln w="1905"/>
+                <a:gradFill>
+                  <a:gsLst>
+                    <a:gs pos="0">
+                      <a:schemeClr val="accent6">
+                        <a:shade val="20000"/>
+                        <a:satMod val="200000"/>
+                      </a:schemeClr>
+                    </a:gs>
+                    <a:gs pos="78000">
+                      <a:schemeClr val="accent6">
+                        <a:tint val="90000"/>
+                        <a:shade val="89000"/>
+                        <a:satMod val="220000"/>
+                      </a:schemeClr>
+                    </a:gs>
+                    <a:gs pos="100000">
+                      <a:schemeClr val="accent6">
+                        <a:tint val="12000"/>
+                        <a:satMod val="255000"/>
+                      </a:schemeClr>
+                    </a:gs>
+                  </a:gsLst>
+                  <a:lin ang="5400000"/>
+                </a:gradFill>
+                <a:effectLst>
+                  <a:innerShdw blurRad="69850" dist="43180" dir="5400000">
+                    <a:srgbClr val="000000">
+                      <a:alpha val="65000"/>
+                    </a:srgbClr>
+                  </a:innerShdw>
+                  <a:reflection blurRad="6350" stA="55000" endA="300" endPos="45500" dir="5400000" sy="-100000" algn="bl" rotWithShape="0"/>
+                </a:effectLst>
+              </a:rPr>
+              <a:t>Le réseau virtuel</a:t>
+            </a:r>
+            <a:endParaRPr lang="fr-FR" dirty="0"/>
+          </a:p>
+        </p:txBody>
+      </p:sp>
+      <p:sp>
+        <p:nvSpPr>
+          <p:cNvPr id="3" name="Espace réservé du contenu 2"/>
+          <p:cNvSpPr>
+            <a:spLocks noGrp="1"/>
+          </p:cNvSpPr>
+          <p:nvPr>
+            <p:ph idx="1"/>
+          </p:nvPr>
+        </p:nvSpPr>
+        <p:spPr/>
+        <p:txBody>
+          <a:bodyPr/>
+          <a:lstStyle/>
+          <a:p>
+            <a:pPr>
+              <a:buNone/>
+            </a:pPr>
+            <a:r>
+              <a:rPr lang="fr-FR" b="1" dirty="0" smtClean="0">
+                <a:ln w="1905"/>
+                <a:gradFill>
+                  <a:gsLst>
+                    <a:gs pos="0">
+                      <a:schemeClr val="accent6">
+                        <a:shade val="20000"/>
+                        <a:satMod val="200000"/>
+                      </a:schemeClr>
+                    </a:gs>
+                    <a:gs pos="78000">
+                      <a:schemeClr val="accent6">
+                        <a:tint val="90000"/>
+                        <a:shade val="89000"/>
+                        <a:satMod val="220000"/>
+                      </a:schemeClr>
+                    </a:gs>
+                    <a:gs pos="100000">
+                      <a:schemeClr val="accent6">
+                        <a:tint val="12000"/>
+                        <a:satMod val="255000"/>
+                      </a:schemeClr>
+                    </a:gs>
+                  </a:gsLst>
+                  <a:lin ang="5400000"/>
+                </a:gradFill>
+                <a:effectLst>
+                  <a:innerShdw blurRad="69850" dist="43180" dir="5400000">
+                    <a:srgbClr val="000000">
+                      <a:alpha val="65000"/>
+                    </a:srgbClr>
+                  </a:innerShdw>
+                  <a:reflection blurRad="6350" stA="55000" endA="300" endPos="45500" dir="5400000" sy="-100000" algn="bl" rotWithShape="0"/>
+                </a:effectLst>
+              </a:rPr>
+              <a:t>II/ Algorithme de création</a:t>
+            </a:r>
+          </a:p>
+          <a:p>
+            <a:endParaRPr lang="fr-FR" dirty="0"/>
+          </a:p>
+        </p:txBody>
+      </p:sp>
+      <p:sp>
+        <p:nvSpPr>
+          <p:cNvPr id="5" name="ZoneTexte 4"/>
+          <p:cNvSpPr txBox="1"/>
+          <p:nvPr/>
+        </p:nvSpPr>
+        <p:spPr>
+          <a:xfrm>
+            <a:off x="2428860" y="6286520"/>
+            <a:ext cx="4214842" cy="369332"/>
+          </a:xfrm>
+          <a:prstGeom prst="rect">
+            <a:avLst/>
+          </a:prstGeom>
+        </p:spPr>
+        <p:style>
+          <a:lnRef idx="2">
+            <a:schemeClr val="accent1"/>
+          </a:lnRef>
+          <a:fillRef idx="1">
+            <a:schemeClr val="lt1"/>
+          </a:fillRef>
+          <a:effectRef idx="0">
+            <a:schemeClr val="accent1"/>
+          </a:effectRef>
+          <a:fontRef idx="minor">
+            <a:schemeClr val="dk1"/>
+          </a:fontRef>
+        </p:style>
+        <p:txBody>
+          <a:bodyPr wrap="square" rtlCol="0">
+            <a:spAutoFit/>
+          </a:bodyPr>
+          <a:lstStyle/>
+          <a:p>
+            <a:r>
+              <a:rPr lang="fr-FR" dirty="0" smtClean="0">
+                <a:latin typeface="Arial" pitchFamily="34" charset="0"/>
+              </a:rPr>
+              <a:t>Génération d’un graphe de 100 nœuds</a:t>
+            </a:r>
+            <a:endParaRPr lang="fr-FR" dirty="0">
+              <a:latin typeface="Arial" pitchFamily="34" charset="0"/>
+            </a:endParaRPr>
+          </a:p>
+        </p:txBody>
+      </p:sp>
+      <p:pic>
+        <p:nvPicPr>
+          <p:cNvPr id="6" name="Image 5"/>
+          <p:cNvPicPr/>
+          <p:nvPr/>
+        </p:nvPicPr>
+        <p:blipFill>
+          <a:blip r:embed="rId2"/>
+          <a:srcRect/>
+          <a:stretch>
+            <a:fillRect/>
+          </a:stretch>
+        </p:blipFill>
+        <p:spPr bwMode="auto">
+          <a:xfrm>
+            <a:off x="642910" y="2500306"/>
+            <a:ext cx="7858180" cy="3714776"/>
+          </a:xfrm>
+          <a:prstGeom prst="rect">
+            <a:avLst/>
+          </a:prstGeom>
+          <a:noFill/>
+          <a:ln w="9525">
+            <a:noFill/>
+            <a:miter lim="800000"/>
+            <a:headEnd/>
+            <a:tailEnd/>
+          </a:ln>
+        </p:spPr>
+      </p:pic>
+    </p:spTree>
+  </p:cSld>
+  <p:clrMapOvr>
+    <a:masterClrMapping/>
+  </p:clrMapOvr>
+  <p:transition>
+    <p:fade/>
+  </p:transition>
+</p:sld>
+</file>
+
+<file path=ppt/slides/slide8.xml><?xml version="1.0" encoding="utf-8"?>
+<p:sld xmlns:a="http://schemas.openxmlformats.org/drawingml/2006/main" xmlns:r="http://schemas.openxmlformats.org/officeDocument/2006/relationships" xmlns:p="http://schemas.openxmlformats.org/presentationml/2006/main">
+  <p:cSld>
+    <p:spTree>
+      <p:nvGrpSpPr>
+        <p:cNvPr id="1" name=""/>
+        <p:cNvGrpSpPr/>
+        <p:nvPr/>
+      </p:nvGrpSpPr>
+      <p:grpSpPr>
+        <a:xfrm>
+          <a:off x="0" y="0"/>
+          <a:ext cx="0" cy="0"/>
+          <a:chOff x="0" y="0"/>
+          <a:chExt cx="0" cy="0"/>
+        </a:xfrm>
+      </p:grpSpPr>
+      <p:sp>
+        <p:nvSpPr>
+          <p:cNvPr id="2" name="Titre 1"/>
+          <p:cNvSpPr>
+            <a:spLocks noGrp="1"/>
+          </p:cNvSpPr>
+          <p:nvPr>
+            <p:ph type="title"/>
+          </p:nvPr>
+        </p:nvSpPr>
+        <p:spPr/>
+        <p:txBody>
+          <a:bodyPr/>
+          <a:lstStyle/>
+          <a:p>
+            <a:r>
+              <a:rPr lang="fr-FR" b="1" dirty="0" smtClean="0">
+                <a:ln w="1905"/>
+                <a:gradFill>
+                  <a:gsLst>
+                    <a:gs pos="0">
+                      <a:schemeClr val="accent6">
+                        <a:shade val="20000"/>
+                        <a:satMod val="200000"/>
+                      </a:schemeClr>
+                    </a:gs>
+                    <a:gs pos="78000">
+                      <a:schemeClr val="accent6">
+                        <a:tint val="90000"/>
+                        <a:shade val="89000"/>
+                        <a:satMod val="220000"/>
+                      </a:schemeClr>
+                    </a:gs>
+                    <a:gs pos="100000">
+                      <a:schemeClr val="accent6">
+                        <a:tint val="12000"/>
+                        <a:satMod val="255000"/>
+                      </a:schemeClr>
+                    </a:gs>
+                  </a:gsLst>
+                  <a:lin ang="5400000"/>
+                </a:gradFill>
+                <a:effectLst>
+                  <a:innerShdw blurRad="69850" dist="43180" dir="5400000">
+                    <a:srgbClr val="000000">
+                      <a:alpha val="65000"/>
+                    </a:srgbClr>
+                  </a:innerShdw>
+                  <a:reflection blurRad="6350" stA="55000" endA="300" endPos="45500" dir="5400000" sy="-100000" algn="bl" rotWithShape="0"/>
+                </a:effectLst>
+              </a:rPr>
+              <a:t>Le réseau virtuel</a:t>
+            </a:r>
+            <a:endParaRPr lang="fr-FR" dirty="0"/>
+          </a:p>
+        </p:txBody>
+      </p:sp>
+      <p:sp>
+        <p:nvSpPr>
+          <p:cNvPr id="3" name="Espace réservé du contenu 2"/>
+          <p:cNvSpPr>
+            <a:spLocks noGrp="1"/>
+          </p:cNvSpPr>
+          <p:nvPr>
+            <p:ph idx="1"/>
+          </p:nvPr>
+        </p:nvSpPr>
+        <p:spPr/>
+        <p:txBody>
+          <a:bodyPr>
+            <a:normAutofit/>
+          </a:bodyPr>
+          <a:lstStyle/>
+          <a:p>
+            <a:pPr>
+              <a:buNone/>
+            </a:pPr>
+            <a:r>
+              <a:rPr lang="fr-FR" b="1" dirty="0" smtClean="0">
+                <a:ln w="1905"/>
+                <a:gradFill>
+                  <a:gsLst>
+                    <a:gs pos="0">
+                      <a:schemeClr val="accent6">
+                        <a:shade val="20000"/>
+                        <a:satMod val="200000"/>
+                      </a:schemeClr>
+                    </a:gs>
+                    <a:gs pos="78000">
+                      <a:schemeClr val="accent6">
+                        <a:tint val="90000"/>
+                        <a:shade val="89000"/>
+                        <a:satMod val="220000"/>
+                      </a:schemeClr>
+                    </a:gs>
+                    <a:gs pos="100000">
+                      <a:schemeClr val="accent6">
+                        <a:tint val="12000"/>
+                        <a:satMod val="255000"/>
+                      </a:schemeClr>
+                    </a:gs>
+                  </a:gsLst>
+                  <a:lin ang="5400000"/>
+                </a:gradFill>
+                <a:effectLst>
+                  <a:innerShdw blurRad="69850" dist="43180" dir="5400000">
+                    <a:srgbClr val="000000">
+                      <a:alpha val="65000"/>
+                    </a:srgbClr>
+                  </a:innerShdw>
+                  <a:reflection blurRad="6350" stA="55000" endA="300" endPos="45500" dir="5400000" sy="-100000" algn="bl" rotWithShape="0"/>
+                </a:effectLst>
+              </a:rPr>
+              <a:t>II/ </a:t>
+            </a:r>
+            <a:r>
+              <a:rPr lang="fr-FR" b="1" dirty="0" smtClean="0">
+                <a:ln w="1905"/>
+                <a:gradFill>
+                  <a:gsLst>
+                    <a:gs pos="0">
+                      <a:schemeClr val="accent6">
+                        <a:shade val="20000"/>
+                        <a:satMod val="200000"/>
+                      </a:schemeClr>
+                    </a:gs>
+                    <a:gs pos="78000">
+                      <a:schemeClr val="accent6">
+                        <a:tint val="90000"/>
+                        <a:shade val="89000"/>
+                        <a:satMod val="220000"/>
+                      </a:schemeClr>
+                    </a:gs>
+                    <a:gs pos="100000">
+                      <a:schemeClr val="accent6">
+                        <a:tint val="12000"/>
+                        <a:satMod val="255000"/>
+                      </a:schemeClr>
+                    </a:gs>
+                  </a:gsLst>
+                  <a:lin ang="5400000"/>
+                </a:gradFill>
+                <a:effectLst>
+                  <a:innerShdw blurRad="69850" dist="43180" dir="5400000">
+                    <a:srgbClr val="000000">
+                      <a:alpha val="65000"/>
+                    </a:srgbClr>
+                  </a:innerShdw>
+                  <a:reflection blurRad="6350" stA="55000" endA="300" endPos="45500" dir="5400000" sy="-100000" algn="bl" rotWithShape="0"/>
+                </a:effectLst>
+              </a:rPr>
+              <a:t>Déploiement du graphe</a:t>
+            </a:r>
+            <a:endParaRPr lang="fr-FR" b="1" dirty="0" smtClean="0">
+              <a:ln w="1905"/>
+              <a:gradFill>
+                <a:gsLst>
+                  <a:gs pos="0">
+                    <a:schemeClr val="accent6">
+                      <a:shade val="20000"/>
+                      <a:satMod val="200000"/>
+                    </a:schemeClr>
+                  </a:gs>
+                  <a:gs pos="78000">
+                    <a:schemeClr val="accent6">
+                      <a:tint val="90000"/>
+                      <a:shade val="89000"/>
+                      <a:satMod val="220000"/>
+                    </a:schemeClr>
+                  </a:gs>
+                  <a:gs pos="100000">
+                    <a:schemeClr val="accent6">
+                      <a:tint val="12000"/>
+                      <a:satMod val="255000"/>
+                    </a:schemeClr>
+                  </a:gs>
+                </a:gsLst>
+                <a:lin ang="5400000"/>
+              </a:gradFill>
+              <a:effectLst>
+                <a:innerShdw blurRad="69850" dist="43180" dir="5400000">
+                  <a:srgbClr val="000000">
+                    <a:alpha val="65000"/>
+                  </a:srgbClr>
+                </a:innerShdw>
+                <a:reflection blurRad="6350" stA="55000" endA="300" endPos="45500" dir="5400000" sy="-100000" algn="bl" rotWithShape="0"/>
+              </a:effectLst>
+            </a:endParaRPr>
+          </a:p>
+          <a:p>
+            <a:pPr lvl="1"/>
+            <a:r>
+              <a:rPr lang="fr-FR" dirty="0" smtClean="0"/>
+              <a:t>Éléments nécessaires au déploiement</a:t>
+            </a:r>
+          </a:p>
+          <a:p>
+            <a:pPr lvl="2"/>
+            <a:r>
+              <a:rPr lang="fr-FR" dirty="0" smtClean="0"/>
+              <a:t>La liste des </a:t>
+            </a:r>
+            <a:r>
+              <a:rPr lang="fr-FR" dirty="0" smtClean="0"/>
+              <a:t>nœuds</a:t>
+            </a:r>
+            <a:endParaRPr lang="fr-FR" dirty="0" smtClean="0"/>
+          </a:p>
+          <a:p>
+            <a:pPr lvl="2"/>
+            <a:r>
+              <a:rPr lang="fr-FR" dirty="0" smtClean="0"/>
+              <a:t>La matrice </a:t>
+            </a:r>
+            <a:r>
+              <a:rPr lang="fr-FR" dirty="0" smtClean="0"/>
+              <a:t>d’adjacence</a:t>
+            </a:r>
+          </a:p>
+          <a:p>
+            <a:pPr lvl="2"/>
+            <a:r>
+              <a:rPr lang="fr-FR" dirty="0" smtClean="0"/>
+              <a:t>Au moins une machine cliente ( un fidèle )</a:t>
+            </a:r>
+            <a:endParaRPr lang="fr-FR" dirty="0" smtClean="0"/>
+          </a:p>
+          <a:p>
+            <a:pPr lvl="1"/>
+            <a:r>
+              <a:rPr lang="fr-FR" dirty="0" smtClean="0"/>
+              <a:t>Pour chaque nœud</a:t>
+            </a:r>
+          </a:p>
+          <a:p>
+            <a:pPr lvl="2"/>
+            <a:r>
+              <a:rPr lang="fr-FR" dirty="0" smtClean="0"/>
+              <a:t>Envoie  d’une trame de demande de création du nœud</a:t>
+            </a:r>
+          </a:p>
+          <a:p>
+            <a:pPr lvl="2"/>
+            <a:r>
+              <a:rPr lang="fr-FR" dirty="0" smtClean="0"/>
+              <a:t>Envoie  de X trames de demande de création de liens</a:t>
+            </a:r>
+          </a:p>
+          <a:p>
+            <a:pPr lvl="2"/>
+            <a:endParaRPr lang="fr-FR" dirty="0" smtClean="0"/>
+          </a:p>
+          <a:p>
+            <a:pPr lvl="1">
+              <a:buNone/>
+            </a:pPr>
+            <a:r>
+              <a:rPr lang="fr-FR" dirty="0" smtClean="0"/>
+              <a:t>Communication exclusivement par socket</a:t>
+            </a:r>
+          </a:p>
+          <a:p>
+            <a:pPr lvl="2"/>
+            <a:endParaRPr lang="fr-FR" dirty="0"/>
+          </a:p>
+        </p:txBody>
+      </p:sp>
+    </p:spTree>
+  </p:cSld>
+  <p:clrMapOvr>
+    <a:masterClrMapping/>
+  </p:clrMapOvr>
+  <p:transition>
+    <p:fade/>
+  </p:transition>
+</p:sld>
+</file>
+
+<file path=ppt/slides/slide9.xml><?xml version="1.0" encoding="utf-8"?>
+<p:sld xmlns:a="http://schemas.openxmlformats.org/drawingml/2006/main" xmlns:r="http://schemas.openxmlformats.org/officeDocument/2006/relationships" xmlns:p="http://schemas.openxmlformats.org/presentationml/2006/main">
+  <p:cSld>
+    <p:spTree>
+      <p:nvGrpSpPr>
+        <p:cNvPr id="1" name=""/>
+        <p:cNvGrpSpPr/>
+        <p:nvPr/>
+      </p:nvGrpSpPr>
+      <p:grpSpPr>
+        <a:xfrm>
+          <a:off x="0" y="0"/>
+          <a:ext cx="0" cy="0"/>
+          <a:chOff x="0" y="0"/>
+          <a:chExt cx="0" cy="0"/>
+        </a:xfrm>
+      </p:grpSpPr>
+      <p:sp>
+        <p:nvSpPr>
+          <p:cNvPr id="2" name="Titre 1"/>
+          <p:cNvSpPr>
+            <a:spLocks noGrp="1"/>
+          </p:cNvSpPr>
+          <p:nvPr>
+            <p:ph type="title"/>
+          </p:nvPr>
+        </p:nvSpPr>
+        <p:spPr/>
+        <p:txBody>
+          <a:bodyPr/>
+          <a:lstStyle/>
+          <a:p>
+            <a:r>
+              <a:rPr lang="fr-FR" b="1" dirty="0" smtClean="0">
+                <a:ln w="1905"/>
+                <a:gradFill>
+                  <a:gsLst>
+                    <a:gs pos="0">
+                      <a:schemeClr val="accent6">
+                        <a:shade val="20000"/>
+                        <a:satMod val="200000"/>
+                      </a:schemeClr>
+                    </a:gs>
+                    <a:gs pos="78000">
+                      <a:schemeClr val="accent6">
+                        <a:tint val="90000"/>
+                        <a:shade val="89000"/>
+                        <a:satMod val="220000"/>
+                      </a:schemeClr>
+                    </a:gs>
+                    <a:gs pos="100000">
+                      <a:schemeClr val="accent6">
+                        <a:tint val="12000"/>
+                        <a:satMod val="255000"/>
+                      </a:schemeClr>
+                    </a:gs>
+                  </a:gsLst>
+                  <a:lin ang="5400000"/>
+                </a:gradFill>
+                <a:effectLst>
+                  <a:innerShdw blurRad="69850" dist="43180" dir="5400000">
+                    <a:srgbClr val="000000">
+                      <a:alpha val="65000"/>
+                    </a:srgbClr>
+                  </a:innerShdw>
+                  <a:reflection blurRad="6350" stA="55000" endA="300" endPos="45500" dir="5400000" sy="-100000" algn="bl" rotWithShape="0"/>
+                </a:effectLst>
+              </a:rPr>
+              <a:t>Le réseau virtuel</a:t>
+            </a:r>
+            <a:endParaRPr lang="fr-FR" dirty="0"/>
+          </a:p>
+        </p:txBody>
+      </p:sp>
+      <p:sp>
+        <p:nvSpPr>
+          <p:cNvPr id="3" name="Espace réservé du contenu 2"/>
+          <p:cNvSpPr>
+            <a:spLocks noGrp="1"/>
+          </p:cNvSpPr>
+          <p:nvPr>
+            <p:ph idx="1"/>
+          </p:nvPr>
+        </p:nvSpPr>
+        <p:spPr/>
+        <p:txBody>
+          <a:bodyPr>
+            <a:normAutofit/>
+          </a:bodyPr>
+          <a:lstStyle/>
+          <a:p>
+            <a:pPr>
+              <a:buNone/>
+            </a:pPr>
+            <a:r>
+              <a:rPr lang="fr-FR" b="1" dirty="0" smtClean="0">
+                <a:ln w="1905"/>
+                <a:gradFill>
+                  <a:gsLst>
+                    <a:gs pos="0">
+                      <a:schemeClr val="accent6">
+                        <a:shade val="20000"/>
+                        <a:satMod val="200000"/>
+                      </a:schemeClr>
+                    </a:gs>
+                    <a:gs pos="78000">
+                      <a:schemeClr val="accent6">
+                        <a:tint val="90000"/>
+                        <a:shade val="89000"/>
+                        <a:satMod val="220000"/>
+                      </a:schemeClr>
+                    </a:gs>
+                    <a:gs pos="100000">
+                      <a:schemeClr val="accent6">
+                        <a:tint val="12000"/>
+                        <a:satMod val="255000"/>
+                      </a:schemeClr>
+                    </a:gs>
+                  </a:gsLst>
+                  <a:lin ang="5400000"/>
+                </a:gradFill>
+                <a:effectLst>
+                  <a:innerShdw blurRad="69850" dist="43180" dir="5400000">
+                    <a:srgbClr val="000000">
+                      <a:alpha val="65000"/>
+                    </a:srgbClr>
+                  </a:innerShdw>
+                  <a:reflection blurRad="6350" stA="55000" endA="300" endPos="45500" dir="5400000" sy="-100000" algn="bl" rotWithShape="0"/>
+                </a:effectLst>
+              </a:rPr>
+              <a:t>II/ </a:t>
+            </a:r>
+            <a:r>
+              <a:rPr lang="fr-FR" b="1" dirty="0" smtClean="0">
+                <a:ln w="1905"/>
+                <a:gradFill>
+                  <a:gsLst>
+                    <a:gs pos="0">
+                      <a:schemeClr val="accent6">
+                        <a:shade val="20000"/>
+                        <a:satMod val="200000"/>
+                      </a:schemeClr>
+                    </a:gs>
+                    <a:gs pos="78000">
+                      <a:schemeClr val="accent6">
+                        <a:tint val="90000"/>
+                        <a:shade val="89000"/>
+                        <a:satMod val="220000"/>
+                      </a:schemeClr>
+                    </a:gs>
+                    <a:gs pos="100000">
+                      <a:schemeClr val="accent6">
+                        <a:tint val="12000"/>
+                        <a:satMod val="255000"/>
+                      </a:schemeClr>
+                    </a:gs>
+                  </a:gsLst>
+                  <a:lin ang="5400000"/>
+                </a:gradFill>
+                <a:effectLst>
+                  <a:innerShdw blurRad="69850" dist="43180" dir="5400000">
+                    <a:srgbClr val="000000">
+                      <a:alpha val="65000"/>
+                    </a:srgbClr>
+                  </a:innerShdw>
+                  <a:reflection blurRad="6350" stA="55000" endA="300" endPos="45500" dir="5400000" sy="-100000" algn="bl" rotWithShape="0"/>
+                </a:effectLst>
+              </a:rPr>
+              <a:t>Déploiement du graphe</a:t>
+            </a:r>
+            <a:endParaRPr lang="fr-FR" b="1" dirty="0" smtClean="0">
+              <a:ln w="1905"/>
+              <a:gradFill>
+                <a:gsLst>
+                  <a:gs pos="0">
+                    <a:schemeClr val="accent6">
+                      <a:shade val="20000"/>
+                      <a:satMod val="200000"/>
+                    </a:schemeClr>
+                  </a:gs>
+                  <a:gs pos="78000">
+                    <a:schemeClr val="accent6">
+                      <a:tint val="90000"/>
+                      <a:shade val="89000"/>
+                      <a:satMod val="220000"/>
+                    </a:schemeClr>
+                  </a:gs>
+                  <a:gs pos="100000">
+                    <a:schemeClr val="accent6">
+                      <a:tint val="12000"/>
+                      <a:satMod val="255000"/>
+                    </a:schemeClr>
+                  </a:gs>
+                </a:gsLst>
+                <a:lin ang="5400000"/>
+              </a:gradFill>
+              <a:effectLst>
+                <a:innerShdw blurRad="69850" dist="43180" dir="5400000">
+                  <a:srgbClr val="000000">
+                    <a:alpha val="65000"/>
+                  </a:srgbClr>
+                </a:innerShdw>
+                <a:reflection blurRad="6350" stA="55000" endA="300" endPos="45500" dir="5400000" sy="-100000" algn="bl" rotWithShape="0"/>
+              </a:effectLst>
+            </a:endParaRPr>
+          </a:p>
+          <a:p>
+            <a:pPr lvl="1"/>
+            <a:endParaRPr lang="fr-FR" dirty="0" smtClean="0"/>
+          </a:p>
+          <a:p>
+            <a:pPr lvl="2"/>
+            <a:endParaRPr lang="fr-FR" dirty="0"/>
+          </a:p>
+        </p:txBody>
+      </p:sp>
+      <p:pic>
+        <p:nvPicPr>
+          <p:cNvPr id="4" name="Image 3" descr="machines.JPG"/>
+          <p:cNvPicPr/>
+          <p:nvPr/>
+        </p:nvPicPr>
+        <p:blipFill>
+          <a:blip r:embed="rId2"/>
+          <a:stretch>
+            <a:fillRect/>
+          </a:stretch>
+        </p:blipFill>
+        <p:spPr>
+          <a:xfrm>
+            <a:off x="1142976" y="2500306"/>
+            <a:ext cx="6786610" cy="3655496"/>
+          </a:xfrm>
+          <a:prstGeom prst="rect">
+            <a:avLst/>
+          </a:prstGeom>
+        </p:spPr>
+      </p:pic>
+      <p:sp>
+        <p:nvSpPr>
+          <p:cNvPr id="5" name="ZoneTexte 4"/>
+          <p:cNvSpPr txBox="1"/>
+          <p:nvPr/>
+        </p:nvSpPr>
+        <p:spPr>
+          <a:xfrm>
+            <a:off x="1214414" y="6286520"/>
+            <a:ext cx="6786610" cy="369332"/>
+          </a:xfrm>
+          <a:prstGeom prst="rect">
+            <a:avLst/>
+          </a:prstGeom>
+        </p:spPr>
+        <p:style>
+          <a:lnRef idx="2">
+            <a:schemeClr val="accent1"/>
+          </a:lnRef>
+          <a:fillRef idx="1">
+            <a:schemeClr val="lt1"/>
+          </a:fillRef>
+          <a:effectRef idx="0">
+            <a:schemeClr val="accent1"/>
+          </a:effectRef>
+          <a:fontRef idx="minor">
+            <a:schemeClr val="dk1"/>
+          </a:fontRef>
+        </p:style>
+        <p:txBody>
+          <a:bodyPr wrap="square" rtlCol="0">
+            <a:spAutoFit/>
+          </a:bodyPr>
+          <a:lstStyle/>
+          <a:p>
+            <a:r>
+              <a:rPr lang="fr-FR" dirty="0" smtClean="0">
+                <a:latin typeface="Arial" pitchFamily="34" charset="0"/>
+              </a:rPr>
+              <a:t>Machines clientes qui hébergeront chacune une partie du graphe </a:t>
+            </a:r>
+            <a:endParaRPr lang="fr-FR" dirty="0">
+              <a:latin typeface="Arial" pitchFamily="34" charset="0"/>
+            </a:endParaRPr>
+          </a:p>
+        </p:txBody>
+      </p:sp>
+    </p:spTree>
+  </p:cSld>
+  <p:clrMapOvr>
+    <a:masterClrMapping/>
+  </p:clrMapOvr>
+  <p:transition>
+    <p:fade/>
+  </p:transition>
 </p:sld>
 </file>
 

--- a/trunk/doc/Voogle.pptx
+++ b/trunk/doc/Voogle.pptx
@@ -5,24 +5,24 @@
     <p:sldMasterId id="2147483876" r:id="rId1"/>
   </p:sldMasterIdLst>
   <p:notesMasterIdLst>
-    <p:notesMasterId r:id="rId22"/>
+    <p:notesMasterId r:id="rId25"/>
   </p:notesMasterIdLst>
   <p:handoutMasterIdLst>
-    <p:handoutMasterId r:id="rId23"/>
+    <p:handoutMasterId r:id="rId26"/>
   </p:handoutMasterIdLst>
   <p:sldIdLst>
     <p:sldId id="256" r:id="rId2"/>
-    <p:sldId id="257" r:id="rId3"/>
-    <p:sldId id="258" r:id="rId4"/>
-    <p:sldId id="263" r:id="rId5"/>
-    <p:sldId id="268" r:id="rId6"/>
-    <p:sldId id="269" r:id="rId7"/>
-    <p:sldId id="270" r:id="rId8"/>
-    <p:sldId id="271" r:id="rId9"/>
-    <p:sldId id="273" r:id="rId10"/>
-    <p:sldId id="274" r:id="rId11"/>
-    <p:sldId id="275" r:id="rId12"/>
-    <p:sldId id="277" r:id="rId13"/>
+    <p:sldId id="258" r:id="rId3"/>
+    <p:sldId id="263" r:id="rId4"/>
+    <p:sldId id="268" r:id="rId5"/>
+    <p:sldId id="269" r:id="rId6"/>
+    <p:sldId id="270" r:id="rId7"/>
+    <p:sldId id="271" r:id="rId8"/>
+    <p:sldId id="273" r:id="rId9"/>
+    <p:sldId id="274" r:id="rId10"/>
+    <p:sldId id="275" r:id="rId11"/>
+    <p:sldId id="277" r:id="rId12"/>
+    <p:sldId id="285" r:id="rId13"/>
     <p:sldId id="279" r:id="rId14"/>
     <p:sldId id="280" r:id="rId15"/>
     <p:sldId id="281" r:id="rId16"/>
@@ -31,6 +31,9 @@
     <p:sldId id="284" r:id="rId19"/>
     <p:sldId id="264" r:id="rId20"/>
     <p:sldId id="265" r:id="rId21"/>
+    <p:sldId id="286" r:id="rId22"/>
+    <p:sldId id="287" r:id="rId23"/>
+    <p:sldId id="288" r:id="rId24"/>
   </p:sldIdLst>
   <p:sldSz cx="9144000" cy="6858000" type="screen4x3"/>
   <p:notesSz cx="6858000" cy="9144000"/>
@@ -7072,343 +7075,6 @@
           </a:p>
         </p:txBody>
       </p:sp>
-      <p:sp>
-        <p:nvSpPr>
-          <p:cNvPr id="3" name="Espace réservé du contenu 2"/>
-          <p:cNvSpPr>
-            <a:spLocks noGrp="1"/>
-          </p:cNvSpPr>
-          <p:nvPr>
-            <p:ph idx="1"/>
-          </p:nvPr>
-        </p:nvSpPr>
-        <p:spPr/>
-        <p:txBody>
-          <a:bodyPr/>
-          <a:lstStyle/>
-          <a:p>
-            <a:pPr>
-              <a:buNone/>
-            </a:pPr>
-            <a:r>
-              <a:rPr lang="fr-FR" b="1" dirty="0" smtClean="0">
-                <a:ln w="1905"/>
-                <a:gradFill>
-                  <a:gsLst>
-                    <a:gs pos="0">
-                      <a:schemeClr val="accent6">
-                        <a:shade val="20000"/>
-                        <a:satMod val="200000"/>
-                      </a:schemeClr>
-                    </a:gs>
-                    <a:gs pos="78000">
-                      <a:schemeClr val="accent6">
-                        <a:tint val="90000"/>
-                        <a:shade val="89000"/>
-                        <a:satMod val="220000"/>
-                      </a:schemeClr>
-                    </a:gs>
-                    <a:gs pos="100000">
-                      <a:schemeClr val="accent6">
-                        <a:tint val="12000"/>
-                        <a:satMod val="255000"/>
-                      </a:schemeClr>
-                    </a:gs>
-                  </a:gsLst>
-                  <a:lin ang="5400000"/>
-                </a:gradFill>
-                <a:effectLst>
-                  <a:innerShdw blurRad="69850" dist="43180" dir="5400000">
-                    <a:srgbClr val="000000">
-                      <a:alpha val="65000"/>
-                    </a:srgbClr>
-                  </a:innerShdw>
-                  <a:reflection blurRad="6350" stA="55000" endA="300" endPos="45500" dir="5400000" sy="-100000" algn="bl" rotWithShape="0"/>
-                </a:effectLst>
-              </a:rPr>
-              <a:t>II/ </a:t>
-            </a:r>
-            <a:r>
-              <a:rPr lang="fr-FR" b="1" dirty="0" smtClean="0">
-                <a:ln w="1905"/>
-                <a:gradFill>
-                  <a:gsLst>
-                    <a:gs pos="0">
-                      <a:schemeClr val="accent6">
-                        <a:shade val="20000"/>
-                        <a:satMod val="200000"/>
-                      </a:schemeClr>
-                    </a:gs>
-                    <a:gs pos="78000">
-                      <a:schemeClr val="accent6">
-                        <a:tint val="90000"/>
-                        <a:shade val="89000"/>
-                        <a:satMod val="220000"/>
-                      </a:schemeClr>
-                    </a:gs>
-                    <a:gs pos="100000">
-                      <a:schemeClr val="accent6">
-                        <a:tint val="12000"/>
-                        <a:satMod val="255000"/>
-                      </a:schemeClr>
-                    </a:gs>
-                  </a:gsLst>
-                  <a:lin ang="5400000"/>
-                </a:gradFill>
-                <a:effectLst>
-                  <a:innerShdw blurRad="69850" dist="43180" dir="5400000">
-                    <a:srgbClr val="000000">
-                      <a:alpha val="65000"/>
-                    </a:srgbClr>
-                  </a:innerShdw>
-                  <a:reflection blurRad="6350" stA="55000" endA="300" endPos="45500" dir="5400000" sy="-100000" algn="bl" rotWithShape="0"/>
-                </a:effectLst>
-              </a:rPr>
-              <a:t>Visualisation du jeu</a:t>
-            </a:r>
-          </a:p>
-          <a:p>
-            <a:pPr lvl="1"/>
-            <a:r>
-              <a:rPr lang="fr-FR" dirty="0" smtClean="0"/>
-              <a:t>Centralisé au niveau de Dieu</a:t>
-            </a:r>
-          </a:p>
-          <a:p>
-            <a:pPr lvl="2"/>
-            <a:r>
-              <a:rPr lang="fr-FR" dirty="0" smtClean="0"/>
-              <a:t>Suivi  du jeu lisible et ludique</a:t>
-            </a:r>
-          </a:p>
-          <a:p>
-            <a:pPr lvl="1"/>
-            <a:r>
-              <a:rPr lang="fr-FR" dirty="0" smtClean="0"/>
-              <a:t>Réception des évènements dans une FIFO</a:t>
-            </a:r>
-          </a:p>
-          <a:p>
-            <a:pPr lvl="2"/>
-            <a:r>
-              <a:rPr lang="fr-FR" dirty="0" smtClean="0"/>
-              <a:t>Deux types de trames reçues</a:t>
-            </a:r>
-          </a:p>
-          <a:p>
-            <a:pPr lvl="3"/>
-            <a:r>
-              <a:rPr lang="fr-FR" dirty="0" smtClean="0"/>
-              <a:t>Trame de modification de l’état d’un nœud</a:t>
-            </a:r>
-          </a:p>
-          <a:p>
-            <a:pPr lvl="4"/>
-            <a:r>
-              <a:rPr lang="fr-FR" dirty="0" smtClean="0"/>
-              <a:t>Nouveau thread</a:t>
-            </a:r>
-          </a:p>
-          <a:p>
-            <a:pPr lvl="4"/>
-            <a:r>
-              <a:rPr lang="fr-FR" dirty="0" smtClean="0"/>
-              <a:t>Suppression thread</a:t>
-            </a:r>
-          </a:p>
-          <a:p>
-            <a:pPr lvl="4"/>
-            <a:r>
-              <a:rPr lang="fr-FR" dirty="0" smtClean="0"/>
-              <a:t>Capture du nœud, etc.</a:t>
-            </a:r>
-          </a:p>
-          <a:p>
-            <a:pPr lvl="3"/>
-            <a:r>
-              <a:rPr lang="fr-FR" dirty="0" smtClean="0"/>
-              <a:t>Trame de modification de l’état d’un thread</a:t>
-            </a:r>
-          </a:p>
-          <a:p>
-            <a:pPr lvl="4"/>
-            <a:r>
-              <a:rPr lang="fr-FR" dirty="0" smtClean="0"/>
-              <a:t>Déplacement d’un thread</a:t>
-            </a:r>
-          </a:p>
-          <a:p>
-            <a:pPr lvl="2"/>
-            <a:endParaRPr lang="fr-FR" dirty="0" smtClean="0"/>
-          </a:p>
-          <a:p>
-            <a:pPr>
-              <a:buNone/>
-            </a:pPr>
-            <a:endParaRPr lang="fr-FR" b="1" dirty="0" smtClean="0">
-              <a:ln w="1905"/>
-              <a:gradFill>
-                <a:gsLst>
-                  <a:gs pos="0">
-                    <a:schemeClr val="accent6">
-                      <a:shade val="20000"/>
-                      <a:satMod val="200000"/>
-                    </a:schemeClr>
-                  </a:gs>
-                  <a:gs pos="78000">
-                    <a:schemeClr val="accent6">
-                      <a:tint val="90000"/>
-                      <a:shade val="89000"/>
-                      <a:satMod val="220000"/>
-                    </a:schemeClr>
-                  </a:gs>
-                  <a:gs pos="100000">
-                    <a:schemeClr val="accent6">
-                      <a:tint val="12000"/>
-                      <a:satMod val="255000"/>
-                    </a:schemeClr>
-                  </a:gs>
-                </a:gsLst>
-                <a:lin ang="5400000"/>
-              </a:gradFill>
-              <a:effectLst>
-                <a:innerShdw blurRad="69850" dist="43180" dir="5400000">
-                  <a:srgbClr val="000000">
-                    <a:alpha val="65000"/>
-                  </a:srgbClr>
-                </a:innerShdw>
-                <a:reflection blurRad="6350" stA="55000" endA="300" endPos="45500" dir="5400000" sy="-100000" algn="bl" rotWithShape="0"/>
-              </a:effectLst>
-            </a:endParaRPr>
-          </a:p>
-          <a:p>
-            <a:pPr lvl="1"/>
-            <a:endParaRPr lang="fr-FR" b="1" dirty="0" smtClean="0">
-              <a:ln w="1905"/>
-              <a:gradFill>
-                <a:gsLst>
-                  <a:gs pos="0">
-                    <a:schemeClr val="accent6">
-                      <a:shade val="20000"/>
-                      <a:satMod val="200000"/>
-                    </a:schemeClr>
-                  </a:gs>
-                  <a:gs pos="78000">
-                    <a:schemeClr val="accent6">
-                      <a:tint val="90000"/>
-                      <a:shade val="89000"/>
-                      <a:satMod val="220000"/>
-                    </a:schemeClr>
-                  </a:gs>
-                  <a:gs pos="100000">
-                    <a:schemeClr val="accent6">
-                      <a:tint val="12000"/>
-                      <a:satMod val="255000"/>
-                    </a:schemeClr>
-                  </a:gs>
-                </a:gsLst>
-                <a:lin ang="5400000"/>
-              </a:gradFill>
-              <a:effectLst>
-                <a:innerShdw blurRad="69850" dist="43180" dir="5400000">
-                  <a:srgbClr val="000000">
-                    <a:alpha val="65000"/>
-                  </a:srgbClr>
-                </a:innerShdw>
-                <a:reflection blurRad="6350" stA="55000" endA="300" endPos="45500" dir="5400000" sy="-100000" algn="bl" rotWithShape="0"/>
-              </a:effectLst>
-            </a:endParaRPr>
-          </a:p>
-          <a:p>
-            <a:endParaRPr lang="fr-FR" dirty="0"/>
-          </a:p>
-        </p:txBody>
-      </p:sp>
-    </p:spTree>
-  </p:cSld>
-  <p:clrMapOvr>
-    <a:masterClrMapping/>
-  </p:clrMapOvr>
-  <p:transition>
-    <p:fade/>
-  </p:transition>
-</p:sld>
-</file>
-
-<file path=ppt/slides/slide11.xml><?xml version="1.0" encoding="utf-8"?>
-<p:sld xmlns:a="http://schemas.openxmlformats.org/drawingml/2006/main" xmlns:r="http://schemas.openxmlformats.org/officeDocument/2006/relationships" xmlns:p="http://schemas.openxmlformats.org/presentationml/2006/main">
-  <p:cSld>
-    <p:spTree>
-      <p:nvGrpSpPr>
-        <p:cNvPr id="1" name=""/>
-        <p:cNvGrpSpPr/>
-        <p:nvPr/>
-      </p:nvGrpSpPr>
-      <p:grpSpPr>
-        <a:xfrm>
-          <a:off x="0" y="0"/>
-          <a:ext cx="0" cy="0"/>
-          <a:chOff x="0" y="0"/>
-          <a:chExt cx="0" cy="0"/>
-        </a:xfrm>
-      </p:grpSpPr>
-      <p:sp>
-        <p:nvSpPr>
-          <p:cNvPr id="2" name="Titre 1"/>
-          <p:cNvSpPr>
-            <a:spLocks noGrp="1"/>
-          </p:cNvSpPr>
-          <p:nvPr>
-            <p:ph type="title"/>
-          </p:nvPr>
-        </p:nvSpPr>
-        <p:spPr/>
-        <p:txBody>
-          <a:bodyPr/>
-          <a:lstStyle/>
-          <a:p>
-            <a:r>
-              <a:rPr lang="fr-FR" b="1" dirty="0" smtClean="0">
-                <a:ln w="1905"/>
-                <a:gradFill>
-                  <a:gsLst>
-                    <a:gs pos="0">
-                      <a:schemeClr val="accent6">
-                        <a:shade val="20000"/>
-                        <a:satMod val="200000"/>
-                      </a:schemeClr>
-                    </a:gs>
-                    <a:gs pos="78000">
-                      <a:schemeClr val="accent6">
-                        <a:tint val="90000"/>
-                        <a:shade val="89000"/>
-                        <a:satMod val="220000"/>
-                      </a:schemeClr>
-                    </a:gs>
-                    <a:gs pos="100000">
-                      <a:schemeClr val="accent6">
-                        <a:tint val="12000"/>
-                        <a:satMod val="255000"/>
-                      </a:schemeClr>
-                    </a:gs>
-                  </a:gsLst>
-                  <a:lin ang="5400000"/>
-                </a:gradFill>
-                <a:effectLst>
-                  <a:innerShdw blurRad="69850" dist="43180" dir="5400000">
-                    <a:srgbClr val="000000">
-                      <a:alpha val="65000"/>
-                    </a:srgbClr>
-                  </a:innerShdw>
-                  <a:reflection blurRad="6350" stA="55000" endA="300" endPos="45500" dir="5400000" sy="-100000" algn="bl" rotWithShape="0"/>
-                </a:effectLst>
-              </a:rPr>
-              <a:t>Le réseau virtuel</a:t>
-            </a:r>
-            <a:endParaRPr lang="fr-FR" dirty="0"/>
-          </a:p>
-        </p:txBody>
-      </p:sp>
       <p:pic>
         <p:nvPicPr>
           <p:cNvPr id="2053" name="Picture 5"/>
@@ -7758,10 +7424,17 @@
   <p:transition>
     <p:fade/>
   </p:transition>
+  <p:timing>
+    <p:tnLst>
+      <p:par>
+        <p:cTn id="1" dur="indefinite" restart="never" nodeType="tmRoot"/>
+      </p:par>
+    </p:tnLst>
+  </p:timing>
 </p:sld>
 </file>
 
-<file path=ppt/slides/slide12.xml><?xml version="1.0" encoding="utf-8"?>
+<file path=ppt/slides/slide11.xml><?xml version="1.0" encoding="utf-8"?>
 <p:sld xmlns:a="http://schemas.openxmlformats.org/drawingml/2006/main" xmlns:r="http://schemas.openxmlformats.org/officeDocument/2006/relationships" xmlns:p="http://schemas.openxmlformats.org/presentationml/2006/main">
   <p:cSld>
     <p:spTree>
@@ -8182,6 +7855,1367 @@
   <p:transition>
     <p:fade/>
   </p:transition>
+  <p:timing>
+    <p:tnLst>
+      <p:par>
+        <p:cTn id="1" dur="indefinite" restart="never" nodeType="tmRoot"/>
+      </p:par>
+    </p:tnLst>
+  </p:timing>
+</p:sld>
+</file>
+
+<file path=ppt/slides/slide12.xml><?xml version="1.0" encoding="utf-8"?>
+<p:sld xmlns:a="http://schemas.openxmlformats.org/drawingml/2006/main" xmlns:r="http://schemas.openxmlformats.org/officeDocument/2006/relationships" xmlns:p="http://schemas.openxmlformats.org/presentationml/2006/main">
+  <p:cSld>
+    <p:spTree>
+      <p:nvGrpSpPr>
+        <p:cNvPr id="1" name=""/>
+        <p:cNvGrpSpPr/>
+        <p:nvPr/>
+      </p:nvGrpSpPr>
+      <p:grpSpPr>
+        <a:xfrm>
+          <a:off x="0" y="0"/>
+          <a:ext cx="0" cy="0"/>
+          <a:chOff x="0" y="0"/>
+          <a:chExt cx="0" cy="0"/>
+        </a:xfrm>
+      </p:grpSpPr>
+      <p:sp>
+        <p:nvSpPr>
+          <p:cNvPr id="2" name="Titre 1"/>
+          <p:cNvSpPr>
+            <a:spLocks noGrp="1"/>
+          </p:cNvSpPr>
+          <p:nvPr>
+            <p:ph type="title"/>
+          </p:nvPr>
+        </p:nvSpPr>
+        <p:spPr/>
+        <p:txBody>
+          <a:bodyPr/>
+          <a:lstStyle/>
+          <a:p>
+            <a:r>
+              <a:rPr lang="fr-FR" b="1" dirty="0" smtClean="0">
+                <a:ln w="1905"/>
+                <a:gradFill>
+                  <a:gsLst>
+                    <a:gs pos="0">
+                      <a:schemeClr val="accent6">
+                        <a:shade val="20000"/>
+                        <a:satMod val="200000"/>
+                      </a:schemeClr>
+                    </a:gs>
+                    <a:gs pos="78000">
+                      <a:schemeClr val="accent6">
+                        <a:tint val="90000"/>
+                        <a:shade val="89000"/>
+                        <a:satMod val="220000"/>
+                      </a:schemeClr>
+                    </a:gs>
+                    <a:gs pos="100000">
+                      <a:schemeClr val="accent6">
+                        <a:tint val="12000"/>
+                        <a:satMod val="255000"/>
+                      </a:schemeClr>
+                    </a:gs>
+                  </a:gsLst>
+                  <a:lin ang="5400000"/>
+                </a:gradFill>
+                <a:effectLst>
+                  <a:innerShdw blurRad="69850" dist="43180" dir="5400000">
+                    <a:srgbClr val="000000">
+                      <a:alpha val="65000"/>
+                    </a:srgbClr>
+                  </a:innerShdw>
+                  <a:reflection blurRad="6350" stA="55000" endA="300" endPos="45500" dir="5400000" sy="-100000" algn="bl" rotWithShape="0"/>
+                </a:effectLst>
+              </a:rPr>
+              <a:t>Migration des threads</a:t>
+            </a:r>
+            <a:endParaRPr lang="fr-FR" dirty="0"/>
+          </a:p>
+        </p:txBody>
+      </p:sp>
+      <p:sp>
+        <p:nvSpPr>
+          <p:cNvPr id="8" name="Espace réservé du contenu 2"/>
+          <p:cNvSpPr txBox="1">
+            <a:spLocks/>
+          </p:cNvSpPr>
+          <p:nvPr/>
+        </p:nvSpPr>
+        <p:spPr>
+          <a:xfrm>
+            <a:off x="457200" y="1935480"/>
+            <a:ext cx="8229600" cy="4389120"/>
+          </a:xfrm>
+          <a:prstGeom prst="rect">
+            <a:avLst/>
+          </a:prstGeom>
+        </p:spPr>
+        <p:txBody>
+          <a:bodyPr vert="horz">
+            <a:normAutofit/>
+          </a:bodyPr>
+          <a:lstStyle/>
+          <a:p>
+            <a:pPr marL="274320" marR="0" lvl="0" indent="-274320" algn="l" defTabSz="914400" rtl="0" eaLnBrk="1" fontAlgn="auto" latinLnBrk="0" hangingPunct="1">
+              <a:lnSpc>
+                <a:spcPct val="100000"/>
+              </a:lnSpc>
+              <a:spcBef>
+                <a:spcPct val="20000"/>
+              </a:spcBef>
+              <a:spcAft>
+                <a:spcPts val="0"/>
+              </a:spcAft>
+              <a:buClr>
+                <a:schemeClr val="accent3"/>
+              </a:buClr>
+              <a:buSzPct val="95000"/>
+              <a:buFont typeface="Wingdings 2"/>
+              <a:buNone/>
+              <a:tabLst/>
+              <a:defRPr/>
+            </a:pPr>
+            <a:endParaRPr lang="fr-FR" sz="2400" dirty="0" smtClean="0"/>
+          </a:p>
+          <a:p>
+            <a:pPr marL="731520" lvl="1" indent="-274320">
+              <a:spcBef>
+                <a:spcPct val="20000"/>
+              </a:spcBef>
+              <a:buClr>
+                <a:schemeClr val="accent3"/>
+              </a:buClr>
+              <a:buSzPct val="95000"/>
+              <a:buFont typeface="Arial" pitchFamily="34" charset="0"/>
+              <a:buChar char="•"/>
+            </a:pPr>
+            <a:endParaRPr lang="fr-FR" sz="2400" dirty="0" smtClean="0"/>
+          </a:p>
+          <a:p>
+            <a:pPr marL="274320" lvl="0" indent="-274320">
+              <a:spcBef>
+                <a:spcPct val="20000"/>
+              </a:spcBef>
+              <a:buClr>
+                <a:schemeClr val="accent3"/>
+              </a:buClr>
+              <a:buSzPct val="95000"/>
+            </a:pPr>
+            <a:endParaRPr lang="fr-FR" sz="2600" b="1" dirty="0" smtClean="0">
+              <a:ln w="1905"/>
+              <a:gradFill>
+                <a:gsLst>
+                  <a:gs pos="0">
+                    <a:schemeClr val="accent6">
+                      <a:shade val="20000"/>
+                      <a:satMod val="200000"/>
+                    </a:schemeClr>
+                  </a:gs>
+                  <a:gs pos="78000">
+                    <a:schemeClr val="accent6">
+                      <a:tint val="90000"/>
+                      <a:shade val="89000"/>
+                      <a:satMod val="220000"/>
+                    </a:schemeClr>
+                  </a:gs>
+                  <a:gs pos="100000">
+                    <a:schemeClr val="accent6">
+                      <a:tint val="12000"/>
+                      <a:satMod val="255000"/>
+                    </a:schemeClr>
+                  </a:gs>
+                </a:gsLst>
+                <a:lin ang="5400000"/>
+              </a:gradFill>
+              <a:effectLst>
+                <a:innerShdw blurRad="69850" dist="43180" dir="5400000">
+                  <a:srgbClr val="000000">
+                    <a:alpha val="65000"/>
+                  </a:srgbClr>
+                </a:innerShdw>
+                <a:reflection blurRad="6350" stA="55000" endA="300" endPos="45500" dir="5400000" sy="-100000" algn="bl" rotWithShape="0"/>
+              </a:effectLst>
+            </a:endParaRPr>
+          </a:p>
+          <a:p>
+            <a:pPr marL="731520" lvl="1" indent="-274320">
+              <a:spcBef>
+                <a:spcPct val="20000"/>
+              </a:spcBef>
+              <a:buClr>
+                <a:schemeClr val="accent3"/>
+              </a:buClr>
+              <a:buSzPct val="95000"/>
+              <a:buFont typeface="Arial" pitchFamily="34" charset="0"/>
+              <a:buChar char="•"/>
+            </a:pPr>
+            <a:endParaRPr lang="fr-FR" sz="2600" b="1" dirty="0" smtClean="0">
+              <a:ln w="1905"/>
+              <a:gradFill>
+                <a:gsLst>
+                  <a:gs pos="0">
+                    <a:schemeClr val="accent6">
+                      <a:shade val="20000"/>
+                      <a:satMod val="200000"/>
+                    </a:schemeClr>
+                  </a:gs>
+                  <a:gs pos="78000">
+                    <a:schemeClr val="accent6">
+                      <a:tint val="90000"/>
+                      <a:shade val="89000"/>
+                      <a:satMod val="220000"/>
+                    </a:schemeClr>
+                  </a:gs>
+                  <a:gs pos="100000">
+                    <a:schemeClr val="accent6">
+                      <a:tint val="12000"/>
+                      <a:satMod val="255000"/>
+                    </a:schemeClr>
+                  </a:gs>
+                </a:gsLst>
+                <a:lin ang="5400000"/>
+              </a:gradFill>
+              <a:effectLst>
+                <a:innerShdw blurRad="69850" dist="43180" dir="5400000">
+                  <a:srgbClr val="000000">
+                    <a:alpha val="65000"/>
+                  </a:srgbClr>
+                </a:innerShdw>
+                <a:reflection blurRad="6350" stA="55000" endA="300" endPos="45500" dir="5400000" sy="-100000" algn="bl" rotWithShape="0"/>
+              </a:effectLst>
+            </a:endParaRPr>
+          </a:p>
+          <a:p>
+            <a:pPr marL="274320" indent="-274320">
+              <a:spcBef>
+                <a:spcPct val="20000"/>
+              </a:spcBef>
+              <a:buClr>
+                <a:schemeClr val="accent3"/>
+              </a:buClr>
+              <a:buSzPct val="95000"/>
+            </a:pPr>
+            <a:endParaRPr lang="fr-FR" sz="2800" dirty="0" smtClean="0"/>
+          </a:p>
+          <a:p>
+            <a:pPr marL="274320" marR="0" lvl="0" indent="-274320" algn="l" defTabSz="914400" rtl="0" eaLnBrk="1" fontAlgn="auto" latinLnBrk="0" hangingPunct="1">
+              <a:lnSpc>
+                <a:spcPct val="100000"/>
+              </a:lnSpc>
+              <a:spcBef>
+                <a:spcPct val="20000"/>
+              </a:spcBef>
+              <a:spcAft>
+                <a:spcPts val="0"/>
+              </a:spcAft>
+              <a:buClr>
+                <a:schemeClr val="accent3"/>
+              </a:buClr>
+              <a:buSzPct val="95000"/>
+              <a:buFont typeface="Wingdings 2"/>
+              <a:buNone/>
+              <a:tabLst/>
+              <a:defRPr/>
+            </a:pPr>
+            <a:endParaRPr kumimoji="0" lang="fr-FR" sz="2600" b="1" i="0" u="none" strike="noStrike" kern="1200" cap="none" spc="0" normalizeH="0" baseline="0" noProof="0" dirty="0" smtClean="0">
+              <a:ln w="1905"/>
+              <a:gradFill>
+                <a:gsLst>
+                  <a:gs pos="0">
+                    <a:schemeClr val="accent6">
+                      <a:shade val="20000"/>
+                      <a:satMod val="200000"/>
+                    </a:schemeClr>
+                  </a:gs>
+                  <a:gs pos="78000">
+                    <a:schemeClr val="accent6">
+                      <a:tint val="90000"/>
+                      <a:shade val="89000"/>
+                      <a:satMod val="220000"/>
+                    </a:schemeClr>
+                  </a:gs>
+                  <a:gs pos="100000">
+                    <a:schemeClr val="accent6">
+                      <a:tint val="12000"/>
+                      <a:satMod val="255000"/>
+                    </a:schemeClr>
+                  </a:gs>
+                </a:gsLst>
+                <a:lin ang="5400000"/>
+              </a:gradFill>
+              <a:effectLst>
+                <a:innerShdw blurRad="69850" dist="43180" dir="5400000">
+                  <a:srgbClr val="000000">
+                    <a:alpha val="65000"/>
+                  </a:srgbClr>
+                </a:innerShdw>
+                <a:reflection blurRad="6350" stA="55000" endA="300" endPos="45500" dir="5400000" sy="-100000" algn="bl" rotWithShape="0"/>
+              </a:effectLst>
+              <a:uLnTx/>
+              <a:uFillTx/>
+              <a:latin typeface="+mn-lt"/>
+              <a:ea typeface="+mn-ea"/>
+              <a:cs typeface="+mn-cs"/>
+            </a:endParaRPr>
+          </a:p>
+          <a:p>
+            <a:pPr marL="274320" marR="0" lvl="0" indent="-274320" algn="l" defTabSz="914400" rtl="0" eaLnBrk="1" fontAlgn="auto" latinLnBrk="0" hangingPunct="1">
+              <a:lnSpc>
+                <a:spcPct val="100000"/>
+              </a:lnSpc>
+              <a:spcBef>
+                <a:spcPct val="20000"/>
+              </a:spcBef>
+              <a:spcAft>
+                <a:spcPts val="0"/>
+              </a:spcAft>
+              <a:buClr>
+                <a:schemeClr val="accent3"/>
+              </a:buClr>
+              <a:buSzPct val="95000"/>
+              <a:buFont typeface="Wingdings 2"/>
+              <a:buNone/>
+              <a:tabLst/>
+              <a:defRPr/>
+            </a:pPr>
+            <a:endParaRPr kumimoji="0" lang="fr-FR" sz="2600" b="1" i="0" u="none" strike="noStrike" kern="1200" cap="none" spc="0" normalizeH="0" baseline="0" noProof="0" dirty="0" smtClean="0">
+              <a:ln w="1905"/>
+              <a:gradFill>
+                <a:gsLst>
+                  <a:gs pos="0">
+                    <a:schemeClr val="accent6">
+                      <a:shade val="20000"/>
+                      <a:satMod val="200000"/>
+                    </a:schemeClr>
+                  </a:gs>
+                  <a:gs pos="78000">
+                    <a:schemeClr val="accent6">
+                      <a:tint val="90000"/>
+                      <a:shade val="89000"/>
+                      <a:satMod val="220000"/>
+                    </a:schemeClr>
+                  </a:gs>
+                  <a:gs pos="100000">
+                    <a:schemeClr val="accent6">
+                      <a:tint val="12000"/>
+                      <a:satMod val="255000"/>
+                    </a:schemeClr>
+                  </a:gs>
+                </a:gsLst>
+                <a:lin ang="5400000"/>
+              </a:gradFill>
+              <a:effectLst>
+                <a:innerShdw blurRad="69850" dist="43180" dir="5400000">
+                  <a:srgbClr val="000000">
+                    <a:alpha val="65000"/>
+                  </a:srgbClr>
+                </a:innerShdw>
+                <a:reflection blurRad="6350" stA="55000" endA="300" endPos="45500" dir="5400000" sy="-100000" algn="bl" rotWithShape="0"/>
+              </a:effectLst>
+              <a:uLnTx/>
+              <a:uFillTx/>
+              <a:latin typeface="+mn-lt"/>
+              <a:ea typeface="+mn-ea"/>
+              <a:cs typeface="+mn-cs"/>
+            </a:endParaRPr>
+          </a:p>
+          <a:p>
+            <a:pPr marL="274320" marR="0" lvl="0" indent="-274320" algn="l" defTabSz="914400" rtl="0" eaLnBrk="1" fontAlgn="auto" latinLnBrk="0" hangingPunct="1">
+              <a:lnSpc>
+                <a:spcPct val="100000"/>
+              </a:lnSpc>
+              <a:spcBef>
+                <a:spcPct val="20000"/>
+              </a:spcBef>
+              <a:spcAft>
+                <a:spcPts val="0"/>
+              </a:spcAft>
+              <a:buClr>
+                <a:schemeClr val="accent3"/>
+              </a:buClr>
+              <a:buSzPct val="95000"/>
+              <a:buFont typeface="Wingdings 2"/>
+              <a:buNone/>
+              <a:tabLst/>
+              <a:defRPr/>
+            </a:pPr>
+            <a:endParaRPr kumimoji="0" lang="fr-FR" sz="2600" b="1" i="0" u="none" strike="noStrike" kern="1200" cap="none" spc="0" normalizeH="0" baseline="0" noProof="0" dirty="0" smtClean="0">
+              <a:ln w="1905"/>
+              <a:gradFill>
+                <a:gsLst>
+                  <a:gs pos="0">
+                    <a:schemeClr val="accent6">
+                      <a:shade val="20000"/>
+                      <a:satMod val="200000"/>
+                    </a:schemeClr>
+                  </a:gs>
+                  <a:gs pos="78000">
+                    <a:schemeClr val="accent6">
+                      <a:tint val="90000"/>
+                      <a:shade val="89000"/>
+                      <a:satMod val="220000"/>
+                    </a:schemeClr>
+                  </a:gs>
+                  <a:gs pos="100000">
+                    <a:schemeClr val="accent6">
+                      <a:tint val="12000"/>
+                      <a:satMod val="255000"/>
+                    </a:schemeClr>
+                  </a:gs>
+                </a:gsLst>
+                <a:lin ang="5400000"/>
+              </a:gradFill>
+              <a:effectLst>
+                <a:innerShdw blurRad="69850" dist="43180" dir="5400000">
+                  <a:srgbClr val="000000">
+                    <a:alpha val="65000"/>
+                  </a:srgbClr>
+                </a:innerShdw>
+                <a:reflection blurRad="6350" stA="55000" endA="300" endPos="45500" dir="5400000" sy="-100000" algn="bl" rotWithShape="0"/>
+              </a:effectLst>
+              <a:uLnTx/>
+              <a:uFillTx/>
+              <a:latin typeface="+mn-lt"/>
+              <a:ea typeface="+mn-ea"/>
+              <a:cs typeface="+mn-cs"/>
+            </a:endParaRPr>
+          </a:p>
+          <a:p>
+            <a:pPr marL="640080" marR="0" lvl="1" indent="-246888" algn="l" defTabSz="914400" rtl="0" eaLnBrk="1" fontAlgn="auto" latinLnBrk="0" hangingPunct="1">
+              <a:lnSpc>
+                <a:spcPct val="100000"/>
+              </a:lnSpc>
+              <a:spcBef>
+                <a:spcPct val="20000"/>
+              </a:spcBef>
+              <a:spcAft>
+                <a:spcPts val="0"/>
+              </a:spcAft>
+              <a:buClr>
+                <a:schemeClr val="accent1"/>
+              </a:buClr>
+              <a:buSzPct val="85000"/>
+              <a:buFont typeface="Wingdings 2"/>
+              <a:buChar char=""/>
+              <a:tabLst/>
+              <a:defRPr/>
+            </a:pPr>
+            <a:endParaRPr kumimoji="0" lang="fr-FR" sz="2400" b="1" i="0" u="none" strike="noStrike" kern="1200" cap="none" spc="0" normalizeH="0" baseline="0" noProof="0" dirty="0" smtClean="0">
+              <a:ln w="1905"/>
+              <a:gradFill>
+                <a:gsLst>
+                  <a:gs pos="0">
+                    <a:schemeClr val="accent6">
+                      <a:shade val="20000"/>
+                      <a:satMod val="200000"/>
+                    </a:schemeClr>
+                  </a:gs>
+                  <a:gs pos="78000">
+                    <a:schemeClr val="accent6">
+                      <a:tint val="90000"/>
+                      <a:shade val="89000"/>
+                      <a:satMod val="220000"/>
+                    </a:schemeClr>
+                  </a:gs>
+                  <a:gs pos="100000">
+                    <a:schemeClr val="accent6">
+                      <a:tint val="12000"/>
+                      <a:satMod val="255000"/>
+                    </a:schemeClr>
+                  </a:gs>
+                </a:gsLst>
+                <a:lin ang="5400000"/>
+              </a:gradFill>
+              <a:effectLst>
+                <a:innerShdw blurRad="69850" dist="43180" dir="5400000">
+                  <a:srgbClr val="000000">
+                    <a:alpha val="65000"/>
+                  </a:srgbClr>
+                </a:innerShdw>
+                <a:reflection blurRad="6350" stA="55000" endA="300" endPos="45500" dir="5400000" sy="-100000" algn="bl" rotWithShape="0"/>
+              </a:effectLst>
+              <a:uLnTx/>
+              <a:uFillTx/>
+              <a:latin typeface="+mn-lt"/>
+              <a:ea typeface="+mn-ea"/>
+              <a:cs typeface="+mn-cs"/>
+            </a:endParaRPr>
+          </a:p>
+          <a:p>
+            <a:pPr marL="274320" marR="0" lvl="0" indent="-274320" algn="l" defTabSz="914400" rtl="0" eaLnBrk="1" fontAlgn="auto" latinLnBrk="0" hangingPunct="1">
+              <a:lnSpc>
+                <a:spcPct val="100000"/>
+              </a:lnSpc>
+              <a:spcBef>
+                <a:spcPct val="20000"/>
+              </a:spcBef>
+              <a:spcAft>
+                <a:spcPts val="0"/>
+              </a:spcAft>
+              <a:buClr>
+                <a:schemeClr val="accent3"/>
+              </a:buClr>
+              <a:buSzPct val="95000"/>
+              <a:buFont typeface="Wingdings 2"/>
+              <a:buChar char=""/>
+              <a:tabLst/>
+              <a:defRPr/>
+            </a:pPr>
+            <a:endParaRPr kumimoji="0" lang="fr-FR" sz="2600" b="0" i="0" u="none" strike="noStrike" kern="1200" cap="none" spc="0" normalizeH="0" baseline="0" noProof="0" dirty="0">
+              <a:ln>
+                <a:noFill/>
+              </a:ln>
+              <a:solidFill>
+                <a:schemeClr val="tx1"/>
+              </a:solidFill>
+              <a:effectLst/>
+              <a:uLnTx/>
+              <a:uFillTx/>
+              <a:latin typeface="+mn-lt"/>
+              <a:ea typeface="+mn-ea"/>
+              <a:cs typeface="+mn-cs"/>
+            </a:endParaRPr>
+          </a:p>
+        </p:txBody>
+      </p:sp>
+      <p:sp>
+        <p:nvSpPr>
+          <p:cNvPr id="4" name="Ellipse 3"/>
+          <p:cNvSpPr/>
+          <p:nvPr/>
+        </p:nvSpPr>
+        <p:spPr>
+          <a:xfrm>
+            <a:off x="1214414" y="3071810"/>
+            <a:ext cx="1214446" cy="1214446"/>
+          </a:xfrm>
+          <a:prstGeom prst="ellipse">
+            <a:avLst/>
+          </a:prstGeom>
+        </p:spPr>
+        <p:style>
+          <a:lnRef idx="2">
+            <a:schemeClr val="accent1">
+              <a:shade val="50000"/>
+            </a:schemeClr>
+          </a:lnRef>
+          <a:fillRef idx="1">
+            <a:schemeClr val="accent1"/>
+          </a:fillRef>
+          <a:effectRef idx="0">
+            <a:schemeClr val="accent1"/>
+          </a:effectRef>
+          <a:fontRef idx="minor">
+            <a:schemeClr val="lt1"/>
+          </a:fontRef>
+        </p:style>
+        <p:txBody>
+          <a:bodyPr rtlCol="0" anchor="ctr"/>
+          <a:lstStyle/>
+          <a:p>
+            <a:pPr algn="ctr"/>
+            <a:endParaRPr lang="fr-FR"/>
+          </a:p>
+        </p:txBody>
+      </p:sp>
+      <p:sp>
+        <p:nvSpPr>
+          <p:cNvPr id="5" name="Ellipse 4"/>
+          <p:cNvSpPr/>
+          <p:nvPr/>
+        </p:nvSpPr>
+        <p:spPr>
+          <a:xfrm>
+            <a:off x="6357950" y="3000372"/>
+            <a:ext cx="1214446" cy="1214446"/>
+          </a:xfrm>
+          <a:prstGeom prst="ellipse">
+            <a:avLst/>
+          </a:prstGeom>
+        </p:spPr>
+        <p:style>
+          <a:lnRef idx="2">
+            <a:schemeClr val="accent1">
+              <a:shade val="50000"/>
+            </a:schemeClr>
+          </a:lnRef>
+          <a:fillRef idx="1">
+            <a:schemeClr val="accent1"/>
+          </a:fillRef>
+          <a:effectRef idx="0">
+            <a:schemeClr val="accent1"/>
+          </a:effectRef>
+          <a:fontRef idx="minor">
+            <a:schemeClr val="lt1"/>
+          </a:fontRef>
+        </p:style>
+        <p:txBody>
+          <a:bodyPr rtlCol="0" anchor="ctr"/>
+          <a:lstStyle/>
+          <a:p>
+            <a:pPr algn="ctr"/>
+            <a:endParaRPr lang="fr-FR"/>
+          </a:p>
+        </p:txBody>
+      </p:sp>
+      <p:cxnSp>
+        <p:nvCxnSpPr>
+          <p:cNvPr id="7" name="Connecteur droit avec flèche 6"/>
+          <p:cNvCxnSpPr/>
+          <p:nvPr/>
+        </p:nvCxnSpPr>
+        <p:spPr>
+          <a:xfrm>
+            <a:off x="2428860" y="3214686"/>
+            <a:ext cx="3857652" cy="1588"/>
+          </a:xfrm>
+          <a:prstGeom prst="straightConnector1">
+            <a:avLst/>
+          </a:prstGeom>
+          <a:ln>
+            <a:tailEnd type="arrow"/>
+          </a:ln>
+        </p:spPr>
+        <p:style>
+          <a:lnRef idx="1">
+            <a:schemeClr val="accent1"/>
+          </a:lnRef>
+          <a:fillRef idx="0">
+            <a:schemeClr val="accent1"/>
+          </a:fillRef>
+          <a:effectRef idx="0">
+            <a:schemeClr val="accent1"/>
+          </a:effectRef>
+          <a:fontRef idx="minor">
+            <a:schemeClr val="tx1"/>
+          </a:fontRef>
+        </p:style>
+      </p:cxnSp>
+      <p:sp>
+        <p:nvSpPr>
+          <p:cNvPr id="9" name="ZoneTexte 8"/>
+          <p:cNvSpPr txBox="1"/>
+          <p:nvPr/>
+        </p:nvSpPr>
+        <p:spPr>
+          <a:xfrm>
+            <a:off x="2928926" y="2786058"/>
+            <a:ext cx="2714644" cy="369332"/>
+          </a:xfrm>
+          <a:prstGeom prst="rect">
+            <a:avLst/>
+          </a:prstGeom>
+          <a:noFill/>
+        </p:spPr>
+        <p:txBody>
+          <a:bodyPr wrap="square" rtlCol="0">
+            <a:spAutoFit/>
+          </a:bodyPr>
+          <a:lstStyle/>
+          <a:p>
+            <a:r>
+              <a:rPr lang="fr-FR" dirty="0" smtClean="0"/>
+              <a:t>1.Demande de migration</a:t>
+            </a:r>
+            <a:endParaRPr lang="fr-FR" dirty="0"/>
+          </a:p>
+        </p:txBody>
+      </p:sp>
+      <p:sp>
+        <p:nvSpPr>
+          <p:cNvPr id="10" name="ZoneTexte 9"/>
+          <p:cNvSpPr txBox="1"/>
+          <p:nvPr/>
+        </p:nvSpPr>
+        <p:spPr>
+          <a:xfrm>
+            <a:off x="6215074" y="4357694"/>
+            <a:ext cx="2786082" cy="1477328"/>
+          </a:xfrm>
+          <a:prstGeom prst="rect">
+            <a:avLst/>
+          </a:prstGeom>
+          <a:noFill/>
+        </p:spPr>
+        <p:txBody>
+          <a:bodyPr wrap="square" rtlCol="0">
+            <a:spAutoFit/>
+          </a:bodyPr>
+          <a:lstStyle/>
+          <a:p>
+            <a:r>
+              <a:rPr lang="fr-FR" dirty="0" smtClean="0"/>
+              <a:t>2</a:t>
+            </a:r>
+            <a:r>
+              <a:rPr lang="fr-FR" dirty="0" smtClean="0"/>
+              <a:t>.Ajout à la liste d’attente</a:t>
+            </a:r>
+          </a:p>
+          <a:p>
+            <a:r>
+              <a:rPr lang="fr-FR" dirty="0" smtClean="0"/>
+              <a:t>3.Traitement de la tête de liste</a:t>
+            </a:r>
+          </a:p>
+          <a:p>
+            <a:r>
+              <a:rPr lang="fr-FR" dirty="0" smtClean="0"/>
+              <a:t>4.Si espace libre , autorisation de migration</a:t>
+            </a:r>
+            <a:endParaRPr lang="fr-FR" dirty="0"/>
+          </a:p>
+        </p:txBody>
+      </p:sp>
+      <p:cxnSp>
+        <p:nvCxnSpPr>
+          <p:cNvPr id="12" name="Connecteur droit avec flèche 11"/>
+          <p:cNvCxnSpPr/>
+          <p:nvPr/>
+        </p:nvCxnSpPr>
+        <p:spPr>
+          <a:xfrm rot="10800000">
+            <a:off x="2571736" y="3643314"/>
+            <a:ext cx="3714776" cy="1588"/>
+          </a:xfrm>
+          <a:prstGeom prst="straightConnector1">
+            <a:avLst/>
+          </a:prstGeom>
+          <a:ln>
+            <a:tailEnd type="arrow"/>
+          </a:ln>
+        </p:spPr>
+        <p:style>
+          <a:lnRef idx="1">
+            <a:schemeClr val="accent1"/>
+          </a:lnRef>
+          <a:fillRef idx="0">
+            <a:schemeClr val="accent1"/>
+          </a:fillRef>
+          <a:effectRef idx="0">
+            <a:schemeClr val="accent1"/>
+          </a:effectRef>
+          <a:fontRef idx="minor">
+            <a:schemeClr val="tx1"/>
+          </a:fontRef>
+        </p:style>
+      </p:cxnSp>
+      <p:sp>
+        <p:nvSpPr>
+          <p:cNvPr id="13" name="ZoneTexte 12"/>
+          <p:cNvSpPr txBox="1"/>
+          <p:nvPr/>
+        </p:nvSpPr>
+        <p:spPr>
+          <a:xfrm>
+            <a:off x="2928926" y="3286124"/>
+            <a:ext cx="2714644" cy="369332"/>
+          </a:xfrm>
+          <a:prstGeom prst="rect">
+            <a:avLst/>
+          </a:prstGeom>
+          <a:noFill/>
+        </p:spPr>
+        <p:txBody>
+          <a:bodyPr wrap="square" rtlCol="0">
+            <a:spAutoFit/>
+          </a:bodyPr>
+          <a:lstStyle/>
+          <a:p>
+            <a:r>
+              <a:rPr lang="fr-FR" dirty="0" smtClean="0"/>
+              <a:t>5.Envoie d’autorisation</a:t>
+            </a:r>
+            <a:endParaRPr lang="fr-FR" dirty="0"/>
+          </a:p>
+        </p:txBody>
+      </p:sp>
+      <p:cxnSp>
+        <p:nvCxnSpPr>
+          <p:cNvPr id="14" name="Connecteur droit avec flèche 13"/>
+          <p:cNvCxnSpPr/>
+          <p:nvPr/>
+        </p:nvCxnSpPr>
+        <p:spPr>
+          <a:xfrm>
+            <a:off x="2500298" y="4070354"/>
+            <a:ext cx="3857652" cy="1588"/>
+          </a:xfrm>
+          <a:prstGeom prst="straightConnector1">
+            <a:avLst/>
+          </a:prstGeom>
+          <a:ln>
+            <a:tailEnd type="arrow"/>
+          </a:ln>
+        </p:spPr>
+        <p:style>
+          <a:lnRef idx="1">
+            <a:schemeClr val="accent1"/>
+          </a:lnRef>
+          <a:fillRef idx="0">
+            <a:schemeClr val="accent1"/>
+          </a:fillRef>
+          <a:effectRef idx="0">
+            <a:schemeClr val="accent1"/>
+          </a:effectRef>
+          <a:fontRef idx="minor">
+            <a:schemeClr val="tx1"/>
+          </a:fontRef>
+        </p:style>
+      </p:cxnSp>
+      <p:sp>
+        <p:nvSpPr>
+          <p:cNvPr id="16" name="ZoneTexte 15"/>
+          <p:cNvSpPr txBox="1"/>
+          <p:nvPr/>
+        </p:nvSpPr>
+        <p:spPr>
+          <a:xfrm>
+            <a:off x="2928926" y="3774048"/>
+            <a:ext cx="2714644" cy="369332"/>
+          </a:xfrm>
+          <a:prstGeom prst="rect">
+            <a:avLst/>
+          </a:prstGeom>
+          <a:noFill/>
+        </p:spPr>
+        <p:txBody>
+          <a:bodyPr wrap="square" rtlCol="0">
+            <a:spAutoFit/>
+          </a:bodyPr>
+          <a:lstStyle/>
+          <a:p>
+            <a:r>
+              <a:rPr lang="fr-FR" dirty="0" smtClean="0"/>
+              <a:t>6.Envoie du warrior</a:t>
+            </a:r>
+            <a:endParaRPr lang="fr-FR" dirty="0"/>
+          </a:p>
+        </p:txBody>
+      </p:sp>
+      <p:sp>
+        <p:nvSpPr>
+          <p:cNvPr id="17" name="Rectangle 16"/>
+          <p:cNvSpPr/>
+          <p:nvPr/>
+        </p:nvSpPr>
+        <p:spPr>
+          <a:xfrm>
+            <a:off x="1428728" y="3429000"/>
+            <a:ext cx="71438" cy="428628"/>
+          </a:xfrm>
+          <a:prstGeom prst="rect">
+            <a:avLst/>
+          </a:prstGeom>
+        </p:spPr>
+        <p:style>
+          <a:lnRef idx="1">
+            <a:schemeClr val="dk1"/>
+          </a:lnRef>
+          <a:fillRef idx="3">
+            <a:schemeClr val="dk1"/>
+          </a:fillRef>
+          <a:effectRef idx="2">
+            <a:schemeClr val="dk1"/>
+          </a:effectRef>
+          <a:fontRef idx="minor">
+            <a:schemeClr val="lt1"/>
+          </a:fontRef>
+        </p:style>
+        <p:txBody>
+          <a:bodyPr rtlCol="0" anchor="ctr"/>
+          <a:lstStyle/>
+          <a:p>
+            <a:pPr algn="ctr"/>
+            <a:endParaRPr lang="fr-FR"/>
+          </a:p>
+        </p:txBody>
+      </p:sp>
+      <p:sp>
+        <p:nvSpPr>
+          <p:cNvPr id="18" name="Rectangle 17"/>
+          <p:cNvSpPr/>
+          <p:nvPr/>
+        </p:nvSpPr>
+        <p:spPr>
+          <a:xfrm>
+            <a:off x="1581128" y="3429000"/>
+            <a:ext cx="71438" cy="428628"/>
+          </a:xfrm>
+          <a:prstGeom prst="rect">
+            <a:avLst/>
+          </a:prstGeom>
+        </p:spPr>
+        <p:style>
+          <a:lnRef idx="2">
+            <a:schemeClr val="dk1">
+              <a:shade val="50000"/>
+            </a:schemeClr>
+          </a:lnRef>
+          <a:fillRef idx="1">
+            <a:schemeClr val="dk1"/>
+          </a:fillRef>
+          <a:effectRef idx="0">
+            <a:schemeClr val="dk1"/>
+          </a:effectRef>
+          <a:fontRef idx="minor">
+            <a:schemeClr val="lt1"/>
+          </a:fontRef>
+        </p:style>
+        <p:txBody>
+          <a:bodyPr rtlCol="0" anchor="ctr"/>
+          <a:lstStyle/>
+          <a:p>
+            <a:pPr algn="ctr"/>
+            <a:endParaRPr lang="fr-FR"/>
+          </a:p>
+        </p:txBody>
+      </p:sp>
+      <p:sp>
+        <p:nvSpPr>
+          <p:cNvPr id="19" name="Rectangle 18"/>
+          <p:cNvSpPr/>
+          <p:nvPr/>
+        </p:nvSpPr>
+        <p:spPr>
+          <a:xfrm>
+            <a:off x="6572264" y="3357562"/>
+            <a:ext cx="71438" cy="428628"/>
+          </a:xfrm>
+          <a:prstGeom prst="rect">
+            <a:avLst/>
+          </a:prstGeom>
+        </p:spPr>
+        <p:style>
+          <a:lnRef idx="2">
+            <a:schemeClr val="dk1">
+              <a:shade val="50000"/>
+            </a:schemeClr>
+          </a:lnRef>
+          <a:fillRef idx="1">
+            <a:schemeClr val="dk1"/>
+          </a:fillRef>
+          <a:effectRef idx="0">
+            <a:schemeClr val="dk1"/>
+          </a:effectRef>
+          <a:fontRef idx="minor">
+            <a:schemeClr val="lt1"/>
+          </a:fontRef>
+        </p:style>
+        <p:txBody>
+          <a:bodyPr rtlCol="0" anchor="ctr"/>
+          <a:lstStyle/>
+          <a:p>
+            <a:pPr algn="ctr"/>
+            <a:endParaRPr lang="fr-FR"/>
+          </a:p>
+        </p:txBody>
+      </p:sp>
+    </p:spTree>
+  </p:cSld>
+  <p:clrMapOvr>
+    <a:masterClrMapping/>
+  </p:clrMapOvr>
+  <p:transition>
+    <p:fade/>
+  </p:transition>
+  <p:timing>
+    <p:tnLst>
+      <p:par>
+        <p:cTn id="1" dur="indefinite" restart="never" nodeType="tmRoot">
+          <p:childTnLst>
+            <p:seq concurrent="1" nextAc="seek">
+              <p:cTn id="2" dur="indefinite" nodeType="mainSeq">
+                <p:childTnLst>
+                  <p:par>
+                    <p:cTn id="3" fill="hold">
+                      <p:stCondLst>
+                        <p:cond delay="indefinite"/>
+                      </p:stCondLst>
+                      <p:childTnLst>
+                        <p:par>
+                          <p:cTn id="4" fill="hold">
+                            <p:stCondLst>
+                              <p:cond delay="0"/>
+                            </p:stCondLst>
+                            <p:childTnLst>
+                              <p:par>
+                                <p:cTn id="5" presetID="10" presetClass="entr" presetSubtype="0" fill="hold" grpId="0" nodeType="clickEffect">
+                                  <p:stCondLst>
+                                    <p:cond delay="0"/>
+                                  </p:stCondLst>
+                                  <p:childTnLst>
+                                    <p:set>
+                                      <p:cBhvr>
+                                        <p:cTn id="6" dur="1" fill="hold">
+                                          <p:stCondLst>
+                                            <p:cond delay="0"/>
+                                          </p:stCondLst>
+                                        </p:cTn>
+                                        <p:tgtEl>
+                                          <p:spTgt spid="9"/>
+                                        </p:tgtEl>
+                                        <p:attrNameLst>
+                                          <p:attrName>style.visibility</p:attrName>
+                                        </p:attrNameLst>
+                                      </p:cBhvr>
+                                      <p:to>
+                                        <p:strVal val="visible"/>
+                                      </p:to>
+                                    </p:set>
+                                    <p:animEffect transition="in" filter="fade">
+                                      <p:cBhvr>
+                                        <p:cTn id="7" dur="2000"/>
+                                        <p:tgtEl>
+                                          <p:spTgt spid="9"/>
+                                        </p:tgtEl>
+                                      </p:cBhvr>
+                                    </p:animEffect>
+                                  </p:childTnLst>
+                                </p:cTn>
+                              </p:par>
+                            </p:childTnLst>
+                          </p:cTn>
+                        </p:par>
+                      </p:childTnLst>
+                    </p:cTn>
+                  </p:par>
+                  <p:par>
+                    <p:cTn id="8" fill="hold">
+                      <p:stCondLst>
+                        <p:cond delay="indefinite"/>
+                      </p:stCondLst>
+                      <p:childTnLst>
+                        <p:par>
+                          <p:cTn id="9" fill="hold">
+                            <p:stCondLst>
+                              <p:cond delay="0"/>
+                            </p:stCondLst>
+                            <p:childTnLst>
+                              <p:par>
+                                <p:cTn id="10" presetID="10" presetClass="entr" presetSubtype="0" fill="hold" nodeType="clickEffect">
+                                  <p:stCondLst>
+                                    <p:cond delay="0"/>
+                                  </p:stCondLst>
+                                  <p:childTnLst>
+                                    <p:set>
+                                      <p:cBhvr>
+                                        <p:cTn id="11" dur="1" fill="hold">
+                                          <p:stCondLst>
+                                            <p:cond delay="0"/>
+                                          </p:stCondLst>
+                                        </p:cTn>
+                                        <p:tgtEl>
+                                          <p:spTgt spid="10">
+                                            <p:txEl>
+                                              <p:pRg st="0" end="0"/>
+                                            </p:txEl>
+                                          </p:spTgt>
+                                        </p:tgtEl>
+                                        <p:attrNameLst>
+                                          <p:attrName>style.visibility</p:attrName>
+                                        </p:attrNameLst>
+                                      </p:cBhvr>
+                                      <p:to>
+                                        <p:strVal val="visible"/>
+                                      </p:to>
+                                    </p:set>
+                                    <p:animEffect transition="in" filter="fade">
+                                      <p:cBhvr>
+                                        <p:cTn id="12" dur="2000"/>
+                                        <p:tgtEl>
+                                          <p:spTgt spid="10">
+                                            <p:txEl>
+                                              <p:pRg st="0" end="0"/>
+                                            </p:txEl>
+                                          </p:spTgt>
+                                        </p:tgtEl>
+                                      </p:cBhvr>
+                                    </p:animEffect>
+                                  </p:childTnLst>
+                                </p:cTn>
+                              </p:par>
+                            </p:childTnLst>
+                          </p:cTn>
+                        </p:par>
+                      </p:childTnLst>
+                    </p:cTn>
+                  </p:par>
+                  <p:par>
+                    <p:cTn id="13" fill="hold">
+                      <p:stCondLst>
+                        <p:cond delay="indefinite"/>
+                      </p:stCondLst>
+                      <p:childTnLst>
+                        <p:par>
+                          <p:cTn id="14" fill="hold">
+                            <p:stCondLst>
+                              <p:cond delay="0"/>
+                            </p:stCondLst>
+                            <p:childTnLst>
+                              <p:par>
+                                <p:cTn id="15" presetID="10" presetClass="entr" presetSubtype="0" fill="hold" nodeType="clickEffect">
+                                  <p:stCondLst>
+                                    <p:cond delay="0"/>
+                                  </p:stCondLst>
+                                  <p:childTnLst>
+                                    <p:set>
+                                      <p:cBhvr>
+                                        <p:cTn id="16" dur="1" fill="hold">
+                                          <p:stCondLst>
+                                            <p:cond delay="0"/>
+                                          </p:stCondLst>
+                                        </p:cTn>
+                                        <p:tgtEl>
+                                          <p:spTgt spid="10">
+                                            <p:txEl>
+                                              <p:pRg st="1" end="1"/>
+                                            </p:txEl>
+                                          </p:spTgt>
+                                        </p:tgtEl>
+                                        <p:attrNameLst>
+                                          <p:attrName>style.visibility</p:attrName>
+                                        </p:attrNameLst>
+                                      </p:cBhvr>
+                                      <p:to>
+                                        <p:strVal val="visible"/>
+                                      </p:to>
+                                    </p:set>
+                                    <p:animEffect transition="in" filter="fade">
+                                      <p:cBhvr>
+                                        <p:cTn id="17" dur="2000"/>
+                                        <p:tgtEl>
+                                          <p:spTgt spid="10">
+                                            <p:txEl>
+                                              <p:pRg st="1" end="1"/>
+                                            </p:txEl>
+                                          </p:spTgt>
+                                        </p:tgtEl>
+                                      </p:cBhvr>
+                                    </p:animEffect>
+                                  </p:childTnLst>
+                                </p:cTn>
+                              </p:par>
+                            </p:childTnLst>
+                          </p:cTn>
+                        </p:par>
+                      </p:childTnLst>
+                    </p:cTn>
+                  </p:par>
+                  <p:par>
+                    <p:cTn id="18" fill="hold">
+                      <p:stCondLst>
+                        <p:cond delay="indefinite"/>
+                      </p:stCondLst>
+                      <p:childTnLst>
+                        <p:par>
+                          <p:cTn id="19" fill="hold">
+                            <p:stCondLst>
+                              <p:cond delay="0"/>
+                            </p:stCondLst>
+                            <p:childTnLst>
+                              <p:par>
+                                <p:cTn id="20" presetID="10" presetClass="entr" presetSubtype="0" fill="hold" nodeType="clickEffect">
+                                  <p:stCondLst>
+                                    <p:cond delay="0"/>
+                                  </p:stCondLst>
+                                  <p:childTnLst>
+                                    <p:set>
+                                      <p:cBhvr>
+                                        <p:cTn id="21" dur="1" fill="hold">
+                                          <p:stCondLst>
+                                            <p:cond delay="0"/>
+                                          </p:stCondLst>
+                                        </p:cTn>
+                                        <p:tgtEl>
+                                          <p:spTgt spid="10">
+                                            <p:txEl>
+                                              <p:pRg st="2" end="2"/>
+                                            </p:txEl>
+                                          </p:spTgt>
+                                        </p:tgtEl>
+                                        <p:attrNameLst>
+                                          <p:attrName>style.visibility</p:attrName>
+                                        </p:attrNameLst>
+                                      </p:cBhvr>
+                                      <p:to>
+                                        <p:strVal val="visible"/>
+                                      </p:to>
+                                    </p:set>
+                                    <p:animEffect transition="in" filter="fade">
+                                      <p:cBhvr>
+                                        <p:cTn id="22" dur="2000"/>
+                                        <p:tgtEl>
+                                          <p:spTgt spid="10">
+                                            <p:txEl>
+                                              <p:pRg st="2" end="2"/>
+                                            </p:txEl>
+                                          </p:spTgt>
+                                        </p:tgtEl>
+                                      </p:cBhvr>
+                                    </p:animEffect>
+                                  </p:childTnLst>
+                                </p:cTn>
+                              </p:par>
+                            </p:childTnLst>
+                          </p:cTn>
+                        </p:par>
+                      </p:childTnLst>
+                    </p:cTn>
+                  </p:par>
+                  <p:par>
+                    <p:cTn id="23" fill="hold">
+                      <p:stCondLst>
+                        <p:cond delay="indefinite"/>
+                      </p:stCondLst>
+                      <p:childTnLst>
+                        <p:par>
+                          <p:cTn id="24" fill="hold">
+                            <p:stCondLst>
+                              <p:cond delay="0"/>
+                            </p:stCondLst>
+                            <p:childTnLst>
+                              <p:par>
+                                <p:cTn id="25" presetID="10" presetClass="entr" presetSubtype="0" fill="hold" nodeType="clickEffect">
+                                  <p:stCondLst>
+                                    <p:cond delay="0"/>
+                                  </p:stCondLst>
+                                  <p:childTnLst>
+                                    <p:set>
+                                      <p:cBhvr>
+                                        <p:cTn id="26" dur="1" fill="hold">
+                                          <p:stCondLst>
+                                            <p:cond delay="0"/>
+                                          </p:stCondLst>
+                                        </p:cTn>
+                                        <p:tgtEl>
+                                          <p:spTgt spid="13">
+                                            <p:txEl>
+                                              <p:pRg st="0" end="0"/>
+                                            </p:txEl>
+                                          </p:spTgt>
+                                        </p:tgtEl>
+                                        <p:attrNameLst>
+                                          <p:attrName>style.visibility</p:attrName>
+                                        </p:attrNameLst>
+                                      </p:cBhvr>
+                                      <p:to>
+                                        <p:strVal val="visible"/>
+                                      </p:to>
+                                    </p:set>
+                                    <p:animEffect transition="in" filter="fade">
+                                      <p:cBhvr>
+                                        <p:cTn id="27" dur="2000"/>
+                                        <p:tgtEl>
+                                          <p:spTgt spid="13">
+                                            <p:txEl>
+                                              <p:pRg st="0" end="0"/>
+                                            </p:txEl>
+                                          </p:spTgt>
+                                        </p:tgtEl>
+                                      </p:cBhvr>
+                                    </p:animEffect>
+                                  </p:childTnLst>
+                                </p:cTn>
+                              </p:par>
+                            </p:childTnLst>
+                          </p:cTn>
+                        </p:par>
+                      </p:childTnLst>
+                    </p:cTn>
+                  </p:par>
+                  <p:par>
+                    <p:cTn id="28" fill="hold">
+                      <p:stCondLst>
+                        <p:cond delay="indefinite"/>
+                      </p:stCondLst>
+                      <p:childTnLst>
+                        <p:par>
+                          <p:cTn id="29" fill="hold">
+                            <p:stCondLst>
+                              <p:cond delay="0"/>
+                            </p:stCondLst>
+                            <p:childTnLst>
+                              <p:par>
+                                <p:cTn id="30" presetID="10" presetClass="entr" presetSubtype="0" fill="hold" nodeType="clickEffect">
+                                  <p:stCondLst>
+                                    <p:cond delay="0"/>
+                                  </p:stCondLst>
+                                  <p:childTnLst>
+                                    <p:set>
+                                      <p:cBhvr>
+                                        <p:cTn id="31" dur="1" fill="hold">
+                                          <p:stCondLst>
+                                            <p:cond delay="0"/>
+                                          </p:stCondLst>
+                                        </p:cTn>
+                                        <p:tgtEl>
+                                          <p:spTgt spid="16">
+                                            <p:txEl>
+                                              <p:pRg st="0" end="0"/>
+                                            </p:txEl>
+                                          </p:spTgt>
+                                        </p:tgtEl>
+                                        <p:attrNameLst>
+                                          <p:attrName>style.visibility</p:attrName>
+                                        </p:attrNameLst>
+                                      </p:cBhvr>
+                                      <p:to>
+                                        <p:strVal val="visible"/>
+                                      </p:to>
+                                    </p:set>
+                                    <p:animEffect transition="in" filter="fade">
+                                      <p:cBhvr>
+                                        <p:cTn id="32" dur="2000"/>
+                                        <p:tgtEl>
+                                          <p:spTgt spid="16">
+                                            <p:txEl>
+                                              <p:pRg st="0" end="0"/>
+                                            </p:txEl>
+                                          </p:spTgt>
+                                        </p:tgtEl>
+                                      </p:cBhvr>
+                                    </p:animEffect>
+                                  </p:childTnLst>
+                                </p:cTn>
+                              </p:par>
+                            </p:childTnLst>
+                          </p:cTn>
+                        </p:par>
+                      </p:childTnLst>
+                    </p:cTn>
+                  </p:par>
+                </p:childTnLst>
+              </p:cTn>
+              <p:prevCondLst>
+                <p:cond evt="onPrev" delay="0">
+                  <p:tgtEl>
+                    <p:sldTgt/>
+                  </p:tgtEl>
+                </p:cond>
+              </p:prevCondLst>
+              <p:nextCondLst>
+                <p:cond evt="onNext" delay="0">
+                  <p:tgtEl>
+                    <p:sldTgt/>
+                  </p:tgtEl>
+                </p:cond>
+              </p:nextCondLst>
+            </p:seq>
+          </p:childTnLst>
+        </p:cTn>
+      </p:par>
+    </p:tnLst>
+    <p:bldLst>
+      <p:bldP spid="9" grpId="0"/>
+    </p:bldLst>
+  </p:timing>
 </p:sld>
 </file>
 
@@ -8519,41 +9553,6 @@
               </a:rPr>
               <a:t>	</a:t>
             </a:r>
-            <a:endParaRPr lang="fr-FR" sz="2600" b="1" dirty="0" smtClean="0">
-              <a:ln w="1905"/>
-              <a:gradFill>
-                <a:gsLst>
-                  <a:gs pos="0">
-                    <a:schemeClr val="accent6">
-                      <a:shade val="20000"/>
-                      <a:satMod val="200000"/>
-                    </a:schemeClr>
-                  </a:gs>
-                  <a:gs pos="78000">
-                    <a:schemeClr val="accent6">
-                      <a:tint val="90000"/>
-                      <a:shade val="89000"/>
-                      <a:satMod val="220000"/>
-                    </a:schemeClr>
-                  </a:gs>
-                  <a:gs pos="100000">
-                    <a:schemeClr val="accent6">
-                      <a:tint val="12000"/>
-                      <a:satMod val="255000"/>
-                    </a:schemeClr>
-                  </a:gs>
-                </a:gsLst>
-                <a:lin ang="5400000"/>
-              </a:gradFill>
-              <a:effectLst>
-                <a:innerShdw blurRad="69850" dist="43180" dir="5400000">
-                  <a:srgbClr val="000000">
-                    <a:alpha val="65000"/>
-                  </a:srgbClr>
-                </a:innerShdw>
-                <a:reflection blurRad="6350" stA="55000" endA="300" endPos="45500" dir="5400000" sy="-100000" algn="bl" rotWithShape="0"/>
-              </a:effectLst>
-            </a:endParaRPr>
           </a:p>
           <a:p>
             <a:pPr marL="274320" marR="0" lvl="0" indent="-274320" algn="l" defTabSz="914400" rtl="0" eaLnBrk="1" fontAlgn="auto" latinLnBrk="0" hangingPunct="1">
@@ -9129,6 +10128,13 @@
   <p:transition>
     <p:fade/>
   </p:transition>
+  <p:timing>
+    <p:tnLst>
+      <p:par>
+        <p:cTn id="1" dur="indefinite" restart="never" nodeType="tmRoot"/>
+      </p:par>
+    </p:tnLst>
+  </p:timing>
 </p:sld>
 </file>
 
@@ -9646,7 +10652,6 @@
               <a:rPr lang="fr-FR" sz="2400" dirty="0" smtClean="0"/>
               <a:t>Date de dernière collecte</a:t>
             </a:r>
-            <a:endParaRPr lang="fr-FR" sz="2400" dirty="0" smtClean="0"/>
           </a:p>
           <a:p>
             <a:pPr marL="274320" lvl="0" indent="-274320">
@@ -9975,6 +10980,13 @@
   <p:transition>
     <p:fade/>
   </p:transition>
+  <p:timing>
+    <p:tnLst>
+      <p:par>
+        <p:cTn id="1" dur="indefinite" restart="never" nodeType="tmRoot"/>
+      </p:par>
+    </p:tnLst>
+  </p:timing>
 </p:sld>
 </file>
 
@@ -10321,45 +11333,7 @@
                   <a:reflection blurRad="6350" stA="55000" endA="300" endPos="45500" dir="5400000" sy="-100000" algn="bl" rotWithShape="0"/>
                 </a:effectLst>
               </a:rPr>
-              <a:t>	</a:t>
-            </a:r>
-            <a:r>
-              <a:rPr lang="fr-FR" sz="2800" b="1" dirty="0" smtClean="0">
-                <a:ln w="1905"/>
-                <a:gradFill>
-                  <a:gsLst>
-                    <a:gs pos="0">
-                      <a:schemeClr val="accent6">
-                        <a:shade val="20000"/>
-                        <a:satMod val="200000"/>
-                      </a:schemeClr>
-                    </a:gs>
-                    <a:gs pos="78000">
-                      <a:schemeClr val="accent6">
-                        <a:tint val="90000"/>
-                        <a:shade val="89000"/>
-                        <a:satMod val="220000"/>
-                      </a:schemeClr>
-                    </a:gs>
-                    <a:gs pos="100000">
-                      <a:schemeClr val="accent6">
-                        <a:tint val="12000"/>
-                        <a:satMod val="255000"/>
-                      </a:schemeClr>
-                    </a:gs>
-                  </a:gsLst>
-                  <a:lin ang="5400000"/>
-                </a:gradFill>
-                <a:effectLst>
-                  <a:innerShdw blurRad="69850" dist="43180" dir="5400000">
-                    <a:srgbClr val="000000">
-                      <a:alpha val="65000"/>
-                    </a:srgbClr>
-                  </a:innerShdw>
-                  <a:reflection blurRad="6350" stA="55000" endA="300" endPos="45500" dir="5400000" sy="-100000" algn="bl" rotWithShape="0"/>
-                </a:effectLst>
-              </a:rPr>
-              <a:t>c</a:t>
+              <a:t>	c</a:t>
             </a:r>
             <a:r>
               <a:rPr lang="fr-FR" sz="2600" b="1" dirty="0" smtClean="0">
@@ -10399,41 +11373,6 @@
               </a:rPr>
               <a:t>) Possibilités liés à la collecte</a:t>
             </a:r>
-            <a:endParaRPr lang="fr-FR" sz="2600" b="1" dirty="0" smtClean="0">
-              <a:ln w="1905"/>
-              <a:gradFill>
-                <a:gsLst>
-                  <a:gs pos="0">
-                    <a:schemeClr val="accent6">
-                      <a:shade val="20000"/>
-                      <a:satMod val="200000"/>
-                    </a:schemeClr>
-                  </a:gs>
-                  <a:gs pos="78000">
-                    <a:schemeClr val="accent6">
-                      <a:tint val="90000"/>
-                      <a:shade val="89000"/>
-                      <a:satMod val="220000"/>
-                    </a:schemeClr>
-                  </a:gs>
-                  <a:gs pos="100000">
-                    <a:schemeClr val="accent6">
-                      <a:tint val="12000"/>
-                      <a:satMod val="255000"/>
-                    </a:schemeClr>
-                  </a:gs>
-                </a:gsLst>
-                <a:lin ang="5400000"/>
-              </a:gradFill>
-              <a:effectLst>
-                <a:innerShdw blurRad="69850" dist="43180" dir="5400000">
-                  <a:srgbClr val="000000">
-                    <a:alpha val="65000"/>
-                  </a:srgbClr>
-                </a:innerShdw>
-                <a:reflection blurRad="6350" stA="55000" endA="300" endPos="45500" dir="5400000" sy="-100000" algn="bl" rotWithShape="0"/>
-              </a:effectLst>
-            </a:endParaRPr>
           </a:p>
           <a:p>
             <a:pPr marL="274320" indent="-274320">
@@ -10784,6 +11723,13 @@
   <p:transition>
     <p:fade/>
   </p:transition>
+  <p:timing>
+    <p:tnLst>
+      <p:par>
+        <p:cTn id="1" dur="indefinite" restart="never" nodeType="tmRoot"/>
+      </p:par>
+    </p:tnLst>
+  </p:timing>
 </p:sld>
 </file>
 
@@ -11776,6 +12722,13 @@
   <p:transition>
     <p:fade/>
   </p:transition>
+  <p:timing>
+    <p:tnLst>
+      <p:par>
+        <p:cTn id="1" dur="indefinite" restart="never" nodeType="tmRoot"/>
+      </p:par>
+    </p:tnLst>
+  </p:timing>
 </p:sld>
 </file>
 
@@ -12689,6 +13642,13 @@
   <p:transition>
     <p:fade/>
   </p:transition>
+  <p:timing>
+    <p:tnLst>
+      <p:par>
+        <p:cTn id="1" dur="indefinite" restart="never" nodeType="tmRoot"/>
+      </p:par>
+    </p:tnLst>
+  </p:timing>
 </p:sld>
 </file>
 
@@ -13546,6 +14506,13 @@
   <p:transition>
     <p:fade/>
   </p:transition>
+  <p:timing>
+    <p:tnLst>
+      <p:par>
+        <p:cTn id="1" dur="indefinite" restart="never" nodeType="tmRoot"/>
+      </p:par>
+    </p:tnLst>
+  </p:timing>
 </p:sld>
 </file>
 
@@ -14235,7 +15202,7 @@
                   <a:reflection blurRad="6350" stA="55000" endA="300" endPos="45500" dir="5400000" sy="-100000" algn="bl" rotWithShape="0"/>
                 </a:effectLst>
               </a:rPr>
-              <a:t>Objectifs Initiaux</a:t>
+              <a:t>Présentation du jeu</a:t>
             </a:r>
             <a:endParaRPr lang="fr-FR" b="1" dirty="0">
               <a:ln w="1905"/>
@@ -14285,30 +15252,21 @@
             <p:ph idx="1"/>
           </p:nvPr>
         </p:nvSpPr>
-        <p:spPr/>
+        <p:spPr>
+          <a:xfrm>
+            <a:off x="457200" y="1935480"/>
+            <a:ext cx="8229600" cy="4708230"/>
+          </a:xfrm>
+        </p:spPr>
         <p:txBody>
-          <a:bodyPr/>
+          <a:bodyPr>
+            <a:normAutofit/>
+          </a:bodyPr>
           <a:lstStyle/>
           <a:p>
-            <a:r>
-              <a:rPr lang="fr-FR" dirty="0" smtClean="0"/>
-              <a:t>Contexte:</a:t>
-            </a:r>
-          </a:p>
-          <a:p>
-            <a:pPr>
-              <a:buNone/>
-            </a:pPr>
             <a:endParaRPr lang="fr-FR" dirty="0" smtClean="0"/>
           </a:p>
           <a:p>
-            <a:r>
-              <a:rPr lang="fr-FR" dirty="0" smtClean="0"/>
-              <a:t>Choix techniques:</a:t>
-            </a:r>
-          </a:p>
-          <a:p>
-            <a:pPr lvl="1"/>
             <a:endParaRPr lang="fr-FR" dirty="0"/>
           </a:p>
         </p:txBody>
@@ -14925,7 +15883,7 @@
 </p:sld>
 </file>
 
-<file path=ppt/slides/slide3.xml><?xml version="1.0" encoding="utf-8"?>
+<file path=ppt/slides/slide21.xml><?xml version="1.0" encoding="utf-8"?>
 <p:sld xmlns:a="http://schemas.openxmlformats.org/drawingml/2006/main" xmlns:r="http://schemas.openxmlformats.org/officeDocument/2006/relationships" xmlns:p="http://schemas.openxmlformats.org/presentationml/2006/main">
   <p:cSld>
     <p:spTree>
@@ -14993,9 +15951,118 @@
                   <a:reflection blurRad="6350" stA="55000" endA="300" endPos="45500" dir="5400000" sy="-100000" algn="bl" rotWithShape="0"/>
                 </a:effectLst>
               </a:rPr>
-              <a:t>Présentation du jeu</a:t>
-            </a:r>
-            <a:endParaRPr lang="fr-FR" b="1" dirty="0">
+              <a:t>Résolution des batailles</a:t>
+            </a:r>
+            <a:endParaRPr lang="fr-FR" dirty="0"/>
+          </a:p>
+        </p:txBody>
+      </p:sp>
+      <p:sp>
+        <p:nvSpPr>
+          <p:cNvPr id="3" name="Espace réservé du contenu 2"/>
+          <p:cNvSpPr>
+            <a:spLocks noGrp="1"/>
+          </p:cNvSpPr>
+          <p:nvPr>
+            <p:ph idx="1"/>
+          </p:nvPr>
+        </p:nvSpPr>
+        <p:spPr/>
+        <p:txBody>
+          <a:bodyPr/>
+          <a:lstStyle/>
+          <a:p>
+            <a:pPr lvl="0">
+              <a:buNone/>
+              <a:defRPr/>
+            </a:pPr>
+            <a:r>
+              <a:rPr lang="fr-FR" sz="2400" b="1" dirty="0" smtClean="0">
+                <a:ln w="1905"/>
+                <a:gradFill>
+                  <a:gsLst>
+                    <a:gs pos="0">
+                      <a:schemeClr val="accent6">
+                        <a:shade val="20000"/>
+                        <a:satMod val="200000"/>
+                      </a:schemeClr>
+                    </a:gs>
+                    <a:gs pos="78000">
+                      <a:schemeClr val="accent6">
+                        <a:tint val="90000"/>
+                        <a:shade val="89000"/>
+                        <a:satMod val="220000"/>
+                      </a:schemeClr>
+                    </a:gs>
+                    <a:gs pos="100000">
+                      <a:schemeClr val="accent6">
+                        <a:tint val="12000"/>
+                        <a:satMod val="255000"/>
+                      </a:schemeClr>
+                    </a:gs>
+                  </a:gsLst>
+                  <a:lin ang="5400000"/>
+                </a:gradFill>
+                <a:effectLst>
+                  <a:innerShdw blurRad="69850" dist="43180" dir="5400000">
+                    <a:srgbClr val="000000">
+                      <a:alpha val="65000"/>
+                    </a:srgbClr>
+                  </a:innerShdw>
+                  <a:reflection blurRad="6350" stA="55000" endA="300" endPos="45500" dir="5400000" sy="-100000" algn="bl" rotWithShape="0"/>
+                </a:effectLst>
+              </a:rPr>
+              <a:t>I/ Surveillance des nœuds </a:t>
+            </a:r>
+          </a:p>
+          <a:p>
+            <a:pPr lvl="0">
+              <a:buNone/>
+              <a:defRPr/>
+            </a:pPr>
+            <a:r>
+              <a:rPr lang="fr-FR" sz="2400" dirty="0" smtClean="0"/>
+              <a:t>   		Chaque nœud possèdent un thread de surveillance dont les taches sont:</a:t>
+            </a:r>
+          </a:p>
+          <a:p>
+            <a:pPr>
+              <a:defRPr/>
+            </a:pPr>
+            <a:r>
+              <a:rPr lang="fr-FR" sz="2400" dirty="0" smtClean="0"/>
+              <a:t>De résoudre les combats entre </a:t>
+            </a:r>
+            <a:r>
+              <a:rPr lang="fr-FR" sz="2400" dirty="0" err="1" smtClean="0"/>
+              <a:t>warriors</a:t>
+            </a:r>
+            <a:r>
+              <a:rPr lang="fr-FR" sz="2400" dirty="0" smtClean="0"/>
+              <a:t> ennemis.</a:t>
+            </a:r>
+          </a:p>
+          <a:p>
+            <a:pPr>
+              <a:defRPr/>
+            </a:pPr>
+            <a:r>
+              <a:rPr lang="fr-FR" sz="2400" dirty="0" smtClean="0"/>
+              <a:t>De changer le propriétaire du nœud , si les conditions nécessaires sont remplies.</a:t>
+            </a:r>
+          </a:p>
+          <a:p>
+            <a:pPr>
+              <a:defRPr/>
+            </a:pPr>
+            <a:endParaRPr lang="fr-FR" sz="2400" dirty="0" smtClean="0"/>
+          </a:p>
+          <a:p>
+            <a:pPr lvl="0">
+              <a:buNone/>
+              <a:defRPr/>
+            </a:pPr>
+            <a:endParaRPr lang="fr-FR" sz="2400" b="1" dirty="0" smtClean="0">
               <a:ln w="1905"/>
               <a:gradFill>
                 <a:gsLst>
@@ -15031,6 +16098,105 @@
               </a:effectLst>
             </a:endParaRPr>
           </a:p>
+          <a:p>
+            <a:pPr lvl="0">
+              <a:buNone/>
+              <a:defRPr/>
+            </a:pPr>
+            <a:endParaRPr lang="fr-FR" dirty="0"/>
+          </a:p>
+        </p:txBody>
+      </p:sp>
+    </p:spTree>
+  </p:cSld>
+  <p:clrMapOvr>
+    <a:masterClrMapping/>
+  </p:clrMapOvr>
+  <p:transition>
+    <p:fade/>
+  </p:transition>
+  <p:timing>
+    <p:tnLst>
+      <p:par>
+        <p:cTn id="1" dur="indefinite" restart="never" nodeType="tmRoot"/>
+      </p:par>
+    </p:tnLst>
+  </p:timing>
+</p:sld>
+</file>
+
+<file path=ppt/slides/slide22.xml><?xml version="1.0" encoding="utf-8"?>
+<p:sld xmlns:a="http://schemas.openxmlformats.org/drawingml/2006/main" xmlns:r="http://schemas.openxmlformats.org/officeDocument/2006/relationships" xmlns:p="http://schemas.openxmlformats.org/presentationml/2006/main">
+  <p:cSld>
+    <p:spTree>
+      <p:nvGrpSpPr>
+        <p:cNvPr id="1" name=""/>
+        <p:cNvGrpSpPr/>
+        <p:nvPr/>
+      </p:nvGrpSpPr>
+      <p:grpSpPr>
+        <a:xfrm>
+          <a:off x="0" y="0"/>
+          <a:ext cx="0" cy="0"/>
+          <a:chOff x="0" y="0"/>
+          <a:chExt cx="0" cy="0"/>
+        </a:xfrm>
+      </p:grpSpPr>
+      <p:sp>
+        <p:nvSpPr>
+          <p:cNvPr id="2" name="Titre 1"/>
+          <p:cNvSpPr>
+            <a:spLocks noGrp="1"/>
+          </p:cNvSpPr>
+          <p:nvPr>
+            <p:ph type="title"/>
+          </p:nvPr>
+        </p:nvSpPr>
+        <p:spPr/>
+        <p:txBody>
+          <a:bodyPr/>
+          <a:lstStyle/>
+          <a:p>
+            <a:r>
+              <a:rPr lang="fr-FR" b="1" dirty="0" smtClean="0">
+                <a:ln w="1905"/>
+                <a:gradFill>
+                  <a:gsLst>
+                    <a:gs pos="0">
+                      <a:schemeClr val="accent6">
+                        <a:shade val="20000"/>
+                        <a:satMod val="200000"/>
+                      </a:schemeClr>
+                    </a:gs>
+                    <a:gs pos="78000">
+                      <a:schemeClr val="accent6">
+                        <a:tint val="90000"/>
+                        <a:shade val="89000"/>
+                        <a:satMod val="220000"/>
+                      </a:schemeClr>
+                    </a:gs>
+                    <a:gs pos="100000">
+                      <a:schemeClr val="accent6">
+                        <a:tint val="12000"/>
+                        <a:satMod val="255000"/>
+                      </a:schemeClr>
+                    </a:gs>
+                  </a:gsLst>
+                  <a:lin ang="5400000"/>
+                </a:gradFill>
+                <a:effectLst>
+                  <a:innerShdw blurRad="69850" dist="43180" dir="5400000">
+                    <a:srgbClr val="000000">
+                      <a:alpha val="65000"/>
+                    </a:srgbClr>
+                  </a:innerShdw>
+                  <a:reflection blurRad="6350" stA="55000" endA="300" endPos="45500" dir="5400000" sy="-100000" algn="bl" rotWithShape="0"/>
+                </a:effectLst>
+              </a:rPr>
+              <a:t>Résolution des batailles</a:t>
+            </a:r>
+            <a:endParaRPr lang="fr-FR" dirty="0"/>
+          </a:p>
         </p:txBody>
       </p:sp>
       <p:sp>
@@ -15043,25 +16209,737 @@
             <p:ph idx="1"/>
           </p:nvPr>
         </p:nvSpPr>
-        <p:spPr>
-          <a:xfrm>
-            <a:off x="457200" y="1935480"/>
-            <a:ext cx="8229600" cy="4708230"/>
-          </a:xfrm>
-        </p:spPr>
+        <p:spPr/>
         <p:txBody>
-          <a:bodyPr>
-            <a:normAutofit/>
-          </a:bodyPr>
+          <a:bodyPr/>
           <a:lstStyle/>
           <a:p>
-            <a:endParaRPr lang="fr-FR" dirty="0" smtClean="0"/>
-          </a:p>
-          <a:p>
+            <a:pPr lvl="0">
+              <a:buNone/>
+              <a:defRPr/>
+            </a:pPr>
+            <a:r>
+              <a:rPr lang="fr-FR" sz="2400" b="1" smtClean="0">
+                <a:ln w="1905"/>
+                <a:gradFill>
+                  <a:gsLst>
+                    <a:gs pos="0">
+                      <a:schemeClr val="accent6">
+                        <a:shade val="20000"/>
+                        <a:satMod val="200000"/>
+                      </a:schemeClr>
+                    </a:gs>
+                    <a:gs pos="78000">
+                      <a:schemeClr val="accent6">
+                        <a:tint val="90000"/>
+                        <a:shade val="89000"/>
+                        <a:satMod val="220000"/>
+                      </a:schemeClr>
+                    </a:gs>
+                    <a:gs pos="100000">
+                      <a:schemeClr val="accent6">
+                        <a:tint val="12000"/>
+                        <a:satMod val="255000"/>
+                      </a:schemeClr>
+                    </a:gs>
+                  </a:gsLst>
+                  <a:lin ang="5400000"/>
+                </a:gradFill>
+                <a:effectLst>
+                  <a:innerShdw blurRad="69850" dist="43180" dir="5400000">
+                    <a:srgbClr val="000000">
+                      <a:alpha val="65000"/>
+                    </a:srgbClr>
+                  </a:innerShdw>
+                  <a:reflection blurRad="6350" stA="55000" endA="300" endPos="45500" dir="5400000" sy="-100000" algn="bl" rotWithShape="0"/>
+                </a:effectLst>
+              </a:rPr>
+              <a:t>II/Combats </a:t>
+            </a:r>
+            <a:endParaRPr lang="fr-FR" sz="2400" b="1" dirty="0" smtClean="0">
+              <a:ln w="1905"/>
+              <a:gradFill>
+                <a:gsLst>
+                  <a:gs pos="0">
+                    <a:schemeClr val="accent6">
+                      <a:shade val="20000"/>
+                      <a:satMod val="200000"/>
+                    </a:schemeClr>
+                  </a:gs>
+                  <a:gs pos="78000">
+                    <a:schemeClr val="accent6">
+                      <a:tint val="90000"/>
+                      <a:shade val="89000"/>
+                      <a:satMod val="220000"/>
+                    </a:schemeClr>
+                  </a:gs>
+                  <a:gs pos="100000">
+                    <a:schemeClr val="accent6">
+                      <a:tint val="12000"/>
+                      <a:satMod val="255000"/>
+                    </a:schemeClr>
+                  </a:gs>
+                </a:gsLst>
+                <a:lin ang="5400000"/>
+              </a:gradFill>
+              <a:effectLst>
+                <a:innerShdw blurRad="69850" dist="43180" dir="5400000">
+                  <a:srgbClr val="000000">
+                    <a:alpha val="65000"/>
+                  </a:srgbClr>
+                </a:innerShdw>
+                <a:reflection blurRad="6350" stA="55000" endA="300" endPos="45500" dir="5400000" sy="-100000" algn="bl" rotWithShape="0"/>
+              </a:effectLst>
+            </a:endParaRPr>
+          </a:p>
+          <a:p>
+            <a:r>
+              <a:rPr lang="fr-FR" sz="2400" dirty="0" smtClean="0"/>
+              <a:t> Lorsque </a:t>
+            </a:r>
+            <a:r>
+              <a:rPr lang="fr-FR" sz="2400" dirty="0" smtClean="0"/>
+              <a:t>des </a:t>
+            </a:r>
+            <a:r>
+              <a:rPr lang="fr-FR" sz="2400" dirty="0" err="1" smtClean="0"/>
+              <a:t>Warriors</a:t>
+            </a:r>
+            <a:r>
+              <a:rPr lang="fr-FR" sz="2400" dirty="0" smtClean="0"/>
+              <a:t> d’au moins deux camps différents désirant prendre contrôle du nœud se trouvent côte à côte, un combat s’engage pour déterminer quel sera le camp gagnant, et quels seront les perdants</a:t>
+            </a:r>
+            <a:r>
+              <a:rPr lang="fr-FR" sz="2400" dirty="0" smtClean="0"/>
+              <a:t>.</a:t>
+            </a:r>
+          </a:p>
+          <a:p>
+            <a:r>
+              <a:rPr lang="fr-FR" sz="2400" dirty="0" smtClean="0"/>
+              <a:t>Chaque threads de chaque équipe lance 1 dé (0 à 100), l’équipe qui aura la plus grosse somme remporte la victoire:  c’est-à-dire la possession du nœud et la destruction des ennemis. Si une équipe possède déjà le nœud un bonus lui est accordé .</a:t>
+            </a:r>
+            <a:endParaRPr lang="fr-FR" sz="2400" dirty="0" smtClean="0"/>
+          </a:p>
+          <a:p>
+            <a:pPr>
+              <a:defRPr/>
+            </a:pPr>
+            <a:endParaRPr lang="fr-FR" sz="2400" dirty="0" smtClean="0"/>
+          </a:p>
+          <a:p>
+            <a:pPr lvl="0">
+              <a:buNone/>
+              <a:defRPr/>
+            </a:pPr>
+            <a:endParaRPr lang="fr-FR" sz="2400" b="1" dirty="0" smtClean="0">
+              <a:ln w="1905"/>
+              <a:gradFill>
+                <a:gsLst>
+                  <a:gs pos="0">
+                    <a:schemeClr val="accent6">
+                      <a:shade val="20000"/>
+                      <a:satMod val="200000"/>
+                    </a:schemeClr>
+                  </a:gs>
+                  <a:gs pos="78000">
+                    <a:schemeClr val="accent6">
+                      <a:tint val="90000"/>
+                      <a:shade val="89000"/>
+                      <a:satMod val="220000"/>
+                    </a:schemeClr>
+                  </a:gs>
+                  <a:gs pos="100000">
+                    <a:schemeClr val="accent6">
+                      <a:tint val="12000"/>
+                      <a:satMod val="255000"/>
+                    </a:schemeClr>
+                  </a:gs>
+                </a:gsLst>
+                <a:lin ang="5400000"/>
+              </a:gradFill>
+              <a:effectLst>
+                <a:innerShdw blurRad="69850" dist="43180" dir="5400000">
+                  <a:srgbClr val="000000">
+                    <a:alpha val="65000"/>
+                  </a:srgbClr>
+                </a:innerShdw>
+                <a:reflection blurRad="6350" stA="55000" endA="300" endPos="45500" dir="5400000" sy="-100000" algn="bl" rotWithShape="0"/>
+              </a:effectLst>
+            </a:endParaRPr>
+          </a:p>
+          <a:p>
+            <a:pPr lvl="0">
+              <a:buNone/>
+              <a:defRPr/>
+            </a:pPr>
             <a:endParaRPr lang="fr-FR" dirty="0"/>
           </a:p>
         </p:txBody>
       </p:sp>
+    </p:spTree>
+  </p:cSld>
+  <p:clrMapOvr>
+    <a:masterClrMapping/>
+  </p:clrMapOvr>
+  <p:transition>
+    <p:fade/>
+  </p:transition>
+  <p:timing>
+    <p:tnLst>
+      <p:par>
+        <p:cTn id="1" dur="indefinite" restart="never" nodeType="tmRoot"/>
+      </p:par>
+    </p:tnLst>
+  </p:timing>
+</p:sld>
+</file>
+
+<file path=ppt/slides/slide23.xml><?xml version="1.0" encoding="utf-8"?>
+<p:sld xmlns:a="http://schemas.openxmlformats.org/drawingml/2006/main" xmlns:r="http://schemas.openxmlformats.org/officeDocument/2006/relationships" xmlns:p="http://schemas.openxmlformats.org/presentationml/2006/main">
+  <p:cSld>
+    <p:spTree>
+      <p:nvGrpSpPr>
+        <p:cNvPr id="1" name=""/>
+        <p:cNvGrpSpPr/>
+        <p:nvPr/>
+      </p:nvGrpSpPr>
+      <p:grpSpPr>
+        <a:xfrm>
+          <a:off x="0" y="0"/>
+          <a:ext cx="0" cy="0"/>
+          <a:chOff x="0" y="0"/>
+          <a:chExt cx="0" cy="0"/>
+        </a:xfrm>
+      </p:grpSpPr>
+      <p:sp>
+        <p:nvSpPr>
+          <p:cNvPr id="2" name="Titre 1"/>
+          <p:cNvSpPr>
+            <a:spLocks noGrp="1"/>
+          </p:cNvSpPr>
+          <p:nvPr>
+            <p:ph type="title"/>
+          </p:nvPr>
+        </p:nvSpPr>
+        <p:spPr/>
+        <p:txBody>
+          <a:bodyPr/>
+          <a:lstStyle/>
+          <a:p>
+            <a:r>
+              <a:rPr lang="fr-FR" b="1" dirty="0" smtClean="0">
+                <a:ln w="1905"/>
+                <a:gradFill>
+                  <a:gsLst>
+                    <a:gs pos="0">
+                      <a:schemeClr val="accent6">
+                        <a:shade val="20000"/>
+                        <a:satMod val="200000"/>
+                      </a:schemeClr>
+                    </a:gs>
+                    <a:gs pos="78000">
+                      <a:schemeClr val="accent6">
+                        <a:tint val="90000"/>
+                        <a:shade val="89000"/>
+                        <a:satMod val="220000"/>
+                      </a:schemeClr>
+                    </a:gs>
+                    <a:gs pos="100000">
+                      <a:schemeClr val="accent6">
+                        <a:tint val="12000"/>
+                        <a:satMod val="255000"/>
+                      </a:schemeClr>
+                    </a:gs>
+                  </a:gsLst>
+                  <a:lin ang="5400000"/>
+                </a:gradFill>
+                <a:effectLst>
+                  <a:innerShdw blurRad="69850" dist="43180" dir="5400000">
+                    <a:srgbClr val="000000">
+                      <a:alpha val="65000"/>
+                    </a:srgbClr>
+                  </a:innerShdw>
+                  <a:reflection blurRad="6350" stA="55000" endA="300" endPos="45500" dir="5400000" sy="-100000" algn="bl" rotWithShape="0"/>
+                </a:effectLst>
+              </a:rPr>
+              <a:t>Résolution des batailles</a:t>
+            </a:r>
+            <a:endParaRPr lang="fr-FR" dirty="0"/>
+          </a:p>
+        </p:txBody>
+      </p:sp>
+      <p:sp>
+        <p:nvSpPr>
+          <p:cNvPr id="3" name="Espace réservé du contenu 2"/>
+          <p:cNvSpPr>
+            <a:spLocks noGrp="1"/>
+          </p:cNvSpPr>
+          <p:nvPr>
+            <p:ph idx="1"/>
+          </p:nvPr>
+        </p:nvSpPr>
+        <p:spPr/>
+        <p:txBody>
+          <a:bodyPr/>
+          <a:lstStyle/>
+          <a:p>
+            <a:pPr lvl="0">
+              <a:buNone/>
+              <a:defRPr/>
+            </a:pPr>
+            <a:r>
+              <a:rPr lang="fr-FR" sz="2400" b="1" dirty="0" smtClean="0">
+                <a:ln w="1905"/>
+                <a:gradFill>
+                  <a:gsLst>
+                    <a:gs pos="0">
+                      <a:schemeClr val="accent6">
+                        <a:shade val="20000"/>
+                        <a:satMod val="200000"/>
+                      </a:schemeClr>
+                    </a:gs>
+                    <a:gs pos="78000">
+                      <a:schemeClr val="accent6">
+                        <a:tint val="90000"/>
+                        <a:shade val="89000"/>
+                        <a:satMod val="220000"/>
+                      </a:schemeClr>
+                    </a:gs>
+                    <a:gs pos="100000">
+                      <a:schemeClr val="accent6">
+                        <a:tint val="12000"/>
+                        <a:satMod val="255000"/>
+                      </a:schemeClr>
+                    </a:gs>
+                  </a:gsLst>
+                  <a:lin ang="5400000"/>
+                </a:gradFill>
+                <a:effectLst>
+                  <a:innerShdw blurRad="69850" dist="43180" dir="5400000">
+                    <a:srgbClr val="000000">
+                      <a:alpha val="65000"/>
+                    </a:srgbClr>
+                  </a:innerShdw>
+                  <a:reflection blurRad="6350" stA="55000" endA="300" endPos="45500" dir="5400000" sy="-100000" algn="bl" rotWithShape="0"/>
+                </a:effectLst>
+              </a:rPr>
+              <a:t>III/Capture du nœud  </a:t>
+            </a:r>
+          </a:p>
+          <a:p>
+            <a:r>
+              <a:rPr lang="fr-FR" sz="2400" dirty="0" smtClean="0"/>
+              <a:t> Pour conquérir un nœud :</a:t>
+            </a:r>
+          </a:p>
+          <a:p>
+            <a:pPr lvl="1"/>
+            <a:r>
+              <a:rPr lang="fr-FR" sz="2200" dirty="0" smtClean="0"/>
+              <a:t>Le nombre de </a:t>
+            </a:r>
+            <a:r>
+              <a:rPr lang="fr-FR" sz="2200" dirty="0" err="1" smtClean="0"/>
+              <a:t>warriors</a:t>
+            </a:r>
+            <a:r>
+              <a:rPr lang="fr-FR" sz="2200" dirty="0" smtClean="0"/>
+              <a:t> du mêmes camp doit être égal ou supérieur au coefficient du nœud (entre 0 et 5).</a:t>
+            </a:r>
+          </a:p>
+          <a:p>
+            <a:pPr lvl="1"/>
+            <a:r>
+              <a:rPr lang="fr-FR" sz="2200" dirty="0" smtClean="0"/>
+              <a:t>Les </a:t>
+            </a:r>
+            <a:r>
+              <a:rPr lang="fr-FR" sz="2200" dirty="0" err="1" smtClean="0"/>
+              <a:t>warriors</a:t>
+            </a:r>
+            <a:r>
+              <a:rPr lang="fr-FR" sz="2200" dirty="0" smtClean="0"/>
+              <a:t> doivent être en mode capture</a:t>
+            </a:r>
+          </a:p>
+          <a:p>
+            <a:pPr lvl="1"/>
+            <a:endParaRPr lang="fr-FR" sz="2200" dirty="0" smtClean="0"/>
+          </a:p>
+          <a:p>
+            <a:pPr>
+              <a:buNone/>
+            </a:pPr>
+            <a:r>
+              <a:rPr lang="fr-FR" dirty="0" smtClean="0"/>
+              <a:t>	Si ces conditions sont remplis le nœud est capturé!</a:t>
+            </a:r>
+            <a:br>
+              <a:rPr lang="fr-FR" dirty="0" smtClean="0"/>
+            </a:br>
+            <a:r>
+              <a:rPr lang="fr-FR" dirty="0" smtClean="0"/>
+              <a:t>L’autre moyen de capturer le nœud est la victoire après une bataille.</a:t>
+            </a:r>
+          </a:p>
+          <a:p>
+            <a:pPr lvl="0">
+              <a:buNone/>
+              <a:defRPr/>
+            </a:pPr>
+            <a:endParaRPr lang="fr-FR" sz="2400" b="1" dirty="0" smtClean="0">
+              <a:ln w="1905"/>
+              <a:gradFill>
+                <a:gsLst>
+                  <a:gs pos="0">
+                    <a:schemeClr val="accent6">
+                      <a:shade val="20000"/>
+                      <a:satMod val="200000"/>
+                    </a:schemeClr>
+                  </a:gs>
+                  <a:gs pos="78000">
+                    <a:schemeClr val="accent6">
+                      <a:tint val="90000"/>
+                      <a:shade val="89000"/>
+                      <a:satMod val="220000"/>
+                    </a:schemeClr>
+                  </a:gs>
+                  <a:gs pos="100000">
+                    <a:schemeClr val="accent6">
+                      <a:tint val="12000"/>
+                      <a:satMod val="255000"/>
+                    </a:schemeClr>
+                  </a:gs>
+                </a:gsLst>
+                <a:lin ang="5400000"/>
+              </a:gradFill>
+              <a:effectLst>
+                <a:innerShdw blurRad="69850" dist="43180" dir="5400000">
+                  <a:srgbClr val="000000">
+                    <a:alpha val="65000"/>
+                  </a:srgbClr>
+                </a:innerShdw>
+                <a:reflection blurRad="6350" stA="55000" endA="300" endPos="45500" dir="5400000" sy="-100000" algn="bl" rotWithShape="0"/>
+              </a:effectLst>
+            </a:endParaRPr>
+          </a:p>
+          <a:p>
+            <a:pPr lvl="0">
+              <a:buNone/>
+              <a:defRPr/>
+            </a:pPr>
+            <a:endParaRPr lang="fr-FR" dirty="0"/>
+          </a:p>
+        </p:txBody>
+      </p:sp>
+    </p:spTree>
+  </p:cSld>
+  <p:clrMapOvr>
+    <a:masterClrMapping/>
+  </p:clrMapOvr>
+  <p:transition>
+    <p:fade/>
+  </p:transition>
+  <p:timing>
+    <p:tnLst>
+      <p:par>
+        <p:cTn id="1" dur="indefinite" restart="never" nodeType="tmRoot"/>
+      </p:par>
+    </p:tnLst>
+  </p:timing>
+</p:sld>
+</file>
+
+<file path=ppt/slides/slide3.xml><?xml version="1.0" encoding="utf-8"?>
+<p:sld xmlns:a="http://schemas.openxmlformats.org/drawingml/2006/main" xmlns:r="http://schemas.openxmlformats.org/officeDocument/2006/relationships" xmlns:p="http://schemas.openxmlformats.org/presentationml/2006/main">
+  <p:cSld>
+    <p:spTree>
+      <p:nvGrpSpPr>
+        <p:cNvPr id="1" name=""/>
+        <p:cNvGrpSpPr/>
+        <p:nvPr/>
+      </p:nvGrpSpPr>
+      <p:grpSpPr>
+        <a:xfrm>
+          <a:off x="0" y="0"/>
+          <a:ext cx="0" cy="0"/>
+          <a:chOff x="0" y="0"/>
+          <a:chExt cx="0" cy="0"/>
+        </a:xfrm>
+      </p:grpSpPr>
+      <p:sp>
+        <p:nvSpPr>
+          <p:cNvPr id="2" name="Titre 1"/>
+          <p:cNvSpPr>
+            <a:spLocks noGrp="1"/>
+          </p:cNvSpPr>
+          <p:nvPr>
+            <p:ph type="title"/>
+          </p:nvPr>
+        </p:nvSpPr>
+        <p:spPr/>
+        <p:txBody>
+          <a:bodyPr/>
+          <a:lstStyle/>
+          <a:p>
+            <a:r>
+              <a:rPr lang="fr-FR" b="1" dirty="0" smtClean="0">
+                <a:ln w="1905"/>
+                <a:gradFill>
+                  <a:gsLst>
+                    <a:gs pos="0">
+                      <a:schemeClr val="accent6">
+                        <a:shade val="20000"/>
+                        <a:satMod val="200000"/>
+                      </a:schemeClr>
+                    </a:gs>
+                    <a:gs pos="78000">
+                      <a:schemeClr val="accent6">
+                        <a:tint val="90000"/>
+                        <a:shade val="89000"/>
+                        <a:satMod val="220000"/>
+                      </a:schemeClr>
+                    </a:gs>
+                    <a:gs pos="100000">
+                      <a:schemeClr val="accent6">
+                        <a:tint val="12000"/>
+                        <a:satMod val="255000"/>
+                      </a:schemeClr>
+                    </a:gs>
+                  </a:gsLst>
+                  <a:lin ang="5400000"/>
+                </a:gradFill>
+                <a:effectLst>
+                  <a:innerShdw blurRad="69850" dist="43180" dir="5400000">
+                    <a:srgbClr val="000000">
+                      <a:alpha val="65000"/>
+                    </a:srgbClr>
+                  </a:innerShdw>
+                  <a:reflection blurRad="6350" stA="55000" endA="300" endPos="45500" dir="5400000" sy="-100000" algn="bl" rotWithShape="0"/>
+                </a:effectLst>
+              </a:rPr>
+              <a:t>Le réseau virtuel</a:t>
+            </a:r>
+            <a:endParaRPr lang="fr-FR" b="1" dirty="0">
+              <a:ln w="1905"/>
+              <a:gradFill>
+                <a:gsLst>
+                  <a:gs pos="0">
+                    <a:schemeClr val="accent6">
+                      <a:shade val="20000"/>
+                      <a:satMod val="200000"/>
+                    </a:schemeClr>
+                  </a:gs>
+                  <a:gs pos="78000">
+                    <a:schemeClr val="accent6">
+                      <a:tint val="90000"/>
+                      <a:shade val="89000"/>
+                      <a:satMod val="220000"/>
+                    </a:schemeClr>
+                  </a:gs>
+                  <a:gs pos="100000">
+                    <a:schemeClr val="accent6">
+                      <a:tint val="12000"/>
+                      <a:satMod val="255000"/>
+                    </a:schemeClr>
+                  </a:gs>
+                </a:gsLst>
+                <a:lin ang="5400000"/>
+              </a:gradFill>
+              <a:effectLst>
+                <a:innerShdw blurRad="69850" dist="43180" dir="5400000">
+                  <a:srgbClr val="000000">
+                    <a:alpha val="65000"/>
+                  </a:srgbClr>
+                </a:innerShdw>
+                <a:reflection blurRad="6350" stA="55000" endA="300" endPos="45500" dir="5400000" sy="-100000" algn="bl" rotWithShape="0"/>
+              </a:effectLst>
+            </a:endParaRPr>
+          </a:p>
+        </p:txBody>
+      </p:sp>
+      <p:sp>
+        <p:nvSpPr>
+          <p:cNvPr id="3" name="Espace réservé du contenu 2"/>
+          <p:cNvSpPr>
+            <a:spLocks noGrp="1"/>
+          </p:cNvSpPr>
+          <p:nvPr>
+            <p:ph idx="1"/>
+          </p:nvPr>
+        </p:nvSpPr>
+        <p:spPr/>
+        <p:txBody>
+          <a:bodyPr/>
+          <a:lstStyle/>
+          <a:p>
+            <a:pPr>
+              <a:buNone/>
+            </a:pPr>
+            <a:r>
+              <a:rPr lang="fr-FR" b="1" dirty="0" smtClean="0">
+                <a:ln w="1905"/>
+                <a:gradFill>
+                  <a:gsLst>
+                    <a:gs pos="0">
+                      <a:schemeClr val="accent6">
+                        <a:shade val="20000"/>
+                        <a:satMod val="200000"/>
+                      </a:schemeClr>
+                    </a:gs>
+                    <a:gs pos="78000">
+                      <a:schemeClr val="accent6">
+                        <a:tint val="90000"/>
+                        <a:shade val="89000"/>
+                        <a:satMod val="220000"/>
+                      </a:schemeClr>
+                    </a:gs>
+                    <a:gs pos="100000">
+                      <a:schemeClr val="accent6">
+                        <a:tint val="12000"/>
+                        <a:satMod val="255000"/>
+                      </a:schemeClr>
+                    </a:gs>
+                  </a:gsLst>
+                  <a:lin ang="5400000"/>
+                </a:gradFill>
+                <a:effectLst>
+                  <a:innerShdw blurRad="69850" dist="43180" dir="5400000">
+                    <a:srgbClr val="000000">
+                      <a:alpha val="65000"/>
+                    </a:srgbClr>
+                  </a:innerShdw>
+                  <a:reflection blurRad="6350" stA="55000" endA="300" endPos="45500" dir="5400000" sy="-100000" algn="bl" rotWithShape="0"/>
+                </a:effectLst>
+              </a:rPr>
+              <a:t>I/ Propriétés</a:t>
+            </a:r>
+            <a:endParaRPr lang="fr-FR" b="1" dirty="0">
+              <a:ln w="1905"/>
+              <a:gradFill>
+                <a:gsLst>
+                  <a:gs pos="0">
+                    <a:schemeClr val="accent6">
+                      <a:shade val="20000"/>
+                      <a:satMod val="200000"/>
+                    </a:schemeClr>
+                  </a:gs>
+                  <a:gs pos="78000">
+                    <a:schemeClr val="accent6">
+                      <a:tint val="90000"/>
+                      <a:shade val="89000"/>
+                      <a:satMod val="220000"/>
+                    </a:schemeClr>
+                  </a:gs>
+                  <a:gs pos="100000">
+                    <a:schemeClr val="accent6">
+                      <a:tint val="12000"/>
+                      <a:satMod val="255000"/>
+                    </a:schemeClr>
+                  </a:gs>
+                </a:gsLst>
+                <a:lin ang="5400000"/>
+              </a:gradFill>
+              <a:effectLst>
+                <a:innerShdw blurRad="69850" dist="43180" dir="5400000">
+                  <a:srgbClr val="000000">
+                    <a:alpha val="65000"/>
+                  </a:srgbClr>
+                </a:innerShdw>
+                <a:reflection blurRad="6350" stA="55000" endA="300" endPos="45500" dir="5400000" sy="-100000" algn="bl" rotWithShape="0"/>
+              </a:effectLst>
+              <a:latin typeface="+mj-lt"/>
+            </a:endParaRPr>
+          </a:p>
+          <a:p>
+            <a:pPr lvl="1"/>
+            <a:r>
+              <a:rPr lang="fr-FR" dirty="0" smtClean="0"/>
+              <a:t>Crée par Dieu</a:t>
+            </a:r>
+          </a:p>
+          <a:p>
+            <a:pPr lvl="1"/>
+            <a:r>
+              <a:rPr lang="fr-FR" dirty="0" smtClean="0"/>
+              <a:t>Généré aléatoirement</a:t>
+            </a:r>
+          </a:p>
+          <a:p>
+            <a:pPr lvl="2"/>
+            <a:r>
+              <a:rPr lang="fr-FR" dirty="0" smtClean="0"/>
+              <a:t>Large choix de paramètres de génération</a:t>
+            </a:r>
+            <a:endParaRPr lang="fr-FR" b="1" dirty="0" smtClean="0">
+              <a:ln w="1905"/>
+              <a:gradFill>
+                <a:gsLst>
+                  <a:gs pos="0">
+                    <a:schemeClr val="accent6">
+                      <a:shade val="20000"/>
+                      <a:satMod val="200000"/>
+                    </a:schemeClr>
+                  </a:gs>
+                  <a:gs pos="78000">
+                    <a:schemeClr val="accent6">
+                      <a:tint val="90000"/>
+                      <a:shade val="89000"/>
+                      <a:satMod val="220000"/>
+                    </a:schemeClr>
+                  </a:gs>
+                  <a:gs pos="100000">
+                    <a:schemeClr val="accent6">
+                      <a:tint val="12000"/>
+                      <a:satMod val="255000"/>
+                    </a:schemeClr>
+                  </a:gs>
+                </a:gsLst>
+                <a:lin ang="5400000"/>
+              </a:gradFill>
+              <a:effectLst>
+                <a:innerShdw blurRad="69850" dist="43180" dir="5400000">
+                  <a:srgbClr val="000000">
+                    <a:alpha val="65000"/>
+                  </a:srgbClr>
+                </a:innerShdw>
+                <a:reflection blurRad="6350" stA="55000" endA="300" endPos="45500" dir="5400000" sy="-100000" algn="bl" rotWithShape="0"/>
+              </a:effectLst>
+            </a:endParaRPr>
+          </a:p>
+        </p:txBody>
+      </p:sp>
+      <p:pic>
+        <p:nvPicPr>
+          <p:cNvPr id="4" name="Image 3"/>
+          <p:cNvPicPr/>
+          <p:nvPr/>
+        </p:nvPicPr>
+        <p:blipFill>
+          <a:blip r:embed="rId2"/>
+          <a:srcRect/>
+          <a:stretch>
+            <a:fillRect/>
+          </a:stretch>
+        </p:blipFill>
+        <p:spPr bwMode="auto">
+          <a:xfrm>
+            <a:off x="2143108" y="3857628"/>
+            <a:ext cx="4857784" cy="2728918"/>
+          </a:xfrm>
+          <a:prstGeom prst="rect">
+            <a:avLst/>
+          </a:prstGeom>
+          <a:noFill/>
+          <a:ln w="9525">
+            <a:noFill/>
+            <a:miter lim="800000"/>
+            <a:headEnd/>
+            <a:tailEnd/>
+          </a:ln>
+        </p:spPr>
+      </p:pic>
     </p:spTree>
   </p:cSld>
   <p:clrMapOvr>
@@ -15198,397 +17076,6 @@
             <p:ph idx="1"/>
           </p:nvPr>
         </p:nvSpPr>
-        <p:spPr/>
-        <p:txBody>
-          <a:bodyPr/>
-          <a:lstStyle/>
-          <a:p>
-            <a:pPr>
-              <a:buNone/>
-            </a:pPr>
-            <a:r>
-              <a:rPr lang="fr-FR" b="1" dirty="0" smtClean="0">
-                <a:ln w="1905"/>
-                <a:gradFill>
-                  <a:gsLst>
-                    <a:gs pos="0">
-                      <a:schemeClr val="accent6">
-                        <a:shade val="20000"/>
-                        <a:satMod val="200000"/>
-                      </a:schemeClr>
-                    </a:gs>
-                    <a:gs pos="78000">
-                      <a:schemeClr val="accent6">
-                        <a:tint val="90000"/>
-                        <a:shade val="89000"/>
-                        <a:satMod val="220000"/>
-                      </a:schemeClr>
-                    </a:gs>
-                    <a:gs pos="100000">
-                      <a:schemeClr val="accent6">
-                        <a:tint val="12000"/>
-                        <a:satMod val="255000"/>
-                      </a:schemeClr>
-                    </a:gs>
-                  </a:gsLst>
-                  <a:lin ang="5400000"/>
-                </a:gradFill>
-                <a:effectLst>
-                  <a:innerShdw blurRad="69850" dist="43180" dir="5400000">
-                    <a:srgbClr val="000000">
-                      <a:alpha val="65000"/>
-                    </a:srgbClr>
-                  </a:innerShdw>
-                  <a:reflection blurRad="6350" stA="55000" endA="300" endPos="45500" dir="5400000" sy="-100000" algn="bl" rotWithShape="0"/>
-                </a:effectLst>
-              </a:rPr>
-              <a:t>I/ Propriétés</a:t>
-            </a:r>
-            <a:endParaRPr lang="fr-FR" b="1" dirty="0">
-              <a:ln w="1905"/>
-              <a:gradFill>
-                <a:gsLst>
-                  <a:gs pos="0">
-                    <a:schemeClr val="accent6">
-                      <a:shade val="20000"/>
-                      <a:satMod val="200000"/>
-                    </a:schemeClr>
-                  </a:gs>
-                  <a:gs pos="78000">
-                    <a:schemeClr val="accent6">
-                      <a:tint val="90000"/>
-                      <a:shade val="89000"/>
-                      <a:satMod val="220000"/>
-                    </a:schemeClr>
-                  </a:gs>
-                  <a:gs pos="100000">
-                    <a:schemeClr val="accent6">
-                      <a:tint val="12000"/>
-                      <a:satMod val="255000"/>
-                    </a:schemeClr>
-                  </a:gs>
-                </a:gsLst>
-                <a:lin ang="5400000"/>
-              </a:gradFill>
-              <a:effectLst>
-                <a:innerShdw blurRad="69850" dist="43180" dir="5400000">
-                  <a:srgbClr val="000000">
-                    <a:alpha val="65000"/>
-                  </a:srgbClr>
-                </a:innerShdw>
-                <a:reflection blurRad="6350" stA="55000" endA="300" endPos="45500" dir="5400000" sy="-100000" algn="bl" rotWithShape="0"/>
-              </a:effectLst>
-              <a:latin typeface="+mj-lt"/>
-            </a:endParaRPr>
-          </a:p>
-          <a:p>
-            <a:pPr lvl="1"/>
-            <a:r>
-              <a:rPr lang="fr-FR" dirty="0" smtClean="0"/>
-              <a:t>Crée par Dieu</a:t>
-            </a:r>
-          </a:p>
-          <a:p>
-            <a:pPr lvl="1"/>
-            <a:r>
-              <a:rPr lang="fr-FR" dirty="0" smtClean="0"/>
-              <a:t>Généré aléatoirement</a:t>
-            </a:r>
-          </a:p>
-          <a:p>
-            <a:pPr lvl="2"/>
-            <a:r>
-              <a:rPr lang="fr-FR" dirty="0" smtClean="0"/>
-              <a:t>Large choix de paramètres de génération</a:t>
-            </a:r>
-            <a:endParaRPr lang="fr-FR" b="1" dirty="0" smtClean="0">
-              <a:ln w="1905"/>
-              <a:gradFill>
-                <a:gsLst>
-                  <a:gs pos="0">
-                    <a:schemeClr val="accent6">
-                      <a:shade val="20000"/>
-                      <a:satMod val="200000"/>
-                    </a:schemeClr>
-                  </a:gs>
-                  <a:gs pos="78000">
-                    <a:schemeClr val="accent6">
-                      <a:tint val="90000"/>
-                      <a:shade val="89000"/>
-                      <a:satMod val="220000"/>
-                    </a:schemeClr>
-                  </a:gs>
-                  <a:gs pos="100000">
-                    <a:schemeClr val="accent6">
-                      <a:tint val="12000"/>
-                      <a:satMod val="255000"/>
-                    </a:schemeClr>
-                  </a:gs>
-                </a:gsLst>
-                <a:lin ang="5400000"/>
-              </a:gradFill>
-              <a:effectLst>
-                <a:innerShdw blurRad="69850" dist="43180" dir="5400000">
-                  <a:srgbClr val="000000">
-                    <a:alpha val="65000"/>
-                  </a:srgbClr>
-                </a:innerShdw>
-                <a:reflection blurRad="6350" stA="55000" endA="300" endPos="45500" dir="5400000" sy="-100000" algn="bl" rotWithShape="0"/>
-              </a:effectLst>
-            </a:endParaRPr>
-          </a:p>
-        </p:txBody>
-      </p:sp>
-      <p:pic>
-        <p:nvPicPr>
-          <p:cNvPr id="4" name="Image 3"/>
-          <p:cNvPicPr/>
-          <p:nvPr/>
-        </p:nvPicPr>
-        <p:blipFill>
-          <a:blip r:embed="rId2"/>
-          <a:srcRect/>
-          <a:stretch>
-            <a:fillRect/>
-          </a:stretch>
-        </p:blipFill>
-        <p:spPr bwMode="auto">
-          <a:xfrm>
-            <a:off x="2143108" y="3857628"/>
-            <a:ext cx="4857784" cy="2728918"/>
-          </a:xfrm>
-          <a:prstGeom prst="rect">
-            <a:avLst/>
-          </a:prstGeom>
-          <a:noFill/>
-          <a:ln w="9525">
-            <a:noFill/>
-            <a:miter lim="800000"/>
-            <a:headEnd/>
-            <a:tailEnd/>
-          </a:ln>
-        </p:spPr>
-      </p:pic>
-    </p:spTree>
-  </p:cSld>
-  <p:clrMapOvr>
-    <a:masterClrMapping/>
-  </p:clrMapOvr>
-  <p:transition>
-    <p:fade/>
-  </p:transition>
-  <p:timing>
-    <p:tnLst>
-      <p:par>
-        <p:cTn id="1" dur="indefinite" restart="never" nodeType="tmRoot">
-          <p:childTnLst>
-            <p:seq concurrent="1" nextAc="seek">
-              <p:cTn id="2" dur="indefinite" nodeType="mainSeq">
-                <p:childTnLst>
-                  <p:par>
-                    <p:cTn id="3" fill="hold">
-                      <p:stCondLst>
-                        <p:cond delay="indefinite"/>
-                      </p:stCondLst>
-                      <p:childTnLst>
-                        <p:par>
-                          <p:cTn id="4" fill="hold">
-                            <p:stCondLst>
-                              <p:cond delay="0"/>
-                            </p:stCondLst>
-                            <p:childTnLst>
-                              <p:par>
-                                <p:cTn id="5" presetID="10" presetClass="entr" presetSubtype="0" fill="hold" nodeType="clickEffect">
-                                  <p:stCondLst>
-                                    <p:cond delay="0"/>
-                                  </p:stCondLst>
-                                  <p:childTnLst>
-                                    <p:set>
-                                      <p:cBhvr>
-                                        <p:cTn id="6" dur="1" fill="hold">
-                                          <p:stCondLst>
-                                            <p:cond delay="0"/>
-                                          </p:stCondLst>
-                                        </p:cTn>
-                                        <p:tgtEl>
-                                          <p:spTgt spid="3">
-                                            <p:txEl>
-                                              <p:pRg st="0" end="0"/>
-                                            </p:txEl>
-                                          </p:spTgt>
-                                        </p:tgtEl>
-                                        <p:attrNameLst>
-                                          <p:attrName>style.visibility</p:attrName>
-                                        </p:attrNameLst>
-                                      </p:cBhvr>
-                                      <p:to>
-                                        <p:strVal val="visible"/>
-                                      </p:to>
-                                    </p:set>
-                                    <p:animEffect transition="in" filter="fade">
-                                      <p:cBhvr>
-                                        <p:cTn id="7" dur="2000"/>
-                                        <p:tgtEl>
-                                          <p:spTgt spid="3">
-                                            <p:txEl>
-                                              <p:pRg st="0" end="0"/>
-                                            </p:txEl>
-                                          </p:spTgt>
-                                        </p:tgtEl>
-                                      </p:cBhvr>
-                                    </p:animEffect>
-                                  </p:childTnLst>
-                                </p:cTn>
-                              </p:par>
-                            </p:childTnLst>
-                          </p:cTn>
-                        </p:par>
-                      </p:childTnLst>
-                    </p:cTn>
-                  </p:par>
-                </p:childTnLst>
-              </p:cTn>
-              <p:prevCondLst>
-                <p:cond evt="onPrev" delay="0">
-                  <p:tgtEl>
-                    <p:sldTgt/>
-                  </p:tgtEl>
-                </p:cond>
-              </p:prevCondLst>
-              <p:nextCondLst>
-                <p:cond evt="onNext" delay="0">
-                  <p:tgtEl>
-                    <p:sldTgt/>
-                  </p:tgtEl>
-                </p:cond>
-              </p:nextCondLst>
-            </p:seq>
-          </p:childTnLst>
-        </p:cTn>
-      </p:par>
-    </p:tnLst>
-  </p:timing>
-</p:sld>
-</file>
-
-<file path=ppt/slides/slide5.xml><?xml version="1.0" encoding="utf-8"?>
-<p:sld xmlns:a="http://schemas.openxmlformats.org/drawingml/2006/main" xmlns:r="http://schemas.openxmlformats.org/officeDocument/2006/relationships" xmlns:p="http://schemas.openxmlformats.org/presentationml/2006/main">
-  <p:cSld>
-    <p:spTree>
-      <p:nvGrpSpPr>
-        <p:cNvPr id="1" name=""/>
-        <p:cNvGrpSpPr/>
-        <p:nvPr/>
-      </p:nvGrpSpPr>
-      <p:grpSpPr>
-        <a:xfrm>
-          <a:off x="0" y="0"/>
-          <a:ext cx="0" cy="0"/>
-          <a:chOff x="0" y="0"/>
-          <a:chExt cx="0" cy="0"/>
-        </a:xfrm>
-      </p:grpSpPr>
-      <p:sp>
-        <p:nvSpPr>
-          <p:cNvPr id="2" name="Titre 1"/>
-          <p:cNvSpPr>
-            <a:spLocks noGrp="1"/>
-          </p:cNvSpPr>
-          <p:nvPr>
-            <p:ph type="title"/>
-          </p:nvPr>
-        </p:nvSpPr>
-        <p:spPr/>
-        <p:txBody>
-          <a:bodyPr/>
-          <a:lstStyle/>
-          <a:p>
-            <a:r>
-              <a:rPr lang="fr-FR" b="1" dirty="0" smtClean="0">
-                <a:ln w="1905"/>
-                <a:gradFill>
-                  <a:gsLst>
-                    <a:gs pos="0">
-                      <a:schemeClr val="accent6">
-                        <a:shade val="20000"/>
-                        <a:satMod val="200000"/>
-                      </a:schemeClr>
-                    </a:gs>
-                    <a:gs pos="78000">
-                      <a:schemeClr val="accent6">
-                        <a:tint val="90000"/>
-                        <a:shade val="89000"/>
-                        <a:satMod val="220000"/>
-                      </a:schemeClr>
-                    </a:gs>
-                    <a:gs pos="100000">
-                      <a:schemeClr val="accent6">
-                        <a:tint val="12000"/>
-                        <a:satMod val="255000"/>
-                      </a:schemeClr>
-                    </a:gs>
-                  </a:gsLst>
-                  <a:lin ang="5400000"/>
-                </a:gradFill>
-                <a:effectLst>
-                  <a:innerShdw blurRad="69850" dist="43180" dir="5400000">
-                    <a:srgbClr val="000000">
-                      <a:alpha val="65000"/>
-                    </a:srgbClr>
-                  </a:innerShdw>
-                  <a:reflection blurRad="6350" stA="55000" endA="300" endPos="45500" dir="5400000" sy="-100000" algn="bl" rotWithShape="0"/>
-                </a:effectLst>
-              </a:rPr>
-              <a:t>Le réseau virtuel</a:t>
-            </a:r>
-            <a:endParaRPr lang="fr-FR" b="1" dirty="0">
-              <a:ln w="1905"/>
-              <a:gradFill>
-                <a:gsLst>
-                  <a:gs pos="0">
-                    <a:schemeClr val="accent6">
-                      <a:shade val="20000"/>
-                      <a:satMod val="200000"/>
-                    </a:schemeClr>
-                  </a:gs>
-                  <a:gs pos="78000">
-                    <a:schemeClr val="accent6">
-                      <a:tint val="90000"/>
-                      <a:shade val="89000"/>
-                      <a:satMod val="220000"/>
-                    </a:schemeClr>
-                  </a:gs>
-                  <a:gs pos="100000">
-                    <a:schemeClr val="accent6">
-                      <a:tint val="12000"/>
-                      <a:satMod val="255000"/>
-                    </a:schemeClr>
-                  </a:gs>
-                </a:gsLst>
-                <a:lin ang="5400000"/>
-              </a:gradFill>
-              <a:effectLst>
-                <a:innerShdw blurRad="69850" dist="43180" dir="5400000">
-                  <a:srgbClr val="000000">
-                    <a:alpha val="65000"/>
-                  </a:srgbClr>
-                </a:innerShdw>
-                <a:reflection blurRad="6350" stA="55000" endA="300" endPos="45500" dir="5400000" sy="-100000" algn="bl" rotWithShape="0"/>
-              </a:effectLst>
-            </a:endParaRPr>
-          </a:p>
-        </p:txBody>
-      </p:sp>
-      <p:sp>
-        <p:nvSpPr>
-          <p:cNvPr id="3" name="Espace réservé du contenu 2"/>
-          <p:cNvSpPr>
-            <a:spLocks noGrp="1"/>
-          </p:cNvSpPr>
-          <p:nvPr>
-            <p:ph idx="1"/>
-          </p:nvPr>
-        </p:nvSpPr>
         <p:spPr>
           <a:xfrm>
             <a:off x="457200" y="1935480"/>
@@ -15697,7 +17184,6 @@
               <a:rPr lang="fr-FR" dirty="0" smtClean="0"/>
               <a:t>Pour chaque nœud</a:t>
             </a:r>
-            <a:endParaRPr lang="fr-FR" dirty="0" smtClean="0"/>
           </a:p>
           <a:p>
             <a:pPr lvl="2"/>
@@ -16270,7 +17756,7 @@
 </p:sld>
 </file>
 
-<file path=ppt/slides/slide6.xml><?xml version="1.0" encoding="utf-8"?>
+<file path=ppt/slides/slide5.xml><?xml version="1.0" encoding="utf-8"?>
 <p:sld xmlns:a="http://schemas.openxmlformats.org/drawingml/2006/main" xmlns:r="http://schemas.openxmlformats.org/officeDocument/2006/relationships" xmlns:p="http://schemas.openxmlformats.org/presentationml/2006/main">
   <p:cSld>
     <p:spTree>
@@ -16566,98 +18052,14 @@
   <p:timing>
     <p:tnLst>
       <p:par>
-        <p:cTn id="1" dur="indefinite" restart="never" nodeType="tmRoot">
-          <p:childTnLst>
-            <p:seq concurrent="1" nextAc="seek">
-              <p:cTn id="2" dur="indefinite" nodeType="mainSeq">
-                <p:childTnLst>
-                  <p:par>
-                    <p:cTn id="3" fill="hold">
-                      <p:stCondLst>
-                        <p:cond delay="indefinite"/>
-                      </p:stCondLst>
-                      <p:childTnLst>
-                        <p:par>
-                          <p:cTn id="4" fill="hold">
-                            <p:stCondLst>
-                              <p:cond delay="0"/>
-                            </p:stCondLst>
-                            <p:childTnLst>
-                              <p:par>
-                                <p:cTn id="5" presetID="10" presetClass="entr" presetSubtype="0" fill="hold" nodeType="clickEffect">
-                                  <p:stCondLst>
-                                    <p:cond delay="0"/>
-                                  </p:stCondLst>
-                                  <p:childTnLst>
-                                    <p:set>
-                                      <p:cBhvr>
-                                        <p:cTn id="6" dur="1" fill="hold">
-                                          <p:stCondLst>
-                                            <p:cond delay="0"/>
-                                          </p:stCondLst>
-                                        </p:cTn>
-                                        <p:tgtEl>
-                                          <p:spTgt spid="3">
-                                            <p:txEl>
-                                              <p:pRg st="0" end="0"/>
-                                            </p:txEl>
-                                          </p:spTgt>
-                                        </p:tgtEl>
-                                        <p:attrNameLst>
-                                          <p:attrName>style.visibility</p:attrName>
-                                        </p:attrNameLst>
-                                      </p:cBhvr>
-                                      <p:to>
-                                        <p:strVal val="visible"/>
-                                      </p:to>
-                                    </p:set>
-                                    <p:animEffect transition="in" filter="fade">
-                                      <p:cBhvr>
-                                        <p:cTn id="7" dur="2000"/>
-                                        <p:tgtEl>
-                                          <p:spTgt spid="3">
-                                            <p:txEl>
-                                              <p:pRg st="0" end="0"/>
-                                            </p:txEl>
-                                          </p:spTgt>
-                                        </p:tgtEl>
-                                      </p:cBhvr>
-                                    </p:animEffect>
-                                  </p:childTnLst>
-                                </p:cTn>
-                              </p:par>
-                            </p:childTnLst>
-                          </p:cTn>
-                        </p:par>
-                      </p:childTnLst>
-                    </p:cTn>
-                  </p:par>
-                </p:childTnLst>
-              </p:cTn>
-              <p:prevCondLst>
-                <p:cond evt="onPrev" delay="0">
-                  <p:tgtEl>
-                    <p:sldTgt/>
-                  </p:tgtEl>
-                </p:cond>
-              </p:prevCondLst>
-              <p:nextCondLst>
-                <p:cond evt="onNext" delay="0">
-                  <p:tgtEl>
-                    <p:sldTgt/>
-                  </p:tgtEl>
-                </p:cond>
-              </p:nextCondLst>
-            </p:seq>
-          </p:childTnLst>
-        </p:cTn>
+        <p:cTn id="1" dur="indefinite" restart="never" nodeType="tmRoot"/>
       </p:par>
     </p:tnLst>
   </p:timing>
 </p:sld>
 </file>
 
-<file path=ppt/slides/slide7.xml><?xml version="1.0" encoding="utf-8"?>
+<file path=ppt/slides/slide6.xml><?xml version="1.0" encoding="utf-8"?>
 <p:sld xmlns:a="http://schemas.openxmlformats.org/drawingml/2006/main" xmlns:r="http://schemas.openxmlformats.org/officeDocument/2006/relationships" xmlns:p="http://schemas.openxmlformats.org/presentationml/2006/main">
   <p:cSld>
     <p:spTree>
@@ -16878,10 +18280,17 @@
   <p:transition>
     <p:fade/>
   </p:transition>
+  <p:timing>
+    <p:tnLst>
+      <p:par>
+        <p:cTn id="1" dur="indefinite" restart="never" nodeType="tmRoot"/>
+      </p:par>
+    </p:tnLst>
+  </p:timing>
 </p:sld>
 </file>
 
-<file path=ppt/slides/slide8.xml><?xml version="1.0" encoding="utf-8"?>
+<file path=ppt/slides/slide7.xml><?xml version="1.0" encoding="utf-8"?>
 <p:sld xmlns:a="http://schemas.openxmlformats.org/drawingml/2006/main" xmlns:r="http://schemas.openxmlformats.org/officeDocument/2006/relationships" xmlns:p="http://schemas.openxmlformats.org/presentationml/2006/main">
   <p:cSld>
     <p:spTree>
@@ -17011,81 +18420,8 @@
                   <a:reflection blurRad="6350" stA="55000" endA="300" endPos="45500" dir="5400000" sy="-100000" algn="bl" rotWithShape="0"/>
                 </a:effectLst>
               </a:rPr>
-              <a:t>II/ </a:t>
-            </a:r>
-            <a:r>
-              <a:rPr lang="fr-FR" b="1" dirty="0" smtClean="0">
-                <a:ln w="1905"/>
-                <a:gradFill>
-                  <a:gsLst>
-                    <a:gs pos="0">
-                      <a:schemeClr val="accent6">
-                        <a:shade val="20000"/>
-                        <a:satMod val="200000"/>
-                      </a:schemeClr>
-                    </a:gs>
-                    <a:gs pos="78000">
-                      <a:schemeClr val="accent6">
-                        <a:tint val="90000"/>
-                        <a:shade val="89000"/>
-                        <a:satMod val="220000"/>
-                      </a:schemeClr>
-                    </a:gs>
-                    <a:gs pos="100000">
-                      <a:schemeClr val="accent6">
-                        <a:tint val="12000"/>
-                        <a:satMod val="255000"/>
-                      </a:schemeClr>
-                    </a:gs>
-                  </a:gsLst>
-                  <a:lin ang="5400000"/>
-                </a:gradFill>
-                <a:effectLst>
-                  <a:innerShdw blurRad="69850" dist="43180" dir="5400000">
-                    <a:srgbClr val="000000">
-                      <a:alpha val="65000"/>
-                    </a:srgbClr>
-                  </a:innerShdw>
-                  <a:reflection blurRad="6350" stA="55000" endA="300" endPos="45500" dir="5400000" sy="-100000" algn="bl" rotWithShape="0"/>
-                </a:effectLst>
-              </a:rPr>
-              <a:t>Déploiement du graphe</a:t>
-            </a:r>
-            <a:endParaRPr lang="fr-FR" b="1" dirty="0" smtClean="0">
-              <a:ln w="1905"/>
-              <a:gradFill>
-                <a:gsLst>
-                  <a:gs pos="0">
-                    <a:schemeClr val="accent6">
-                      <a:shade val="20000"/>
-                      <a:satMod val="200000"/>
-                    </a:schemeClr>
-                  </a:gs>
-                  <a:gs pos="78000">
-                    <a:schemeClr val="accent6">
-                      <a:tint val="90000"/>
-                      <a:shade val="89000"/>
-                      <a:satMod val="220000"/>
-                    </a:schemeClr>
-                  </a:gs>
-                  <a:gs pos="100000">
-                    <a:schemeClr val="accent6">
-                      <a:tint val="12000"/>
-                      <a:satMod val="255000"/>
-                    </a:schemeClr>
-                  </a:gs>
-                </a:gsLst>
-                <a:lin ang="5400000"/>
-              </a:gradFill>
-              <a:effectLst>
-                <a:innerShdw blurRad="69850" dist="43180" dir="5400000">
-                  <a:srgbClr val="000000">
-                    <a:alpha val="65000"/>
-                  </a:srgbClr>
-                </a:innerShdw>
-                <a:reflection blurRad="6350" stA="55000" endA="300" endPos="45500" dir="5400000" sy="-100000" algn="bl" rotWithShape="0"/>
-              </a:effectLst>
-            </a:endParaRPr>
+              <a:t>II/ Déploiement du graphe</a:t>
+            </a:r>
           </a:p>
           <a:p>
             <a:pPr lvl="1"/>
@@ -17098,23 +18434,14 @@
             <a:pPr lvl="2"/>
             <a:r>
               <a:rPr lang="fr-FR" dirty="0" smtClean="0"/>
-              <a:t>La liste des </a:t>
-            </a:r>
+              <a:t>La liste des nœuds</a:t>
+            </a:r>
+          </a:p>
+          <a:p>
+            <a:pPr lvl="2"/>
             <a:r>
               <a:rPr lang="fr-FR" dirty="0" smtClean="0"/>
-              <a:t>nœuds</a:t>
-            </a:r>
-            <a:endParaRPr lang="fr-FR" dirty="0" smtClean="0"/>
-          </a:p>
-          <a:p>
-            <a:pPr lvl="2"/>
-            <a:r>
-              <a:rPr lang="fr-FR" dirty="0" smtClean="0"/>
-              <a:t>La matrice </a:t>
-            </a:r>
-            <a:r>
-              <a:rPr lang="fr-FR" dirty="0" smtClean="0"/>
-              <a:t>d’adjacence</a:t>
+              <a:t>La matrice d’adjacence</a:t>
             </a:r>
           </a:p>
           <a:p>
@@ -17123,7 +18450,6 @@
               <a:rPr lang="fr-FR" dirty="0" smtClean="0"/>
               <a:t>Au moins une machine cliente ( un fidèle )</a:t>
             </a:r>
-            <a:endParaRPr lang="fr-FR" dirty="0" smtClean="0"/>
           </a:p>
           <a:p>
             <a:pPr lvl="1"/>
@@ -17173,10 +18499,17 @@
   <p:transition>
     <p:fade/>
   </p:transition>
+  <p:timing>
+    <p:tnLst>
+      <p:par>
+        <p:cTn id="1" dur="indefinite" restart="never" nodeType="tmRoot"/>
+      </p:par>
+    </p:tnLst>
+  </p:timing>
 </p:sld>
 </file>
 
-<file path=ppt/slides/slide9.xml><?xml version="1.0" encoding="utf-8"?>
+<file path=ppt/slides/slide8.xml><?xml version="1.0" encoding="utf-8"?>
 <p:sld xmlns:a="http://schemas.openxmlformats.org/drawingml/2006/main" xmlns:r="http://schemas.openxmlformats.org/officeDocument/2006/relationships" xmlns:p="http://schemas.openxmlformats.org/presentationml/2006/main">
   <p:cSld>
     <p:spTree>
@@ -17306,81 +18639,8 @@
                   <a:reflection blurRad="6350" stA="55000" endA="300" endPos="45500" dir="5400000" sy="-100000" algn="bl" rotWithShape="0"/>
                 </a:effectLst>
               </a:rPr>
-              <a:t>II/ </a:t>
-            </a:r>
-            <a:r>
-              <a:rPr lang="fr-FR" b="1" dirty="0" smtClean="0">
-                <a:ln w="1905"/>
-                <a:gradFill>
-                  <a:gsLst>
-                    <a:gs pos="0">
-                      <a:schemeClr val="accent6">
-                        <a:shade val="20000"/>
-                        <a:satMod val="200000"/>
-                      </a:schemeClr>
-                    </a:gs>
-                    <a:gs pos="78000">
-                      <a:schemeClr val="accent6">
-                        <a:tint val="90000"/>
-                        <a:shade val="89000"/>
-                        <a:satMod val="220000"/>
-                      </a:schemeClr>
-                    </a:gs>
-                    <a:gs pos="100000">
-                      <a:schemeClr val="accent6">
-                        <a:tint val="12000"/>
-                        <a:satMod val="255000"/>
-                      </a:schemeClr>
-                    </a:gs>
-                  </a:gsLst>
-                  <a:lin ang="5400000"/>
-                </a:gradFill>
-                <a:effectLst>
-                  <a:innerShdw blurRad="69850" dist="43180" dir="5400000">
-                    <a:srgbClr val="000000">
-                      <a:alpha val="65000"/>
-                    </a:srgbClr>
-                  </a:innerShdw>
-                  <a:reflection blurRad="6350" stA="55000" endA="300" endPos="45500" dir="5400000" sy="-100000" algn="bl" rotWithShape="0"/>
-                </a:effectLst>
-              </a:rPr>
-              <a:t>Déploiement du graphe</a:t>
-            </a:r>
-            <a:endParaRPr lang="fr-FR" b="1" dirty="0" smtClean="0">
-              <a:ln w="1905"/>
-              <a:gradFill>
-                <a:gsLst>
-                  <a:gs pos="0">
-                    <a:schemeClr val="accent6">
-                      <a:shade val="20000"/>
-                      <a:satMod val="200000"/>
-                    </a:schemeClr>
-                  </a:gs>
-                  <a:gs pos="78000">
-                    <a:schemeClr val="accent6">
-                      <a:tint val="90000"/>
-                      <a:shade val="89000"/>
-                      <a:satMod val="220000"/>
-                    </a:schemeClr>
-                  </a:gs>
-                  <a:gs pos="100000">
-                    <a:schemeClr val="accent6">
-                      <a:tint val="12000"/>
-                      <a:satMod val="255000"/>
-                    </a:schemeClr>
-                  </a:gs>
-                </a:gsLst>
-                <a:lin ang="5400000"/>
-              </a:gradFill>
-              <a:effectLst>
-                <a:innerShdw blurRad="69850" dist="43180" dir="5400000">
-                  <a:srgbClr val="000000">
-                    <a:alpha val="65000"/>
-                  </a:srgbClr>
-                </a:innerShdw>
-                <a:reflection blurRad="6350" stA="55000" endA="300" endPos="45500" dir="5400000" sy="-100000" algn="bl" rotWithShape="0"/>
-              </a:effectLst>
-            </a:endParaRPr>
+              <a:t>II/ Déploiement du graphe</a:t>
+            </a:r>
           </a:p>
           <a:p>
             <a:pPr lvl="1"/>
@@ -17469,6 +18729,319 @@
   <p:transition>
     <p:fade/>
   </p:transition>
+  <p:timing>
+    <p:tnLst>
+      <p:par>
+        <p:cTn id="1" dur="indefinite" restart="never" nodeType="tmRoot"/>
+      </p:par>
+    </p:tnLst>
+  </p:timing>
+</p:sld>
+</file>
+
+<file path=ppt/slides/slide9.xml><?xml version="1.0" encoding="utf-8"?>
+<p:sld xmlns:a="http://schemas.openxmlformats.org/drawingml/2006/main" xmlns:r="http://schemas.openxmlformats.org/officeDocument/2006/relationships" xmlns:p="http://schemas.openxmlformats.org/presentationml/2006/main">
+  <p:cSld>
+    <p:spTree>
+      <p:nvGrpSpPr>
+        <p:cNvPr id="1" name=""/>
+        <p:cNvGrpSpPr/>
+        <p:nvPr/>
+      </p:nvGrpSpPr>
+      <p:grpSpPr>
+        <a:xfrm>
+          <a:off x="0" y="0"/>
+          <a:ext cx="0" cy="0"/>
+          <a:chOff x="0" y="0"/>
+          <a:chExt cx="0" cy="0"/>
+        </a:xfrm>
+      </p:grpSpPr>
+      <p:sp>
+        <p:nvSpPr>
+          <p:cNvPr id="2" name="Titre 1"/>
+          <p:cNvSpPr>
+            <a:spLocks noGrp="1"/>
+          </p:cNvSpPr>
+          <p:nvPr>
+            <p:ph type="title"/>
+          </p:nvPr>
+        </p:nvSpPr>
+        <p:spPr/>
+        <p:txBody>
+          <a:bodyPr/>
+          <a:lstStyle/>
+          <a:p>
+            <a:r>
+              <a:rPr lang="fr-FR" b="1" dirty="0" smtClean="0">
+                <a:ln w="1905"/>
+                <a:gradFill>
+                  <a:gsLst>
+                    <a:gs pos="0">
+                      <a:schemeClr val="accent6">
+                        <a:shade val="20000"/>
+                        <a:satMod val="200000"/>
+                      </a:schemeClr>
+                    </a:gs>
+                    <a:gs pos="78000">
+                      <a:schemeClr val="accent6">
+                        <a:tint val="90000"/>
+                        <a:shade val="89000"/>
+                        <a:satMod val="220000"/>
+                      </a:schemeClr>
+                    </a:gs>
+                    <a:gs pos="100000">
+                      <a:schemeClr val="accent6">
+                        <a:tint val="12000"/>
+                        <a:satMod val="255000"/>
+                      </a:schemeClr>
+                    </a:gs>
+                  </a:gsLst>
+                  <a:lin ang="5400000"/>
+                </a:gradFill>
+                <a:effectLst>
+                  <a:innerShdw blurRad="69850" dist="43180" dir="5400000">
+                    <a:srgbClr val="000000">
+                      <a:alpha val="65000"/>
+                    </a:srgbClr>
+                  </a:innerShdw>
+                  <a:reflection blurRad="6350" stA="55000" endA="300" endPos="45500" dir="5400000" sy="-100000" algn="bl" rotWithShape="0"/>
+                </a:effectLst>
+              </a:rPr>
+              <a:t>Le réseau virtuel</a:t>
+            </a:r>
+            <a:endParaRPr lang="fr-FR" dirty="0"/>
+          </a:p>
+        </p:txBody>
+      </p:sp>
+      <p:sp>
+        <p:nvSpPr>
+          <p:cNvPr id="3" name="Espace réservé du contenu 2"/>
+          <p:cNvSpPr>
+            <a:spLocks noGrp="1"/>
+          </p:cNvSpPr>
+          <p:nvPr>
+            <p:ph idx="1"/>
+          </p:nvPr>
+        </p:nvSpPr>
+        <p:spPr/>
+        <p:txBody>
+          <a:bodyPr/>
+          <a:lstStyle/>
+          <a:p>
+            <a:pPr>
+              <a:buNone/>
+            </a:pPr>
+            <a:r>
+              <a:rPr lang="fr-FR" b="1" dirty="0" smtClean="0">
+                <a:ln w="1905"/>
+                <a:gradFill>
+                  <a:gsLst>
+                    <a:gs pos="0">
+                      <a:schemeClr val="accent6">
+                        <a:shade val="20000"/>
+                        <a:satMod val="200000"/>
+                      </a:schemeClr>
+                    </a:gs>
+                    <a:gs pos="78000">
+                      <a:schemeClr val="accent6">
+                        <a:tint val="90000"/>
+                        <a:shade val="89000"/>
+                        <a:satMod val="220000"/>
+                      </a:schemeClr>
+                    </a:gs>
+                    <a:gs pos="100000">
+                      <a:schemeClr val="accent6">
+                        <a:tint val="12000"/>
+                        <a:satMod val="255000"/>
+                      </a:schemeClr>
+                    </a:gs>
+                  </a:gsLst>
+                  <a:lin ang="5400000"/>
+                </a:gradFill>
+                <a:effectLst>
+                  <a:innerShdw blurRad="69850" dist="43180" dir="5400000">
+                    <a:srgbClr val="000000">
+                      <a:alpha val="65000"/>
+                    </a:srgbClr>
+                  </a:innerShdw>
+                  <a:reflection blurRad="6350" stA="55000" endA="300" endPos="45500" dir="5400000" sy="-100000" algn="bl" rotWithShape="0"/>
+                </a:effectLst>
+              </a:rPr>
+              <a:t>II/ Visualisation du jeu</a:t>
+            </a:r>
+          </a:p>
+          <a:p>
+            <a:pPr lvl="1"/>
+            <a:r>
+              <a:rPr lang="fr-FR" dirty="0" smtClean="0"/>
+              <a:t>Centralisé au niveau de Dieu</a:t>
+            </a:r>
+          </a:p>
+          <a:p>
+            <a:pPr lvl="2"/>
+            <a:r>
+              <a:rPr lang="fr-FR" dirty="0" smtClean="0"/>
+              <a:t>Suivi  du jeu lisible et ludique</a:t>
+            </a:r>
+          </a:p>
+          <a:p>
+            <a:pPr lvl="1"/>
+            <a:r>
+              <a:rPr lang="fr-FR" dirty="0" smtClean="0"/>
+              <a:t>Réception des évènements dans une FIFO</a:t>
+            </a:r>
+          </a:p>
+          <a:p>
+            <a:pPr lvl="2"/>
+            <a:r>
+              <a:rPr lang="fr-FR" dirty="0" smtClean="0"/>
+              <a:t>Deux types de trames reçues</a:t>
+            </a:r>
+          </a:p>
+          <a:p>
+            <a:pPr lvl="3"/>
+            <a:r>
+              <a:rPr lang="fr-FR" dirty="0" smtClean="0"/>
+              <a:t>Trame de modification de l’état d’un nœud</a:t>
+            </a:r>
+          </a:p>
+          <a:p>
+            <a:pPr lvl="4"/>
+            <a:r>
+              <a:rPr lang="fr-FR" dirty="0" smtClean="0"/>
+              <a:t>Nouveau thread</a:t>
+            </a:r>
+          </a:p>
+          <a:p>
+            <a:pPr lvl="4"/>
+            <a:r>
+              <a:rPr lang="fr-FR" dirty="0" smtClean="0"/>
+              <a:t>Suppression thread</a:t>
+            </a:r>
+          </a:p>
+          <a:p>
+            <a:pPr lvl="4"/>
+            <a:r>
+              <a:rPr lang="fr-FR" dirty="0" smtClean="0"/>
+              <a:t>Capture du nœud, etc.</a:t>
+            </a:r>
+          </a:p>
+          <a:p>
+            <a:pPr lvl="3"/>
+            <a:r>
+              <a:rPr lang="fr-FR" dirty="0" smtClean="0"/>
+              <a:t>Trame de modification de l’état d’un thread</a:t>
+            </a:r>
+          </a:p>
+          <a:p>
+            <a:pPr lvl="4"/>
+            <a:r>
+              <a:rPr lang="fr-FR" dirty="0" smtClean="0"/>
+              <a:t>Déplacement d’un thread</a:t>
+            </a:r>
+          </a:p>
+          <a:p>
+            <a:pPr lvl="2"/>
+            <a:endParaRPr lang="fr-FR" dirty="0" smtClean="0"/>
+          </a:p>
+          <a:p>
+            <a:pPr>
+              <a:buNone/>
+            </a:pPr>
+            <a:endParaRPr lang="fr-FR" b="1" dirty="0" smtClean="0">
+              <a:ln w="1905"/>
+              <a:gradFill>
+                <a:gsLst>
+                  <a:gs pos="0">
+                    <a:schemeClr val="accent6">
+                      <a:shade val="20000"/>
+                      <a:satMod val="200000"/>
+                    </a:schemeClr>
+                  </a:gs>
+                  <a:gs pos="78000">
+                    <a:schemeClr val="accent6">
+                      <a:tint val="90000"/>
+                      <a:shade val="89000"/>
+                      <a:satMod val="220000"/>
+                    </a:schemeClr>
+                  </a:gs>
+                  <a:gs pos="100000">
+                    <a:schemeClr val="accent6">
+                      <a:tint val="12000"/>
+                      <a:satMod val="255000"/>
+                    </a:schemeClr>
+                  </a:gs>
+                </a:gsLst>
+                <a:lin ang="5400000"/>
+              </a:gradFill>
+              <a:effectLst>
+                <a:innerShdw blurRad="69850" dist="43180" dir="5400000">
+                  <a:srgbClr val="000000">
+                    <a:alpha val="65000"/>
+                  </a:srgbClr>
+                </a:innerShdw>
+                <a:reflection blurRad="6350" stA="55000" endA="300" endPos="45500" dir="5400000" sy="-100000" algn="bl" rotWithShape="0"/>
+              </a:effectLst>
+            </a:endParaRPr>
+          </a:p>
+          <a:p>
+            <a:pPr lvl="1"/>
+            <a:endParaRPr lang="fr-FR" b="1" dirty="0" smtClean="0">
+              <a:ln w="1905"/>
+              <a:gradFill>
+                <a:gsLst>
+                  <a:gs pos="0">
+                    <a:schemeClr val="accent6">
+                      <a:shade val="20000"/>
+                      <a:satMod val="200000"/>
+                    </a:schemeClr>
+                  </a:gs>
+                  <a:gs pos="78000">
+                    <a:schemeClr val="accent6">
+                      <a:tint val="90000"/>
+                      <a:shade val="89000"/>
+                      <a:satMod val="220000"/>
+                    </a:schemeClr>
+                  </a:gs>
+                  <a:gs pos="100000">
+                    <a:schemeClr val="accent6">
+                      <a:tint val="12000"/>
+                      <a:satMod val="255000"/>
+                    </a:schemeClr>
+                  </a:gs>
+                </a:gsLst>
+                <a:lin ang="5400000"/>
+              </a:gradFill>
+              <a:effectLst>
+                <a:innerShdw blurRad="69850" dist="43180" dir="5400000">
+                  <a:srgbClr val="000000">
+                    <a:alpha val="65000"/>
+                  </a:srgbClr>
+                </a:innerShdw>
+                <a:reflection blurRad="6350" stA="55000" endA="300" endPos="45500" dir="5400000" sy="-100000" algn="bl" rotWithShape="0"/>
+              </a:effectLst>
+            </a:endParaRPr>
+          </a:p>
+          <a:p>
+            <a:endParaRPr lang="fr-FR" dirty="0"/>
+          </a:p>
+        </p:txBody>
+      </p:sp>
+    </p:spTree>
+  </p:cSld>
+  <p:clrMapOvr>
+    <a:masterClrMapping/>
+  </p:clrMapOvr>
+  <p:transition>
+    <p:fade/>
+  </p:transition>
+  <p:timing>
+    <p:tnLst>
+      <p:par>
+        <p:cTn id="1" dur="indefinite" restart="never" nodeType="tmRoot"/>
+      </p:par>
+    </p:tnLst>
+  </p:timing>
 </p:sld>
 </file>
 
